--- a/Courses/Software-Sciences/Module-4-Information-Systems-New/13-Information-System-Testing/13-Information-System-Testing.pptx
+++ b/Courses/Software-Sciences/Module-4-Information-Systems-New/13-Information-System-Testing/13-Information-System-Testing.pptx
@@ -285,7 +285,7 @@
           <a:p>
             <a:fld id="{4E087215-0C8F-4762-A664-737A353EC9A4}" type="datetimeFigureOut">
               <a:rPr lang="bg-BG" smtClean="0"/>
-              <a:t>20.08.24 г.</a:t>
+              <a:t>6.09.24 г.</a:t>
             </a:fld>
             <a:endParaRPr lang="bg-BG"/>
           </a:p>
@@ -481,7 +481,7 @@
           <a:p>
             <a:fld id="{72D84649-876A-46C9-8472-14CB09C070D8}" type="datetimeFigureOut">
               <a:rPr lang="en-US" smtClean="0"/>
-              <a:t>8/20/24</a:t>
+              <a:t>9/6/24</a:t>
             </a:fld>
             <a:endParaRPr lang="en-US"/>
           </a:p>
@@ -8242,9 +8242,6 @@
                     <p:cTn id="3" fill="hold">
                       <p:stCondLst>
                         <p:cond delay="indefinite"/>
-                        <p:cond evt="onBegin" delay="0">
-                          <p:tn val="2"/>
-                        </p:cond>
                       </p:stCondLst>
                       <p:childTnLst>
                         <p:par>
@@ -8254,7 +8251,7 @@
                             </p:stCondLst>
                             <p:childTnLst>
                               <p:par>
-                                <p:cTn id="5" presetID="1" presetClass="entr" presetSubtype="0" fill="hold" nodeType="withEffect">
+                                <p:cTn id="5" presetID="1" presetClass="entr" presetSubtype="0" fill="hold" nodeType="clickEffect">
                                   <p:stCondLst>
                                     <p:cond delay="0"/>
                                   </p:stCondLst>
@@ -8269,7 +8266,7 @@
                                         <p:tgtEl>
                                           <p:spTgt spid="3">
                                             <p:txEl>
-                                              <p:pRg st="0" end="0"/>
+                                              <p:pRg st="1" end="1"/>
                                             </p:txEl>
                                           </p:spTgt>
                                         </p:tgtEl>
@@ -8318,7 +8315,7 @@
                                         <p:tgtEl>
                                           <p:spTgt spid="3">
                                             <p:txEl>
-                                              <p:pRg st="1" end="1"/>
+                                              <p:pRg st="2" end="2"/>
                                             </p:txEl>
                                           </p:spTgt>
                                         </p:tgtEl>
@@ -8367,7 +8364,7 @@
                                         <p:tgtEl>
                                           <p:spTgt spid="3">
                                             <p:txEl>
-                                              <p:pRg st="2" end="2"/>
+                                              <p:pRg st="3" end="3"/>
                                             </p:txEl>
                                           </p:spTgt>
                                         </p:tgtEl>
@@ -8409,37 +8406,6 @@
                                     <p:set>
                                       <p:cBhvr>
                                         <p:cTn id="18" dur="1" fill="hold">
-                                          <p:stCondLst>
-                                            <p:cond delay="0"/>
-                                          </p:stCondLst>
-                                        </p:cTn>
-                                        <p:tgtEl>
-                                          <p:spTgt spid="3">
-                                            <p:txEl>
-                                              <p:pRg st="3" end="3"/>
-                                            </p:txEl>
-                                          </p:spTgt>
-                                        </p:tgtEl>
-                                        <p:attrNameLst>
-                                          <p:attrName>style.visibility</p:attrName>
-                                        </p:attrNameLst>
-                                      </p:cBhvr>
-                                      <p:to>
-                                        <p:strVal val="visible"/>
-                                      </p:to>
-                                    </p:set>
-                                  </p:childTnLst>
-                                </p:cTn>
-                              </p:par>
-                              <p:par>
-                                <p:cTn id="19" presetID="1" presetClass="entr" presetSubtype="0" fill="hold" nodeType="withEffect">
-                                  <p:stCondLst>
-                                    <p:cond delay="0"/>
-                                  </p:stCondLst>
-                                  <p:childTnLst>
-                                    <p:set>
-                                      <p:cBhvr>
-                                        <p:cTn id="20" dur="1" fill="hold">
                                           <p:stCondLst>
                                             <p:cond delay="0"/>
                                           </p:stCondLst>
@@ -9004,9 +8970,6 @@
                     <p:cTn id="3" fill="hold">
                       <p:stCondLst>
                         <p:cond delay="indefinite"/>
-                        <p:cond evt="onBegin" delay="0">
-                          <p:tn val="2"/>
-                        </p:cond>
                       </p:stCondLst>
                       <p:childTnLst>
                         <p:par>
@@ -9016,7 +8979,7 @@
                             </p:stCondLst>
                             <p:childTnLst>
                               <p:par>
-                                <p:cTn id="5" presetID="1" presetClass="entr" presetSubtype="0" fill="hold" nodeType="withEffect">
+                                <p:cTn id="5" presetID="1" presetClass="entr" presetSubtype="0" fill="hold" nodeType="clickEffect">
                                   <p:stCondLst>
                                     <p:cond delay="0"/>
                                   </p:stCondLst>
@@ -9031,7 +8994,7 @@
                                         <p:tgtEl>
                                           <p:spTgt spid="3">
                                             <p:txEl>
-                                              <p:pRg st="0" end="0"/>
+                                              <p:pRg st="1" end="1"/>
                                             </p:txEl>
                                           </p:spTgt>
                                         </p:tgtEl>
@@ -9080,37 +9043,6 @@
                                         <p:tgtEl>
                                           <p:spTgt spid="3">
                                             <p:txEl>
-                                              <p:pRg st="1" end="1"/>
-                                            </p:txEl>
-                                          </p:spTgt>
-                                        </p:tgtEl>
-                                        <p:attrNameLst>
-                                          <p:attrName>style.visibility</p:attrName>
-                                        </p:attrNameLst>
-                                      </p:cBhvr>
-                                      <p:to>
-                                        <p:strVal val="visible"/>
-                                      </p:to>
-                                    </p:set>
-                                  </p:childTnLst>
-                                </p:cTn>
-                              </p:par>
-                              <p:par>
-                                <p:cTn id="11" presetID="1" presetClass="entr" presetSubtype="0" fill="hold" nodeType="withEffect">
-                                  <p:stCondLst>
-                                    <p:cond delay="0"/>
-                                  </p:stCondLst>
-                                  <p:childTnLst>
-                                    <p:set>
-                                      <p:cBhvr>
-                                        <p:cTn id="12" dur="1" fill="hold">
-                                          <p:stCondLst>
-                                            <p:cond delay="0"/>
-                                          </p:stCondLst>
-                                        </p:cTn>
-                                        <p:tgtEl>
-                                          <p:spTgt spid="3">
-                                            <p:txEl>
                                               <p:pRg st="2" end="2"/>
                                             </p:txEl>
                                           </p:spTgt>
@@ -9133,26 +9065,26 @@
                     </p:cTn>
                   </p:par>
                   <p:par>
-                    <p:cTn id="13" fill="hold">
+                    <p:cTn id="11" fill="hold">
                       <p:stCondLst>
                         <p:cond delay="indefinite"/>
                       </p:stCondLst>
                       <p:childTnLst>
                         <p:par>
-                          <p:cTn id="14" fill="hold">
+                          <p:cTn id="12" fill="hold">
                             <p:stCondLst>
                               <p:cond delay="0"/>
                             </p:stCondLst>
                             <p:childTnLst>
                               <p:par>
-                                <p:cTn id="15" presetID="1" presetClass="entr" presetSubtype="0" fill="hold" nodeType="clickEffect">
+                                <p:cTn id="13" presetID="1" presetClass="entr" presetSubtype="0" fill="hold" nodeType="clickEffect">
                                   <p:stCondLst>
                                     <p:cond delay="0"/>
                                   </p:stCondLst>
                                   <p:childTnLst>
                                     <p:set>
                                       <p:cBhvr>
-                                        <p:cTn id="16" dur="1" fill="hold">
+                                        <p:cTn id="14" dur="1" fill="hold">
                                           <p:stCondLst>
                                             <p:cond delay="0"/>
                                           </p:stCondLst>
@@ -9182,26 +9114,26 @@
                     </p:cTn>
                   </p:par>
                   <p:par>
-                    <p:cTn id="17" fill="hold">
+                    <p:cTn id="15" fill="hold">
                       <p:stCondLst>
                         <p:cond delay="indefinite"/>
                       </p:stCondLst>
                       <p:childTnLst>
                         <p:par>
-                          <p:cTn id="18" fill="hold">
+                          <p:cTn id="16" fill="hold">
                             <p:stCondLst>
                               <p:cond delay="0"/>
                             </p:stCondLst>
                             <p:childTnLst>
                               <p:par>
-                                <p:cTn id="19" presetID="1" presetClass="entr" presetSubtype="0" fill="hold" nodeType="clickEffect">
+                                <p:cTn id="17" presetID="1" presetClass="entr" presetSubtype="0" fill="hold" nodeType="clickEffect">
                                   <p:stCondLst>
                                     <p:cond delay="0"/>
                                   </p:stCondLst>
                                   <p:childTnLst>
                                     <p:set>
                                       <p:cBhvr>
-                                        <p:cTn id="20" dur="1" fill="hold">
+                                        <p:cTn id="18" dur="1" fill="hold">
                                           <p:stCondLst>
                                             <p:cond delay="0"/>
                                           </p:stCondLst>
@@ -9224,8 +9156,26 @@
                                   </p:childTnLst>
                                 </p:cTn>
                               </p:par>
+                            </p:childTnLst>
+                          </p:cTn>
+                        </p:par>
+                      </p:childTnLst>
+                    </p:cTn>
+                  </p:par>
+                  <p:par>
+                    <p:cTn id="19" fill="hold">
+                      <p:stCondLst>
+                        <p:cond delay="indefinite"/>
+                      </p:stCondLst>
+                      <p:childTnLst>
+                        <p:par>
+                          <p:cTn id="20" fill="hold">
+                            <p:stCondLst>
+                              <p:cond delay="0"/>
+                            </p:stCondLst>
+                            <p:childTnLst>
                               <p:par>
-                                <p:cTn id="21" presetID="1" presetClass="entr" presetSubtype="0" fill="hold" nodeType="withEffect">
+                                <p:cTn id="21" presetID="1" presetClass="entr" presetSubtype="0" fill="hold" nodeType="clickEffect">
                                   <p:stCondLst>
                                     <p:cond delay="0"/>
                                   </p:stCondLst>
@@ -9578,9 +9528,6 @@
                     <p:cTn id="3" fill="hold">
                       <p:stCondLst>
                         <p:cond delay="indefinite"/>
-                        <p:cond evt="onBegin" delay="0">
-                          <p:tn val="2"/>
-                        </p:cond>
                       </p:stCondLst>
                       <p:childTnLst>
                         <p:par>
@@ -9590,7 +9537,7 @@
                             </p:stCondLst>
                             <p:childTnLst>
                               <p:par>
-                                <p:cTn id="5" presetID="1" presetClass="entr" presetSubtype="0" fill="hold" nodeType="withEffect">
+                                <p:cTn id="5" presetID="1" presetClass="entr" presetSubtype="0" fill="hold" nodeType="clickEffect">
                                   <p:stCondLst>
                                     <p:cond delay="0"/>
                                   </p:stCondLst>
@@ -9605,7 +9552,7 @@
                                         <p:tgtEl>
                                           <p:spTgt spid="3">
                                             <p:txEl>
-                                              <p:pRg st="0" end="0"/>
+                                              <p:pRg st="1" end="1"/>
                                             </p:txEl>
                                           </p:spTgt>
                                         </p:tgtEl>
@@ -9654,7 +9601,7 @@
                                         <p:tgtEl>
                                           <p:spTgt spid="3">
                                             <p:txEl>
-                                              <p:pRg st="1" end="1"/>
+                                              <p:pRg st="2" end="2"/>
                                             </p:txEl>
                                           </p:spTgt>
                                         </p:tgtEl>
@@ -9696,37 +9643,6 @@
                                     <p:set>
                                       <p:cBhvr>
                                         <p:cTn id="14" dur="1" fill="hold">
-                                          <p:stCondLst>
-                                            <p:cond delay="0"/>
-                                          </p:stCondLst>
-                                        </p:cTn>
-                                        <p:tgtEl>
-                                          <p:spTgt spid="3">
-                                            <p:txEl>
-                                              <p:pRg st="2" end="2"/>
-                                            </p:txEl>
-                                          </p:spTgt>
-                                        </p:tgtEl>
-                                        <p:attrNameLst>
-                                          <p:attrName>style.visibility</p:attrName>
-                                        </p:attrNameLst>
-                                      </p:cBhvr>
-                                      <p:to>
-                                        <p:strVal val="visible"/>
-                                      </p:to>
-                                    </p:set>
-                                  </p:childTnLst>
-                                </p:cTn>
-                              </p:par>
-                              <p:par>
-                                <p:cTn id="15" presetID="1" presetClass="entr" presetSubtype="0" fill="hold" nodeType="withEffect">
-                                  <p:stCondLst>
-                                    <p:cond delay="0"/>
-                                  </p:stCondLst>
-                                  <p:childTnLst>
-                                    <p:set>
-                                      <p:cBhvr>
-                                        <p:cTn id="16" dur="1" fill="hold">
                                           <p:stCondLst>
                                             <p:cond delay="0"/>
                                           </p:stCondLst>
@@ -10116,9 +10032,6 @@
                     <p:cTn id="3" fill="hold">
                       <p:stCondLst>
                         <p:cond delay="indefinite"/>
-                        <p:cond evt="onBegin" delay="0">
-                          <p:tn val="2"/>
-                        </p:cond>
                       </p:stCondLst>
                       <p:childTnLst>
                         <p:par>
@@ -10128,7 +10041,7 @@
                             </p:stCondLst>
                             <p:childTnLst>
                               <p:par>
-                                <p:cTn id="5" presetID="1" presetClass="entr" presetSubtype="0" fill="hold" nodeType="withEffect">
+                                <p:cTn id="5" presetID="1" presetClass="entr" presetSubtype="0" fill="hold" nodeType="clickEffect">
                                   <p:stCondLst>
                                     <p:cond delay="0"/>
                                   </p:stCondLst>
@@ -10136,37 +10049,6 @@
                                     <p:set>
                                       <p:cBhvr>
                                         <p:cTn id="6" dur="1" fill="hold">
-                                          <p:stCondLst>
-                                            <p:cond delay="0"/>
-                                          </p:stCondLst>
-                                        </p:cTn>
-                                        <p:tgtEl>
-                                          <p:spTgt spid="3">
-                                            <p:txEl>
-                                              <p:pRg st="0" end="0"/>
-                                            </p:txEl>
-                                          </p:spTgt>
-                                        </p:tgtEl>
-                                        <p:attrNameLst>
-                                          <p:attrName>style.visibility</p:attrName>
-                                        </p:attrNameLst>
-                                      </p:cBhvr>
-                                      <p:to>
-                                        <p:strVal val="visible"/>
-                                      </p:to>
-                                    </p:set>
-                                  </p:childTnLst>
-                                </p:cTn>
-                              </p:par>
-                              <p:par>
-                                <p:cTn id="7" presetID="1" presetClass="entr" presetSubtype="0" fill="hold" nodeType="withEffect">
-                                  <p:stCondLst>
-                                    <p:cond delay="0"/>
-                                  </p:stCondLst>
-                                  <p:childTnLst>
-                                    <p:set>
-                                      <p:cBhvr>
-                                        <p:cTn id="8" dur="1" fill="hold">
                                           <p:stCondLst>
                                             <p:cond delay="0"/>
                                           </p:stCondLst>
@@ -10196,26 +10078,26 @@
                     </p:cTn>
                   </p:par>
                   <p:par>
-                    <p:cTn id="9" fill="hold">
+                    <p:cTn id="7" fill="hold">
                       <p:stCondLst>
                         <p:cond delay="indefinite"/>
                       </p:stCondLst>
                       <p:childTnLst>
                         <p:par>
-                          <p:cTn id="10" fill="hold">
+                          <p:cTn id="8" fill="hold">
                             <p:stCondLst>
                               <p:cond delay="0"/>
                             </p:stCondLst>
                             <p:childTnLst>
                               <p:par>
-                                <p:cTn id="11" presetID="1" presetClass="entr" presetSubtype="0" fill="hold" nodeType="clickEffect">
+                                <p:cTn id="9" presetID="1" presetClass="entr" presetSubtype="0" fill="hold" nodeType="clickEffect">
                                   <p:stCondLst>
                                     <p:cond delay="0"/>
                                   </p:stCondLst>
                                   <p:childTnLst>
                                     <p:set>
                                       <p:cBhvr>
-                                        <p:cTn id="12" dur="1" fill="hold">
+                                        <p:cTn id="10" dur="1" fill="hold">
                                           <p:stCondLst>
                                             <p:cond delay="0"/>
                                           </p:stCondLst>
@@ -10245,26 +10127,26 @@
                     </p:cTn>
                   </p:par>
                   <p:par>
-                    <p:cTn id="13" fill="hold">
+                    <p:cTn id="11" fill="hold">
                       <p:stCondLst>
                         <p:cond delay="indefinite"/>
                       </p:stCondLst>
                       <p:childTnLst>
                         <p:par>
-                          <p:cTn id="14" fill="hold">
+                          <p:cTn id="12" fill="hold">
                             <p:stCondLst>
                               <p:cond delay="0"/>
                             </p:stCondLst>
                             <p:childTnLst>
                               <p:par>
-                                <p:cTn id="15" presetID="1" presetClass="entr" presetSubtype="0" fill="hold" nodeType="clickEffect">
+                                <p:cTn id="13" presetID="1" presetClass="entr" presetSubtype="0" fill="hold" nodeType="clickEffect">
                                   <p:stCondLst>
                                     <p:cond delay="0"/>
                                   </p:stCondLst>
                                   <p:childTnLst>
                                     <p:set>
                                       <p:cBhvr>
-                                        <p:cTn id="16" dur="1" fill="hold">
+                                        <p:cTn id="14" dur="1" fill="hold">
                                           <p:stCondLst>
                                             <p:cond delay="0"/>
                                           </p:stCondLst>
@@ -10287,8 +10169,26 @@
                                   </p:childTnLst>
                                 </p:cTn>
                               </p:par>
+                            </p:childTnLst>
+                          </p:cTn>
+                        </p:par>
+                      </p:childTnLst>
+                    </p:cTn>
+                  </p:par>
+                  <p:par>
+                    <p:cTn id="15" fill="hold">
+                      <p:stCondLst>
+                        <p:cond delay="indefinite"/>
+                      </p:stCondLst>
+                      <p:childTnLst>
+                        <p:par>
+                          <p:cTn id="16" fill="hold">
+                            <p:stCondLst>
+                              <p:cond delay="0"/>
+                            </p:stCondLst>
+                            <p:childTnLst>
                               <p:par>
-                                <p:cTn id="17" presetID="1" presetClass="entr" presetSubtype="0" fill="hold" nodeType="withEffect">
+                                <p:cTn id="17" presetID="1" presetClass="entr" presetSubtype="0" fill="hold" nodeType="clickEffect">
                                   <p:stCondLst>
                                     <p:cond delay="0"/>
                                   </p:stCondLst>
@@ -10750,9 +10650,6 @@
                     <p:cTn id="3" fill="hold">
                       <p:stCondLst>
                         <p:cond delay="indefinite"/>
-                        <p:cond evt="onBegin" delay="0">
-                          <p:tn val="2"/>
-                        </p:cond>
                       </p:stCondLst>
                       <p:childTnLst>
                         <p:par>
@@ -10762,7 +10659,7 @@
                             </p:stCondLst>
                             <p:childTnLst>
                               <p:par>
-                                <p:cTn id="5" presetID="1" presetClass="entr" presetSubtype="0" fill="hold" grpId="0" nodeType="withEffect">
+                                <p:cTn id="5" presetID="1" presetClass="entr" presetSubtype="0" fill="hold" nodeType="clickEffect">
                                   <p:stCondLst>
                                     <p:cond delay="0"/>
                                   </p:stCondLst>
@@ -10770,64 +10667,6 @@
                                     <p:set>
                                       <p:cBhvr>
                                         <p:cTn id="6" dur="1" fill="hold">
-                                          <p:stCondLst>
-                                            <p:cond delay="0"/>
-                                          </p:stCondLst>
-                                        </p:cTn>
-                                        <p:tgtEl>
-                                          <p:spTgt spid="5"/>
-                                        </p:tgtEl>
-                                        <p:attrNameLst>
-                                          <p:attrName>style.visibility</p:attrName>
-                                        </p:attrNameLst>
-                                      </p:cBhvr>
-                                      <p:to>
-                                        <p:strVal val="visible"/>
-                                      </p:to>
-                                    </p:set>
-                                  </p:childTnLst>
-                                </p:cTn>
-                              </p:par>
-                              <p:par>
-                                <p:cTn id="7" presetID="1" presetClass="entr" presetSubtype="0" fill="hold" nodeType="withEffect">
-                                  <p:stCondLst>
-                                    <p:cond delay="0"/>
-                                  </p:stCondLst>
-                                  <p:childTnLst>
-                                    <p:set>
-                                      <p:cBhvr>
-                                        <p:cTn id="8" dur="1" fill="hold">
-                                          <p:stCondLst>
-                                            <p:cond delay="0"/>
-                                          </p:stCondLst>
-                                        </p:cTn>
-                                        <p:tgtEl>
-                                          <p:spTgt spid="3">
-                                            <p:txEl>
-                                              <p:pRg st="0" end="0"/>
-                                            </p:txEl>
-                                          </p:spTgt>
-                                        </p:tgtEl>
-                                        <p:attrNameLst>
-                                          <p:attrName>style.visibility</p:attrName>
-                                        </p:attrNameLst>
-                                      </p:cBhvr>
-                                      <p:to>
-                                        <p:strVal val="visible"/>
-                                      </p:to>
-                                    </p:set>
-                                  </p:childTnLst>
-                                </p:cTn>
-                              </p:par>
-                              <p:par>
-                                <p:cTn id="9" presetID="1" presetClass="entr" presetSubtype="0" fill="hold" nodeType="withEffect">
-                                  <p:stCondLst>
-                                    <p:cond delay="0"/>
-                                  </p:stCondLst>
-                                  <p:childTnLst>
-                                    <p:set>
-                                      <p:cBhvr>
-                                        <p:cTn id="10" dur="1" fill="hold">
                                           <p:stCondLst>
                                             <p:cond delay="0"/>
                                           </p:stCondLst>
@@ -10877,9 +10716,6 @@
         </p:cTn>
       </p:par>
     </p:tnLst>
-    <p:bldLst>
-      <p:bldP spid="5" grpId="0" animBg="1"/>
-    </p:bldLst>
   </p:timing>
 </p:sld>
 </file>
@@ -11525,9 +11361,6 @@
                     <p:cTn id="3" fill="hold">
                       <p:stCondLst>
                         <p:cond delay="indefinite"/>
-                        <p:cond evt="onBegin" delay="0">
-                          <p:tn val="2"/>
-                        </p:cond>
                       </p:stCondLst>
                       <p:childTnLst>
                         <p:par>
@@ -11537,7 +11370,7 @@
                             </p:stCondLst>
                             <p:childTnLst>
                               <p:par>
-                                <p:cTn id="5" presetID="1" presetClass="entr" presetSubtype="0" fill="hold" nodeType="withEffect">
+                                <p:cTn id="5" presetID="1" presetClass="entr" presetSubtype="0" fill="hold" nodeType="clickEffect">
                                   <p:stCondLst>
                                     <p:cond delay="0"/>
                                   </p:stCondLst>
@@ -11552,7 +11385,7 @@
                                         <p:tgtEl>
                                           <p:spTgt spid="14">
                                             <p:txEl>
-                                              <p:pRg st="0" end="0"/>
+                                              <p:pRg st="1" end="1"/>
                                             </p:txEl>
                                           </p:spTgt>
                                         </p:tgtEl>
@@ -11601,7 +11434,7 @@
                                         <p:tgtEl>
                                           <p:spTgt spid="14">
                                             <p:txEl>
-                                              <p:pRg st="1" end="1"/>
+                                              <p:pRg st="2" end="2"/>
                                             </p:txEl>
                                           </p:spTgt>
                                         </p:tgtEl>
@@ -11650,7 +11483,7 @@
                                         <p:tgtEl>
                                           <p:spTgt spid="14">
                                             <p:txEl>
-                                              <p:pRg st="2" end="2"/>
+                                              <p:pRg st="3" end="3"/>
                                             </p:txEl>
                                           </p:spTgt>
                                         </p:tgtEl>
@@ -11699,7 +11532,7 @@
                                         <p:tgtEl>
                                           <p:spTgt spid="14">
                                             <p:txEl>
-                                              <p:pRg st="3" end="3"/>
+                                              <p:pRg st="4" end="4"/>
                                             </p:txEl>
                                           </p:spTgt>
                                         </p:tgtEl>
@@ -11741,55 +11574,6 @@
                                     <p:set>
                                       <p:cBhvr>
                                         <p:cTn id="22" dur="1" fill="hold">
-                                          <p:stCondLst>
-                                            <p:cond delay="0"/>
-                                          </p:stCondLst>
-                                        </p:cTn>
-                                        <p:tgtEl>
-                                          <p:spTgt spid="14">
-                                            <p:txEl>
-                                              <p:pRg st="4" end="4"/>
-                                            </p:txEl>
-                                          </p:spTgt>
-                                        </p:tgtEl>
-                                        <p:attrNameLst>
-                                          <p:attrName>style.visibility</p:attrName>
-                                        </p:attrNameLst>
-                                      </p:cBhvr>
-                                      <p:to>
-                                        <p:strVal val="visible"/>
-                                      </p:to>
-                                    </p:set>
-                                  </p:childTnLst>
-                                </p:cTn>
-                              </p:par>
-                            </p:childTnLst>
-                          </p:cTn>
-                        </p:par>
-                      </p:childTnLst>
-                    </p:cTn>
-                  </p:par>
-                  <p:par>
-                    <p:cTn id="23" fill="hold">
-                      <p:stCondLst>
-                        <p:cond delay="indefinite"/>
-                      </p:stCondLst>
-                      <p:childTnLst>
-                        <p:par>
-                          <p:cTn id="24" fill="hold">
-                            <p:stCondLst>
-                              <p:cond delay="0"/>
-                            </p:stCondLst>
-                            <p:childTnLst>
-                              <p:par>
-                                <p:cTn id="25" presetID="1" presetClass="entr" presetSubtype="0" fill="hold" nodeType="clickEffect">
-                                  <p:stCondLst>
-                                    <p:cond delay="0"/>
-                                  </p:stCondLst>
-                                  <p:childTnLst>
-                                    <p:set>
-                                      <p:cBhvr>
-                                        <p:cTn id="26" dur="1" fill="hold">
                                           <p:stCondLst>
                                             <p:cond delay="0"/>
                                           </p:stCondLst>
@@ -12034,7 +11818,7 @@
 </file>
 
 <file path=ppt/slides/slide18.xml><?xml version="1.0" encoding="utf-8"?>
-<p:sld xmlns:a="http://schemas.openxmlformats.org/drawingml/2006/main" xmlns:r="http://schemas.openxmlformats.org/officeDocument/2006/relationships" xmlns:p="http://schemas.openxmlformats.org/presentationml/2006/main">
+<p:sld xmlns:a="http://schemas.openxmlformats.org/drawingml/2006/main" xmlns:r="http://schemas.openxmlformats.org/officeDocument/2006/relationships" xmlns:p="http://schemas.openxmlformats.org/presentationml/2006/main" show="0">
   <p:cSld>
     <p:spTree>
       <p:nvGrpSpPr>
@@ -12405,11 +12189,11 @@
   <p:clrMapOvr>
     <a:masterClrMapping/>
   </p:clrMapOvr>
-  <mc:AlternateContent xmlns:mc="http://schemas.openxmlformats.org/markup-compatibility/2006" xmlns:p14="http://schemas.microsoft.com/office/powerpoint/2010/main">
-    <mc:Choice Requires="p14">
+  <mc:AlternateContent xmlns:mc="http://schemas.openxmlformats.org/markup-compatibility/2006">
+    <mc:Choice xmlns:p14="http://schemas.microsoft.com/office/powerpoint/2010/main" Requires="p14">
       <p:transition spd="slow" p14:dur="2000" advClick="0" advTm="5000"/>
     </mc:Choice>
-    <mc:Fallback xmlns="">
+    <mc:Fallback>
       <p:transition spd="slow" advClick="0" advTm="5000"/>
     </mc:Fallback>
   </mc:AlternateContent>
@@ -12771,9 +12555,6 @@
                     <p:cTn id="3" fill="hold">
                       <p:stCondLst>
                         <p:cond delay="indefinite"/>
-                        <p:cond evt="onBegin" delay="0">
-                          <p:tn val="2"/>
-                        </p:cond>
                       </p:stCondLst>
                       <p:childTnLst>
                         <p:par>
@@ -12783,7 +12564,7 @@
                             </p:stCondLst>
                             <p:childTnLst>
                               <p:par>
-                                <p:cTn id="5" presetID="1" presetClass="entr" presetSubtype="0" fill="hold" nodeType="withEffect">
+                                <p:cTn id="5" presetID="1" presetClass="entr" presetSubtype="0" fill="hold" nodeType="clickEffect">
                                   <p:stCondLst>
                                     <p:cond delay="0"/>
                                   </p:stCondLst>
@@ -12791,86 +12572,6 @@
                                     <p:set>
                                       <p:cBhvr>
                                         <p:cTn id="6" dur="1" fill="hold">
-                                          <p:stCondLst>
-                                            <p:cond delay="0"/>
-                                          </p:stCondLst>
-                                        </p:cTn>
-                                        <p:tgtEl>
-                                          <p:spTgt spid="444419">
-                                            <p:txEl>
-                                              <p:pRg st="1" end="1"/>
-                                            </p:txEl>
-                                          </p:spTgt>
-                                        </p:tgtEl>
-                                        <p:attrNameLst>
-                                          <p:attrName>style.visibility</p:attrName>
-                                        </p:attrNameLst>
-                                      </p:cBhvr>
-                                      <p:to>
-                                        <p:strVal val="visible"/>
-                                      </p:to>
-                                    </p:set>
-                                  </p:childTnLst>
-                                </p:cTn>
-                              </p:par>
-                              <p:par>
-                                <p:cTn id="7" presetID="1" presetClass="entr" presetSubtype="0" fill="hold" nodeType="withEffect">
-                                  <p:stCondLst>
-                                    <p:cond delay="0"/>
-                                  </p:stCondLst>
-                                  <p:childTnLst>
-                                    <p:set>
-                                      <p:cBhvr>
-                                        <p:cTn id="8" dur="1" fill="hold">
-                                          <p:stCondLst>
-                                            <p:cond delay="0"/>
-                                          </p:stCondLst>
-                                        </p:cTn>
-                                        <p:tgtEl>
-                                          <p:spTgt spid="444419">
-                                            <p:txEl>
-                                              <p:pRg st="0" end="0"/>
-                                            </p:txEl>
-                                          </p:spTgt>
-                                        </p:tgtEl>
-                                        <p:attrNameLst>
-                                          <p:attrName>style.visibility</p:attrName>
-                                        </p:attrNameLst>
-                                      </p:cBhvr>
-                                      <p:to>
-                                        <p:strVal val="visible"/>
-                                      </p:to>
-                                    </p:set>
-                                  </p:childTnLst>
-                                </p:cTn>
-                              </p:par>
-                            </p:childTnLst>
-                          </p:cTn>
-                        </p:par>
-                      </p:childTnLst>
-                    </p:cTn>
-                  </p:par>
-                  <p:par>
-                    <p:cTn id="9" fill="hold">
-                      <p:stCondLst>
-                        <p:cond delay="indefinite"/>
-                      </p:stCondLst>
-                      <p:childTnLst>
-                        <p:par>
-                          <p:cTn id="10" fill="hold">
-                            <p:stCondLst>
-                              <p:cond delay="0"/>
-                            </p:stCondLst>
-                            <p:childTnLst>
-                              <p:par>
-                                <p:cTn id="11" presetID="1" presetClass="entr" presetSubtype="0" fill="hold" nodeType="clickEffect">
-                                  <p:stCondLst>
-                                    <p:cond delay="0"/>
-                                  </p:stCondLst>
-                                  <p:childTnLst>
-                                    <p:set>
-                                      <p:cBhvr>
-                                        <p:cTn id="12" dur="1" fill="hold">
                                           <p:stCondLst>
                                             <p:cond delay="0"/>
                                           </p:stCondLst>
@@ -12900,26 +12601,26 @@
                     </p:cTn>
                   </p:par>
                   <p:par>
-                    <p:cTn id="13" fill="hold">
+                    <p:cTn id="7" fill="hold">
                       <p:stCondLst>
                         <p:cond delay="indefinite"/>
                       </p:stCondLst>
                       <p:childTnLst>
                         <p:par>
-                          <p:cTn id="14" fill="hold">
+                          <p:cTn id="8" fill="hold">
                             <p:stCondLst>
                               <p:cond delay="0"/>
                             </p:stCondLst>
                             <p:childTnLst>
                               <p:par>
-                                <p:cTn id="15" presetID="1" presetClass="entr" presetSubtype="0" fill="hold" nodeType="clickEffect">
+                                <p:cTn id="9" presetID="1" presetClass="entr" presetSubtype="0" fill="hold" nodeType="clickEffect">
                                   <p:stCondLst>
                                     <p:cond delay="0"/>
                                   </p:stCondLst>
                                   <p:childTnLst>
                                     <p:set>
                                       <p:cBhvr>
-                                        <p:cTn id="16" dur="1" fill="hold">
+                                        <p:cTn id="10" dur="1" fill="hold">
                                           <p:stCondLst>
                                             <p:cond delay="0"/>
                                           </p:stCondLst>
@@ -12942,15 +12643,33 @@
                                   </p:childTnLst>
                                 </p:cTn>
                               </p:par>
+                            </p:childTnLst>
+                          </p:cTn>
+                        </p:par>
+                      </p:childTnLst>
+                    </p:cTn>
+                  </p:par>
+                  <p:par>
+                    <p:cTn id="11" fill="hold">
+                      <p:stCondLst>
+                        <p:cond delay="indefinite"/>
+                      </p:stCondLst>
+                      <p:childTnLst>
+                        <p:par>
+                          <p:cTn id="12" fill="hold">
+                            <p:stCondLst>
+                              <p:cond delay="0"/>
+                            </p:stCondLst>
+                            <p:childTnLst>
                               <p:par>
-                                <p:cTn id="17" presetID="1" presetClass="entr" presetSubtype="0" fill="hold" nodeType="withEffect">
+                                <p:cTn id="13" presetID="1" presetClass="entr" presetSubtype="0" fill="hold" nodeType="clickEffect">
                                   <p:stCondLst>
                                     <p:cond delay="0"/>
                                   </p:stCondLst>
                                   <p:childTnLst>
                                     <p:set>
                                       <p:cBhvr>
-                                        <p:cTn id="18" dur="1" fill="hold">
+                                        <p:cTn id="14" dur="1" fill="hold">
                                           <p:stCondLst>
                                             <p:cond delay="0"/>
                                           </p:stCondLst>
@@ -13430,9 +13149,6 @@
                     <p:cTn id="3" fill="hold">
                       <p:stCondLst>
                         <p:cond delay="indefinite"/>
-                        <p:cond evt="onBegin" delay="0">
-                          <p:tn val="2"/>
-                        </p:cond>
                       </p:stCondLst>
                       <p:childTnLst>
                         <p:par>
@@ -13442,7 +13158,7 @@
                             </p:stCondLst>
                             <p:childTnLst>
                               <p:par>
-                                <p:cTn id="5" presetID="1" presetClass="entr" presetSubtype="0" fill="hold" nodeType="withEffect">
+                                <p:cTn id="5" presetID="1" presetClass="entr" presetSubtype="0" fill="hold" nodeType="clickEffect">
                                   <p:stCondLst>
                                     <p:cond delay="0"/>
                                   </p:stCondLst>
@@ -13450,82 +13166,6 @@
                                     <p:set>
                                       <p:cBhvr>
                                         <p:cTn id="6" dur="1" fill="hold">
-                                          <p:stCondLst>
-                                            <p:cond delay="0"/>
-                                          </p:stCondLst>
-                                        </p:cTn>
-                                        <p:tgtEl>
-                                          <p:spTgt spid="5"/>
-                                        </p:tgtEl>
-                                        <p:attrNameLst>
-                                          <p:attrName>style.visibility</p:attrName>
-                                        </p:attrNameLst>
-                                      </p:cBhvr>
-                                      <p:to>
-                                        <p:strVal val="visible"/>
-                                      </p:to>
-                                    </p:set>
-                                  </p:childTnLst>
-                                </p:cTn>
-                              </p:par>
-                              <p:par>
-                                <p:cTn id="7" presetID="1" presetClass="entr" presetSubtype="0" fill="hold" nodeType="withEffect">
-                                  <p:stCondLst>
-                                    <p:cond delay="0"/>
-                                  </p:stCondLst>
-                                  <p:childTnLst>
-                                    <p:set>
-                                      <p:cBhvr>
-                                        <p:cTn id="8" dur="1" fill="hold">
-                                          <p:stCondLst>
-                                            <p:cond delay="0"/>
-                                          </p:stCondLst>
-                                        </p:cTn>
-                                        <p:tgtEl>
-                                          <p:spTgt spid="3">
-                                            <p:txEl>
-                                              <p:pRg st="0" end="0"/>
-                                            </p:txEl>
-                                          </p:spTgt>
-                                        </p:tgtEl>
-                                        <p:attrNameLst>
-                                          <p:attrName>style.visibility</p:attrName>
-                                        </p:attrNameLst>
-                                      </p:cBhvr>
-                                      <p:to>
-                                        <p:strVal val="visible"/>
-                                      </p:to>
-                                    </p:set>
-                                  </p:childTnLst>
-                                </p:cTn>
-                              </p:par>
-                            </p:childTnLst>
-                          </p:cTn>
-                        </p:par>
-                      </p:childTnLst>
-                    </p:cTn>
-                  </p:par>
-                  <p:par>
-                    <p:cTn id="9" fill="hold">
-                      <p:stCondLst>
-                        <p:cond delay="indefinite"/>
-                      </p:stCondLst>
-                      <p:childTnLst>
-                        <p:par>
-                          <p:cTn id="10" fill="hold">
-                            <p:stCondLst>
-                              <p:cond delay="0"/>
-                            </p:stCondLst>
-                            <p:childTnLst>
-                              <p:par>
-                                <p:cTn id="11" presetID="1" presetClass="entr" presetSubtype="0" fill="hold" nodeType="clickEffect">
-                                  <p:stCondLst>
-                                    <p:cond delay="0"/>
-                                  </p:stCondLst>
-                                  <p:childTnLst>
-                                    <p:set>
-                                      <p:cBhvr>
-                                        <p:cTn id="12" dur="1" fill="hold">
                                           <p:stCondLst>
                                             <p:cond delay="0"/>
                                           </p:stCondLst>
@@ -13555,26 +13195,26 @@
                     </p:cTn>
                   </p:par>
                   <p:par>
-                    <p:cTn id="13" fill="hold">
+                    <p:cTn id="7" fill="hold">
                       <p:stCondLst>
                         <p:cond delay="indefinite"/>
                       </p:stCondLst>
                       <p:childTnLst>
                         <p:par>
-                          <p:cTn id="14" fill="hold">
+                          <p:cTn id="8" fill="hold">
                             <p:stCondLst>
                               <p:cond delay="0"/>
                             </p:stCondLst>
                             <p:childTnLst>
                               <p:par>
-                                <p:cTn id="15" presetID="1" presetClass="entr" presetSubtype="0" fill="hold" nodeType="clickEffect">
+                                <p:cTn id="9" presetID="1" presetClass="entr" presetSubtype="0" fill="hold" nodeType="clickEffect">
                                   <p:stCondLst>
                                     <p:cond delay="0"/>
                                   </p:stCondLst>
                                   <p:childTnLst>
                                     <p:set>
                                       <p:cBhvr>
-                                        <p:cTn id="16" dur="1" fill="hold">
+                                        <p:cTn id="10" dur="1" fill="hold">
                                           <p:stCondLst>
                                             <p:cond delay="0"/>
                                           </p:stCondLst>
@@ -14007,9 +13647,6 @@
                     <p:cTn id="3" fill="hold">
                       <p:stCondLst>
                         <p:cond delay="indefinite"/>
-                        <p:cond evt="onBegin" delay="0">
-                          <p:tn val="2"/>
-                        </p:cond>
                       </p:stCondLst>
                       <p:childTnLst>
                         <p:par>
@@ -14019,7 +13656,7 @@
                             </p:stCondLst>
                             <p:childTnLst>
                               <p:par>
-                                <p:cTn id="5" presetID="1" presetClass="entr" presetSubtype="0" fill="hold" nodeType="withEffect">
+                                <p:cTn id="5" presetID="1" presetClass="entr" presetSubtype="0" fill="hold" nodeType="clickEffect">
                                   <p:stCondLst>
                                     <p:cond delay="0"/>
                                   </p:stCondLst>
@@ -14027,37 +13664,6 @@
                                     <p:set>
                                       <p:cBhvr>
                                         <p:cTn id="6" dur="1" fill="hold">
-                                          <p:stCondLst>
-                                            <p:cond delay="0"/>
-                                          </p:stCondLst>
-                                        </p:cTn>
-                                        <p:tgtEl>
-                                          <p:spTgt spid="3">
-                                            <p:txEl>
-                                              <p:pRg st="0" end="0"/>
-                                            </p:txEl>
-                                          </p:spTgt>
-                                        </p:tgtEl>
-                                        <p:attrNameLst>
-                                          <p:attrName>style.visibility</p:attrName>
-                                        </p:attrNameLst>
-                                      </p:cBhvr>
-                                      <p:to>
-                                        <p:strVal val="visible"/>
-                                      </p:to>
-                                    </p:set>
-                                  </p:childTnLst>
-                                </p:cTn>
-                              </p:par>
-                              <p:par>
-                                <p:cTn id="7" presetID="1" presetClass="entr" presetSubtype="0" fill="hold" nodeType="withEffect">
-                                  <p:stCondLst>
-                                    <p:cond delay="0"/>
-                                  </p:stCondLst>
-                                  <p:childTnLst>
-                                    <p:set>
-                                      <p:cBhvr>
-                                        <p:cTn id="8" dur="1" fill="hold">
                                           <p:stCondLst>
                                             <p:cond delay="0"/>
                                           </p:stCondLst>
@@ -14087,26 +13693,26 @@
                     </p:cTn>
                   </p:par>
                   <p:par>
-                    <p:cTn id="9" fill="hold">
+                    <p:cTn id="7" fill="hold">
                       <p:stCondLst>
                         <p:cond delay="indefinite"/>
                       </p:stCondLst>
                       <p:childTnLst>
                         <p:par>
-                          <p:cTn id="10" fill="hold">
+                          <p:cTn id="8" fill="hold">
                             <p:stCondLst>
                               <p:cond delay="0"/>
                             </p:stCondLst>
                             <p:childTnLst>
                               <p:par>
-                                <p:cTn id="11" presetID="1" presetClass="entr" presetSubtype="0" fill="hold" nodeType="clickEffect">
+                                <p:cTn id="9" presetID="1" presetClass="entr" presetSubtype="0" fill="hold" nodeType="clickEffect">
                                   <p:stCondLst>
                                     <p:cond delay="0"/>
                                   </p:stCondLst>
                                   <p:childTnLst>
                                     <p:set>
                                       <p:cBhvr>
-                                        <p:cTn id="12" dur="1" fill="hold">
+                                        <p:cTn id="10" dur="1" fill="hold">
                                           <p:stCondLst>
                                             <p:cond delay="0"/>
                                           </p:stCondLst>
@@ -14136,26 +13742,26 @@
                     </p:cTn>
                   </p:par>
                   <p:par>
-                    <p:cTn id="13" fill="hold">
+                    <p:cTn id="11" fill="hold">
                       <p:stCondLst>
                         <p:cond delay="indefinite"/>
                       </p:stCondLst>
                       <p:childTnLst>
                         <p:par>
-                          <p:cTn id="14" fill="hold">
+                          <p:cTn id="12" fill="hold">
                             <p:stCondLst>
                               <p:cond delay="0"/>
                             </p:stCondLst>
                             <p:childTnLst>
                               <p:par>
-                                <p:cTn id="15" presetID="1" presetClass="entr" presetSubtype="0" fill="hold" nodeType="clickEffect">
+                                <p:cTn id="13" presetID="1" presetClass="entr" presetSubtype="0" fill="hold" nodeType="clickEffect">
                                   <p:stCondLst>
                                     <p:cond delay="0"/>
                                   </p:stCondLst>
                                   <p:childTnLst>
                                     <p:set>
                                       <p:cBhvr>
-                                        <p:cTn id="16" dur="1" fill="hold">
+                                        <p:cTn id="14" dur="1" fill="hold">
                                           <p:stCondLst>
                                             <p:cond delay="0"/>
                                           </p:stCondLst>
@@ -14178,8 +13784,26 @@
                                   </p:childTnLst>
                                 </p:cTn>
                               </p:par>
+                            </p:childTnLst>
+                          </p:cTn>
+                        </p:par>
+                      </p:childTnLst>
+                    </p:cTn>
+                  </p:par>
+                  <p:par>
+                    <p:cTn id="15" fill="hold">
+                      <p:stCondLst>
+                        <p:cond delay="indefinite"/>
+                      </p:stCondLst>
+                      <p:childTnLst>
+                        <p:par>
+                          <p:cTn id="16" fill="hold">
+                            <p:stCondLst>
+                              <p:cond delay="0"/>
+                            </p:stCondLst>
+                            <p:childTnLst>
                               <p:par>
-                                <p:cTn id="17" presetID="1" presetClass="entr" presetSubtype="0" fill="hold" nodeType="withEffect">
+                                <p:cTn id="17" presetID="1" presetClass="entr" presetSubtype="0" fill="hold" nodeType="clickEffect">
                                   <p:stCondLst>
                                     <p:cond delay="0"/>
                                   </p:stCondLst>
@@ -14509,9 +14133,6 @@
                     <p:cTn id="3" fill="hold">
                       <p:stCondLst>
                         <p:cond delay="indefinite"/>
-                        <p:cond evt="onBegin" delay="0">
-                          <p:tn val="2"/>
-                        </p:cond>
                       </p:stCondLst>
                       <p:childTnLst>
                         <p:par>
@@ -14521,7 +14142,7 @@
                             </p:stCondLst>
                             <p:childTnLst>
                               <p:par>
-                                <p:cTn id="5" presetID="1" presetClass="entr" presetSubtype="0" fill="hold" nodeType="withEffect">
+                                <p:cTn id="5" presetID="1" presetClass="entr" presetSubtype="0" fill="hold" nodeType="clickEffect">
                                   <p:stCondLst>
                                     <p:cond delay="0"/>
                                   </p:stCondLst>
@@ -14529,82 +14150,6 @@
                                     <p:set>
                                       <p:cBhvr>
                                         <p:cTn id="6" dur="1" fill="hold">
-                                          <p:stCondLst>
-                                            <p:cond delay="0"/>
-                                          </p:stCondLst>
-                                        </p:cTn>
-                                        <p:tgtEl>
-                                          <p:spTgt spid="6"/>
-                                        </p:tgtEl>
-                                        <p:attrNameLst>
-                                          <p:attrName>style.visibility</p:attrName>
-                                        </p:attrNameLst>
-                                      </p:cBhvr>
-                                      <p:to>
-                                        <p:strVal val="visible"/>
-                                      </p:to>
-                                    </p:set>
-                                  </p:childTnLst>
-                                </p:cTn>
-                              </p:par>
-                              <p:par>
-                                <p:cTn id="7" presetID="1" presetClass="entr" presetSubtype="0" fill="hold" nodeType="withEffect">
-                                  <p:stCondLst>
-                                    <p:cond delay="0"/>
-                                  </p:stCondLst>
-                                  <p:childTnLst>
-                                    <p:set>
-                                      <p:cBhvr>
-                                        <p:cTn id="8" dur="1" fill="hold">
-                                          <p:stCondLst>
-                                            <p:cond delay="0"/>
-                                          </p:stCondLst>
-                                        </p:cTn>
-                                        <p:tgtEl>
-                                          <p:spTgt spid="3">
-                                            <p:txEl>
-                                              <p:pRg st="0" end="0"/>
-                                            </p:txEl>
-                                          </p:spTgt>
-                                        </p:tgtEl>
-                                        <p:attrNameLst>
-                                          <p:attrName>style.visibility</p:attrName>
-                                        </p:attrNameLst>
-                                      </p:cBhvr>
-                                      <p:to>
-                                        <p:strVal val="visible"/>
-                                      </p:to>
-                                    </p:set>
-                                  </p:childTnLst>
-                                </p:cTn>
-                              </p:par>
-                            </p:childTnLst>
-                          </p:cTn>
-                        </p:par>
-                      </p:childTnLst>
-                    </p:cTn>
-                  </p:par>
-                  <p:par>
-                    <p:cTn id="9" fill="hold">
-                      <p:stCondLst>
-                        <p:cond delay="indefinite"/>
-                      </p:stCondLst>
-                      <p:childTnLst>
-                        <p:par>
-                          <p:cTn id="10" fill="hold">
-                            <p:stCondLst>
-                              <p:cond delay="0"/>
-                            </p:stCondLst>
-                            <p:childTnLst>
-                              <p:par>
-                                <p:cTn id="11" presetID="1" presetClass="entr" presetSubtype="0" fill="hold" nodeType="clickEffect">
-                                  <p:stCondLst>
-                                    <p:cond delay="0"/>
-                                  </p:stCondLst>
-                                  <p:childTnLst>
-                                    <p:set>
-                                      <p:cBhvr>
-                                        <p:cTn id="12" dur="1" fill="hold">
                                           <p:stCondLst>
                                             <p:cond delay="0"/>
                                           </p:stCondLst>
@@ -14634,26 +14179,26 @@
                     </p:cTn>
                   </p:par>
                   <p:par>
-                    <p:cTn id="13" fill="hold">
+                    <p:cTn id="7" fill="hold">
                       <p:stCondLst>
                         <p:cond delay="indefinite"/>
                       </p:stCondLst>
                       <p:childTnLst>
                         <p:par>
-                          <p:cTn id="14" fill="hold">
+                          <p:cTn id="8" fill="hold">
                             <p:stCondLst>
                               <p:cond delay="0"/>
                             </p:stCondLst>
                             <p:childTnLst>
                               <p:par>
-                                <p:cTn id="15" presetID="1" presetClass="entr" presetSubtype="0" fill="hold" nodeType="clickEffect">
+                                <p:cTn id="9" presetID="1" presetClass="entr" presetSubtype="0" fill="hold" nodeType="clickEffect">
                                   <p:stCondLst>
                                     <p:cond delay="0"/>
                                   </p:stCondLst>
                                   <p:childTnLst>
                                     <p:set>
                                       <p:cBhvr>
-                                        <p:cTn id="16" dur="1" fill="hold">
+                                        <p:cTn id="10" dur="1" fill="hold">
                                           <p:stCondLst>
                                             <p:cond delay="0"/>
                                           </p:stCondLst>
@@ -14959,9 +14504,6 @@
                     <p:cTn id="3" fill="hold">
                       <p:stCondLst>
                         <p:cond delay="indefinite"/>
-                        <p:cond evt="onBegin" delay="0">
-                          <p:tn val="2"/>
-                        </p:cond>
                       </p:stCondLst>
                       <p:childTnLst>
                         <p:par>
@@ -14971,7 +14513,7 @@
                             </p:stCondLst>
                             <p:childTnLst>
                               <p:par>
-                                <p:cTn id="5" presetID="1" presetClass="entr" presetSubtype="0" fill="hold" nodeType="withEffect">
+                                <p:cTn id="5" presetID="1" presetClass="entr" presetSubtype="0" fill="hold" nodeType="clickEffect">
                                   <p:stCondLst>
                                     <p:cond delay="0"/>
                                   </p:stCondLst>
@@ -14979,37 +14521,6 @@
                                     <p:set>
                                       <p:cBhvr>
                                         <p:cTn id="6" dur="1" fill="hold">
-                                          <p:stCondLst>
-                                            <p:cond delay="0"/>
-                                          </p:stCondLst>
-                                        </p:cTn>
-                                        <p:tgtEl>
-                                          <p:spTgt spid="3">
-                                            <p:txEl>
-                                              <p:pRg st="0" end="0"/>
-                                            </p:txEl>
-                                          </p:spTgt>
-                                        </p:tgtEl>
-                                        <p:attrNameLst>
-                                          <p:attrName>style.visibility</p:attrName>
-                                        </p:attrNameLst>
-                                      </p:cBhvr>
-                                      <p:to>
-                                        <p:strVal val="visible"/>
-                                      </p:to>
-                                    </p:set>
-                                  </p:childTnLst>
-                                </p:cTn>
-                              </p:par>
-                              <p:par>
-                                <p:cTn id="7" presetID="1" presetClass="entr" presetSubtype="0" fill="hold" nodeType="withEffect">
-                                  <p:stCondLst>
-                                    <p:cond delay="0"/>
-                                  </p:stCondLst>
-                                  <p:childTnLst>
-                                    <p:set>
-                                      <p:cBhvr>
-                                        <p:cTn id="8" dur="1" fill="hold">
                                           <p:stCondLst>
                                             <p:cond delay="0"/>
                                           </p:stCondLst>
@@ -15039,26 +14550,26 @@
                     </p:cTn>
                   </p:par>
                   <p:par>
-                    <p:cTn id="9" fill="hold">
+                    <p:cTn id="7" fill="hold">
                       <p:stCondLst>
                         <p:cond delay="indefinite"/>
                       </p:stCondLst>
                       <p:childTnLst>
                         <p:par>
-                          <p:cTn id="10" fill="hold">
+                          <p:cTn id="8" fill="hold">
                             <p:stCondLst>
                               <p:cond delay="0"/>
                             </p:stCondLst>
                             <p:childTnLst>
                               <p:par>
-                                <p:cTn id="11" presetID="1" presetClass="entr" presetSubtype="0" fill="hold" nodeType="clickEffect">
+                                <p:cTn id="9" presetID="1" presetClass="entr" presetSubtype="0" fill="hold" nodeType="clickEffect">
                                   <p:stCondLst>
                                     <p:cond delay="0"/>
                                   </p:stCondLst>
                                   <p:childTnLst>
                                     <p:set>
                                       <p:cBhvr>
-                                        <p:cTn id="12" dur="1" fill="hold">
+                                        <p:cTn id="10" dur="1" fill="hold">
                                           <p:stCondLst>
                                             <p:cond delay="0"/>
                                           </p:stCondLst>
@@ -15081,8 +14592,26 @@
                                   </p:childTnLst>
                                 </p:cTn>
                               </p:par>
+                            </p:childTnLst>
+                          </p:cTn>
+                        </p:par>
+                      </p:childTnLst>
+                    </p:cTn>
+                  </p:par>
+                  <p:par>
+                    <p:cTn id="11" fill="hold">
+                      <p:stCondLst>
+                        <p:cond delay="indefinite"/>
+                      </p:stCondLst>
+                      <p:childTnLst>
+                        <p:par>
+                          <p:cTn id="12" fill="hold">
+                            <p:stCondLst>
+                              <p:cond delay="0"/>
+                            </p:stCondLst>
+                            <p:childTnLst>
                               <p:par>
-                                <p:cTn id="13" presetID="1" presetClass="entr" presetSubtype="0" fill="hold" nodeType="withEffect">
+                                <p:cTn id="13" presetID="1" presetClass="entr" presetSubtype="0" fill="hold" nodeType="clickEffect">
                                   <p:stCondLst>
                                     <p:cond delay="0"/>
                                   </p:stCondLst>
@@ -15161,15 +14690,33 @@
                                   </p:childTnLst>
                                 </p:cTn>
                               </p:par>
+                            </p:childTnLst>
+                          </p:cTn>
+                        </p:par>
+                      </p:childTnLst>
+                    </p:cTn>
+                  </p:par>
+                  <p:par>
+                    <p:cTn id="19" fill="hold">
+                      <p:stCondLst>
+                        <p:cond delay="indefinite"/>
+                      </p:stCondLst>
+                      <p:childTnLst>
+                        <p:par>
+                          <p:cTn id="20" fill="hold">
+                            <p:stCondLst>
+                              <p:cond delay="0"/>
+                            </p:stCondLst>
+                            <p:childTnLst>
                               <p:par>
-                                <p:cTn id="19" presetID="1" presetClass="entr" presetSubtype="0" fill="hold" nodeType="withEffect">
+                                <p:cTn id="21" presetID="1" presetClass="entr" presetSubtype="0" fill="hold" nodeType="clickEffect">
                                   <p:stCondLst>
                                     <p:cond delay="0"/>
                                   </p:stCondLst>
                                   <p:childTnLst>
                                     <p:set>
                                       <p:cBhvr>
-                                        <p:cTn id="20" dur="1" fill="hold">
+                                        <p:cTn id="22" dur="1" fill="hold">
                                           <p:stCondLst>
                                             <p:cond delay="0"/>
                                           </p:stCondLst>
@@ -15471,9 +15018,6 @@
                     <p:cTn id="3" fill="hold">
                       <p:stCondLst>
                         <p:cond delay="indefinite"/>
-                        <p:cond evt="onBegin" delay="0">
-                          <p:tn val="2"/>
-                        </p:cond>
                       </p:stCondLst>
                       <p:childTnLst>
                         <p:par>
@@ -15483,7 +15027,7 @@
                             </p:stCondLst>
                             <p:childTnLst>
                               <p:par>
-                                <p:cTn id="5" presetID="1" presetClass="entr" presetSubtype="0" fill="hold" nodeType="withEffect">
+                                <p:cTn id="5" presetID="1" presetClass="entr" presetSubtype="0" fill="hold" nodeType="clickEffect">
                                   <p:stCondLst>
                                     <p:cond delay="0"/>
                                   </p:stCondLst>
@@ -15491,37 +15035,6 @@
                                     <p:set>
                                       <p:cBhvr>
                                         <p:cTn id="6" dur="1" fill="hold">
-                                          <p:stCondLst>
-                                            <p:cond delay="0"/>
-                                          </p:stCondLst>
-                                        </p:cTn>
-                                        <p:tgtEl>
-                                          <p:spTgt spid="3">
-                                            <p:txEl>
-                                              <p:pRg st="0" end="0"/>
-                                            </p:txEl>
-                                          </p:spTgt>
-                                        </p:tgtEl>
-                                        <p:attrNameLst>
-                                          <p:attrName>style.visibility</p:attrName>
-                                        </p:attrNameLst>
-                                      </p:cBhvr>
-                                      <p:to>
-                                        <p:strVal val="visible"/>
-                                      </p:to>
-                                    </p:set>
-                                  </p:childTnLst>
-                                </p:cTn>
-                              </p:par>
-                              <p:par>
-                                <p:cTn id="7" presetID="1" presetClass="entr" presetSubtype="0" fill="hold" nodeType="withEffect">
-                                  <p:stCondLst>
-                                    <p:cond delay="0"/>
-                                  </p:stCondLst>
-                                  <p:childTnLst>
-                                    <p:set>
-                                      <p:cBhvr>
-                                        <p:cTn id="8" dur="1" fill="hold">
                                           <p:stCondLst>
                                             <p:cond delay="0"/>
                                           </p:stCondLst>
@@ -15551,26 +15064,26 @@
                     </p:cTn>
                   </p:par>
                   <p:par>
-                    <p:cTn id="9" fill="hold">
+                    <p:cTn id="7" fill="hold">
                       <p:stCondLst>
                         <p:cond delay="indefinite"/>
                       </p:stCondLst>
                       <p:childTnLst>
                         <p:par>
-                          <p:cTn id="10" fill="hold">
+                          <p:cTn id="8" fill="hold">
                             <p:stCondLst>
                               <p:cond delay="0"/>
                             </p:stCondLst>
                             <p:childTnLst>
                               <p:par>
-                                <p:cTn id="11" presetID="1" presetClass="entr" presetSubtype="0" fill="hold" nodeType="clickEffect">
+                                <p:cTn id="9" presetID="1" presetClass="entr" presetSubtype="0" fill="hold" nodeType="clickEffect">
                                   <p:stCondLst>
                                     <p:cond delay="0"/>
                                   </p:stCondLst>
                                   <p:childTnLst>
                                     <p:set>
                                       <p:cBhvr>
-                                        <p:cTn id="12" dur="1" fill="hold">
+                                        <p:cTn id="10" dur="1" fill="hold">
                                           <p:stCondLst>
                                             <p:cond delay="0"/>
                                           </p:stCondLst>
@@ -15593,8 +15106,26 @@
                                   </p:childTnLst>
                                 </p:cTn>
                               </p:par>
+                            </p:childTnLst>
+                          </p:cTn>
+                        </p:par>
+                      </p:childTnLst>
+                    </p:cTn>
+                  </p:par>
+                  <p:par>
+                    <p:cTn id="11" fill="hold">
+                      <p:stCondLst>
+                        <p:cond delay="indefinite"/>
+                      </p:stCondLst>
+                      <p:childTnLst>
+                        <p:par>
+                          <p:cTn id="12" fill="hold">
+                            <p:stCondLst>
+                              <p:cond delay="0"/>
+                            </p:stCondLst>
+                            <p:childTnLst>
                               <p:par>
-                                <p:cTn id="13" presetID="1" presetClass="entr" presetSubtype="0" fill="hold" nodeType="withEffect">
+                                <p:cTn id="13" presetID="1" presetClass="entr" presetSubtype="0" fill="hold" nodeType="clickEffect">
                                   <p:stCondLst>
                                     <p:cond delay="0"/>
                                   </p:stCondLst>
@@ -15673,15 +15204,33 @@
                                   </p:childTnLst>
                                 </p:cTn>
                               </p:par>
+                            </p:childTnLst>
+                          </p:cTn>
+                        </p:par>
+                      </p:childTnLst>
+                    </p:cTn>
+                  </p:par>
+                  <p:par>
+                    <p:cTn id="19" fill="hold">
+                      <p:stCondLst>
+                        <p:cond delay="indefinite"/>
+                      </p:stCondLst>
+                      <p:childTnLst>
+                        <p:par>
+                          <p:cTn id="20" fill="hold">
+                            <p:stCondLst>
+                              <p:cond delay="0"/>
+                            </p:stCondLst>
+                            <p:childTnLst>
                               <p:par>
-                                <p:cTn id="19" presetID="1" presetClass="entr" presetSubtype="0" fill="hold" nodeType="withEffect">
+                                <p:cTn id="21" presetID="1" presetClass="entr" presetSubtype="0" fill="hold" nodeType="clickEffect">
                                   <p:stCondLst>
                                     <p:cond delay="0"/>
                                   </p:stCondLst>
                                   <p:childTnLst>
                                     <p:set>
                                       <p:cBhvr>
-                                        <p:cTn id="20" dur="1" fill="hold">
+                                        <p:cTn id="22" dur="1" fill="hold">
                                           <p:stCondLst>
                                             <p:cond delay="0"/>
                                           </p:stCondLst>

--- a/Courses/Software-Sciences/Module-4-Information-Systems-New/13-Information-System-Testing/13-Information-System-Testing.pptx
+++ b/Courses/Software-Sciences/Module-4-Information-Systems-New/13-Information-System-Testing/13-Information-System-Testing.pptx
@@ -285,7 +285,7 @@
           <a:p>
             <a:fld id="{4E087215-0C8F-4762-A664-737A353EC9A4}" type="datetimeFigureOut">
               <a:rPr lang="bg-BG" smtClean="0"/>
-              <a:t>6.09.24 г.</a:t>
+              <a:t>29.09.24 г.</a:t>
             </a:fld>
             <a:endParaRPr lang="bg-BG"/>
           </a:p>
@@ -481,7 +481,7 @@
           <a:p>
             <a:fld id="{72D84649-876A-46C9-8472-14CB09C070D8}" type="datetimeFigureOut">
               <a:rPr lang="en-US" smtClean="0"/>
-              <a:t>9/6/24</a:t>
+              <a:t>9/29/24</a:t>
             </a:fld>
             <a:endParaRPr lang="en-US"/>
           </a:p>
@@ -8733,16 +8733,12 @@
               <a:t> </a:t>
             </a:r>
             <a:r>
+              <a:rPr lang="en-US" sz="3100" b="1" dirty="0"/>
+              <a:t>(mocking)</a:t>
+            </a:r>
+            <a:r>
               <a:rPr lang="en-US" sz="3100" dirty="0"/>
-              <a:t>(</a:t>
-            </a:r>
-            <a:r>
-              <a:rPr lang="en-US" sz="3100" b="1" dirty="0"/>
-              <a:t>mocking</a:t>
-            </a:r>
-            <a:r>
-              <a:rPr lang="en-US" sz="3100" dirty="0"/>
-              <a:t>) </a:t>
+              <a:t> </a:t>
             </a:r>
             <a:r>
               <a:rPr lang="bg-BG" sz="3100" dirty="0"/>
@@ -9786,7 +9782,7 @@
               <a:t> </a:t>
             </a:r>
             <a:r>
-              <a:rPr lang="en-US" dirty="0"/>
+              <a:rPr lang="en-US" b="1" dirty="0"/>
               <a:t>(</a:t>
             </a:r>
             <a:r>
@@ -9798,7 +9794,7 @@
               <a:t>framework</a:t>
             </a:r>
             <a:r>
-              <a:rPr lang="en-US" dirty="0"/>
+              <a:rPr lang="en-US" b="1" dirty="0"/>
               <a:t>)</a:t>
             </a:r>
             <a:r>
@@ -9887,7 +9883,7 @@
               <a:t> </a:t>
             </a:r>
             <a:r>
-              <a:rPr lang="en-US" dirty="0"/>
+              <a:rPr lang="en-US" b="1" dirty="0"/>
               <a:t>(</a:t>
             </a:r>
             <a:r>
@@ -9899,8 +9895,12 @@
               <a:t>library</a:t>
             </a:r>
             <a:r>
+              <a:rPr lang="en-US" b="1" dirty="0"/>
+              <a:t>)</a:t>
+            </a:r>
+            <a:r>
               <a:rPr lang="en-US" dirty="0"/>
-              <a:t>) </a:t>
+              <a:t> </a:t>
             </a:r>
             <a:r>
               <a:rPr lang="bg-BG" dirty="0"/>
@@ -10367,14 +10367,14 @@
           <a:lstStyle/>
           <a:p>
             <a:r>
-              <a:rPr lang="en-GB" b="1" dirty="0">
+              <a:rPr lang="en-GB" sz="3200" b="1" dirty="0">
                 <a:solidFill>
                   <a:schemeClr val="bg1"/>
                 </a:solidFill>
               </a:rPr>
               <a:t>EF Core In-Memory Database</a:t>
             </a:r>
-            <a:endParaRPr lang="bg-BG" b="1" dirty="0">
+            <a:endParaRPr lang="bg-BG" sz="3200" b="1" dirty="0">
               <a:solidFill>
                 <a:schemeClr val="bg1"/>
               </a:solidFill>
@@ -10383,11 +10383,11 @@
           <a:p>
             <a:pPr lvl="1"/>
             <a:r>
-              <a:rPr lang="bg-BG" dirty="0"/>
+              <a:rPr lang="bg-BG" sz="3000" dirty="0"/>
               <a:t>Позволява използване на </a:t>
             </a:r>
             <a:r>
-              <a:rPr lang="en-US" b="1" dirty="0">
+              <a:rPr lang="en-US" sz="3000" b="1" dirty="0">
                 <a:solidFill>
                   <a:schemeClr val="bg1"/>
                 </a:solidFill>
@@ -10395,30 +10395,30 @@
               <a:t>in-memory</a:t>
             </a:r>
             <a:r>
-              <a:rPr lang="en-US" b="1" dirty="0"/>
+              <a:rPr lang="en-US" sz="3000" b="1" dirty="0"/>
               <a:t> </a:t>
             </a:r>
             <a:r>
-              <a:rPr lang="bg-BG" b="1" dirty="0"/>
+              <a:rPr lang="bg-BG" sz="3000" b="1" dirty="0"/>
               <a:t>БД </a:t>
             </a:r>
             <a:r>
-              <a:rPr lang="bg-BG" dirty="0"/>
+              <a:rPr lang="bg-BG" sz="3000" dirty="0"/>
               <a:t>без нужда от </a:t>
             </a:r>
             <a:r>
-              <a:rPr lang="bg-BG" b="1" dirty="0"/>
+              <a:rPr lang="bg-BG" sz="3000" b="1" dirty="0"/>
               <a:t>реална</a:t>
             </a:r>
             <a:r>
-              <a:rPr lang="bg-BG" dirty="0"/>
+              <a:rPr lang="bg-BG" sz="3000" dirty="0"/>
               <a:t> </a:t>
             </a:r>
             <a:r>
-              <a:rPr lang="bg-BG" b="1" dirty="0"/>
+              <a:rPr lang="bg-BG" sz="3000" b="1" dirty="0"/>
               <a:t>БД</a:t>
             </a:r>
-            <a:endParaRPr lang="en-US" b="1" dirty="0"/>
+            <a:endParaRPr lang="en-US" sz="3000" b="1" dirty="0"/>
           </a:p>
           <a:p>
             <a:pPr marL="442912" lvl="1" indent="0">
@@ -10485,7 +10485,7 @@
         </p:nvSpPr>
         <p:spPr>
           <a:xfrm>
-            <a:off x="518236" y="3419856"/>
+            <a:off x="606118" y="2861108"/>
             <a:ext cx="11155528" cy="2800767"/>
           </a:xfrm>
           <a:prstGeom prst="rect">
@@ -11036,7 +11036,10 @@
             <a:r>
               <a:rPr lang="bg-BG" sz="2400" b="1" dirty="0">
                 <a:solidFill>
-                  <a:schemeClr val="accent1"/>
+                  <a:schemeClr val="accent1">
+                    <a:lumMod val="60000"/>
+                    <a:lumOff val="40000"/>
+                  </a:schemeClr>
                 </a:solidFill>
                 <a:latin typeface="Calibri" panose="020F0502020204030204" pitchFamily="34" charset="0"/>
                 <a:cs typeface="Calibri" panose="020F0502020204030204" pitchFamily="34" charset="0"/>
@@ -11053,7 +11056,10 @@
             <a:r>
               <a:rPr lang="bg-BG" sz="2400" b="1" dirty="0">
                 <a:solidFill>
-                  <a:schemeClr val="accent1"/>
+                  <a:schemeClr val="accent1">
+                    <a:lumMod val="60000"/>
+                    <a:lumOff val="40000"/>
+                  </a:schemeClr>
                 </a:solidFill>
                 <a:latin typeface="Calibri" panose="020F0502020204030204" pitchFamily="34" charset="0"/>
                 <a:cs typeface="Calibri" panose="020F0502020204030204" pitchFamily="34" charset="0"/>
@@ -11133,7 +11139,10 @@
             <a:r>
               <a:rPr lang="bg-BG" sz="2400" b="1" dirty="0">
                 <a:solidFill>
-                  <a:schemeClr val="accent1"/>
+                  <a:schemeClr val="accent1">
+                    <a:lumMod val="60000"/>
+                    <a:lumOff val="40000"/>
+                  </a:schemeClr>
                 </a:solidFill>
                 <a:latin typeface="Calibri" panose="020F0502020204030204" pitchFamily="34" charset="0"/>
                 <a:cs typeface="Calibri" panose="020F0502020204030204" pitchFamily="34" charset="0"/>
@@ -11150,7 +11159,10 @@
             <a:r>
               <a:rPr lang="bg-BG" sz="2400" b="1" dirty="0">
                 <a:solidFill>
-                  <a:schemeClr val="accent1"/>
+                  <a:schemeClr val="accent1">
+                    <a:lumMod val="60000"/>
+                    <a:lumOff val="40000"/>
+                  </a:schemeClr>
                 </a:solidFill>
                 <a:latin typeface="Calibri" panose="020F0502020204030204" pitchFamily="34" charset="0"/>
                 <a:cs typeface="Calibri" panose="020F0502020204030204" pitchFamily="34" charset="0"/>
@@ -11167,7 +11179,10 @@
             <a:r>
               <a:rPr lang="en-US" sz="2400" b="1" dirty="0">
                 <a:solidFill>
-                  <a:schemeClr val="accent1"/>
+                  <a:schemeClr val="accent1">
+                    <a:lumMod val="60000"/>
+                    <a:lumOff val="40000"/>
+                  </a:schemeClr>
                 </a:solidFill>
                 <a:latin typeface="Calibri" panose="020F0502020204030204" pitchFamily="34" charset="0"/>
                 <a:cs typeface="Calibri" panose="020F0502020204030204" pitchFamily="34" charset="0"/>
@@ -11205,7 +11220,10 @@
             <a:r>
               <a:rPr lang="en-US" sz="2400" b="1" dirty="0">
                 <a:solidFill>
-                  <a:schemeClr val="accent1"/>
+                  <a:schemeClr val="accent1">
+                    <a:lumMod val="60000"/>
+                    <a:lumOff val="40000"/>
+                  </a:schemeClr>
                 </a:solidFill>
                 <a:latin typeface="Calibri" panose="020F0502020204030204" pitchFamily="34" charset="0"/>
                 <a:cs typeface="Calibri" panose="020F0502020204030204" pitchFamily="34" charset="0"/>
@@ -11222,7 +11240,10 @@
             <a:r>
               <a:rPr lang="bg-BG" sz="2400" b="1" dirty="0">
                 <a:solidFill>
-                  <a:schemeClr val="accent1"/>
+                  <a:schemeClr val="accent1">
+                    <a:lumMod val="60000"/>
+                    <a:lumOff val="40000"/>
+                  </a:schemeClr>
                 </a:solidFill>
                 <a:latin typeface="Calibri" panose="020F0502020204030204" pitchFamily="34" charset="0"/>
                 <a:cs typeface="Calibri" panose="020F0502020204030204" pitchFamily="34" charset="0"/>
@@ -12189,11 +12210,11 @@
   <p:clrMapOvr>
     <a:masterClrMapping/>
   </p:clrMapOvr>
-  <mc:AlternateContent xmlns:mc="http://schemas.openxmlformats.org/markup-compatibility/2006">
-    <mc:Choice xmlns:p14="http://schemas.microsoft.com/office/powerpoint/2010/main" Requires="p14">
+  <mc:AlternateContent xmlns:mc="http://schemas.openxmlformats.org/markup-compatibility/2006" xmlns:p14="http://schemas.microsoft.com/office/powerpoint/2010/main">
+    <mc:Choice Requires="p14">
       <p:transition spd="slow" p14:dur="2000" advClick="0" advTm="5000"/>
     </mc:Choice>
-    <mc:Fallback>
+    <mc:Fallback xmlns="">
       <p:transition spd="slow" advClick="0" advTm="5000"/>
     </mc:Fallback>
   </mc:AlternateContent>

--- a/Courses/Software-Sciences/Module-4-Information-Systems-New/13-Information-System-Testing/13-Information-System-Testing.pptx
+++ b/Courses/Software-Sciences/Module-4-Information-Systems-New/13-Information-System-Testing/13-Information-System-Testing.pptx
@@ -10957,7 +10957,7 @@
         </p:spPr>
         <p:txBody>
           <a:bodyPr>
-            <a:normAutofit/>
+            <a:noAutofit/>
           </a:bodyPr>
           <a:lstStyle>
             <a:lvl1pPr marL="514350" indent="-514350">
@@ -11013,28 +11013,28 @@
               </a:buClr>
             </a:pPr>
             <a:r>
-              <a:rPr lang="bg-BG" sz="2400" dirty="0">
+              <a:rPr lang="bg-BG" sz="3000" dirty="0">
                 <a:latin typeface="Calibri" panose="020F0502020204030204" pitchFamily="34" charset="0"/>
                 <a:cs typeface="Calibri" panose="020F0502020204030204" pitchFamily="34" charset="0"/>
               </a:rPr>
               <a:t>Правилното тестване </a:t>
             </a:r>
             <a:r>
-              <a:rPr lang="bg-BG" sz="2400" b="1" dirty="0">
+              <a:rPr lang="bg-BG" sz="3000" b="1" dirty="0">
                 <a:latin typeface="Calibri" panose="020F0502020204030204" pitchFamily="34" charset="0"/>
                 <a:cs typeface="Calibri" panose="020F0502020204030204" pitchFamily="34" charset="0"/>
               </a:rPr>
               <a:t>спестява</a:t>
             </a:r>
             <a:r>
-              <a:rPr lang="bg-BG" sz="2400" dirty="0">
+              <a:rPr lang="bg-BG" sz="3000" dirty="0">
                 <a:latin typeface="Calibri" panose="020F0502020204030204" pitchFamily="34" charset="0"/>
                 <a:cs typeface="Calibri" panose="020F0502020204030204" pitchFamily="34" charset="0"/>
               </a:rPr>
               <a:t> </a:t>
             </a:r>
             <a:r>
-              <a:rPr lang="bg-BG" sz="2400" b="1" dirty="0">
+              <a:rPr lang="bg-BG" sz="3000" b="1" dirty="0">
                 <a:solidFill>
                   <a:schemeClr val="accent1">
                     <a:lumMod val="60000"/>
@@ -11047,14 +11047,14 @@
               <a:t>време</a:t>
             </a:r>
             <a:r>
-              <a:rPr lang="bg-BG" sz="2400" dirty="0">
+              <a:rPr lang="bg-BG" sz="3000" dirty="0">
                 <a:latin typeface="Calibri" panose="020F0502020204030204" pitchFamily="34" charset="0"/>
                 <a:cs typeface="Calibri" panose="020F0502020204030204" pitchFamily="34" charset="0"/>
               </a:rPr>
               <a:t> и </a:t>
             </a:r>
             <a:r>
-              <a:rPr lang="bg-BG" sz="2400" b="1" dirty="0">
+              <a:rPr lang="bg-BG" sz="3000" b="1" dirty="0">
                 <a:solidFill>
                   <a:schemeClr val="accent1">
                     <a:lumMod val="60000"/>
@@ -11074,28 +11074,28 @@
               </a:buClr>
             </a:pPr>
             <a:r>
-              <a:rPr lang="bg-BG" sz="2400" dirty="0">
+              <a:rPr lang="bg-BG" sz="3000" dirty="0">
                 <a:latin typeface="Calibri" panose="020F0502020204030204" pitchFamily="34" charset="0"/>
                 <a:cs typeface="Calibri" panose="020F0502020204030204" pitchFamily="34" charset="0"/>
               </a:rPr>
               <a:t>Предотвратява </a:t>
             </a:r>
             <a:r>
-              <a:rPr lang="bg-BG" sz="2400" b="1" dirty="0">
+              <a:rPr lang="bg-BG" sz="3000" b="1" dirty="0">
                 <a:latin typeface="Calibri" panose="020F0502020204030204" pitchFamily="34" charset="0"/>
                 <a:cs typeface="Calibri" panose="020F0502020204030204" pitchFamily="34" charset="0"/>
               </a:rPr>
               <a:t>проблеми</a:t>
             </a:r>
             <a:r>
-              <a:rPr lang="bg-BG" sz="2400" dirty="0">
+              <a:rPr lang="bg-BG" sz="3000" dirty="0">
                 <a:latin typeface="Calibri" panose="020F0502020204030204" pitchFamily="34" charset="0"/>
                 <a:cs typeface="Calibri" panose="020F0502020204030204" pitchFamily="34" charset="0"/>
               </a:rPr>
               <a:t> след </a:t>
             </a:r>
             <a:r>
-              <a:rPr lang="bg-BG" sz="2400" b="1" dirty="0">
+              <a:rPr lang="bg-BG" sz="3000" b="1" dirty="0">
                 <a:latin typeface="Calibri" panose="020F0502020204030204" pitchFamily="34" charset="0"/>
                 <a:cs typeface="Calibri" panose="020F0502020204030204" pitchFamily="34" charset="0"/>
               </a:rPr>
@@ -11109,14 +11109,14 @@
               </a:buClr>
             </a:pPr>
             <a:r>
-              <a:rPr lang="bg-BG" sz="2400" dirty="0">
+              <a:rPr lang="bg-BG" sz="3000" dirty="0">
                 <a:latin typeface="Calibri" panose="020F0502020204030204" pitchFamily="34" charset="0"/>
                 <a:cs typeface="Calibri" panose="020F0502020204030204" pitchFamily="34" charset="0"/>
               </a:rPr>
               <a:t>Може да покрива всички </a:t>
             </a:r>
             <a:r>
-              <a:rPr lang="bg-BG" sz="2400" b="1" dirty="0">
+              <a:rPr lang="bg-BG" sz="3000" b="1" dirty="0">
                 <a:latin typeface="Calibri" panose="020F0502020204030204" pitchFamily="34" charset="0"/>
                 <a:cs typeface="Calibri" panose="020F0502020204030204" pitchFamily="34" charset="0"/>
               </a:rPr>
@@ -11130,14 +11130,14 @@
               </a:buClr>
             </a:pPr>
             <a:r>
-              <a:rPr lang="bg-BG" sz="2400" dirty="0">
+              <a:rPr lang="bg-BG" sz="3000" dirty="0">
                 <a:latin typeface="Calibri" panose="020F0502020204030204" pitchFamily="34" charset="0"/>
                 <a:cs typeface="Calibri" panose="020F0502020204030204" pitchFamily="34" charset="0"/>
               </a:rPr>
               <a:t>Тестването може да е </a:t>
             </a:r>
             <a:r>
-              <a:rPr lang="bg-BG" sz="2400" b="1" dirty="0">
+              <a:rPr lang="bg-BG" sz="3000" b="1" dirty="0">
                 <a:solidFill>
                   <a:schemeClr val="accent1">
                     <a:lumMod val="60000"/>
@@ -11150,14 +11150,14 @@
               <a:t>функционално</a:t>
             </a:r>
             <a:r>
-              <a:rPr lang="bg-BG" sz="2400" dirty="0">
+              <a:rPr lang="bg-BG" sz="3000" dirty="0">
                 <a:latin typeface="Calibri" panose="020F0502020204030204" pitchFamily="34" charset="0"/>
                 <a:cs typeface="Calibri" panose="020F0502020204030204" pitchFamily="34" charset="0"/>
               </a:rPr>
               <a:t> и </a:t>
             </a:r>
             <a:r>
-              <a:rPr lang="bg-BG" sz="2400" b="1" dirty="0">
+              <a:rPr lang="bg-BG" sz="3000" b="1" dirty="0">
                 <a:solidFill>
                   <a:schemeClr val="accent1">
                     <a:lumMod val="60000"/>
@@ -11177,7 +11177,7 @@
               </a:buClr>
             </a:pPr>
             <a:r>
-              <a:rPr lang="en-US" sz="2400" b="1" dirty="0">
+              <a:rPr lang="en-US" sz="3000" b="1" dirty="0">
                 <a:solidFill>
                   <a:schemeClr val="accent1">
                     <a:lumMod val="60000"/>
@@ -11190,35 +11190,35 @@
               <a:t>Unit</a:t>
             </a:r>
             <a:r>
-              <a:rPr lang="en-US" sz="2400" dirty="0">
+              <a:rPr lang="en-US" sz="3000" dirty="0">
                 <a:latin typeface="Calibri" panose="020F0502020204030204" pitchFamily="34" charset="0"/>
                 <a:cs typeface="Calibri" panose="020F0502020204030204" pitchFamily="34" charset="0"/>
               </a:rPr>
               <a:t> </a:t>
             </a:r>
             <a:r>
-              <a:rPr lang="bg-BG" sz="2400" dirty="0">
+              <a:rPr lang="bg-BG" sz="3000" dirty="0">
                 <a:latin typeface="Calibri" panose="020F0502020204030204" pitchFamily="34" charset="0"/>
                 <a:cs typeface="Calibri" panose="020F0502020204030204" pitchFamily="34" charset="0"/>
               </a:rPr>
               <a:t>тестването проверява </a:t>
             </a:r>
             <a:r>
-              <a:rPr lang="bg-BG" sz="2400" b="1" dirty="0">
+              <a:rPr lang="bg-BG" sz="3000" b="1" dirty="0">
                 <a:latin typeface="Calibri" panose="020F0502020204030204" pitchFamily="34" charset="0"/>
                 <a:cs typeface="Calibri" panose="020F0502020204030204" pitchFamily="34" charset="0"/>
               </a:rPr>
               <a:t>части от кода </a:t>
             </a:r>
             <a:r>
-              <a:rPr lang="bg-BG" sz="2400" dirty="0">
+              <a:rPr lang="bg-BG" sz="3000" dirty="0">
                 <a:latin typeface="Calibri" panose="020F0502020204030204" pitchFamily="34" charset="0"/>
                 <a:cs typeface="Calibri" panose="020F0502020204030204" pitchFamily="34" charset="0"/>
               </a:rPr>
               <a:t>с помощта на </a:t>
             </a:r>
             <a:r>
-              <a:rPr lang="en-US" sz="2400" b="1" dirty="0">
+              <a:rPr lang="en-US" sz="3000" b="1" dirty="0">
                 <a:solidFill>
                   <a:schemeClr val="accent1">
                     <a:lumMod val="60000"/>
@@ -11238,7 +11238,7 @@
               </a:buClr>
             </a:pPr>
             <a:r>
-              <a:rPr lang="bg-BG" sz="2400" b="1" dirty="0">
+              <a:rPr lang="bg-BG" sz="3000" b="1" dirty="0">
                 <a:solidFill>
                   <a:schemeClr val="accent1">
                     <a:lumMod val="60000"/>
@@ -11251,34 +11251,34 @@
               <a:t>Интеграционното</a:t>
             </a:r>
             <a:r>
-              <a:rPr lang="bg-BG" sz="2400" dirty="0">
+              <a:rPr lang="bg-BG" sz="3000" dirty="0">
                 <a:latin typeface="Calibri" panose="020F0502020204030204" pitchFamily="34" charset="0"/>
                 <a:cs typeface="Calibri" panose="020F0502020204030204" pitchFamily="34" charset="0"/>
               </a:rPr>
               <a:t> тестване проверява </a:t>
             </a:r>
             <a:r>
-              <a:rPr lang="bg-BG" sz="2400" b="1" dirty="0">
+              <a:rPr lang="bg-BG" sz="3000" b="1" dirty="0">
                 <a:latin typeface="Calibri" panose="020F0502020204030204" pitchFamily="34" charset="0"/>
                 <a:cs typeface="Calibri" panose="020F0502020204030204" pitchFamily="34" charset="0"/>
               </a:rPr>
               <a:t>взаимодействието</a:t>
             </a:r>
             <a:r>
-              <a:rPr lang="bg-BG" sz="2400" dirty="0">
+              <a:rPr lang="bg-BG" sz="3000" dirty="0">
                 <a:latin typeface="Calibri" panose="020F0502020204030204" pitchFamily="34" charset="0"/>
                 <a:cs typeface="Calibri" panose="020F0502020204030204" pitchFamily="34" charset="0"/>
               </a:rPr>
               <a:t> между </a:t>
             </a:r>
             <a:r>
-              <a:rPr lang="bg-BG" sz="2400" b="1" dirty="0">
+              <a:rPr lang="bg-BG" sz="3000" b="1" dirty="0">
                 <a:latin typeface="Calibri" panose="020F0502020204030204" pitchFamily="34" charset="0"/>
                 <a:cs typeface="Calibri" panose="020F0502020204030204" pitchFamily="34" charset="0"/>
               </a:rPr>
               <a:t>части на приложението</a:t>
             </a:r>
-            <a:endParaRPr lang="en-GB" sz="2400" b="1" dirty="0">
+            <a:endParaRPr lang="en-GB" sz="3000" b="1" dirty="0">
               <a:latin typeface="Calibri" panose="020F0502020204030204" pitchFamily="34" charset="0"/>
               <a:cs typeface="Calibri" panose="020F0502020204030204" pitchFamily="34" charset="0"/>
             </a:endParaRPr>
@@ -12600,7 +12600,7 @@
                                         <p:tgtEl>
                                           <p:spTgt spid="444419">
                                             <p:txEl>
-                                              <p:pRg st="2" end="2"/>
+                                              <p:pRg st="1" end="1"/>
                                             </p:txEl>
                                           </p:spTgt>
                                         </p:tgtEl>
@@ -12649,7 +12649,7 @@
                                         <p:tgtEl>
                                           <p:spTgt spid="444419">
                                             <p:txEl>
-                                              <p:pRg st="3" end="3"/>
+                                              <p:pRg st="2" end="2"/>
                                             </p:txEl>
                                           </p:spTgt>
                                         </p:tgtEl>
@@ -12691,6 +12691,55 @@
                                     <p:set>
                                       <p:cBhvr>
                                         <p:cTn id="14" dur="1" fill="hold">
+                                          <p:stCondLst>
+                                            <p:cond delay="0"/>
+                                          </p:stCondLst>
+                                        </p:cTn>
+                                        <p:tgtEl>
+                                          <p:spTgt spid="444419">
+                                            <p:txEl>
+                                              <p:pRg st="3" end="3"/>
+                                            </p:txEl>
+                                          </p:spTgt>
+                                        </p:tgtEl>
+                                        <p:attrNameLst>
+                                          <p:attrName>style.visibility</p:attrName>
+                                        </p:attrNameLst>
+                                      </p:cBhvr>
+                                      <p:to>
+                                        <p:strVal val="visible"/>
+                                      </p:to>
+                                    </p:set>
+                                  </p:childTnLst>
+                                </p:cTn>
+                              </p:par>
+                            </p:childTnLst>
+                          </p:cTn>
+                        </p:par>
+                      </p:childTnLst>
+                    </p:cTn>
+                  </p:par>
+                  <p:par>
+                    <p:cTn id="15" fill="hold">
+                      <p:stCondLst>
+                        <p:cond delay="indefinite"/>
+                      </p:stCondLst>
+                      <p:childTnLst>
+                        <p:par>
+                          <p:cTn id="16" fill="hold">
+                            <p:stCondLst>
+                              <p:cond delay="0"/>
+                            </p:stCondLst>
+                            <p:childTnLst>
+                              <p:par>
+                                <p:cTn id="17" presetID="1" presetClass="entr" presetSubtype="0" fill="hold" nodeType="clickEffect">
+                                  <p:stCondLst>
+                                    <p:cond delay="0"/>
+                                  </p:stCondLst>
+                                  <p:childTnLst>
+                                    <p:set>
+                                      <p:cBhvr>
+                                        <p:cTn id="18" dur="1" fill="hold">
                                           <p:stCondLst>
                                             <p:cond delay="0"/>
                                           </p:stCondLst>

--- a/Courses/Software-Sciences/Module-4-Information-Systems-New/13-Information-System-Testing/13-Information-System-Testing.pptx
+++ b/Courses/Software-Sciences/Module-4-Information-Systems-New/13-Information-System-Testing/13-Information-System-Testing.pptx
@@ -136,7 +136,7 @@
             <p14:sldId id="276"/>
           </p14:sldIdLst>
         </p14:section>
-        <p14:section name="Защо, какво и как да тестваме" id="{A764BDC4-FBCF-8642-9DA0-2A050F6690EB}">
+        <p14:section name="Въведение в тестването на ИС" id="{A764BDC4-FBCF-8642-9DA0-2A050F6690EB}">
           <p14:sldIdLst>
             <p14:sldId id="649"/>
             <p14:sldId id="651"/>
@@ -285,7 +285,7 @@
           <a:p>
             <a:fld id="{4E087215-0C8F-4762-A664-737A353EC9A4}" type="datetimeFigureOut">
               <a:rPr lang="bg-BG" smtClean="0"/>
-              <a:t>29.09.24 г.</a:t>
+              <a:t>3.10.24 г.</a:t>
             </a:fld>
             <a:endParaRPr lang="bg-BG"/>
           </a:p>
@@ -481,7 +481,7 @@
           <a:p>
             <a:fld id="{72D84649-876A-46C9-8472-14CB09C070D8}" type="datetimeFigureOut">
               <a:rPr lang="en-US" smtClean="0"/>
-              <a:t>9/29/24</a:t>
+              <a:t>10/3/24</a:t>
             </a:fld>
             <a:endParaRPr lang="en-US"/>
           </a:p>
@@ -12439,7 +12439,7 @@
             </a:r>
             <a:r>
               <a:rPr lang="bg-BG" sz="3200" dirty="0"/>
-              <a:t> да тестваме?</a:t>
+              <a:t> да тестваме</a:t>
             </a:r>
           </a:p>
           <a:p>
@@ -12833,7 +12833,7 @@
           <a:p>
             <a:r>
               <a:rPr lang="bg-BG" dirty="0"/>
-              <a:t>Защо, какво и как да тестваме?</a:t>
+              <a:t>Защо, какво и как да тестваме</a:t>
             </a:r>
           </a:p>
         </p:txBody>

--- a/Courses/Software-Sciences/Module-4-Information-Systems-New/13-Information-System-Testing/13-Information-System-Testing.pptx
+++ b/Courses/Software-Sciences/Module-4-Information-Systems-New/13-Information-System-Testing/13-Information-System-Testing.pptx
@@ -285,7 +285,7 @@
           <a:p>
             <a:fld id="{4E087215-0C8F-4762-A664-737A353EC9A4}" type="datetimeFigureOut">
               <a:rPr lang="bg-BG" smtClean="0"/>
-              <a:t>3.10.24 г.</a:t>
+              <a:t>6.11.24 г.</a:t>
             </a:fld>
             <a:endParaRPr lang="bg-BG"/>
           </a:p>
@@ -481,7 +481,7 @@
           <a:p>
             <a:fld id="{72D84649-876A-46C9-8472-14CB09C070D8}" type="datetimeFigureOut">
               <a:rPr lang="en-US" smtClean="0"/>
-              <a:t>10/3/24</a:t>
+              <a:t>11/6/24</a:t>
             </a:fld>
             <a:endParaRPr lang="en-US"/>
           </a:p>
@@ -7841,8 +7841,8 @@
         </p:blipFill>
         <p:spPr>
           <a:xfrm>
-            <a:off x="642407" y="3070787"/>
-            <a:ext cx="1757160" cy="819755"/>
+            <a:off x="642407" y="3086623"/>
+            <a:ext cx="1757160" cy="788082"/>
           </a:xfrm>
           <a:prstGeom prst="rect">
             <a:avLst/>
@@ -11092,7 +11092,7 @@
                 <a:latin typeface="Calibri" panose="020F0502020204030204" pitchFamily="34" charset="0"/>
                 <a:cs typeface="Calibri" panose="020F0502020204030204" pitchFamily="34" charset="0"/>
               </a:rPr>
-              <a:t> след </a:t>
+              <a:t> преди </a:t>
             </a:r>
             <a:r>
               <a:rPr lang="bg-BG" sz="3000" b="1" dirty="0">

--- a/Courses/Software-Sciences/Module-4-Information-Systems-New/13-Information-System-Testing/13-Information-System-Testing.pptx
+++ b/Courses/Software-Sciences/Module-4-Information-Systems-New/13-Information-System-Testing/13-Information-System-Testing.pptx
@@ -285,7 +285,7 @@
           <a:p>
             <a:fld id="{4E087215-0C8F-4762-A664-737A353EC9A4}" type="datetimeFigureOut">
               <a:rPr lang="bg-BG" smtClean="0"/>
-              <a:t>6.11.24 г.</a:t>
+              <a:t>15.11.24 г.</a:t>
             </a:fld>
             <a:endParaRPr lang="bg-BG"/>
           </a:p>
@@ -481,7 +481,7 @@
           <a:p>
             <a:fld id="{72D84649-876A-46C9-8472-14CB09C070D8}" type="datetimeFigureOut">
               <a:rPr lang="en-US" smtClean="0"/>
-              <a:t>11/6/24</a:t>
+              <a:t>11/15/24</a:t>
             </a:fld>
             <a:endParaRPr lang="en-US"/>
           </a:p>
@@ -12407,9 +12407,10 @@
               <a:t> на </a:t>
             </a:r>
             <a:r>
-              <a:rPr lang="bg-BG" sz="3400" b="1" dirty="0"/>
-              <a:t>ИС</a:t>
-            </a:r>
+              <a:rPr lang="bg-BG" sz="3400" b="1"/>
+              <a:t>информационна система</a:t>
+            </a:r>
+            <a:endParaRPr lang="bg-BG" sz="3400" b="1" dirty="0"/>
           </a:p>
           <a:p>
             <a:pPr lvl="1"/>

--- a/Courses/Software-Sciences/Module-4-Information-Systems-New/13-Information-System-Testing/13-Information-System-Testing.pptx
+++ b/Courses/Software-Sciences/Module-4-Information-Systems-New/13-Information-System-Testing/13-Information-System-Testing.pptx
@@ -347,7 +347,7 @@
           <a:p>
             <a:fld id="{4E087215-0C8F-4762-A664-737A353EC9A4}" type="datetimeFigureOut">
               <a:rPr lang="bg-BG" smtClean="0"/>
-              <a:t>12.12.24 г.</a:t>
+              <a:t>23.12.2024 г.</a:t>
             </a:fld>
             <a:endParaRPr lang="bg-BG"/>
           </a:p>
@@ -543,7 +543,7 @@
           <a:p>
             <a:fld id="{72D84649-876A-46C9-8472-14CB09C070D8}" type="datetimeFigureOut">
               <a:rPr lang="en-US" smtClean="0"/>
-              <a:t>12/12/24</a:t>
+              <a:t>12/23/2024</a:t>
             </a:fld>
             <a:endParaRPr lang="en-US"/>
           </a:p>
@@ -10042,7 +10042,7 @@
                             </p:stCondLst>
                             <p:childTnLst>
                               <p:par>
-                                <p:cTn id="21" presetID="1" presetClass="entr" presetSubtype="0" fill="hold" nodeType="clickEffect">
+                                <p:cTn id="21" presetID="22" presetClass="entr" presetSubtype="4" fill="hold" nodeType="clickEffect">
                                   <p:stCondLst>
                                     <p:cond delay="0"/>
                                   </p:stCondLst>
@@ -10065,6 +10065,14 @@
                                         <p:strVal val="visible"/>
                                       </p:to>
                                     </p:set>
+                                    <p:animEffect transition="in" filter="wipe(down)">
+                                      <p:cBhvr>
+                                        <p:cTn id="23" dur="500"/>
+                                        <p:tgtEl>
+                                          <p:spTgt spid="6"/>
+                                        </p:tgtEl>
+                                      </p:cBhvr>
+                                    </p:animEffect>
                                   </p:childTnLst>
                                 </p:cTn>
                               </p:par>
@@ -13657,7 +13665,7 @@
         <p:spPr>
           <a:xfrm>
             <a:off x="190402" y="1196125"/>
-            <a:ext cx="8740598" cy="5528766"/>
+            <a:ext cx="8830598" cy="5528766"/>
           </a:xfrm>
         </p:spPr>
         <p:txBody>
@@ -15596,7 +15604,12 @@
             <p:ph type="body" sz="quarter" idx="10"/>
           </p:nvPr>
         </p:nvSpPr>
-        <p:spPr/>
+        <p:spPr>
+          <a:xfrm>
+            <a:off x="124413" y="1195931"/>
+            <a:ext cx="5545598" cy="4957073"/>
+          </a:xfrm>
+        </p:spPr>
         <p:txBody>
           <a:bodyPr>
             <a:normAutofit lnSpcReduction="10000"/>
@@ -16643,7 +16656,7 @@
                                         <p:tgtEl>
                                           <p:spTgt spid="444419">
                                             <p:txEl>
-                                              <p:pRg st="2" end="2"/>
+                                              <p:pRg st="1" end="1"/>
                                             </p:txEl>
                                           </p:spTgt>
                                         </p:tgtEl>
@@ -16692,7 +16705,7 @@
                                         <p:tgtEl>
                                           <p:spTgt spid="444419">
                                             <p:txEl>
-                                              <p:pRg st="3" end="3"/>
+                                              <p:pRg st="2" end="2"/>
                                             </p:txEl>
                                           </p:spTgt>
                                         </p:tgtEl>
@@ -16741,7 +16754,7 @@
                                         <p:tgtEl>
                                           <p:spTgt spid="444419">
                                             <p:txEl>
-                                              <p:pRg st="4" end="4"/>
+                                              <p:pRg st="3" end="3"/>
                                             </p:txEl>
                                           </p:spTgt>
                                         </p:tgtEl>
@@ -16790,7 +16803,7 @@
                                         <p:tgtEl>
                                           <p:spTgt spid="444419">
                                             <p:txEl>
-                                              <p:pRg st="5" end="5"/>
+                                              <p:pRg st="4" end="4"/>
                                             </p:txEl>
                                           </p:spTgt>
                                         </p:tgtEl>
@@ -16839,7 +16852,7 @@
                                         <p:tgtEl>
                                           <p:spTgt spid="444419">
                                             <p:txEl>
-                                              <p:pRg st="6" end="6"/>
+                                              <p:pRg st="5" end="5"/>
                                             </p:txEl>
                                           </p:spTgt>
                                         </p:tgtEl>
@@ -16888,7 +16901,7 @@
                                         <p:tgtEl>
                                           <p:spTgt spid="444419">
                                             <p:txEl>
-                                              <p:pRg st="7" end="7"/>
+                                              <p:pRg st="6" end="6"/>
                                             </p:txEl>
                                           </p:spTgt>
                                         </p:tgtEl>
@@ -16937,7 +16950,7 @@
                                         <p:tgtEl>
                                           <p:spTgt spid="444419">
                                             <p:txEl>
-                                              <p:pRg st="8" end="8"/>
+                                              <p:pRg st="7" end="7"/>
                                             </p:txEl>
                                           </p:spTgt>
                                         </p:tgtEl>
@@ -16979,6 +16992,55 @@
                                     <p:set>
                                       <p:cBhvr>
                                         <p:cTn id="34" dur="1" fill="hold">
+                                          <p:stCondLst>
+                                            <p:cond delay="0"/>
+                                          </p:stCondLst>
+                                        </p:cTn>
+                                        <p:tgtEl>
+                                          <p:spTgt spid="444419">
+                                            <p:txEl>
+                                              <p:pRg st="8" end="8"/>
+                                            </p:txEl>
+                                          </p:spTgt>
+                                        </p:tgtEl>
+                                        <p:attrNameLst>
+                                          <p:attrName>style.visibility</p:attrName>
+                                        </p:attrNameLst>
+                                      </p:cBhvr>
+                                      <p:to>
+                                        <p:strVal val="visible"/>
+                                      </p:to>
+                                    </p:set>
+                                  </p:childTnLst>
+                                </p:cTn>
+                              </p:par>
+                            </p:childTnLst>
+                          </p:cTn>
+                        </p:par>
+                      </p:childTnLst>
+                    </p:cTn>
+                  </p:par>
+                  <p:par>
+                    <p:cTn id="35" fill="hold">
+                      <p:stCondLst>
+                        <p:cond delay="indefinite"/>
+                      </p:stCondLst>
+                      <p:childTnLst>
+                        <p:par>
+                          <p:cTn id="36" fill="hold">
+                            <p:stCondLst>
+                              <p:cond delay="0"/>
+                            </p:stCondLst>
+                            <p:childTnLst>
+                              <p:par>
+                                <p:cTn id="37" presetID="1" presetClass="entr" presetSubtype="0" fill="hold" nodeType="clickEffect">
+                                  <p:stCondLst>
+                                    <p:cond delay="0"/>
+                                  </p:stCondLst>
+                                  <p:childTnLst>
+                                    <p:set>
+                                      <p:cBhvr>
+                                        <p:cTn id="38" dur="1" fill="hold">
                                           <p:stCondLst>
                                             <p:cond delay="0"/>
                                           </p:stCondLst>
@@ -19358,7 +19420,7 @@
         <p:spPr bwMode="auto">
           <a:xfrm>
             <a:off x="1506000" y="4808919"/>
-            <a:ext cx="5952034" cy="510609"/>
+            <a:ext cx="5355000" cy="510609"/>
           </a:xfrm>
           <a:prstGeom prst="wedgeRoundRectCallout">
             <a:avLst>
@@ -24226,11 +24288,11 @@
   <p:clrMapOvr>
     <a:masterClrMapping/>
   </p:clrMapOvr>
-  <mc:AlternateContent xmlns:mc="http://schemas.openxmlformats.org/markup-compatibility/2006">
-    <mc:Choice xmlns:p14="http://schemas.microsoft.com/office/powerpoint/2010/main" Requires="p14">
+  <mc:AlternateContent xmlns:mc="http://schemas.openxmlformats.org/markup-compatibility/2006" xmlns:p14="http://schemas.microsoft.com/office/powerpoint/2010/main">
+    <mc:Choice Requires="p14">
       <p:transition spd="slow" p14:dur="2000" advClick="0" advTm="5000"/>
     </mc:Choice>
-    <mc:Fallback>
+    <mc:Fallback xmlns="">
       <p:transition spd="slow" advClick="0" advTm="5000"/>
     </mc:Fallback>
   </mc:AlternateContent>
@@ -26020,11 +26082,11 @@
   <p:clrMapOvr>
     <a:masterClrMapping/>
   </p:clrMapOvr>
-  <mc:AlternateContent xmlns:mc="http://schemas.openxmlformats.org/markup-compatibility/2006">
-    <mc:Choice xmlns:p14="http://schemas.microsoft.com/office/powerpoint/2010/main" Requires="p14">
+  <mc:AlternateContent xmlns:mc="http://schemas.openxmlformats.org/markup-compatibility/2006" xmlns:p14="http://schemas.microsoft.com/office/powerpoint/2010/main">
+    <mc:Choice Requires="p14">
       <p:transition spd="slow" p14:dur="2000" advClick="0" advTm="5000"/>
     </mc:Choice>
-    <mc:Fallback>
+    <mc:Fallback xmlns="">
       <p:transition spd="slow" advClick="0" advTm="5000"/>
     </mc:Fallback>
   </mc:AlternateContent>
@@ -27195,11 +27257,11 @@
   <p:clrMapOvr>
     <a:masterClrMapping/>
   </p:clrMapOvr>
-  <mc:AlternateContent xmlns:mc="http://schemas.openxmlformats.org/markup-compatibility/2006">
-    <mc:Choice xmlns:p14="http://schemas.microsoft.com/office/powerpoint/2010/main" Requires="p14">
+  <mc:AlternateContent xmlns:mc="http://schemas.openxmlformats.org/markup-compatibility/2006" xmlns:p14="http://schemas.microsoft.com/office/powerpoint/2010/main">
+    <mc:Choice Requires="p14">
       <p:transition spd="slow" p14:dur="2000" advClick="0" advTm="5000"/>
     </mc:Choice>
-    <mc:Fallback>
+    <mc:Fallback xmlns="">
       <p:transition spd="slow" advClick="0" advTm="5000"/>
     </mc:Fallback>
   </mc:AlternateContent>
@@ -29155,7 +29217,7 @@
         </p:nvSpPr>
         <p:spPr>
           <a:xfrm>
-            <a:off x="193602" y="1646578"/>
+            <a:off x="426000" y="1777686"/>
             <a:ext cx="11311114" cy="4801314"/>
           </a:xfrm>
           <a:prstGeom prst="rect">
@@ -29572,13 +29634,13 @@
         </p:nvSpPr>
         <p:spPr bwMode="auto">
           <a:xfrm>
-            <a:off x="5552682" y="4599000"/>
-            <a:ext cx="5952034" cy="919090"/>
+            <a:off x="6186000" y="4599000"/>
+            <a:ext cx="5318716" cy="919090"/>
           </a:xfrm>
           <a:prstGeom prst="wedgeRoundRectCallout">
             <a:avLst>
-              <a:gd name="adj1" fmla="val -56556"/>
-              <a:gd name="adj2" fmla="val 78740"/>
+              <a:gd name="adj1" fmla="val -44044"/>
+              <a:gd name="adj2" fmla="val 88997"/>
               <a:gd name="adj3" fmla="val 16667"/>
             </a:avLst>
           </a:prstGeom>
@@ -29706,11 +29768,11 @@
   <p:clrMapOvr>
     <a:masterClrMapping/>
   </p:clrMapOvr>
-  <mc:AlternateContent xmlns:mc="http://schemas.openxmlformats.org/markup-compatibility/2006">
-    <mc:Choice xmlns:p14="http://schemas.microsoft.com/office/powerpoint/2010/main" Requires="p14">
+  <mc:AlternateContent xmlns:mc="http://schemas.openxmlformats.org/markup-compatibility/2006" xmlns:p14="http://schemas.microsoft.com/office/powerpoint/2010/main">
+    <mc:Choice Requires="p14">
       <p:transition spd="slow" p14:dur="2000" advClick="0" advTm="5000"/>
     </mc:Choice>
-    <mc:Fallback>
+    <mc:Fallback xmlns="">
       <p:transition spd="slow" advClick="0" advTm="5000"/>
     </mc:Fallback>
   </mc:AlternateContent>
@@ -29891,8 +29953,8 @@
         </p:nvSpPr>
         <p:spPr>
           <a:xfrm>
-            <a:off x="190406" y="1269000"/>
-            <a:ext cx="11311114" cy="4401205"/>
+            <a:off x="440443" y="1163153"/>
+            <a:ext cx="11311114" cy="5632311"/>
           </a:xfrm>
           <a:prstGeom prst="rect">
             <a:avLst/>
@@ -29925,7 +29987,7 @@
               </a:lnSpc>
             </a:pPr>
             <a:r>
-              <a:rPr lang="en-US" sz="2000" b="1" noProof="1">
+              <a:rPr lang="en-US" sz="2400" b="1" noProof="1">
                 <a:latin typeface="Consolas" panose="020B0609020204030204" pitchFamily="49" charset="0"/>
               </a:rPr>
               <a:t>...</a:t>
@@ -29938,13 +30000,13 @@
               </a:lnSpc>
             </a:pPr>
             <a:r>
-              <a:rPr lang="bg-BG" sz="2000" b="1" noProof="1">
+              <a:rPr lang="bg-BG" sz="2400" b="1" noProof="1">
                 <a:latin typeface="Consolas" panose="020B0609020204030204" pitchFamily="49" charset="0"/>
               </a:rPr>
               <a:t>    </a:t>
             </a:r>
             <a:r>
-              <a:rPr lang="en-US" sz="2000" b="1" noProof="1">
+              <a:rPr lang="en-US" sz="2400" b="1" noProof="1">
                 <a:solidFill>
                   <a:schemeClr val="accent2"/>
                 </a:solidFill>
@@ -29960,13 +30022,13 @@
               </a:lnSpc>
             </a:pPr>
             <a:r>
-              <a:rPr lang="bg-BG" sz="2000" b="1" noProof="1">
+              <a:rPr lang="bg-BG" sz="2400" b="1" noProof="1">
                 <a:latin typeface="Consolas" panose="020B0609020204030204" pitchFamily="49" charset="0"/>
               </a:rPr>
               <a:t>    </a:t>
             </a:r>
             <a:r>
-              <a:rPr lang="en-US" sz="2000" b="1" noProof="1">
+              <a:rPr lang="en-US" sz="2400" b="1" noProof="1">
                 <a:solidFill>
                   <a:schemeClr val="bg1"/>
                 </a:solidFill>
@@ -29975,13 +30037,13 @@
               <a:t>method</a:t>
             </a:r>
             <a:r>
-              <a:rPr lang="en-US" sz="2000" b="1" noProof="1">
+              <a:rPr lang="en-US" sz="2400" b="1" noProof="1">
                 <a:latin typeface="Consolas" panose="020B0609020204030204" pitchFamily="49" charset="0"/>
               </a:rPr>
               <a:t>.</a:t>
             </a:r>
             <a:r>
-              <a:rPr lang="en-US" sz="2000" b="1" noProof="1">
+              <a:rPr lang="en-US" sz="2400" b="1" noProof="1">
                 <a:solidFill>
                   <a:schemeClr val="bg1"/>
                 </a:solidFill>
@@ -29990,13 +30052,13 @@
               <a:t>Invoke</a:t>
             </a:r>
             <a:r>
-              <a:rPr lang="en-US" sz="2000" b="1" noProof="1">
+              <a:rPr lang="en-US" sz="2400" b="1" noProof="1">
                 <a:latin typeface="Consolas" panose="020B0609020204030204" pitchFamily="49" charset="0"/>
               </a:rPr>
               <a:t>(</a:t>
             </a:r>
             <a:r>
-              <a:rPr lang="en-US" sz="2000" b="1" noProof="1">
+              <a:rPr lang="en-US" sz="2400" b="1" noProof="1">
                 <a:solidFill>
                   <a:schemeClr val="bg1"/>
                 </a:solidFill>
@@ -30005,13 +30067,13 @@
               <a:t>formPatients</a:t>
             </a:r>
             <a:r>
-              <a:rPr lang="en-US" sz="2000" b="1" noProof="1">
+              <a:rPr lang="en-US" sz="2400" b="1" noProof="1">
                 <a:latin typeface="Consolas" panose="020B0609020204030204" pitchFamily="49" charset="0"/>
               </a:rPr>
               <a:t>, [</a:t>
             </a:r>
             <a:r>
-              <a:rPr lang="en-US" sz="2000" b="1" noProof="1">
+              <a:rPr lang="en-US" sz="2400" b="1" noProof="1">
                 <a:solidFill>
                   <a:schemeClr val="bg1"/>
                 </a:solidFill>
@@ -30020,17 +30082,17 @@
               <a:t>newPatient</a:t>
             </a:r>
             <a:r>
-              <a:rPr lang="en-US" sz="2000" b="1" noProof="1">
+              <a:rPr lang="en-US" sz="2400" b="1" noProof="1">
                 <a:latin typeface="Consolas" panose="020B0609020204030204" pitchFamily="49" charset="0"/>
               </a:rPr>
               <a:t>]);</a:t>
             </a:r>
             <a:br>
-              <a:rPr lang="en-US" sz="2000" b="1" noProof="1">
+              <a:rPr lang="en-US" sz="2400" b="1" noProof="1">
                 <a:latin typeface="Consolas" panose="020B0609020204030204" pitchFamily="49" charset="0"/>
               </a:rPr>
             </a:br>
-            <a:endParaRPr lang="en-US" sz="2000" b="1" noProof="1">
+            <a:endParaRPr lang="en-US" sz="2400" b="1" noProof="1">
               <a:latin typeface="Consolas" panose="020B0609020204030204" pitchFamily="49" charset="0"/>
             </a:endParaRPr>
           </a:p>
@@ -30041,13 +30103,13 @@
               </a:lnSpc>
             </a:pPr>
             <a:r>
-              <a:rPr lang="bg-BG" sz="2000" b="1" noProof="1">
+              <a:rPr lang="bg-BG" sz="2400" b="1" noProof="1">
                 <a:latin typeface="Consolas" panose="020B0609020204030204" pitchFamily="49" charset="0"/>
               </a:rPr>
               <a:t>    </a:t>
             </a:r>
             <a:r>
-              <a:rPr lang="en-US" sz="2000" b="1" noProof="1">
+              <a:rPr lang="en-US" sz="2400" b="1" noProof="1">
                 <a:solidFill>
                   <a:schemeClr val="accent2"/>
                 </a:solidFill>
@@ -30058,13 +30120,13 @@
           </a:p>
           <a:p>
             <a:r>
-              <a:rPr lang="bg-BG" sz="2000" b="1" noProof="1">
+              <a:rPr lang="bg-BG" sz="2400" b="1" noProof="1">
                 <a:latin typeface="Consolas" panose="020B0609020204030204" pitchFamily="49" charset="0"/>
               </a:rPr>
               <a:t>    </a:t>
             </a:r>
             <a:r>
-              <a:rPr lang="en-US" sz="2000" b="1" noProof="1">
+              <a:rPr lang="en-US" sz="2400" b="1" noProof="1">
                 <a:latin typeface="Consolas" panose="020B0609020204030204" pitchFamily="49" charset="0"/>
               </a:rPr>
               <a:t>using (var dbContext = new HospitalDbContext())</a:t>
@@ -30077,13 +30139,13 @@
               </a:lnSpc>
             </a:pPr>
             <a:r>
-              <a:rPr lang="bg-BG" sz="2000" b="1" noProof="1">
+              <a:rPr lang="bg-BG" sz="2400" b="1" noProof="1">
                 <a:latin typeface="Consolas" panose="020B0609020204030204" pitchFamily="49" charset="0"/>
               </a:rPr>
               <a:t>    </a:t>
             </a:r>
             <a:r>
-              <a:rPr lang="en-US" sz="2000" b="1" noProof="1">
+              <a:rPr lang="en-US" sz="2400" b="1" noProof="1">
                 <a:latin typeface="Consolas" panose="020B0609020204030204" pitchFamily="49" charset="0"/>
               </a:rPr>
               <a:t>{</a:t>
@@ -30096,19 +30158,19 @@
               </a:lnSpc>
             </a:pPr>
             <a:r>
-              <a:rPr lang="bg-BG" sz="2000" b="1" noProof="1">
+              <a:rPr lang="bg-BG" sz="2400" b="1" noProof="1">
                 <a:latin typeface="Consolas" panose="020B0609020204030204" pitchFamily="49" charset="0"/>
               </a:rPr>
               <a:t>        </a:t>
             </a:r>
             <a:r>
-              <a:rPr lang="en-US" sz="2000" b="1" noProof="1">
+              <a:rPr lang="en-US" sz="2400" b="1" noProof="1">
                 <a:latin typeface="Consolas" panose="020B0609020204030204" pitchFamily="49" charset="0"/>
               </a:rPr>
               <a:t>var </a:t>
             </a:r>
             <a:r>
-              <a:rPr lang="en-US" sz="2000" b="1" noProof="1">
+              <a:rPr lang="en-US" sz="2400" b="1" noProof="1">
                 <a:solidFill>
                   <a:schemeClr val="bg1"/>
                 </a:solidFill>
@@ -30117,12 +30179,12 @@
               <a:t>patient</a:t>
             </a:r>
             <a:r>
-              <a:rPr lang="en-US" sz="2000" b="1" noProof="1">
+              <a:rPr lang="en-US" sz="2400" b="1" noProof="1">
                 <a:latin typeface="Consolas" panose="020B0609020204030204" pitchFamily="49" charset="0"/>
               </a:rPr>
               <a:t> = dbContext.Patients</a:t>
             </a:r>
-            <a:endParaRPr lang="bg-BG" sz="2000" b="1" noProof="1">
+            <a:endParaRPr lang="bg-BG" sz="2400" b="1" noProof="1">
               <a:latin typeface="Consolas" panose="020B0609020204030204" pitchFamily="49" charset="0"/>
             </a:endParaRPr>
           </a:p>
@@ -30133,25 +30195,25 @@
               </a:lnSpc>
             </a:pPr>
             <a:r>
-              <a:rPr lang="bg-BG" sz="2000" b="1" noProof="1">
+              <a:rPr lang="bg-BG" sz="2400" b="1" noProof="1">
                 <a:latin typeface="Consolas" panose="020B0609020204030204" pitchFamily="49" charset="0"/>
               </a:rPr>
               <a:t>                    </a:t>
             </a:r>
             <a:r>
-              <a:rPr lang="en-US" sz="2000" b="1" noProof="1">
+              <a:rPr lang="en-US" sz="2400" b="1" noProof="1">
                 <a:latin typeface="Consolas" panose="020B0609020204030204" pitchFamily="49" charset="0"/>
               </a:rPr>
               <a:t>.FirstOrDefault(p =&gt; p.PersonalIdNumber ==</a:t>
             </a:r>
             <a:r>
-              <a:rPr lang="bg-BG" sz="2000" b="1" noProof="1">
+              <a:rPr lang="bg-BG" sz="2400" b="1" noProof="1">
                 <a:latin typeface="Consolas" panose="020B0609020204030204" pitchFamily="49" charset="0"/>
               </a:rPr>
               <a:t> </a:t>
             </a:r>
             <a:r>
-              <a:rPr lang="en-US" sz="2000" b="1" noProof="1">
+              <a:rPr lang="en-US" sz="2400" b="1" noProof="1">
                 <a:latin typeface="Consolas" panose="020B0609020204030204" pitchFamily="49" charset="0"/>
               </a:rPr>
               <a:t>"1234567890");</a:t>
@@ -30164,19 +30226,19 @@
               </a:lnSpc>
             </a:pPr>
             <a:r>
-              <a:rPr lang="bg-BG" sz="2000" b="1" noProof="1">
+              <a:rPr lang="bg-BG" sz="2400" b="1" noProof="1">
                 <a:latin typeface="Consolas" panose="020B0609020204030204" pitchFamily="49" charset="0"/>
               </a:rPr>
               <a:t>        </a:t>
             </a:r>
             <a:r>
-              <a:rPr lang="en-US" sz="2000" b="1" noProof="1">
+              <a:rPr lang="en-US" sz="2400" b="1" noProof="1">
                 <a:latin typeface="Consolas" panose="020B0609020204030204" pitchFamily="49" charset="0"/>
               </a:rPr>
               <a:t>Assert.NotNull(</a:t>
             </a:r>
             <a:r>
-              <a:rPr lang="en-US" sz="2000" b="1" noProof="1">
+              <a:rPr lang="en-US" sz="2400" b="1" noProof="1">
                 <a:solidFill>
                   <a:schemeClr val="bg1"/>
                 </a:solidFill>
@@ -30185,7 +30247,7 @@
               <a:t>patient</a:t>
             </a:r>
             <a:r>
-              <a:rPr lang="en-US" sz="2000" b="1" noProof="1">
+              <a:rPr lang="en-US" sz="2400" b="1" noProof="1">
                 <a:latin typeface="Consolas" panose="020B0609020204030204" pitchFamily="49" charset="0"/>
               </a:rPr>
               <a:t>);</a:t>
@@ -30198,13 +30260,13 @@
               </a:lnSpc>
             </a:pPr>
             <a:r>
-              <a:rPr lang="en-US" sz="2000" b="1" noProof="1">
+              <a:rPr lang="en-US" sz="2400" b="1" noProof="1">
                 <a:latin typeface="Consolas" panose="020B0609020204030204" pitchFamily="49" charset="0"/>
               </a:rPr>
               <a:t>        Assert.Equal("John", </a:t>
             </a:r>
             <a:r>
-              <a:rPr lang="en-US" sz="2000" b="1" noProof="1">
+              <a:rPr lang="en-US" sz="2400" b="1" noProof="1">
                 <a:solidFill>
                   <a:schemeClr val="bg1"/>
                 </a:solidFill>
@@ -30213,13 +30275,13 @@
               <a:t>patient</a:t>
             </a:r>
             <a:r>
-              <a:rPr lang="en-US" sz="2000" b="1" noProof="1">
+              <a:rPr lang="en-US" sz="2400" b="1" noProof="1">
                 <a:latin typeface="Consolas" panose="020B0609020204030204" pitchFamily="49" charset="0"/>
               </a:rPr>
               <a:t>.</a:t>
             </a:r>
             <a:r>
-              <a:rPr lang="en-US" sz="2000" b="1" noProof="1">
+              <a:rPr lang="en-US" sz="2400" b="1" noProof="1">
                 <a:solidFill>
                   <a:schemeClr val="bg1"/>
                 </a:solidFill>
@@ -30228,7 +30290,7 @@
               <a:t>FirstName</a:t>
             </a:r>
             <a:r>
-              <a:rPr lang="en-US" sz="2000" b="1" noProof="1">
+              <a:rPr lang="en-US" sz="2400" b="1" noProof="1">
                 <a:latin typeface="Consolas" panose="020B0609020204030204" pitchFamily="49" charset="0"/>
               </a:rPr>
               <a:t>);</a:t>
@@ -30241,13 +30303,13 @@
               </a:lnSpc>
             </a:pPr>
             <a:r>
-              <a:rPr lang="en-US" sz="2000" b="1" noProof="1">
+              <a:rPr lang="en-US" sz="2400" b="1" noProof="1">
                 <a:latin typeface="Consolas" panose="020B0609020204030204" pitchFamily="49" charset="0"/>
               </a:rPr>
               <a:t>        Assert.Equal("Doe", </a:t>
             </a:r>
             <a:r>
-              <a:rPr lang="en-US" sz="2000" b="1" noProof="1">
+              <a:rPr lang="en-US" sz="2400" b="1" noProof="1">
                 <a:solidFill>
                   <a:schemeClr val="bg1"/>
                 </a:solidFill>
@@ -30256,13 +30318,13 @@
               <a:t>patient</a:t>
             </a:r>
             <a:r>
-              <a:rPr lang="en-US" sz="2000" b="1" noProof="1">
+              <a:rPr lang="en-US" sz="2400" b="1" noProof="1">
                 <a:latin typeface="Consolas" panose="020B0609020204030204" pitchFamily="49" charset="0"/>
               </a:rPr>
               <a:t>.</a:t>
             </a:r>
             <a:r>
-              <a:rPr lang="en-US" sz="2000" b="1" noProof="1">
+              <a:rPr lang="en-US" sz="2400" b="1" noProof="1">
                 <a:solidFill>
                   <a:schemeClr val="bg1"/>
                 </a:solidFill>
@@ -30271,7 +30333,7 @@
               <a:t>LastName</a:t>
             </a:r>
             <a:r>
-              <a:rPr lang="en-US" sz="2000" b="1" noProof="1">
+              <a:rPr lang="en-US" sz="2400" b="1" noProof="1">
                 <a:latin typeface="Consolas" panose="020B0609020204030204" pitchFamily="49" charset="0"/>
               </a:rPr>
               <a:t>);</a:t>
@@ -30284,7 +30346,7 @@
               </a:lnSpc>
             </a:pPr>
             <a:r>
-              <a:rPr lang="en-US" sz="2000" b="1" noProof="1">
+              <a:rPr lang="en-US" sz="2400" b="1" noProof="1">
                 <a:latin typeface="Consolas" panose="020B0609020204030204" pitchFamily="49" charset="0"/>
               </a:rPr>
               <a:t>    }</a:t>
@@ -30297,7 +30359,7 @@
               </a:lnSpc>
             </a:pPr>
             <a:r>
-              <a:rPr lang="en-US" sz="2000" b="1" noProof="1">
+              <a:rPr lang="en-US" sz="2400" b="1" noProof="1">
                 <a:latin typeface="Consolas" panose="020B0609020204030204" pitchFamily="49" charset="0"/>
               </a:rPr>
               <a:t>}</a:t>
@@ -30321,13 +30383,13 @@
         </p:nvSpPr>
         <p:spPr bwMode="auto">
           <a:xfrm>
-            <a:off x="6000903" y="1269000"/>
-            <a:ext cx="5952034" cy="510609"/>
+            <a:off x="6000903" y="1283695"/>
+            <a:ext cx="5045097" cy="510609"/>
           </a:xfrm>
           <a:prstGeom prst="wedgeRoundRectCallout">
             <a:avLst>
-              <a:gd name="adj1" fmla="val -36926"/>
-              <a:gd name="adj2" fmla="val 118260"/>
+              <a:gd name="adj1" fmla="val 631"/>
+              <a:gd name="adj2" fmla="val 97952"/>
               <a:gd name="adj3" fmla="val 16667"/>
             </a:avLst>
           </a:prstGeom>
@@ -30404,11 +30466,11 @@
   <p:clrMapOvr>
     <a:masterClrMapping/>
   </p:clrMapOvr>
-  <mc:AlternateContent xmlns:mc="http://schemas.openxmlformats.org/markup-compatibility/2006">
-    <mc:Choice xmlns:p14="http://schemas.microsoft.com/office/powerpoint/2010/main" Requires="p14">
+  <mc:AlternateContent xmlns:mc="http://schemas.openxmlformats.org/markup-compatibility/2006" xmlns:p14="http://schemas.microsoft.com/office/powerpoint/2010/main">
+    <mc:Choice Requires="p14">
       <p:transition spd="slow" p14:dur="2000" advClick="0" advTm="5000"/>
     </mc:Choice>
-    <mc:Fallback>
+    <mc:Fallback xmlns="">
       <p:transition spd="slow" advClick="0" advTm="5000"/>
     </mc:Fallback>
   </mc:AlternateContent>
@@ -30441,51 +30503,6 @@
                                     <p:set>
                                       <p:cBhvr>
                                         <p:cTn id="6" dur="1" fill="hold">
-                                          <p:stCondLst>
-                                            <p:cond delay="0"/>
-                                          </p:stCondLst>
-                                        </p:cTn>
-                                        <p:tgtEl>
-                                          <p:spTgt spid="5"/>
-                                        </p:tgtEl>
-                                        <p:attrNameLst>
-                                          <p:attrName>style.visibility</p:attrName>
-                                        </p:attrNameLst>
-                                      </p:cBhvr>
-                                      <p:to>
-                                        <p:strVal val="visible"/>
-                                      </p:to>
-                                    </p:set>
-                                  </p:childTnLst>
-                                </p:cTn>
-                              </p:par>
-                            </p:childTnLst>
-                          </p:cTn>
-                        </p:par>
-                      </p:childTnLst>
-                    </p:cTn>
-                  </p:par>
-                  <p:par>
-                    <p:cTn id="7" fill="hold">
-                      <p:stCondLst>
-                        <p:cond delay="indefinite"/>
-                      </p:stCondLst>
-                      <p:childTnLst>
-                        <p:par>
-                          <p:cTn id="8" fill="hold">
-                            <p:stCondLst>
-                              <p:cond delay="0"/>
-                            </p:stCondLst>
-                            <p:childTnLst>
-                              <p:par>
-                                <p:cTn id="9" presetID="1" presetClass="entr" presetSubtype="0" fill="hold" grpId="0" nodeType="clickEffect">
-                                  <p:stCondLst>
-                                    <p:cond delay="0"/>
-                                  </p:stCondLst>
-                                  <p:childTnLst>
-                                    <p:set>
-                                      <p:cBhvr>
-                                        <p:cTn id="10" dur="1" fill="hold">
                                           <p:stCondLst>
                                             <p:cond delay="0"/>
                                           </p:stCondLst>
@@ -30532,7 +30549,6 @@
       </p:par>
     </p:tnLst>
     <p:bldLst>
-      <p:bldP spid="5" grpId="0" animBg="1"/>
       <p:bldP spid="7" grpId="0" animBg="1"/>
     </p:bldLst>
   </p:timing>
@@ -30694,7 +30710,7 @@
         </p:nvSpPr>
         <p:spPr>
           <a:xfrm>
-            <a:off x="190402" y="1921177"/>
+            <a:off x="440443" y="1921177"/>
             <a:ext cx="11311114" cy="4524315"/>
           </a:xfrm>
           <a:prstGeom prst="rect">
@@ -31102,12 +31118,12 @@
         <p:spPr bwMode="auto">
           <a:xfrm>
             <a:off x="6309955" y="4183334"/>
-            <a:ext cx="5952034" cy="919090"/>
+            <a:ext cx="5191561" cy="919090"/>
           </a:xfrm>
           <a:prstGeom prst="wedgeRoundRectCallout">
             <a:avLst>
-              <a:gd name="adj1" fmla="val -59033"/>
-              <a:gd name="adj2" fmla="val 92474"/>
+              <a:gd name="adj1" fmla="val -47957"/>
+              <a:gd name="adj2" fmla="val 91448"/>
               <a:gd name="adj3" fmla="val 16667"/>
             </a:avLst>
           </a:prstGeom>
@@ -31235,11 +31251,11 @@
   <p:clrMapOvr>
     <a:masterClrMapping/>
   </p:clrMapOvr>
-  <mc:AlternateContent xmlns:mc="http://schemas.openxmlformats.org/markup-compatibility/2006">
-    <mc:Choice xmlns:p14="http://schemas.microsoft.com/office/powerpoint/2010/main" Requires="p14">
+  <mc:AlternateContent xmlns:mc="http://schemas.openxmlformats.org/markup-compatibility/2006" xmlns:p14="http://schemas.microsoft.com/office/powerpoint/2010/main">
+    <mc:Choice Requires="p14">
       <p:transition spd="slow" p14:dur="2000" advClick="0" advTm="5000"/>
     </mc:Choice>
-    <mc:Fallback>
+    <mc:Fallback xmlns="">
       <p:transition spd="slow" advClick="0" advTm="5000"/>
     </mc:Fallback>
   </mc:AlternateContent>
@@ -31474,8 +31490,8 @@
         </p:nvSpPr>
         <p:spPr>
           <a:xfrm>
-            <a:off x="190406" y="1269000"/>
-            <a:ext cx="11311114" cy="3785652"/>
+            <a:off x="440443" y="1280353"/>
+            <a:ext cx="11311114" cy="4893647"/>
           </a:xfrm>
           <a:prstGeom prst="rect">
             <a:avLst/>
@@ -31508,12 +31524,12 @@
               </a:lnSpc>
             </a:pPr>
             <a:r>
-              <a:rPr lang="bg-BG" sz="2000" b="1" noProof="1">
+              <a:rPr lang="bg-BG" sz="2400" b="1" noProof="1">
                 <a:latin typeface="Consolas" panose="020B0609020204030204" pitchFamily="49" charset="0"/>
               </a:rPr>
               <a:t>...</a:t>
             </a:r>
-            <a:endParaRPr lang="en-US" sz="2000" b="1" noProof="1">
+            <a:endParaRPr lang="en-US" sz="2400" b="1" noProof="1">
               <a:latin typeface="Consolas" panose="020B0609020204030204" pitchFamily="49" charset="0"/>
             </a:endParaRPr>
           </a:p>
@@ -31523,7 +31539,7 @@
                 <a:spcPct val="100000"/>
               </a:lnSpc>
             </a:pPr>
-            <a:endParaRPr lang="en-US" sz="2000" b="1" noProof="1">
+            <a:endParaRPr lang="en-US" sz="2400" b="1" noProof="1">
               <a:latin typeface="Consolas" panose="020B0609020204030204" pitchFamily="49" charset="0"/>
             </a:endParaRPr>
           </a:p>
@@ -31534,13 +31550,13 @@
               </a:lnSpc>
             </a:pPr>
             <a:r>
-              <a:rPr lang="en-US" sz="2000" b="1" noProof="1">
+              <a:rPr lang="en-US" sz="2400" b="1" noProof="1">
                 <a:latin typeface="Consolas" panose="020B0609020204030204" pitchFamily="49" charset="0"/>
               </a:rPr>
               <a:t>        </a:t>
             </a:r>
             <a:r>
-              <a:rPr lang="en-US" sz="2000" b="1" noProof="1">
+              <a:rPr lang="en-US" sz="2400" b="1" noProof="1">
                 <a:solidFill>
                   <a:schemeClr val="accent2"/>
                 </a:solidFill>
@@ -31556,13 +31572,13 @@
               </a:lnSpc>
             </a:pPr>
             <a:r>
-              <a:rPr lang="en-US" sz="2000" b="1" noProof="1">
+              <a:rPr lang="en-US" sz="2400" b="1" noProof="1">
                 <a:latin typeface="Consolas" panose="020B0609020204030204" pitchFamily="49" charset="0"/>
               </a:rPr>
               <a:t>        </a:t>
             </a:r>
             <a:r>
-              <a:rPr lang="en-US" sz="2000" b="1" noProof="1">
+              <a:rPr lang="en-US" sz="2400" b="1" noProof="1">
                 <a:solidFill>
                   <a:schemeClr val="bg1"/>
                 </a:solidFill>
@@ -31571,13 +31587,13 @@
               <a:t>method</a:t>
             </a:r>
             <a:r>
-              <a:rPr lang="en-US" sz="2000" b="1" noProof="1">
+              <a:rPr lang="en-US" sz="2400" b="1" noProof="1">
                 <a:latin typeface="Consolas" panose="020B0609020204030204" pitchFamily="49" charset="0"/>
               </a:rPr>
               <a:t>.</a:t>
             </a:r>
             <a:r>
-              <a:rPr lang="en-US" sz="2000" b="1" noProof="1">
+              <a:rPr lang="en-US" sz="2400" b="1" noProof="1">
                 <a:solidFill>
                   <a:schemeClr val="bg1"/>
                 </a:solidFill>
@@ -31586,13 +31602,13 @@
               <a:t>Invoke</a:t>
             </a:r>
             <a:r>
-              <a:rPr lang="en-US" sz="2000" b="1" noProof="1">
+              <a:rPr lang="en-US" sz="2400" b="1" noProof="1">
                 <a:latin typeface="Consolas" panose="020B0609020204030204" pitchFamily="49" charset="0"/>
               </a:rPr>
               <a:t>(</a:t>
             </a:r>
             <a:r>
-              <a:rPr lang="en-US" sz="2000" b="1" noProof="1">
+              <a:rPr lang="en-US" sz="2400" b="1" noProof="1">
                 <a:solidFill>
                   <a:schemeClr val="bg1"/>
                 </a:solidFill>
@@ -31601,13 +31617,13 @@
               <a:t>formPatients</a:t>
             </a:r>
             <a:r>
-              <a:rPr lang="en-US" sz="2000" b="1" noProof="1">
+              <a:rPr lang="en-US" sz="2400" b="1" noProof="1">
                 <a:latin typeface="Consolas" panose="020B0609020204030204" pitchFamily="49" charset="0"/>
               </a:rPr>
               <a:t>, [</a:t>
             </a:r>
             <a:r>
-              <a:rPr lang="en-US" sz="2000" b="1" noProof="1">
+              <a:rPr lang="en-US" sz="2400" b="1" noProof="1">
                 <a:solidFill>
                   <a:schemeClr val="bg1"/>
                 </a:solidFill>
@@ -31616,17 +31632,17 @@
               <a:t>patient</a:t>
             </a:r>
             <a:r>
-              <a:rPr lang="en-US" sz="2000" b="1" noProof="1">
+              <a:rPr lang="en-US" sz="2400" b="1" noProof="1">
                 <a:latin typeface="Consolas" panose="020B0609020204030204" pitchFamily="49" charset="0"/>
               </a:rPr>
               <a:t>]);</a:t>
             </a:r>
             <a:br>
-              <a:rPr lang="en-US" sz="2000" b="1" noProof="1">
+              <a:rPr lang="en-US" sz="2400" b="1" noProof="1">
                 <a:latin typeface="Consolas" panose="020B0609020204030204" pitchFamily="49" charset="0"/>
               </a:rPr>
             </a:br>
-            <a:endParaRPr lang="en-US" sz="2000" b="1" noProof="1">
+            <a:endParaRPr lang="en-US" sz="2400" b="1" noProof="1">
               <a:latin typeface="Consolas" panose="020B0609020204030204" pitchFamily="49" charset="0"/>
             </a:endParaRPr>
           </a:p>
@@ -31637,13 +31653,13 @@
               </a:lnSpc>
             </a:pPr>
             <a:r>
-              <a:rPr lang="en-US" sz="2000" b="1" noProof="1">
+              <a:rPr lang="en-US" sz="2400" b="1" noProof="1">
                 <a:latin typeface="Consolas" panose="020B0609020204030204" pitchFamily="49" charset="0"/>
               </a:rPr>
               <a:t>        </a:t>
             </a:r>
             <a:r>
-              <a:rPr lang="en-US" sz="2000" b="1" noProof="1">
+              <a:rPr lang="en-US" sz="2400" b="1" noProof="1">
                 <a:solidFill>
                   <a:schemeClr val="accent2"/>
                 </a:solidFill>
@@ -31659,13 +31675,13 @@
               </a:lnSpc>
             </a:pPr>
             <a:r>
-              <a:rPr lang="en-US" sz="2000" b="1" noProof="1">
+              <a:rPr lang="en-US" sz="2400" b="1" noProof="1">
                 <a:latin typeface="Consolas" panose="020B0609020204030204" pitchFamily="49" charset="0"/>
               </a:rPr>
               <a:t>        var </a:t>
             </a:r>
             <a:r>
-              <a:rPr lang="en-US" sz="2000" b="1" noProof="1">
+              <a:rPr lang="en-US" sz="2400" b="1" noProof="1">
                 <a:solidFill>
                   <a:schemeClr val="bg1"/>
                 </a:solidFill>
@@ -31674,12 +31690,12 @@
               <a:t>updatedPatient</a:t>
             </a:r>
             <a:r>
-              <a:rPr lang="en-US" sz="2000" b="1" noProof="1">
+              <a:rPr lang="en-US" sz="2400" b="1" noProof="1">
                 <a:latin typeface="Consolas" panose="020B0609020204030204" pitchFamily="49" charset="0"/>
               </a:rPr>
               <a:t> = dbContext.Patients</a:t>
             </a:r>
-            <a:endParaRPr lang="bg-BG" sz="2000" b="1" noProof="1">
+            <a:endParaRPr lang="bg-BG" sz="2400" b="1" noProof="1">
               <a:latin typeface="Consolas" panose="020B0609020204030204" pitchFamily="49" charset="0"/>
             </a:endParaRPr>
           </a:p>
@@ -31690,19 +31706,19 @@
               </a:lnSpc>
             </a:pPr>
             <a:r>
-              <a:rPr lang="bg-BG" sz="2000" b="1" noProof="1">
+              <a:rPr lang="bg-BG" sz="2400" b="1" noProof="1">
                 <a:latin typeface="Consolas" panose="020B0609020204030204" pitchFamily="49" charset="0"/>
               </a:rPr>
               <a:t>                        </a:t>
             </a:r>
             <a:r>
-              <a:rPr lang="en-US" sz="2000" b="1" noProof="1">
+              <a:rPr lang="en-US" sz="2400" b="1" noProof="1">
                 <a:latin typeface="Consolas" panose="020B0609020204030204" pitchFamily="49" charset="0"/>
               </a:rPr>
               <a:t>.FirstOrDefault(p =&gt; p.PatientId == </a:t>
             </a:r>
             <a:r>
-              <a:rPr lang="en-US" sz="2000" b="1" noProof="1">
+              <a:rPr lang="en-US" sz="2400" b="1" noProof="1">
                 <a:solidFill>
                   <a:schemeClr val="bg1"/>
                 </a:solidFill>
@@ -31711,7 +31727,7 @@
               <a:t>patient</a:t>
             </a:r>
             <a:r>
-              <a:rPr lang="en-US" sz="2000" b="1" noProof="1">
+              <a:rPr lang="en-US" sz="2400" b="1" noProof="1">
                 <a:latin typeface="Consolas" panose="020B0609020204030204" pitchFamily="49" charset="0"/>
               </a:rPr>
               <a:t>.PatientId);</a:t>
@@ -31724,13 +31740,13 @@
               </a:lnSpc>
             </a:pPr>
             <a:r>
-              <a:rPr lang="en-US" sz="2000" b="1" noProof="1">
+              <a:rPr lang="en-US" sz="2400" b="1" noProof="1">
                 <a:latin typeface="Consolas" panose="020B0609020204030204" pitchFamily="49" charset="0"/>
               </a:rPr>
               <a:t>        Assert.NotNull(</a:t>
             </a:r>
             <a:r>
-              <a:rPr lang="en-US" sz="2000" b="1" noProof="1">
+              <a:rPr lang="en-US" sz="2400" b="1" noProof="1">
                 <a:solidFill>
                   <a:schemeClr val="bg1"/>
                 </a:solidFill>
@@ -31739,7 +31755,7 @@
               <a:t>updatedPatient</a:t>
             </a:r>
             <a:r>
-              <a:rPr lang="en-US" sz="2000" b="1" noProof="1">
+              <a:rPr lang="en-US" sz="2400" b="1" noProof="1">
                 <a:latin typeface="Consolas" panose="020B0609020204030204" pitchFamily="49" charset="0"/>
               </a:rPr>
               <a:t>);</a:t>
@@ -31752,13 +31768,13 @@
               </a:lnSpc>
             </a:pPr>
             <a:r>
-              <a:rPr lang="en-US" sz="2000" b="1" noProof="1">
+              <a:rPr lang="en-US" sz="2400" b="1" noProof="1">
                 <a:latin typeface="Consolas" panose="020B0609020204030204" pitchFamily="49" charset="0"/>
               </a:rPr>
               <a:t>        Assert.Equal("</a:t>
             </a:r>
             <a:r>
-              <a:rPr lang="en-US" sz="2000" b="1" noProof="1">
+              <a:rPr lang="en-US" sz="2400" b="1" noProof="1">
                 <a:solidFill>
                   <a:schemeClr val="bg1"/>
                 </a:solidFill>
@@ -31767,13 +31783,13 @@
               <a:t>UpdatedName</a:t>
             </a:r>
             <a:r>
-              <a:rPr lang="en-US" sz="2000" b="1" noProof="1">
+              <a:rPr lang="en-US" sz="2400" b="1" noProof="1">
                 <a:latin typeface="Consolas" panose="020B0609020204030204" pitchFamily="49" charset="0"/>
               </a:rPr>
               <a:t>", </a:t>
             </a:r>
             <a:r>
-              <a:rPr lang="en-US" sz="2000" b="1" noProof="1">
+              <a:rPr lang="en-US" sz="2400" b="1" noProof="1">
                 <a:solidFill>
                   <a:schemeClr val="bg1"/>
                 </a:solidFill>
@@ -31782,13 +31798,13 @@
               <a:t>updatedPatient</a:t>
             </a:r>
             <a:r>
-              <a:rPr lang="en-US" sz="2000" b="1" noProof="1">
+              <a:rPr lang="en-US" sz="2400" b="1" noProof="1">
                 <a:latin typeface="Consolas" panose="020B0609020204030204" pitchFamily="49" charset="0"/>
               </a:rPr>
               <a:t>.</a:t>
             </a:r>
             <a:r>
-              <a:rPr lang="en-US" sz="2000" b="1" noProof="1">
+              <a:rPr lang="en-US" sz="2400" b="1" noProof="1">
                 <a:solidFill>
                   <a:schemeClr val="bg1"/>
                 </a:solidFill>
@@ -31797,7 +31813,7 @@
               <a:t>FirstName</a:t>
             </a:r>
             <a:r>
-              <a:rPr lang="en-US" sz="2000" b="1" noProof="1">
+              <a:rPr lang="en-US" sz="2400" b="1" noProof="1">
                 <a:latin typeface="Consolas" panose="020B0609020204030204" pitchFamily="49" charset="0"/>
               </a:rPr>
               <a:t>);</a:t>
@@ -31810,7 +31826,7 @@
               </a:lnSpc>
             </a:pPr>
             <a:r>
-              <a:rPr lang="en-US" sz="2000" b="1" noProof="1">
+              <a:rPr lang="en-US" sz="2400" b="1" noProof="1">
                 <a:latin typeface="Consolas" panose="020B0609020204030204" pitchFamily="49" charset="0"/>
               </a:rPr>
               <a:t>    }</a:t>
@@ -31823,7 +31839,7 @@
               </a:lnSpc>
             </a:pPr>
             <a:r>
-              <a:rPr lang="en-US" sz="2000" b="1" noProof="1">
+              <a:rPr lang="en-US" sz="2400" b="1" noProof="1">
                 <a:latin typeface="Consolas" panose="020B0609020204030204" pitchFamily="49" charset="0"/>
               </a:rPr>
               <a:t>}</a:t>
@@ -31848,12 +31864,12 @@
         <p:spPr bwMode="auto">
           <a:xfrm>
             <a:off x="5691000" y="1404000"/>
-            <a:ext cx="5952034" cy="510609"/>
+            <a:ext cx="4545000" cy="510609"/>
           </a:xfrm>
           <a:prstGeom prst="wedgeRoundRectCallout">
             <a:avLst>
-              <a:gd name="adj1" fmla="val -37566"/>
-              <a:gd name="adj2" fmla="val 98362"/>
+              <a:gd name="adj1" fmla="val -32181"/>
+              <a:gd name="adj2" fmla="val 131594"/>
               <a:gd name="adj3" fmla="val 16667"/>
             </a:avLst>
           </a:prstGeom>
@@ -31930,11 +31946,11 @@
   <p:clrMapOvr>
     <a:masterClrMapping/>
   </p:clrMapOvr>
-  <mc:AlternateContent xmlns:mc="http://schemas.openxmlformats.org/markup-compatibility/2006">
-    <mc:Choice xmlns:p14="http://schemas.microsoft.com/office/powerpoint/2010/main" Requires="p14">
+  <mc:AlternateContent xmlns:mc="http://schemas.openxmlformats.org/markup-compatibility/2006" xmlns:p14="http://schemas.microsoft.com/office/powerpoint/2010/main">
+    <mc:Choice Requires="p14">
       <p:transition spd="slow" p14:dur="2000" advClick="0" advTm="5000"/>
     </mc:Choice>
-    <mc:Fallback>
+    <mc:Fallback xmlns="">
       <p:transition spd="slow" advClick="0" advTm="5000"/>
     </mc:Fallback>
   </mc:AlternateContent>
@@ -31967,51 +31983,6 @@
                                     <p:set>
                                       <p:cBhvr>
                                         <p:cTn id="6" dur="1" fill="hold">
-                                          <p:stCondLst>
-                                            <p:cond delay="0"/>
-                                          </p:stCondLst>
-                                        </p:cTn>
-                                        <p:tgtEl>
-                                          <p:spTgt spid="5"/>
-                                        </p:tgtEl>
-                                        <p:attrNameLst>
-                                          <p:attrName>style.visibility</p:attrName>
-                                        </p:attrNameLst>
-                                      </p:cBhvr>
-                                      <p:to>
-                                        <p:strVal val="visible"/>
-                                      </p:to>
-                                    </p:set>
-                                  </p:childTnLst>
-                                </p:cTn>
-                              </p:par>
-                            </p:childTnLst>
-                          </p:cTn>
-                        </p:par>
-                      </p:childTnLst>
-                    </p:cTn>
-                  </p:par>
-                  <p:par>
-                    <p:cTn id="7" fill="hold">
-                      <p:stCondLst>
-                        <p:cond delay="indefinite"/>
-                      </p:stCondLst>
-                      <p:childTnLst>
-                        <p:par>
-                          <p:cTn id="8" fill="hold">
-                            <p:stCondLst>
-                              <p:cond delay="0"/>
-                            </p:stCondLst>
-                            <p:childTnLst>
-                              <p:par>
-                                <p:cTn id="9" presetID="1" presetClass="entr" presetSubtype="0" fill="hold" grpId="0" nodeType="clickEffect">
-                                  <p:stCondLst>
-                                    <p:cond delay="0"/>
-                                  </p:stCondLst>
-                                  <p:childTnLst>
-                                    <p:set>
-                                      <p:cBhvr>
-                                        <p:cTn id="10" dur="1" fill="hold">
                                           <p:stCondLst>
                                             <p:cond delay="0"/>
                                           </p:stCondLst>
@@ -32058,7 +32029,6 @@
       </p:par>
     </p:tnLst>
     <p:bldLst>
-      <p:bldP spid="5" grpId="0" animBg="1"/>
       <p:bldP spid="6" grpId="0" animBg="1"/>
     </p:bldLst>
   </p:timing>
@@ -32632,7 +32602,7 @@
         </p:nvSpPr>
         <p:spPr>
           <a:xfrm>
-            <a:off x="190402" y="1720840"/>
+            <a:off x="440443" y="1862795"/>
             <a:ext cx="11311114" cy="4401205"/>
           </a:xfrm>
           <a:prstGeom prst="rect">
@@ -32960,7 +32930,7 @@
         </p:nvSpPr>
         <p:spPr bwMode="auto">
           <a:xfrm>
-            <a:off x="4926000" y="5805801"/>
+            <a:off x="4926000" y="5843509"/>
             <a:ext cx="5952034" cy="919090"/>
           </a:xfrm>
           <a:prstGeom prst="wedgeRoundRectCallout">
@@ -33094,11 +33064,11 @@
   <p:clrMapOvr>
     <a:masterClrMapping/>
   </p:clrMapOvr>
-  <mc:AlternateContent xmlns:mc="http://schemas.openxmlformats.org/markup-compatibility/2006">
-    <mc:Choice xmlns:p14="http://schemas.microsoft.com/office/powerpoint/2010/main" Requires="p14">
+  <mc:AlternateContent xmlns:mc="http://schemas.openxmlformats.org/markup-compatibility/2006" xmlns:p14="http://schemas.microsoft.com/office/powerpoint/2010/main">
+    <mc:Choice Requires="p14">
       <p:transition spd="slow" p14:dur="2000" advClick="0" advTm="5000"/>
     </mc:Choice>
-    <mc:Fallback>
+    <mc:Fallback xmlns="">
       <p:transition spd="slow" advClick="0" advTm="5000"/>
     </mc:Fallback>
   </mc:AlternateContent>
@@ -33333,8 +33303,8 @@
         </p:nvSpPr>
         <p:spPr>
           <a:xfrm>
-            <a:off x="190406" y="1224000"/>
-            <a:ext cx="11311114" cy="3170099"/>
+            <a:off x="440443" y="1569016"/>
+            <a:ext cx="11311114" cy="4154984"/>
           </a:xfrm>
           <a:prstGeom prst="rect">
             <a:avLst/>
@@ -33367,12 +33337,12 @@
               </a:lnSpc>
             </a:pPr>
             <a:r>
-              <a:rPr lang="bg-BG" sz="2000" b="1" noProof="1">
+              <a:rPr lang="bg-BG" sz="2400" b="1" noProof="1">
                 <a:latin typeface="Consolas" panose="020B0609020204030204" pitchFamily="49" charset="0"/>
               </a:rPr>
               <a:t>...</a:t>
             </a:r>
-            <a:endParaRPr lang="en-GB" sz="2000" b="1" noProof="1">
+            <a:endParaRPr lang="en-GB" sz="2400" b="1" noProof="1">
               <a:latin typeface="Consolas" panose="020B0609020204030204" pitchFamily="49" charset="0"/>
             </a:endParaRPr>
           </a:p>
@@ -33383,13 +33353,13 @@
               </a:lnSpc>
             </a:pPr>
             <a:r>
-              <a:rPr lang="en-GB" sz="2000" b="1" noProof="1">
+              <a:rPr lang="en-GB" sz="2400" b="1" noProof="1">
                 <a:latin typeface="Consolas" panose="020B0609020204030204" pitchFamily="49" charset="0"/>
               </a:rPr>
               <a:t>        </a:t>
             </a:r>
             <a:r>
-              <a:rPr lang="en-GB" sz="2000" b="1" noProof="1">
+              <a:rPr lang="en-GB" sz="2400" b="1" noProof="1">
                 <a:solidFill>
                   <a:schemeClr val="accent2"/>
                 </a:solidFill>
@@ -33405,13 +33375,13 @@
               </a:lnSpc>
             </a:pPr>
             <a:r>
-              <a:rPr lang="en-GB" sz="2000" b="1" noProof="1">
+              <a:rPr lang="en-GB" sz="2400" b="1" noProof="1">
                 <a:latin typeface="Consolas" panose="020B0609020204030204" pitchFamily="49" charset="0"/>
               </a:rPr>
               <a:t>        </a:t>
             </a:r>
             <a:r>
-              <a:rPr lang="en-GB" sz="2000" b="1" noProof="1">
+              <a:rPr lang="en-GB" sz="2400" b="1" noProof="1">
                 <a:solidFill>
                   <a:schemeClr val="bg1"/>
                 </a:solidFill>
@@ -33420,13 +33390,13 @@
               <a:t>method</a:t>
             </a:r>
             <a:r>
-              <a:rPr lang="en-GB" sz="2000" b="1" noProof="1">
+              <a:rPr lang="en-GB" sz="2400" b="1" noProof="1">
                 <a:latin typeface="Consolas" panose="020B0609020204030204" pitchFamily="49" charset="0"/>
               </a:rPr>
               <a:t>.</a:t>
             </a:r>
             <a:r>
-              <a:rPr lang="en-GB" sz="2000" b="1" noProof="1">
+              <a:rPr lang="en-GB" sz="2400" b="1" noProof="1">
                 <a:solidFill>
                   <a:schemeClr val="bg1"/>
                 </a:solidFill>
@@ -33435,13 +33405,13 @@
               <a:t>Invoke</a:t>
             </a:r>
             <a:r>
-              <a:rPr lang="en-GB" sz="2000" b="1" noProof="1">
+              <a:rPr lang="en-GB" sz="2400" b="1" noProof="1">
                 <a:latin typeface="Consolas" panose="020B0609020204030204" pitchFamily="49" charset="0"/>
               </a:rPr>
               <a:t>(</a:t>
             </a:r>
             <a:r>
-              <a:rPr lang="en-GB" sz="2000" b="1" noProof="1">
+              <a:rPr lang="en-GB" sz="2400" b="1" noProof="1">
                 <a:solidFill>
                   <a:schemeClr val="bg1"/>
                 </a:solidFill>
@@ -33450,13 +33420,13 @@
               <a:t>formPatients</a:t>
             </a:r>
             <a:r>
-              <a:rPr lang="en-GB" sz="2000" b="1" noProof="1">
+              <a:rPr lang="en-GB" sz="2400" b="1" noProof="1">
                 <a:latin typeface="Consolas" panose="020B0609020204030204" pitchFamily="49" charset="0"/>
               </a:rPr>
               <a:t>, [</a:t>
             </a:r>
             <a:r>
-              <a:rPr lang="en-GB" sz="2000" b="1" noProof="1">
+              <a:rPr lang="en-GB" sz="2400" b="1" noProof="1">
                 <a:solidFill>
                   <a:schemeClr val="bg1"/>
                 </a:solidFill>
@@ -33465,7 +33435,7 @@
               <a:t>patient</a:t>
             </a:r>
             <a:r>
-              <a:rPr lang="en-GB" sz="2000" b="1" noProof="1">
+              <a:rPr lang="en-GB" sz="2400" b="1" noProof="1">
                 <a:latin typeface="Consolas" panose="020B0609020204030204" pitchFamily="49" charset="0"/>
               </a:rPr>
               <a:t>]);</a:t>
@@ -33477,7 +33447,7 @@
                 <a:spcPct val="100000"/>
               </a:lnSpc>
             </a:pPr>
-            <a:endParaRPr lang="en-GB" sz="2000" b="1" noProof="1">
+            <a:endParaRPr lang="en-GB" sz="2400" b="1" noProof="1">
               <a:latin typeface="Consolas" panose="020B0609020204030204" pitchFamily="49" charset="0"/>
             </a:endParaRPr>
           </a:p>
@@ -33488,13 +33458,13 @@
               </a:lnSpc>
             </a:pPr>
             <a:r>
-              <a:rPr lang="en-GB" sz="2000" b="1" noProof="1">
+              <a:rPr lang="en-GB" sz="2400" b="1" noProof="1">
                 <a:latin typeface="Consolas" panose="020B0609020204030204" pitchFamily="49" charset="0"/>
               </a:rPr>
               <a:t>        </a:t>
             </a:r>
             <a:r>
-              <a:rPr lang="en-GB" sz="2000" b="1" noProof="1">
+              <a:rPr lang="en-GB" sz="2400" b="1" noProof="1">
                 <a:solidFill>
                   <a:schemeClr val="accent2"/>
                 </a:solidFill>
@@ -33510,13 +33480,13 @@
               </a:lnSpc>
             </a:pPr>
             <a:r>
-              <a:rPr lang="en-GB" sz="2000" b="1" noProof="1">
+              <a:rPr lang="en-GB" sz="2400" b="1" noProof="1">
                 <a:latin typeface="Consolas" panose="020B0609020204030204" pitchFamily="49" charset="0"/>
               </a:rPr>
               <a:t>        var </a:t>
             </a:r>
             <a:r>
-              <a:rPr lang="en-GB" sz="2000" b="1" noProof="1">
+              <a:rPr lang="en-GB" sz="2400" b="1" noProof="1">
                 <a:solidFill>
                   <a:schemeClr val="bg1"/>
                 </a:solidFill>
@@ -33525,12 +33495,12 @@
               <a:t>deletedPatient</a:t>
             </a:r>
             <a:r>
-              <a:rPr lang="en-GB" sz="2000" b="1" noProof="1">
+              <a:rPr lang="en-GB" sz="2400" b="1" noProof="1">
                 <a:latin typeface="Consolas" panose="020B0609020204030204" pitchFamily="49" charset="0"/>
               </a:rPr>
               <a:t> = dbContext.Patients</a:t>
             </a:r>
-            <a:endParaRPr lang="bg-BG" sz="2000" b="1" noProof="1">
+            <a:endParaRPr lang="bg-BG" sz="2400" b="1" noProof="1">
               <a:latin typeface="Consolas" panose="020B0609020204030204" pitchFamily="49" charset="0"/>
             </a:endParaRPr>
           </a:p>
@@ -33541,13 +33511,13 @@
               </a:lnSpc>
             </a:pPr>
             <a:r>
-              <a:rPr lang="bg-BG" sz="2000" b="1" noProof="1">
+              <a:rPr lang="bg-BG" sz="2400" b="1" noProof="1">
                 <a:latin typeface="Consolas" panose="020B0609020204030204" pitchFamily="49" charset="0"/>
               </a:rPr>
               <a:t>                        </a:t>
             </a:r>
             <a:r>
-              <a:rPr lang="en-GB" sz="2000" b="1" noProof="1">
+              <a:rPr lang="en-GB" sz="2400" b="1" noProof="1">
                 <a:latin typeface="Consolas" panose="020B0609020204030204" pitchFamily="49" charset="0"/>
               </a:rPr>
               <a:t>.FirstOrDefault(p =&gt; p.PatientId == patient.PatientId);</a:t>
@@ -33560,13 +33530,13 @@
               </a:lnSpc>
             </a:pPr>
             <a:r>
-              <a:rPr lang="en-GB" sz="2000" b="1" noProof="1">
+              <a:rPr lang="en-GB" sz="2400" b="1" noProof="1">
                 <a:latin typeface="Consolas" panose="020B0609020204030204" pitchFamily="49" charset="0"/>
               </a:rPr>
               <a:t>        Assert.Null(</a:t>
             </a:r>
             <a:r>
-              <a:rPr lang="en-GB" sz="2000" b="1" noProof="1">
+              <a:rPr lang="en-GB" sz="2400" b="1" noProof="1">
                 <a:solidFill>
                   <a:schemeClr val="bg1"/>
                 </a:solidFill>
@@ -33575,7 +33545,7 @@
               <a:t>deletedPatient</a:t>
             </a:r>
             <a:r>
-              <a:rPr lang="en-GB" sz="2000" b="1" noProof="1">
+              <a:rPr lang="en-GB" sz="2400" b="1" noProof="1">
                 <a:latin typeface="Consolas" panose="020B0609020204030204" pitchFamily="49" charset="0"/>
               </a:rPr>
               <a:t>);</a:t>
@@ -33588,7 +33558,7 @@
               </a:lnSpc>
             </a:pPr>
             <a:r>
-              <a:rPr lang="en-GB" sz="2000" b="1" noProof="1">
+              <a:rPr lang="en-GB" sz="2400" b="1" noProof="1">
                 <a:latin typeface="Consolas" panose="020B0609020204030204" pitchFamily="49" charset="0"/>
               </a:rPr>
               <a:t>    }</a:t>
@@ -33601,7 +33571,7 @@
               </a:lnSpc>
             </a:pPr>
             <a:r>
-              <a:rPr lang="en-GB" sz="2000" b="1" noProof="1">
+              <a:rPr lang="en-GB" sz="2400" b="1" noProof="1">
                 <a:latin typeface="Consolas" panose="020B0609020204030204" pitchFamily="49" charset="0"/>
               </a:rPr>
               <a:t>}</a:t>
@@ -33625,13 +33595,13 @@
         </p:nvSpPr>
         <p:spPr bwMode="auto">
           <a:xfrm>
-            <a:off x="6071560" y="1359000"/>
-            <a:ext cx="5952034" cy="510609"/>
+            <a:off x="6501000" y="1292107"/>
+            <a:ext cx="4968765" cy="510609"/>
           </a:xfrm>
           <a:prstGeom prst="wedgeRoundRectCallout">
             <a:avLst>
-              <a:gd name="adj1" fmla="val -37566"/>
-              <a:gd name="adj2" fmla="val 88413"/>
+              <a:gd name="adj1" fmla="val -36807"/>
+              <a:gd name="adj2" fmla="val 129029"/>
               <a:gd name="adj3" fmla="val 16667"/>
             </a:avLst>
           </a:prstGeom>
@@ -33708,11 +33678,11 @@
   <p:clrMapOvr>
     <a:masterClrMapping/>
   </p:clrMapOvr>
-  <mc:AlternateContent xmlns:mc="http://schemas.openxmlformats.org/markup-compatibility/2006">
-    <mc:Choice xmlns:p14="http://schemas.microsoft.com/office/powerpoint/2010/main" Requires="p14">
+  <mc:AlternateContent xmlns:mc="http://schemas.openxmlformats.org/markup-compatibility/2006" xmlns:p14="http://schemas.microsoft.com/office/powerpoint/2010/main">
+    <mc:Choice Requires="p14">
       <p:transition spd="slow" p14:dur="2000" advClick="0" advTm="5000"/>
     </mc:Choice>
-    <mc:Fallback>
+    <mc:Fallback xmlns="">
       <p:transition spd="slow" advClick="0" advTm="5000"/>
     </mc:Fallback>
   </mc:AlternateContent>
@@ -33745,51 +33715,6 @@
                                     <p:set>
                                       <p:cBhvr>
                                         <p:cTn id="6" dur="1" fill="hold">
-                                          <p:stCondLst>
-                                            <p:cond delay="0"/>
-                                          </p:stCondLst>
-                                        </p:cTn>
-                                        <p:tgtEl>
-                                          <p:spTgt spid="5"/>
-                                        </p:tgtEl>
-                                        <p:attrNameLst>
-                                          <p:attrName>style.visibility</p:attrName>
-                                        </p:attrNameLst>
-                                      </p:cBhvr>
-                                      <p:to>
-                                        <p:strVal val="visible"/>
-                                      </p:to>
-                                    </p:set>
-                                  </p:childTnLst>
-                                </p:cTn>
-                              </p:par>
-                            </p:childTnLst>
-                          </p:cTn>
-                        </p:par>
-                      </p:childTnLst>
-                    </p:cTn>
-                  </p:par>
-                  <p:par>
-                    <p:cTn id="7" fill="hold">
-                      <p:stCondLst>
-                        <p:cond delay="indefinite"/>
-                      </p:stCondLst>
-                      <p:childTnLst>
-                        <p:par>
-                          <p:cTn id="8" fill="hold">
-                            <p:stCondLst>
-                              <p:cond delay="0"/>
-                            </p:stCondLst>
-                            <p:childTnLst>
-                              <p:par>
-                                <p:cTn id="9" presetID="1" presetClass="entr" presetSubtype="0" fill="hold" grpId="0" nodeType="clickEffect">
-                                  <p:stCondLst>
-                                    <p:cond delay="0"/>
-                                  </p:stCondLst>
-                                  <p:childTnLst>
-                                    <p:set>
-                                      <p:cBhvr>
-                                        <p:cTn id="10" dur="1" fill="hold">
                                           <p:stCondLst>
                                             <p:cond delay="0"/>
                                           </p:stCondLst>
@@ -33836,7 +33761,6 @@
       </p:par>
     </p:tnLst>
     <p:bldLst>
-      <p:bldP spid="5" grpId="0" animBg="1"/>
       <p:bldP spid="6" grpId="0" animBg="1"/>
     </p:bldLst>
   </p:timing>

--- a/Courses/Software-Sciences/Module-4-Information-Systems-New/13-Information-System-Testing/13-Information-System-Testing.pptx
+++ b/Courses/Software-Sciences/Module-4-Information-Systems-New/13-Information-System-Testing/13-Information-System-Testing.pptx
@@ -347,7 +347,7 @@
           <a:p>
             <a:fld id="{4E087215-0C8F-4762-A664-737A353EC9A4}" type="datetimeFigureOut">
               <a:rPr lang="bg-BG" smtClean="0"/>
-              <a:t>23.12.2024 г.</a:t>
+              <a:t>27.12.24 г.</a:t>
             </a:fld>
             <a:endParaRPr lang="bg-BG"/>
           </a:p>
@@ -543,7 +543,7 @@
           <a:p>
             <a:fld id="{72D84649-876A-46C9-8472-14CB09C070D8}" type="datetimeFigureOut">
               <a:rPr lang="en-US" smtClean="0"/>
-              <a:t>12/23/2024</a:t>
+              <a:t>12/27/24</a:t>
             </a:fld>
             <a:endParaRPr lang="en-US"/>
           </a:p>
@@ -29954,7 +29954,7 @@
         <p:spPr>
           <a:xfrm>
             <a:off x="440443" y="1163153"/>
-            <a:ext cx="11311114" cy="5632311"/>
+            <a:ext cx="11311114" cy="5262979"/>
           </a:xfrm>
           <a:prstGeom prst="rect">
             <a:avLst/>
@@ -30198,7 +30198,7 @@
               <a:rPr lang="bg-BG" sz="2400" b="1" noProof="1">
                 <a:latin typeface="Consolas" panose="020B0609020204030204" pitchFamily="49" charset="0"/>
               </a:rPr>
-              <a:t>                    </a:t>
+              <a:t>         </a:t>
             </a:r>
             <a:r>
               <a:rPr lang="en-US" sz="2400" b="1" noProof="1">
@@ -31491,7 +31491,7 @@
         <p:spPr>
           <a:xfrm>
             <a:off x="440443" y="1280353"/>
-            <a:ext cx="11311114" cy="4893647"/>
+            <a:ext cx="11311114" cy="4524315"/>
           </a:xfrm>
           <a:prstGeom prst="rect">
             <a:avLst/>
@@ -31709,7 +31709,7 @@
               <a:rPr lang="bg-BG" sz="2400" b="1" noProof="1">
                 <a:latin typeface="Consolas" panose="020B0609020204030204" pitchFamily="49" charset="0"/>
               </a:rPr>
-              <a:t>                        </a:t>
+              <a:t>           </a:t>
             </a:r>
             <a:r>
               <a:rPr lang="en-US" sz="2400" b="1" noProof="1">
@@ -33304,7 +33304,7 @@
         <p:spPr>
           <a:xfrm>
             <a:off x="440443" y="1569016"/>
-            <a:ext cx="11311114" cy="4154984"/>
+            <a:ext cx="11311114" cy="3785652"/>
           </a:xfrm>
           <a:prstGeom prst="rect">
             <a:avLst/>
@@ -33514,7 +33514,7 @@
               <a:rPr lang="bg-BG" sz="2400" b="1" noProof="1">
                 <a:latin typeface="Consolas" panose="020B0609020204030204" pitchFamily="49" charset="0"/>
               </a:rPr>
-              <a:t>                        </a:t>
+              <a:t>           </a:t>
             </a:r>
             <a:r>
               <a:rPr lang="en-GB" sz="2400" b="1" noProof="1">

--- a/Courses/Software-Sciences/Module-4-Information-Systems-New/13-Information-System-Testing/13-Information-System-Testing.pptx
+++ b/Courses/Software-Sciences/Module-4-Information-Systems-New/13-Information-System-Testing/13-Information-System-Testing.pptx
@@ -347,7 +347,7 @@
           <a:p>
             <a:fld id="{4E087215-0C8F-4762-A664-737A353EC9A4}" type="datetimeFigureOut">
               <a:rPr lang="bg-BG" smtClean="0"/>
-              <a:t>27.12.24 г.</a:t>
+              <a:t>30.12.24 г.</a:t>
             </a:fld>
             <a:endParaRPr lang="bg-BG"/>
           </a:p>
@@ -543,7 +543,7 @@
           <a:p>
             <a:fld id="{72D84649-876A-46C9-8472-14CB09C070D8}" type="datetimeFigureOut">
               <a:rPr lang="en-US" smtClean="0"/>
-              <a:t>12/27/24</a:t>
+              <a:t>12/30/24</a:t>
             </a:fld>
             <a:endParaRPr lang="en-US"/>
           </a:p>
@@ -14633,7 +14633,7 @@
                   <a:schemeClr val="tx1"/>
                 </a:solidFill>
               </a:rPr>
-              <a:t>Програмата има входна форма с попълване на </a:t>
+              <a:t>Тестване модула за вход - Програмата има входна форма с попълване на </a:t>
             </a:r>
             <a:r>
               <a:rPr lang="bg-BG" altLang="en-US" sz="2400" dirty="0">

--- a/Courses/Software-Sciences/Module-4-Information-Systems-New/13-Information-System-Testing/13-Information-System-Testing.pptx
+++ b/Courses/Software-Sciences/Module-4-Information-Systems-New/13-Information-System-Testing/13-Information-System-Testing.pptx
@@ -7791,21 +7791,13 @@
         </p:spPr>
         <p:txBody>
           <a:bodyPr>
-            <a:normAutofit fontScale="85000" lnSpcReduction="20000"/>
+            <a:normAutofit fontScale="85000" lnSpcReduction="10000"/>
           </a:bodyPr>
           <a:lstStyle/>
           <a:p>
             <a:r>
               <a:rPr lang="bg-BG" dirty="0"/>
-              <a:t>Защо, какво и как да тестваме, тестване на гранични стойности, видове тестване, тестване в </a:t>
-            </a:r>
-            <a:r>
-              <a:rPr lang="en-US" dirty="0"/>
-              <a:t>.NET, </a:t>
-            </a:r>
-            <a:r>
-              <a:rPr lang="bg-BG" dirty="0"/>
-              <a:t>тестване на информационна система</a:t>
+              <a:t>Защо, какво и как да тестваме, тестване на гранични стойности, видове тестване, тестване на информационна система</a:t>
             </a:r>
             <a:endParaRPr lang="bg-BG" sz="3200" dirty="0"/>
           </a:p>

--- a/Courses/Software-Sciences/Module-4-Information-Systems-New/13-Information-System-Testing/13-Information-System-Testing.pptx
+++ b/Courses/Software-Sciences/Module-4-Information-Systems-New/13-Information-System-Testing/13-Information-System-Testing.pptx
@@ -303,7 +303,7 @@
           <a:p>
             <a:fld id="{4E087215-0C8F-4762-A664-737A353EC9A4}" type="datetimeFigureOut">
               <a:rPr lang="bg-BG" smtClean="0"/>
-              <a:t>3.01.25 г.</a:t>
+              <a:t>4.1.2025 г.</a:t>
             </a:fld>
             <a:endParaRPr lang="bg-BG"/>
           </a:p>
@@ -499,7 +499,7 @@
           <a:p>
             <a:fld id="{72D84649-876A-46C9-8472-14CB09C070D8}" type="datetimeFigureOut">
               <a:rPr lang="en-US" smtClean="0"/>
-              <a:t>1/3/25</a:t>
+              <a:t>1/4/2025</a:t>
             </a:fld>
             <a:endParaRPr lang="en-US"/>
           </a:p>
@@ -10327,7 +10327,7 @@
                                         <p:tgtEl>
                                           <p:spTgt spid="3">
                                             <p:txEl>
-                                              <p:pRg st="2" end="2"/>
+                                              <p:pRg st="1" end="1"/>
                                             </p:txEl>
                                           </p:spTgt>
                                         </p:tgtEl>
@@ -10376,7 +10376,7 @@
                                         <p:tgtEl>
                                           <p:spTgt spid="3">
                                             <p:txEl>
-                                              <p:pRg st="3" end="3"/>
+                                              <p:pRg st="2" end="2"/>
                                             </p:txEl>
                                           </p:spTgt>
                                         </p:tgtEl>
@@ -10425,7 +10425,7 @@
                                         <p:tgtEl>
                                           <p:spTgt spid="3">
                                             <p:txEl>
-                                              <p:pRg st="4" end="4"/>
+                                              <p:pRg st="3" end="3"/>
                                             </p:txEl>
                                           </p:spTgt>
                                         </p:tgtEl>
@@ -10474,7 +10474,7 @@
                                         <p:tgtEl>
                                           <p:spTgt spid="3">
                                             <p:txEl>
-                                              <p:pRg st="5" end="5"/>
+                                              <p:pRg st="4" end="4"/>
                                             </p:txEl>
                                           </p:spTgt>
                                         </p:tgtEl>
@@ -10523,7 +10523,7 @@
                                         <p:tgtEl>
                                           <p:spTgt spid="3">
                                             <p:txEl>
-                                              <p:pRg st="6" end="6"/>
+                                              <p:pRg st="5" end="5"/>
                                             </p:txEl>
                                           </p:spTgt>
                                         </p:tgtEl>
@@ -10572,7 +10572,7 @@
                                         <p:tgtEl>
                                           <p:spTgt spid="3">
                                             <p:txEl>
-                                              <p:pRg st="7" end="7"/>
+                                              <p:pRg st="6" end="6"/>
                                             </p:txEl>
                                           </p:spTgt>
                                         </p:tgtEl>
@@ -10614,6 +10614,55 @@
                                     <p:set>
                                       <p:cBhvr>
                                         <p:cTn id="30" dur="1" fill="hold">
+                                          <p:stCondLst>
+                                            <p:cond delay="0"/>
+                                          </p:stCondLst>
+                                        </p:cTn>
+                                        <p:tgtEl>
+                                          <p:spTgt spid="3">
+                                            <p:txEl>
+                                              <p:pRg st="7" end="7"/>
+                                            </p:txEl>
+                                          </p:spTgt>
+                                        </p:tgtEl>
+                                        <p:attrNameLst>
+                                          <p:attrName>style.visibility</p:attrName>
+                                        </p:attrNameLst>
+                                      </p:cBhvr>
+                                      <p:to>
+                                        <p:strVal val="visible"/>
+                                      </p:to>
+                                    </p:set>
+                                  </p:childTnLst>
+                                </p:cTn>
+                              </p:par>
+                            </p:childTnLst>
+                          </p:cTn>
+                        </p:par>
+                      </p:childTnLst>
+                    </p:cTn>
+                  </p:par>
+                  <p:par>
+                    <p:cTn id="31" fill="hold">
+                      <p:stCondLst>
+                        <p:cond delay="indefinite"/>
+                      </p:stCondLst>
+                      <p:childTnLst>
+                        <p:par>
+                          <p:cTn id="32" fill="hold">
+                            <p:stCondLst>
+                              <p:cond delay="0"/>
+                            </p:stCondLst>
+                            <p:childTnLst>
+                              <p:par>
+                                <p:cTn id="33" presetID="1" presetClass="entr" presetSubtype="0" fill="hold" nodeType="clickEffect">
+                                  <p:stCondLst>
+                                    <p:cond delay="0"/>
+                                  </p:stCondLst>
+                                  <p:childTnLst>
+                                    <p:set>
+                                      <p:cBhvr>
+                                        <p:cTn id="34" dur="1" fill="hold">
                                           <p:stCondLst>
                                             <p:cond delay="0"/>
                                           </p:stCondLst>
@@ -15250,7 +15299,7 @@
         </p:blipFill>
         <p:spPr>
           <a:xfrm>
-            <a:off x="271858" y="2415440"/>
+            <a:off x="496858" y="2415440"/>
             <a:ext cx="4326190" cy="3090136"/>
           </a:xfrm>
           <a:prstGeom prst="rect">
@@ -15292,7 +15341,7 @@
         </p:blipFill>
         <p:spPr>
           <a:xfrm>
-            <a:off x="6318448" y="2727255"/>
+            <a:off x="6543448" y="2727255"/>
             <a:ext cx="5132552" cy="2571725"/>
           </a:xfrm>
           <a:prstGeom prst="rect">
@@ -15321,7 +15370,7 @@
         </p:nvSpPr>
         <p:spPr>
           <a:xfrm>
-            <a:off x="4828340" y="3518117"/>
+            <a:off x="5053340" y="3518117"/>
             <a:ext cx="1292400" cy="990000"/>
           </a:xfrm>
           <a:prstGeom prst="rightArrow">
@@ -15669,7 +15718,7 @@
         </p:blipFill>
         <p:spPr>
           <a:xfrm>
-            <a:off x="190402" y="2168998"/>
+            <a:off x="595403" y="2299987"/>
             <a:ext cx="4590000" cy="3289013"/>
           </a:xfrm>
           <a:prstGeom prst="rect">
@@ -15712,7 +15761,7 @@
         </p:blipFill>
         <p:spPr>
           <a:xfrm>
-            <a:off x="6896952" y="2437105"/>
+            <a:off x="7301953" y="2568094"/>
             <a:ext cx="4284047" cy="2752801"/>
           </a:xfrm>
           <a:prstGeom prst="rect">
@@ -15741,7 +15790,7 @@
         </p:nvSpPr>
         <p:spPr>
           <a:xfrm>
-            <a:off x="5192477" y="3318506"/>
+            <a:off x="5597478" y="3449495"/>
             <a:ext cx="1292400" cy="990000"/>
           </a:xfrm>
           <a:prstGeom prst="rightArrow">
@@ -16084,7 +16133,7 @@
         </p:blipFill>
         <p:spPr>
           <a:xfrm>
-            <a:off x="190402" y="2070311"/>
+            <a:off x="490902" y="2226220"/>
             <a:ext cx="4995000" cy="3542780"/>
           </a:xfrm>
           <a:prstGeom prst="rect">
@@ -16127,7 +16176,7 @@
         </p:blipFill>
         <p:spPr>
           <a:xfrm>
-            <a:off x="7266000" y="2415676"/>
+            <a:off x="7566500" y="2571585"/>
             <a:ext cx="4109500" cy="2815445"/>
           </a:xfrm>
           <a:prstGeom prst="rect">
@@ -16156,7 +16205,7 @@
         </p:nvSpPr>
         <p:spPr>
           <a:xfrm>
-            <a:off x="5579501" y="3328398"/>
+            <a:off x="5880001" y="3484307"/>
             <a:ext cx="1292400" cy="990000"/>
           </a:xfrm>
           <a:prstGeom prst="rightArrow">

--- a/Courses/Software-Sciences/Module-4-Information-Systems-New/13-Information-System-Testing/13-Information-System-Testing.pptx
+++ b/Courses/Software-Sciences/Module-4-Information-Systems-New/13-Information-System-Testing/13-Information-System-Testing.pptx
@@ -303,7 +303,7 @@
           <a:p>
             <a:fld id="{4E087215-0C8F-4762-A664-737A353EC9A4}" type="datetimeFigureOut">
               <a:rPr lang="bg-BG" smtClean="0"/>
-              <a:t>4.1.2025 г.</a:t>
+              <a:t>6.01.25 г.</a:t>
             </a:fld>
             <a:endParaRPr lang="bg-BG"/>
           </a:p>
@@ -499,7 +499,7 @@
           <a:p>
             <a:fld id="{72D84649-876A-46C9-8472-14CB09C070D8}" type="datetimeFigureOut">
               <a:rPr lang="en-US" smtClean="0"/>
-              <a:t>1/4/2025</a:t>
+              <a:t>1/6/25</a:t>
             </a:fld>
             <a:endParaRPr lang="en-US"/>
           </a:p>
@@ -14447,16 +14447,16 @@
         </p:spPr>
         <p:txBody>
           <a:bodyPr>
-            <a:normAutofit fontScale="92500" lnSpcReduction="20000"/>
+            <a:normAutofit fontScale="85000" lnSpcReduction="10000"/>
           </a:bodyPr>
           <a:lstStyle/>
           <a:p>
             <a:r>
-              <a:rPr lang="bg-BG" sz="3400" dirty="0"/>
+              <a:rPr lang="bg-BG" dirty="0"/>
               <a:t>Въведение в </a:t>
             </a:r>
             <a:r>
-              <a:rPr lang="bg-BG" sz="3400" b="1" dirty="0">
+              <a:rPr lang="bg-BG" b="1" dirty="0">
                 <a:solidFill>
                   <a:schemeClr val="bg1"/>
                 </a:solidFill>
@@ -14464,75 +14464,75 @@
               <a:t>тестването</a:t>
             </a:r>
             <a:r>
-              <a:rPr lang="bg-BG" sz="3400" dirty="0"/>
+              <a:rPr lang="bg-BG" dirty="0"/>
               <a:t> на </a:t>
             </a:r>
             <a:r>
-              <a:rPr lang="bg-BG" sz="3400" b="1" dirty="0"/>
+              <a:rPr lang="bg-BG" b="1" dirty="0"/>
               <a:t>информационна система</a:t>
             </a:r>
           </a:p>
           <a:p>
             <a:pPr lvl="1"/>
             <a:r>
-              <a:rPr lang="bg-BG" sz="3200" b="1" dirty="0"/>
+              <a:rPr lang="bg-BG" sz="3300" b="1" dirty="0"/>
               <a:t>Цел </a:t>
             </a:r>
             <a:r>
-              <a:rPr lang="bg-BG" sz="3200" dirty="0"/>
+              <a:rPr lang="bg-BG" sz="3300" dirty="0"/>
               <a:t>на</a:t>
             </a:r>
             <a:r>
-              <a:rPr lang="bg-BG" sz="3200" b="1" dirty="0"/>
+              <a:rPr lang="bg-BG" sz="3300" b="1" dirty="0"/>
               <a:t> тестването</a:t>
             </a:r>
             <a:r>
-              <a:rPr lang="bg-BG" sz="3200" dirty="0"/>
+              <a:rPr lang="bg-BG" sz="3300" dirty="0"/>
               <a:t> и </a:t>
             </a:r>
             <a:r>
-              <a:rPr lang="bg-BG" sz="3200" b="1" dirty="0"/>
+              <a:rPr lang="bg-BG" sz="3300" b="1" dirty="0"/>
               <a:t>типове тестване</a:t>
             </a:r>
           </a:p>
           <a:p>
             <a:pPr lvl="1"/>
             <a:r>
-              <a:rPr lang="bg-BG" sz="3200" dirty="0"/>
+              <a:rPr lang="bg-BG" sz="3300" dirty="0"/>
               <a:t>​</a:t>
             </a:r>
             <a:r>
-              <a:rPr lang="bg-BG" sz="3200" b="1" dirty="0"/>
+              <a:rPr lang="bg-BG" sz="3300" b="1" dirty="0"/>
               <a:t>Защо</a:t>
             </a:r>
             <a:r>
-              <a:rPr lang="bg-BG" sz="3200" dirty="0"/>
+              <a:rPr lang="bg-BG" sz="3300" dirty="0"/>
               <a:t>, </a:t>
             </a:r>
             <a:r>
-              <a:rPr lang="bg-BG" sz="3200" b="1" dirty="0"/>
+              <a:rPr lang="bg-BG" sz="3300" b="1" dirty="0"/>
               <a:t>какво</a:t>
             </a:r>
             <a:r>
-              <a:rPr lang="bg-BG" sz="3200" dirty="0"/>
+              <a:rPr lang="bg-BG" sz="3300" dirty="0"/>
               <a:t> и </a:t>
             </a:r>
             <a:r>
-              <a:rPr lang="bg-BG" sz="3200" b="1" dirty="0"/>
+              <a:rPr lang="bg-BG" sz="3300" b="1" dirty="0"/>
               <a:t>как</a:t>
             </a:r>
             <a:r>
-              <a:rPr lang="bg-BG" sz="3200" dirty="0"/>
+              <a:rPr lang="bg-BG" sz="3300" dirty="0"/>
               <a:t> да тестваме</a:t>
             </a:r>
           </a:p>
           <a:p>
             <a:r>
-              <a:rPr lang="bg-BG" sz="3400" dirty="0"/>
+              <a:rPr lang="bg-BG" dirty="0"/>
               <a:t>Тестване на </a:t>
             </a:r>
             <a:r>
-              <a:rPr lang="bg-BG" sz="3400" b="1" dirty="0">
+              <a:rPr lang="bg-BG" b="1" dirty="0">
                 <a:solidFill>
                   <a:schemeClr val="bg1"/>
                 </a:solidFill>
@@ -14540,7 +14540,7 @@
               <a:t>гранични</a:t>
             </a:r>
             <a:r>
-              <a:rPr lang="bg-BG" sz="3400" dirty="0">
+              <a:rPr lang="bg-BG" dirty="0">
                 <a:solidFill>
                   <a:schemeClr val="bg1"/>
                 </a:solidFill>
@@ -14548,7 +14548,7 @@
               <a:t> </a:t>
             </a:r>
             <a:r>
-              <a:rPr lang="bg-BG" sz="3400" b="1" dirty="0">
+              <a:rPr lang="bg-BG" b="1" dirty="0">
                 <a:solidFill>
                   <a:schemeClr val="bg1"/>
                 </a:solidFill>
@@ -14558,11 +14558,11 @@
           </a:p>
           <a:p>
             <a:r>
-              <a:rPr lang="bg-BG" sz="3400" dirty="0"/>
+              <a:rPr lang="bg-BG" dirty="0"/>
               <a:t>Видове </a:t>
             </a:r>
             <a:r>
-              <a:rPr lang="bg-BG" sz="3400" b="1" dirty="0"/>
+              <a:rPr lang="bg-BG" b="1" dirty="0"/>
               <a:t>тестване</a:t>
             </a:r>
           </a:p>
@@ -14573,7 +14573,7 @@
               </a:buClr>
             </a:pPr>
             <a:r>
-              <a:rPr lang="bg-BG" sz="3200" b="1" dirty="0">
+              <a:rPr lang="bg-BG" sz="3300" b="1" dirty="0">
                 <a:solidFill>
                   <a:schemeClr val="bg1"/>
                 </a:solidFill>
@@ -14581,11 +14581,11 @@
               <a:t>Юнит</a:t>
             </a:r>
             <a:r>
-              <a:rPr lang="bg-BG" sz="3200" b="1" dirty="0"/>
+              <a:rPr lang="bg-BG" sz="3300" b="1" dirty="0"/>
               <a:t> </a:t>
             </a:r>
             <a:r>
-              <a:rPr lang="bg-BG" sz="3200" b="1" dirty="0">
+              <a:rPr lang="bg-BG" sz="3300" b="1" dirty="0">
                 <a:solidFill>
                   <a:schemeClr val="bg1"/>
                 </a:solidFill>
@@ -14593,11 +14593,11 @@
               <a:t>тестване</a:t>
             </a:r>
             <a:r>
-              <a:rPr lang="bg-BG" sz="3200" dirty="0"/>
+              <a:rPr lang="bg-BG" sz="3300" dirty="0"/>
               <a:t>, </a:t>
             </a:r>
             <a:r>
-              <a:rPr lang="bg-BG" sz="3200" b="1" dirty="0">
+              <a:rPr lang="bg-BG" sz="3300" b="1" dirty="0">
                 <a:solidFill>
                   <a:schemeClr val="bg1"/>
                 </a:solidFill>
@@ -14605,11 +14605,11 @@
               <a:t>Интеграционно</a:t>
             </a:r>
             <a:r>
-              <a:rPr lang="bg-BG" sz="3200" b="1" dirty="0"/>
+              <a:rPr lang="bg-BG" sz="3300" b="1" dirty="0"/>
               <a:t> </a:t>
             </a:r>
             <a:r>
-              <a:rPr lang="bg-BG" sz="3200" b="1" dirty="0">
+              <a:rPr lang="bg-BG" sz="3300" b="1" dirty="0">
                 <a:solidFill>
                   <a:schemeClr val="bg1"/>
                 </a:solidFill>
@@ -14617,11 +14617,11 @@
               <a:t>тестване</a:t>
             </a:r>
             <a:r>
-              <a:rPr lang="bg-BG" sz="3200" dirty="0"/>
+              <a:rPr lang="bg-BG" sz="3300" dirty="0"/>
               <a:t>, </a:t>
             </a:r>
             <a:r>
-              <a:rPr lang="bg-BG" sz="3200" b="1" dirty="0">
+              <a:rPr lang="bg-BG" sz="3300" b="1" dirty="0">
                 <a:solidFill>
                   <a:schemeClr val="bg1"/>
                 </a:solidFill>
@@ -14629,11 +14629,11 @@
               <a:t>Системно</a:t>
             </a:r>
             <a:r>
-              <a:rPr lang="bg-BG" sz="3200" b="1" dirty="0"/>
+              <a:rPr lang="bg-BG" sz="3300" b="1" dirty="0"/>
               <a:t> </a:t>
             </a:r>
             <a:r>
-              <a:rPr lang="bg-BG" sz="3200" b="1" dirty="0">
+              <a:rPr lang="bg-BG" sz="3300" b="1" dirty="0">
                 <a:solidFill>
                   <a:schemeClr val="bg1"/>
                 </a:solidFill>
@@ -14641,11 +14641,11 @@
               <a:t>тестване</a:t>
             </a:r>
             <a:r>
-              <a:rPr lang="bg-BG" sz="3200" dirty="0"/>
+              <a:rPr lang="bg-BG" sz="3300" dirty="0"/>
               <a:t>, </a:t>
             </a:r>
             <a:r>
-              <a:rPr lang="bg-BG" sz="3200" b="1" dirty="0">
+              <a:rPr lang="bg-BG" sz="3300" b="1" dirty="0">
                 <a:solidFill>
                   <a:schemeClr val="bg1"/>
                 </a:solidFill>
@@ -14653,11 +14653,11 @@
               <a:t>Приемно</a:t>
             </a:r>
             <a:r>
-              <a:rPr lang="bg-BG" sz="3200" b="1" dirty="0"/>
+              <a:rPr lang="bg-BG" sz="3300" b="1" dirty="0"/>
               <a:t> </a:t>
             </a:r>
             <a:r>
-              <a:rPr lang="bg-BG" sz="3200" b="1" dirty="0">
+              <a:rPr lang="bg-BG" sz="3300" b="1" dirty="0">
                 <a:solidFill>
                   <a:schemeClr val="bg1"/>
                 </a:solidFill>
@@ -14683,11 +14683,11 @@
           <a:p>
             <a:pPr lvl="1"/>
             <a:r>
-              <a:rPr lang="bg-BG" sz="3200" dirty="0"/>
+              <a:rPr lang="bg-BG" sz="3300" dirty="0"/>
               <a:t>Тестване на </a:t>
             </a:r>
             <a:r>
-              <a:rPr lang="bg-BG" sz="3200" b="1" dirty="0">
+              <a:rPr lang="bg-BG" sz="3300" b="1" dirty="0">
                 <a:solidFill>
                   <a:schemeClr val="bg1"/>
                 </a:solidFill>
@@ -14695,18 +14695,18 @@
               <a:t>входна форма</a:t>
             </a:r>
             <a:r>
-              <a:rPr lang="bg-BG" sz="3200" dirty="0"/>
+              <a:rPr lang="bg-BG" sz="3300" dirty="0"/>
               <a:t>, тестване на </a:t>
             </a:r>
             <a:r>
-              <a:rPr lang="bg-BG" sz="3200" b="1" dirty="0">
+              <a:rPr lang="bg-BG" sz="3300" b="1" dirty="0">
                 <a:solidFill>
                   <a:schemeClr val="bg1"/>
                 </a:solidFill>
               </a:rPr>
               <a:t>отделни функционалности</a:t>
             </a:r>
-            <a:endParaRPr lang="en-BG" sz="3200" b="1" dirty="0">
+            <a:endParaRPr lang="en-BG" sz="3300" b="1" dirty="0">
               <a:solidFill>
                 <a:schemeClr val="bg1"/>
               </a:solidFill>

--- a/Courses/Software-Sciences/Module-4-Information-Systems-New/13-Information-System-Testing/13-Information-System-Testing.pptx
+++ b/Courses/Software-Sciences/Module-4-Information-Systems-New/13-Information-System-Testing/13-Information-System-Testing.pptx
@@ -5,10 +5,10 @@
     <p:sldMasterId id="2147483675" r:id="rId1"/>
   </p:sldMasterIdLst>
   <p:notesMasterIdLst>
-    <p:notesMasterId r:id="rId27"/>
+    <p:notesMasterId r:id="rId30"/>
   </p:notesMasterIdLst>
   <p:handoutMasterIdLst>
-    <p:handoutMasterId r:id="rId28"/>
+    <p:handoutMasterId r:id="rId31"/>
   </p:handoutMasterIdLst>
   <p:sldIdLst>
     <p:sldId id="503" r:id="rId2"/>
@@ -28,14 +28,17 @@
     <p:sldId id="668" r:id="rId16"/>
     <p:sldId id="670" r:id="rId17"/>
     <p:sldId id="674" r:id="rId18"/>
-    <p:sldId id="678" r:id="rId19"/>
-    <p:sldId id="680" r:id="rId20"/>
-    <p:sldId id="682" r:id="rId21"/>
-    <p:sldId id="679" r:id="rId22"/>
-    <p:sldId id="681" r:id="rId23"/>
-    <p:sldId id="633" r:id="rId24"/>
-    <p:sldId id="504" r:id="rId25"/>
-    <p:sldId id="505" r:id="rId26"/>
+    <p:sldId id="684" r:id="rId19"/>
+    <p:sldId id="678" r:id="rId20"/>
+    <p:sldId id="680" r:id="rId21"/>
+    <p:sldId id="685" r:id="rId22"/>
+    <p:sldId id="682" r:id="rId23"/>
+    <p:sldId id="679" r:id="rId24"/>
+    <p:sldId id="681" r:id="rId25"/>
+    <p:sldId id="683" r:id="rId26"/>
+    <p:sldId id="633" r:id="rId27"/>
+    <p:sldId id="504" r:id="rId28"/>
+    <p:sldId id="505" r:id="rId29"/>
   </p:sldIdLst>
   <p:sldSz cx="12192000" cy="6858000"/>
   <p:notesSz cx="6858000" cy="9144000"/>
@@ -172,11 +175,14 @@
         <p14:section name="Тестване на Здравна информационна система" id="{D231F0DB-2595-C84B-A4CE-E1F9F8FA8A9D}">
           <p14:sldIdLst>
             <p14:sldId id="674"/>
+            <p14:sldId id="684"/>
             <p14:sldId id="678"/>
             <p14:sldId id="680"/>
+            <p14:sldId id="685"/>
             <p14:sldId id="682"/>
             <p14:sldId id="679"/>
             <p14:sldId id="681"/>
+            <p14:sldId id="683"/>
           </p14:sldIdLst>
         </p14:section>
         <p14:section name="Заключение" id="{E19D07F1-86E2-47E9-B2AB-7ADC4F89DC12}">
@@ -303,7 +309,7 @@
           <a:p>
             <a:fld id="{4E087215-0C8F-4762-A664-737A353EC9A4}" type="datetimeFigureOut">
               <a:rPr lang="bg-BG" smtClean="0"/>
-              <a:t>6.01.25 г.</a:t>
+              <a:t>10.1.2025 г.</a:t>
             </a:fld>
             <a:endParaRPr lang="bg-BG"/>
           </a:p>
@@ -499,7 +505,7 @@
           <a:p>
             <a:fld id="{72D84649-876A-46C9-8472-14CB09C070D8}" type="datetimeFigureOut">
               <a:rPr lang="en-US" smtClean="0"/>
-              <a:t>1/6/25</a:t>
+              <a:t>10-Jan-25</a:t>
             </a:fld>
             <a:endParaRPr lang="en-US"/>
           </a:p>
@@ -2031,7 +2037,7 @@
             <a:fld id="{3EBA5BD7-F043-4D1B-AA17-CD412FC534DE}" type="slidenum">
               <a:rPr lang="en-US" smtClean="0"/>
               <a:pPr/>
-              <a:t>23</a:t>
+              <a:t>26</a:t>
             </a:fld>
             <a:endParaRPr lang="en-US" dirty="0"/>
           </a:p>
@@ -2277,7 +2283,7 @@
             <a:fld id="{3EBA5BD7-F043-4D1B-AA17-CD412FC534DE}" type="slidenum">
               <a:rPr lang="en-US" smtClean="0"/>
               <a:pPr/>
-              <a:t>24</a:t>
+              <a:t>27</a:t>
             </a:fld>
             <a:endParaRPr lang="en-US" dirty="0"/>
           </a:p>
@@ -2507,7 +2513,7 @@
             <a:fld id="{3EBA5BD7-F043-4D1B-AA17-CD412FC534DE}" type="slidenum">
               <a:rPr lang="en-US" smtClean="0"/>
               <a:pPr/>
-              <a:t>25</a:t>
+              <a:t>28</a:t>
             </a:fld>
             <a:endParaRPr lang="en-US" dirty="0"/>
           </a:p>
@@ -8550,14 +8556,19 @@
             <p:ph type="subTitle" sz="quarter" idx="11"/>
           </p:nvPr>
         </p:nvSpPr>
-        <p:spPr/>
+        <p:spPr>
+          <a:xfrm>
+            <a:off x="1113372" y="5351455"/>
+            <a:ext cx="9965257" cy="1237006"/>
+          </a:xfrm>
+        </p:spPr>
         <p:txBody>
           <a:bodyPr/>
           <a:lstStyle/>
           <a:p>
             <a:r>
               <a:rPr lang="bg-BG" sz="3600" dirty="0"/>
-              <a:t>Юнит тестване, Интеграционно тестване, Системно тестване, Приемно тестване</a:t>
+              <a:t>Компонентно тестване, интеграционно тестване, системно тестване, приемно тестване</a:t>
             </a:r>
           </a:p>
         </p:txBody>
@@ -8578,7 +8589,12 @@
             <p:ph type="title" sz="quarter" idx="10"/>
           </p:nvPr>
         </p:nvSpPr>
-        <p:spPr/>
+        <p:spPr>
+          <a:xfrm>
+            <a:off x="615109" y="4554000"/>
+            <a:ext cx="10961783" cy="768084"/>
+          </a:xfrm>
+        </p:spPr>
         <p:txBody>
           <a:bodyPr/>
           <a:lstStyle/>
@@ -9334,7 +9350,7 @@
                     <a:schemeClr val="bg1"/>
                   </a:solidFill>
                 </a:rPr>
-                <a:t>Юнит</a:t>
+                <a:t>Компонентно</a:t>
               </a:r>
               <a:r>
                 <a:rPr lang="bg-BG" sz="2400" dirty="0"/>
@@ -12567,7 +12583,7 @@
         <p:spPr/>
         <p:txBody>
           <a:bodyPr>
-            <a:normAutofit/>
+            <a:normAutofit lnSpcReduction="10000"/>
           </a:bodyPr>
           <a:lstStyle/>
           <a:p>
@@ -12589,6 +12605,21 @@
             </a:r>
           </a:p>
           <a:p>
+            <a:pPr lvl="1"/>
+            <a:r>
+              <a:rPr lang="bg-BG" sz="3000" dirty="0"/>
+              <a:t>Всички </a:t>
+            </a:r>
+            <a:r>
+              <a:rPr lang="en-US" sz="3000" dirty="0"/>
+              <a:t>use cases </a:t>
+            </a:r>
+            <a:r>
+              <a:rPr lang="bg-BG" sz="3000" dirty="0"/>
+              <a:t>трябва да работят коректно</a:t>
+            </a:r>
+          </a:p>
+          <a:p>
             <a:r>
               <a:rPr lang="bg-BG" sz="3200" dirty="0"/>
               <a:t>Приемното тестване се изпълнява:</a:t>
@@ -12724,9 +12755,13 @@
               <a:rPr lang="en-US" sz="3000" dirty="0"/>
               <a:t>)</a:t>
             </a:r>
+            <a:endParaRPr lang="bg-BG" sz="3000" dirty="0"/>
+          </a:p>
+          <a:p>
+            <a:pPr lvl="1"/>
             <a:r>
               <a:rPr lang="bg-BG" sz="3000" dirty="0"/>
-              <a:t>, след това от </a:t>
+              <a:t>След това от </a:t>
             </a:r>
             <a:r>
               <a:rPr lang="bg-BG" sz="3000" b="1" dirty="0">
@@ -12928,7 +12963,7 @@
                                         <p:tgtEl>
                                           <p:spTgt spid="3">
                                             <p:txEl>
-                                              <p:pRg st="0" end="0"/>
+                                              <p:pRg st="2" end="2"/>
                                             </p:txEl>
                                           </p:spTgt>
                                         </p:tgtEl>
@@ -12977,7 +13012,7 @@
                                         <p:tgtEl>
                                           <p:spTgt spid="3">
                                             <p:txEl>
-                                              <p:pRg st="1" end="1"/>
+                                              <p:pRg st="3" end="3"/>
                                             </p:txEl>
                                           </p:spTgt>
                                         </p:tgtEl>
@@ -13026,7 +13061,7 @@
                                         <p:tgtEl>
                                           <p:spTgt spid="3">
                                             <p:txEl>
-                                              <p:pRg st="2" end="2"/>
+                                              <p:pRg st="4" end="4"/>
                                             </p:txEl>
                                           </p:spTgt>
                                         </p:tgtEl>
@@ -13075,7 +13110,7 @@
                                         <p:tgtEl>
                                           <p:spTgt spid="3">
                                             <p:txEl>
-                                              <p:pRg st="3" end="3"/>
+                                              <p:pRg st="5" end="5"/>
                                             </p:txEl>
                                           </p:spTgt>
                                         </p:tgtEl>
@@ -13124,7 +13159,7 @@
                                         <p:tgtEl>
                                           <p:spTgt spid="3">
                                             <p:txEl>
-                                              <p:pRg st="4" end="4"/>
+                                              <p:pRg st="6" end="6"/>
                                             </p:txEl>
                                           </p:spTgt>
                                         </p:tgtEl>
@@ -13173,7 +13208,7 @@
                                         <p:tgtEl>
                                           <p:spTgt spid="3">
                                             <p:txEl>
-                                              <p:pRg st="5" end="5"/>
+                                              <p:pRg st="7" end="7"/>
                                             </p:txEl>
                                           </p:spTgt>
                                         </p:tgtEl>
@@ -13252,7 +13287,12 @@
             <p:ph type="subTitle" sz="quarter" idx="11"/>
           </p:nvPr>
         </p:nvSpPr>
-        <p:spPr/>
+        <p:spPr>
+          <a:xfrm>
+            <a:off x="1566338" y="5407683"/>
+            <a:ext cx="9059325" cy="1124551"/>
+          </a:xfrm>
+        </p:spPr>
         <p:txBody>
           <a:bodyPr/>
           <a:lstStyle/>
@@ -13281,14 +13321,19 @@
             <p:ph type="title" sz="quarter" idx="10"/>
           </p:nvPr>
         </p:nvSpPr>
-        <p:spPr/>
+        <p:spPr>
+          <a:xfrm>
+            <a:off x="615109" y="4554000"/>
+            <a:ext cx="10961783" cy="768084"/>
+          </a:xfrm>
+        </p:spPr>
         <p:txBody>
           <a:bodyPr/>
           <a:lstStyle/>
           <a:p>
             <a:r>
               <a:rPr lang="bg-BG" sz="4000" dirty="0"/>
-              <a:t>Тестване на Здравна информационна система</a:t>
+              <a:t>Тестване на "Здравна информационна система"</a:t>
             </a:r>
             <a:endParaRPr lang="en-BG" sz="4000" dirty="0"/>
           </a:p>
@@ -13367,7 +13412,7 @@
           <p:cNvPr id="2" name="Slide Number Placeholder 1">
             <a:extLst>
               <a:ext uri="{FF2B5EF4-FFF2-40B4-BE49-F238E27FC236}">
-                <a16:creationId xmlns:a16="http://schemas.microsoft.com/office/drawing/2014/main" id="{46BFDF33-CE58-8752-AF23-ACEC409A29ED}"/>
+                <a16:creationId xmlns:a16="http://schemas.microsoft.com/office/drawing/2014/main" id="{5798C247-AACD-5340-A1BE-925CA237380C}"/>
               </a:ext>
             </a:extLst>
           </p:cNvPr>
@@ -13387,6 +13432,165 @@
               <a:rPr lang="en-US" noProof="0" smtClean="0"/>
               <a:pPr/>
               <a:t>18</a:t>
+            </a:fld>
+            <a:endParaRPr lang="en-US" noProof="0" dirty="0"/>
+          </a:p>
+        </p:txBody>
+      </p:sp>
+      <p:sp>
+        <p:nvSpPr>
+          <p:cNvPr id="3" name="Text Placeholder 2">
+            <a:extLst>
+              <a:ext uri="{FF2B5EF4-FFF2-40B4-BE49-F238E27FC236}">
+                <a16:creationId xmlns:a16="http://schemas.microsoft.com/office/drawing/2014/main" id="{749E8A0E-F5AC-855D-BC23-063F56474E66}"/>
+              </a:ext>
+            </a:extLst>
+          </p:cNvPr>
+          <p:cNvSpPr>
+            <a:spLocks noGrp="1"/>
+          </p:cNvSpPr>
+          <p:nvPr>
+            <p:ph type="body" sz="quarter" idx="10"/>
+          </p:nvPr>
+        </p:nvSpPr>
+        <p:spPr/>
+        <p:txBody>
+          <a:bodyPr/>
+          <a:lstStyle/>
+          <a:p>
+            <a:r>
+              <a:rPr lang="en-US" dirty="0">
+                <a:highlight>
+                  <a:srgbClr val="FFFF00"/>
+                </a:highlight>
+              </a:rPr>
+              <a:t>TODO: </a:t>
+            </a:r>
+            <a:r>
+              <a:rPr lang="bg-BG" dirty="0">
+                <a:highlight>
+                  <a:srgbClr val="FFFF00"/>
+                </a:highlight>
+              </a:rPr>
+              <a:t>тестваме с валидни данни </a:t>
+            </a:r>
+            <a:r>
+              <a:rPr lang="bg-BG" dirty="0">
+                <a:highlight>
+                  <a:srgbClr val="FFFF00"/>
+                </a:highlight>
+                <a:sym typeface="Wingdings" panose="05000000000000000000" pitchFamily="2" charset="2"/>
+              </a:rPr>
+              <a:t> всичко трябва да работи коректно</a:t>
+            </a:r>
+            <a:endParaRPr lang="en-US" dirty="0">
+              <a:highlight>
+                <a:srgbClr val="FFFF00"/>
+              </a:highlight>
+            </a:endParaRPr>
+          </a:p>
+        </p:txBody>
+      </p:sp>
+      <p:sp>
+        <p:nvSpPr>
+          <p:cNvPr id="4" name="Title 3">
+            <a:extLst>
+              <a:ext uri="{FF2B5EF4-FFF2-40B4-BE49-F238E27FC236}">
+                <a16:creationId xmlns:a16="http://schemas.microsoft.com/office/drawing/2014/main" id="{ACBA4E5B-6288-5F3E-750A-72719EE3459F}"/>
+              </a:ext>
+            </a:extLst>
+          </p:cNvPr>
+          <p:cNvSpPr>
+            <a:spLocks noGrp="1"/>
+          </p:cNvSpPr>
+          <p:nvPr>
+            <p:ph type="title"/>
+          </p:nvPr>
+        </p:nvSpPr>
+        <p:spPr/>
+        <p:txBody>
+          <a:bodyPr/>
+          <a:lstStyle/>
+          <a:p>
+            <a:r>
+              <a:rPr lang="bg-BG" dirty="0"/>
+              <a:t>Тестване на входна форма</a:t>
+            </a:r>
+            <a:r>
+              <a:rPr lang="en-US" dirty="0"/>
+              <a:t> </a:t>
+            </a:r>
+            <a:r>
+              <a:rPr lang="bg-BG" dirty="0"/>
+              <a:t>– валидни данни</a:t>
+            </a:r>
+            <a:endParaRPr lang="en-US" dirty="0"/>
+          </a:p>
+        </p:txBody>
+      </p:sp>
+    </p:spTree>
+    <p:extLst>
+      <p:ext uri="{BB962C8B-B14F-4D97-AF65-F5344CB8AC3E}">
+        <p14:creationId xmlns:p14="http://schemas.microsoft.com/office/powerpoint/2010/main" val="948464270"/>
+      </p:ext>
+    </p:extLst>
+  </p:cSld>
+  <p:clrMapOvr>
+    <a:masterClrMapping/>
+  </p:clrMapOvr>
+  <mc:AlternateContent xmlns:mc="http://schemas.openxmlformats.org/markup-compatibility/2006" xmlns:p14="http://schemas.microsoft.com/office/powerpoint/2010/main">
+    <mc:Choice Requires="p14">
+      <p:transition spd="slow" p14:dur="2000" advClick="0" advTm="5000"/>
+    </mc:Choice>
+    <mc:Fallback xmlns="">
+      <p:transition spd="slow" advClick="0" advTm="5000"/>
+    </mc:Fallback>
+  </mc:AlternateContent>
+</p:sld>
+</file>
+
+<file path=ppt/slides/slide19.xml><?xml version="1.0" encoding="utf-8"?>
+<p:sld xmlns:a="http://schemas.openxmlformats.org/drawingml/2006/main" xmlns:r="http://schemas.openxmlformats.org/officeDocument/2006/relationships" xmlns:p="http://schemas.openxmlformats.org/presentationml/2006/main">
+  <p:cSld>
+    <p:spTree>
+      <p:nvGrpSpPr>
+        <p:cNvPr id="1" name=""/>
+        <p:cNvGrpSpPr/>
+        <p:nvPr/>
+      </p:nvGrpSpPr>
+      <p:grpSpPr>
+        <a:xfrm>
+          <a:off x="0" y="0"/>
+          <a:ext cx="0" cy="0"/>
+          <a:chOff x="0" y="0"/>
+          <a:chExt cx="0" cy="0"/>
+        </a:xfrm>
+      </p:grpSpPr>
+      <p:sp>
+        <p:nvSpPr>
+          <p:cNvPr id="2" name="Slide Number Placeholder 1">
+            <a:extLst>
+              <a:ext uri="{FF2B5EF4-FFF2-40B4-BE49-F238E27FC236}">
+                <a16:creationId xmlns:a16="http://schemas.microsoft.com/office/drawing/2014/main" id="{46BFDF33-CE58-8752-AF23-ACEC409A29ED}"/>
+              </a:ext>
+            </a:extLst>
+          </p:cNvPr>
+          <p:cNvSpPr>
+            <a:spLocks noGrp="1"/>
+          </p:cNvSpPr>
+          <p:nvPr>
+            <p:ph type="sldNum" sz="quarter" idx="5"/>
+          </p:nvPr>
+        </p:nvSpPr>
+        <p:spPr/>
+        <p:txBody>
+          <a:bodyPr/>
+          <a:lstStyle/>
+          <a:p>
+            <a:fld id="{2BF067CD-8E6B-4360-9AA8-C5DF2A48A6D1}" type="slidenum">
+              <a:rPr lang="en-US" noProof="0" smtClean="0"/>
+              <a:pPr/>
+              <a:t>19</a:t>
             </a:fld>
             <a:endParaRPr lang="en-US" noProof="0" dirty="0"/>
           </a:p>
@@ -13874,414 +14078,6 @@
 </p:sld>
 </file>
 
-<file path=ppt/slides/slide19.xml><?xml version="1.0" encoding="utf-8"?>
-<p:sld xmlns:a="http://schemas.openxmlformats.org/drawingml/2006/main" xmlns:r="http://schemas.openxmlformats.org/officeDocument/2006/relationships" xmlns:p="http://schemas.openxmlformats.org/presentationml/2006/main">
-  <p:cSld>
-    <p:spTree>
-      <p:nvGrpSpPr>
-        <p:cNvPr id="1" name=""/>
-        <p:cNvGrpSpPr/>
-        <p:nvPr/>
-      </p:nvGrpSpPr>
-      <p:grpSpPr>
-        <a:xfrm>
-          <a:off x="0" y="0"/>
-          <a:ext cx="0" cy="0"/>
-          <a:chOff x="0" y="0"/>
-          <a:chExt cx="0" cy="0"/>
-        </a:xfrm>
-      </p:grpSpPr>
-      <p:sp>
-        <p:nvSpPr>
-          <p:cNvPr id="2" name="Slide Number Placeholder 1">
-            <a:extLst>
-              <a:ext uri="{FF2B5EF4-FFF2-40B4-BE49-F238E27FC236}">
-                <a16:creationId xmlns:a16="http://schemas.microsoft.com/office/drawing/2014/main" id="{8C74DB6F-FF7C-BC35-F11D-61354CB61837}"/>
-              </a:ext>
-            </a:extLst>
-          </p:cNvPr>
-          <p:cNvSpPr>
-            <a:spLocks noGrp="1"/>
-          </p:cNvSpPr>
-          <p:nvPr>
-            <p:ph type="sldNum" sz="quarter" idx="5"/>
-          </p:nvPr>
-        </p:nvSpPr>
-        <p:spPr/>
-        <p:txBody>
-          <a:bodyPr/>
-          <a:lstStyle/>
-          <a:p>
-            <a:fld id="{2BF067CD-8E6B-4360-9AA8-C5DF2A48A6D1}" type="slidenum">
-              <a:rPr lang="en-US" noProof="0" smtClean="0"/>
-              <a:pPr/>
-              <a:t>19</a:t>
-            </a:fld>
-            <a:endParaRPr lang="en-US" noProof="0" dirty="0"/>
-          </a:p>
-        </p:txBody>
-      </p:sp>
-      <p:sp>
-        <p:nvSpPr>
-          <p:cNvPr id="3" name="Text Placeholder 2">
-            <a:extLst>
-              <a:ext uri="{FF2B5EF4-FFF2-40B4-BE49-F238E27FC236}">
-                <a16:creationId xmlns:a16="http://schemas.microsoft.com/office/drawing/2014/main" id="{F6450552-E07C-49F4-26FF-1B46104C0100}"/>
-              </a:ext>
-            </a:extLst>
-          </p:cNvPr>
-          <p:cNvSpPr>
-            <a:spLocks noGrp="1"/>
-          </p:cNvSpPr>
-          <p:nvPr>
-            <p:ph type="body" sz="quarter" idx="10"/>
-          </p:nvPr>
-        </p:nvSpPr>
-        <p:spPr/>
-        <p:txBody>
-          <a:bodyPr/>
-          <a:lstStyle/>
-          <a:p>
-            <a:r>
-              <a:rPr lang="bg-BG" b="1" dirty="0"/>
-              <a:t>Регистрация</a:t>
-            </a:r>
-            <a:r>
-              <a:rPr lang="bg-BG" dirty="0"/>
-              <a:t> при </a:t>
-            </a:r>
-            <a:r>
-              <a:rPr lang="bg-BG" b="1" dirty="0">
-                <a:solidFill>
-                  <a:schemeClr val="bg1"/>
-                </a:solidFill>
-              </a:rPr>
-              <a:t>съществуващ админ</a:t>
-            </a:r>
-            <a:endParaRPr lang="en-BG" b="1" dirty="0">
-              <a:solidFill>
-                <a:schemeClr val="bg1"/>
-              </a:solidFill>
-            </a:endParaRPr>
-          </a:p>
-        </p:txBody>
-      </p:sp>
-      <p:sp>
-        <p:nvSpPr>
-          <p:cNvPr id="4" name="Title 3">
-            <a:extLst>
-              <a:ext uri="{FF2B5EF4-FFF2-40B4-BE49-F238E27FC236}">
-                <a16:creationId xmlns:a16="http://schemas.microsoft.com/office/drawing/2014/main" id="{6D0F8422-F5C8-3E30-CC07-79BF242BA4C6}"/>
-              </a:ext>
-            </a:extLst>
-          </p:cNvPr>
-          <p:cNvSpPr>
-            <a:spLocks noGrp="1"/>
-          </p:cNvSpPr>
-          <p:nvPr>
-            <p:ph type="title"/>
-          </p:nvPr>
-        </p:nvSpPr>
-        <p:spPr/>
-        <p:txBody>
-          <a:bodyPr/>
-          <a:lstStyle/>
-          <a:p>
-            <a:r>
-              <a:rPr lang="bg-BG" dirty="0"/>
-              <a:t>Тестване на входна форма </a:t>
-            </a:r>
-            <a:r>
-              <a:rPr lang="en-US" dirty="0"/>
-              <a:t>(2)</a:t>
-            </a:r>
-            <a:endParaRPr lang="en-BG" dirty="0"/>
-          </a:p>
-        </p:txBody>
-      </p:sp>
-      <p:pic>
-        <p:nvPicPr>
-          <p:cNvPr id="6" name="Picture 5">
-            <a:extLst>
-              <a:ext uri="{FF2B5EF4-FFF2-40B4-BE49-F238E27FC236}">
-                <a16:creationId xmlns:a16="http://schemas.microsoft.com/office/drawing/2014/main" id="{D871257C-9C0B-0DBB-60AA-2FCCDDDD0616}"/>
-              </a:ext>
-            </a:extLst>
-          </p:cNvPr>
-          <p:cNvPicPr>
-            <a:picLocks noChangeAspect="1"/>
-          </p:cNvPicPr>
-          <p:nvPr/>
-        </p:nvPicPr>
-        <p:blipFill>
-          <a:blip r:embed="rId2">
-            <a:extLst>
-              <a:ext uri="{28A0092B-C50C-407E-A947-70E740481C1C}">
-                <a14:useLocalDpi xmlns:a14="http://schemas.microsoft.com/office/drawing/2010/main" val="0"/>
-              </a:ext>
-            </a:extLst>
-          </a:blip>
-          <a:srcRect/>
-          <a:stretch/>
-        </p:blipFill>
-        <p:spPr>
-          <a:xfrm>
-            <a:off x="676251" y="2496979"/>
-            <a:ext cx="3355400" cy="3304041"/>
-          </a:xfrm>
-          <a:prstGeom prst="rect">
-            <a:avLst/>
-          </a:prstGeom>
-          <a:ln>
-            <a:solidFill>
-              <a:schemeClr val="bg2">
-                <a:lumMod val="75000"/>
-              </a:schemeClr>
-            </a:solidFill>
-          </a:ln>
-        </p:spPr>
-      </p:pic>
-      <p:pic>
-        <p:nvPicPr>
-          <p:cNvPr id="8" name="Picture 7">
-            <a:extLst>
-              <a:ext uri="{FF2B5EF4-FFF2-40B4-BE49-F238E27FC236}">
-                <a16:creationId xmlns:a16="http://schemas.microsoft.com/office/drawing/2014/main" id="{9496A640-2A7B-A8A1-7934-D11EFDCA1E7D}"/>
-              </a:ext>
-            </a:extLst>
-          </p:cNvPr>
-          <p:cNvPicPr>
-            <a:picLocks noChangeAspect="1"/>
-          </p:cNvPicPr>
-          <p:nvPr/>
-        </p:nvPicPr>
-        <p:blipFill>
-          <a:blip r:embed="rId3">
-            <a:extLst>
-              <a:ext uri="{28A0092B-C50C-407E-A947-70E740481C1C}">
-                <a14:useLocalDpi xmlns:a14="http://schemas.microsoft.com/office/drawing/2010/main" val="0"/>
-              </a:ext>
-            </a:extLst>
-          </a:blip>
-          <a:stretch>
-            <a:fillRect/>
-          </a:stretch>
-        </p:blipFill>
-        <p:spPr>
-          <a:xfrm>
-            <a:off x="6295749" y="2789412"/>
-            <a:ext cx="5132581" cy="2342192"/>
-          </a:xfrm>
-          <a:prstGeom prst="rect">
-            <a:avLst/>
-          </a:prstGeom>
-          <a:ln>
-            <a:solidFill>
-              <a:schemeClr val="bg2">
-                <a:lumMod val="75000"/>
-              </a:schemeClr>
-            </a:solidFill>
-          </a:ln>
-        </p:spPr>
-      </p:pic>
-      <p:sp>
-        <p:nvSpPr>
-          <p:cNvPr id="9" name="Arrow: Right 10">
-            <a:extLst>
-              <a:ext uri="{FF2B5EF4-FFF2-40B4-BE49-F238E27FC236}">
-                <a16:creationId xmlns:a16="http://schemas.microsoft.com/office/drawing/2014/main" id="{F8012785-605E-6758-0412-64EF04F98E81}"/>
-              </a:ext>
-            </a:extLst>
-          </p:cNvPr>
-          <p:cNvSpPr/>
-          <p:nvPr/>
-        </p:nvSpPr>
-        <p:spPr>
-          <a:xfrm>
-            <a:off x="4517500" y="3654000"/>
-            <a:ext cx="1292400" cy="990000"/>
-          </a:xfrm>
-          <a:prstGeom prst="rightArrow">
-            <a:avLst/>
-          </a:prstGeom>
-          <a:solidFill>
-            <a:schemeClr val="tx1"/>
-          </a:solidFill>
-          <a:ln>
-            <a:solidFill>
-              <a:schemeClr val="tx1"/>
-            </a:solidFill>
-          </a:ln>
-        </p:spPr>
-        <p:style>
-          <a:lnRef idx="2">
-            <a:schemeClr val="accent1">
-              <a:shade val="50000"/>
-            </a:schemeClr>
-          </a:lnRef>
-          <a:fillRef idx="1">
-            <a:schemeClr val="accent1"/>
-          </a:fillRef>
-          <a:effectRef idx="0">
-            <a:schemeClr val="accent1"/>
-          </a:effectRef>
-          <a:fontRef idx="minor">
-            <a:schemeClr val="lt1"/>
-          </a:fontRef>
-        </p:style>
-        <p:txBody>
-          <a:bodyPr rtlCol="0" anchor="ctr"/>
-          <a:lstStyle/>
-          <a:p>
-            <a:pPr algn="ctr"/>
-            <a:endParaRPr lang="en-US" sz="2799"/>
-          </a:p>
-        </p:txBody>
-      </p:sp>
-    </p:spTree>
-    <p:extLst>
-      <p:ext uri="{BB962C8B-B14F-4D97-AF65-F5344CB8AC3E}">
-        <p14:creationId xmlns:p14="http://schemas.microsoft.com/office/powerpoint/2010/main" val="3420462725"/>
-      </p:ext>
-    </p:extLst>
-  </p:cSld>
-  <p:clrMapOvr>
-    <a:masterClrMapping/>
-  </p:clrMapOvr>
-  <mc:AlternateContent xmlns:mc="http://schemas.openxmlformats.org/markup-compatibility/2006" xmlns:p14="http://schemas.microsoft.com/office/powerpoint/2010/main">
-    <mc:Choice Requires="p14">
-      <p:transition spd="slow" p14:dur="2000" advClick="0" advTm="5000"/>
-    </mc:Choice>
-    <mc:Fallback xmlns="">
-      <p:transition spd="slow" advClick="0" advTm="5000"/>
-    </mc:Fallback>
-  </mc:AlternateContent>
-  <p:timing>
-    <p:tnLst>
-      <p:par>
-        <p:cTn id="1" dur="indefinite" restart="never" nodeType="tmRoot">
-          <p:childTnLst>
-            <p:seq concurrent="1" nextAc="seek">
-              <p:cTn id="2" dur="indefinite" nodeType="mainSeq">
-                <p:childTnLst>
-                  <p:par>
-                    <p:cTn id="3" fill="hold">
-                      <p:stCondLst>
-                        <p:cond delay="indefinite"/>
-                      </p:stCondLst>
-                      <p:childTnLst>
-                        <p:par>
-                          <p:cTn id="4" fill="hold">
-                            <p:stCondLst>
-                              <p:cond delay="0"/>
-                            </p:stCondLst>
-                            <p:childTnLst>
-                              <p:par>
-                                <p:cTn id="5" presetID="1" presetClass="entr" presetSubtype="0" fill="hold" grpId="0" nodeType="clickEffect">
-                                  <p:stCondLst>
-                                    <p:cond delay="0"/>
-                                  </p:stCondLst>
-                                  <p:childTnLst>
-                                    <p:set>
-                                      <p:cBhvr>
-                                        <p:cTn id="6" dur="1" fill="hold">
-                                          <p:stCondLst>
-                                            <p:cond delay="0"/>
-                                          </p:stCondLst>
-                                        </p:cTn>
-                                        <p:tgtEl>
-                                          <p:spTgt spid="9"/>
-                                        </p:tgtEl>
-                                        <p:attrNameLst>
-                                          <p:attrName>style.visibility</p:attrName>
-                                        </p:attrNameLst>
-                                      </p:cBhvr>
-                                      <p:to>
-                                        <p:strVal val="visible"/>
-                                      </p:to>
-                                    </p:set>
-                                  </p:childTnLst>
-                                </p:cTn>
-                              </p:par>
-                            </p:childTnLst>
-                          </p:cTn>
-                        </p:par>
-                      </p:childTnLst>
-                    </p:cTn>
-                  </p:par>
-                  <p:par>
-                    <p:cTn id="7" fill="hold">
-                      <p:stCondLst>
-                        <p:cond delay="indefinite"/>
-                      </p:stCondLst>
-                      <p:childTnLst>
-                        <p:par>
-                          <p:cTn id="8" fill="hold">
-                            <p:stCondLst>
-                              <p:cond delay="0"/>
-                            </p:stCondLst>
-                            <p:childTnLst>
-                              <p:par>
-                                <p:cTn id="9" presetID="1" presetClass="entr" presetSubtype="0" fill="hold" nodeType="clickEffect">
-                                  <p:stCondLst>
-                                    <p:cond delay="0"/>
-                                  </p:stCondLst>
-                                  <p:childTnLst>
-                                    <p:set>
-                                      <p:cBhvr>
-                                        <p:cTn id="10" dur="1" fill="hold">
-                                          <p:stCondLst>
-                                            <p:cond delay="0"/>
-                                          </p:stCondLst>
-                                        </p:cTn>
-                                        <p:tgtEl>
-                                          <p:spTgt spid="8"/>
-                                        </p:tgtEl>
-                                        <p:attrNameLst>
-                                          <p:attrName>style.visibility</p:attrName>
-                                        </p:attrNameLst>
-                                      </p:cBhvr>
-                                      <p:to>
-                                        <p:strVal val="visible"/>
-                                      </p:to>
-                                    </p:set>
-                                  </p:childTnLst>
-                                </p:cTn>
-                              </p:par>
-                            </p:childTnLst>
-                          </p:cTn>
-                        </p:par>
-                      </p:childTnLst>
-                    </p:cTn>
-                  </p:par>
-                </p:childTnLst>
-              </p:cTn>
-              <p:prevCondLst>
-                <p:cond evt="onPrev" delay="0">
-                  <p:tgtEl>
-                    <p:sldTgt/>
-                  </p:tgtEl>
-                </p:cond>
-              </p:prevCondLst>
-              <p:nextCondLst>
-                <p:cond evt="onNext" delay="0">
-                  <p:tgtEl>
-                    <p:sldTgt/>
-                  </p:tgtEl>
-                </p:cond>
-              </p:nextCondLst>
-            </p:seq>
-          </p:childTnLst>
-        </p:cTn>
-      </p:par>
-    </p:tnLst>
-    <p:bldLst>
-      <p:bldP spid="9" grpId="0" animBg="1"/>
-    </p:bldLst>
-  </p:timing>
-</p:sld>
-</file>
-
 <file path=ppt/slides/slide2.xml><?xml version="1.0" encoding="utf-8"?>
 <p:sld xmlns:a="http://schemas.openxmlformats.org/drawingml/2006/main" xmlns:r="http://schemas.openxmlformats.org/officeDocument/2006/relationships" xmlns:p="http://schemas.openxmlformats.org/presentationml/2006/main">
   <p:cSld>
@@ -14523,7 +14319,7 @@
             </a:r>
             <a:r>
               <a:rPr lang="bg-BG" sz="3300" dirty="0"/>
-              <a:t> да тестваме</a:t>
+              <a:t> да тестваме?</a:t>
             </a:r>
           </a:p>
           <a:p>
@@ -14578,7 +14374,7 @@
                   <a:schemeClr val="bg1"/>
                 </a:solidFill>
               </a:rPr>
-              <a:t>Юнит</a:t>
+              <a:t>Компонентно</a:t>
             </a:r>
             <a:r>
               <a:rPr lang="bg-BG" sz="3300" b="1" dirty="0"/>
@@ -14602,7 +14398,7 @@
                   <a:schemeClr val="bg1"/>
                 </a:solidFill>
               </a:rPr>
-              <a:t>Интеграционно</a:t>
+              <a:t>интеграционно</a:t>
             </a:r>
             <a:r>
               <a:rPr lang="bg-BG" sz="3300" b="1" dirty="0"/>
@@ -14626,7 +14422,7 @@
                   <a:schemeClr val="bg1"/>
                 </a:solidFill>
               </a:rPr>
-              <a:t>Системно</a:t>
+              <a:t>системно</a:t>
             </a:r>
             <a:r>
               <a:rPr lang="bg-BG" sz="3300" b="1" dirty="0"/>
@@ -14650,7 +14446,7 @@
                   <a:schemeClr val="bg1"/>
                 </a:solidFill>
               </a:rPr>
-              <a:t>Приемно</a:t>
+              <a:t>приемно</a:t>
             </a:r>
             <a:r>
               <a:rPr lang="bg-BG" sz="3300" b="1" dirty="0"/>
@@ -14673,11 +14469,15 @@
             </a:pPr>
             <a:r>
               <a:rPr lang="bg-BG" dirty="0"/>
-              <a:t>​Тестване на </a:t>
+              <a:t>​Тестване на "</a:t>
             </a:r>
             <a:r>
               <a:rPr lang="bg-BG" b="1" dirty="0"/>
               <a:t>Здравна информационна система</a:t>
+            </a:r>
+            <a:r>
+              <a:rPr lang="bg-BG" dirty="0"/>
+              <a:t>"</a:t>
             </a:r>
           </a:p>
           <a:p>
@@ -15161,7 +14961,7 @@
           <p:cNvPr id="2" name="Slide Number Placeholder 1">
             <a:extLst>
               <a:ext uri="{FF2B5EF4-FFF2-40B4-BE49-F238E27FC236}">
-                <a16:creationId xmlns:a16="http://schemas.microsoft.com/office/drawing/2014/main" id="{D63F0418-3DFD-6248-BC26-8D7AD2A15AE4}"/>
+                <a16:creationId xmlns:a16="http://schemas.microsoft.com/office/drawing/2014/main" id="{8C74DB6F-FF7C-BC35-F11D-61354CB61837}"/>
               </a:ext>
             </a:extLst>
           </p:cNvPr>
@@ -15191,7 +14991,7 @@
           <p:cNvPr id="3" name="Text Placeholder 2">
             <a:extLst>
               <a:ext uri="{FF2B5EF4-FFF2-40B4-BE49-F238E27FC236}">
-                <a16:creationId xmlns:a16="http://schemas.microsoft.com/office/drawing/2014/main" id="{6191B10F-C327-5F1D-563F-ABB48325904B}"/>
+                <a16:creationId xmlns:a16="http://schemas.microsoft.com/office/drawing/2014/main" id="{F6450552-E07C-49F4-26FF-1B46104C0100}"/>
               </a:ext>
             </a:extLst>
           </p:cNvPr>
@@ -15209,19 +15009,11 @@
           <a:p>
             <a:r>
               <a:rPr lang="bg-BG" b="1" dirty="0"/>
-              <a:t>Добавяне</a:t>
+              <a:t>Регистрация</a:t>
             </a:r>
             <a:r>
               <a:rPr lang="bg-BG" dirty="0"/>
-              <a:t> на </a:t>
-            </a:r>
-            <a:r>
-              <a:rPr lang="bg-BG" b="1" dirty="0"/>
-              <a:t>пациент</a:t>
-            </a:r>
-            <a:r>
-              <a:rPr lang="bg-BG" dirty="0"/>
-              <a:t> с </a:t>
+              <a:t> при </a:t>
             </a:r>
             <a:r>
               <a:rPr lang="bg-BG" b="1" dirty="0">
@@ -15229,7 +15021,7 @@
                   <a:schemeClr val="bg1"/>
                 </a:solidFill>
               </a:rPr>
-              <a:t>празно име</a:t>
+              <a:t>съществуващ админ</a:t>
             </a:r>
             <a:endParaRPr lang="en-BG" b="1" dirty="0">
               <a:solidFill>
@@ -15244,7 +15036,7 @@
           <p:cNvPr id="4" name="Title 3">
             <a:extLst>
               <a:ext uri="{FF2B5EF4-FFF2-40B4-BE49-F238E27FC236}">
-                <a16:creationId xmlns:a16="http://schemas.microsoft.com/office/drawing/2014/main" id="{5F20275D-4A0B-ECA0-466F-96143327460E}"/>
+                <a16:creationId xmlns:a16="http://schemas.microsoft.com/office/drawing/2014/main" id="{6D0F8422-F5C8-3E30-CC07-79BF242BA4C6}"/>
               </a:ext>
             </a:extLst>
           </p:cNvPr>
@@ -15262,11 +15054,11 @@
           <a:p>
             <a:r>
               <a:rPr lang="bg-BG" dirty="0"/>
-              <a:t>Тестване на отделни функционалности </a:t>
+              <a:t>Тестване на входна форма </a:t>
             </a:r>
             <a:r>
               <a:rPr lang="en-US" dirty="0"/>
-              <a:t>(1)</a:t>
+              <a:t>(2)</a:t>
             </a:r>
             <a:endParaRPr lang="en-BG" dirty="0"/>
           </a:p>
@@ -15277,7 +15069,7 @@
           <p:cNvPr id="6" name="Picture 5">
             <a:extLst>
               <a:ext uri="{FF2B5EF4-FFF2-40B4-BE49-F238E27FC236}">
-                <a16:creationId xmlns:a16="http://schemas.microsoft.com/office/drawing/2014/main" id="{19DF844A-2771-3425-B4BF-DC892FBED27D}"/>
+                <a16:creationId xmlns:a16="http://schemas.microsoft.com/office/drawing/2014/main" id="{D871257C-9C0B-0DBB-60AA-2FCCDDDD0616}"/>
               </a:ext>
             </a:extLst>
           </p:cNvPr>
@@ -15299,8 +15091,8 @@
         </p:blipFill>
         <p:spPr>
           <a:xfrm>
-            <a:off x="496858" y="2415440"/>
-            <a:ext cx="4326190" cy="3090136"/>
+            <a:off x="676251" y="2496979"/>
+            <a:ext cx="3355400" cy="3304041"/>
           </a:xfrm>
           <a:prstGeom prst="rect">
             <a:avLst/>
@@ -15319,7 +15111,7 @@
           <p:cNvPr id="8" name="Picture 7">
             <a:extLst>
               <a:ext uri="{FF2B5EF4-FFF2-40B4-BE49-F238E27FC236}">
-                <a16:creationId xmlns:a16="http://schemas.microsoft.com/office/drawing/2014/main" id="{E2F31CA5-B0C0-D6F6-68BD-4380686F0018}"/>
+                <a16:creationId xmlns:a16="http://schemas.microsoft.com/office/drawing/2014/main" id="{9496A640-2A7B-A8A1-7934-D11EFDCA1E7D}"/>
               </a:ext>
             </a:extLst>
           </p:cNvPr>
@@ -15328,7 +15120,7 @@
           </p:cNvPicPr>
           <p:nvPr/>
         </p:nvPicPr>
-        <p:blipFill rotWithShape="1">
+        <p:blipFill>
           <a:blip r:embed="rId3">
             <a:extLst>
               <a:ext uri="{28A0092B-C50C-407E-A947-70E740481C1C}">
@@ -15336,13 +15128,14 @@
               </a:ext>
             </a:extLst>
           </a:blip>
-          <a:srcRect l="1" r="824"/>
-          <a:stretch/>
+          <a:stretch>
+            <a:fillRect/>
+          </a:stretch>
         </p:blipFill>
         <p:spPr>
           <a:xfrm>
-            <a:off x="6543448" y="2727255"/>
-            <a:ext cx="5132552" cy="2571725"/>
+            <a:off x="6295749" y="2789412"/>
+            <a:ext cx="5132581" cy="2342192"/>
           </a:xfrm>
           <a:prstGeom prst="rect">
             <a:avLst/>
@@ -15361,7 +15154,7 @@
           <p:cNvPr id="9" name="Arrow: Right 10">
             <a:extLst>
               <a:ext uri="{FF2B5EF4-FFF2-40B4-BE49-F238E27FC236}">
-                <a16:creationId xmlns:a16="http://schemas.microsoft.com/office/drawing/2014/main" id="{164DD3B1-AB92-4356-90E9-550A6BBDE248}"/>
+                <a16:creationId xmlns:a16="http://schemas.microsoft.com/office/drawing/2014/main" id="{F8012785-605E-6758-0412-64EF04F98E81}"/>
               </a:ext>
             </a:extLst>
           </p:cNvPr>
@@ -15370,7 +15163,7 @@
         </p:nvSpPr>
         <p:spPr>
           <a:xfrm>
-            <a:off x="5053340" y="3518117"/>
+            <a:off x="4517500" y="3654000"/>
             <a:ext cx="1292400" cy="990000"/>
           </a:xfrm>
           <a:prstGeom prst="rightArrow">
@@ -15410,10 +15203,210 @@
           </a:p>
         </p:txBody>
       </p:sp>
+      <p:sp>
+        <p:nvSpPr>
+          <p:cNvPr id="5" name="Rectangle 4">
+            <a:extLst>
+              <a:ext uri="{FF2B5EF4-FFF2-40B4-BE49-F238E27FC236}">
+                <a16:creationId xmlns:a16="http://schemas.microsoft.com/office/drawing/2014/main" id="{1E266AC6-9B8D-224D-D0DC-7ED3ACD1EF74}"/>
+              </a:ext>
+            </a:extLst>
+          </p:cNvPr>
+          <p:cNvSpPr/>
+          <p:nvPr/>
+        </p:nvSpPr>
+        <p:spPr bwMode="auto">
+          <a:xfrm>
+            <a:off x="4341000" y="5344325"/>
+            <a:ext cx="4663149" cy="1213965"/>
+          </a:xfrm>
+          <a:prstGeom prst="rect">
+            <a:avLst/>
+          </a:prstGeom>
+          <a:solidFill>
+            <a:schemeClr val="dk2">
+              <a:alpha val="80000"/>
+            </a:schemeClr>
+          </a:solidFill>
+          <a:ln w="19050">
+            <a:solidFill>
+              <a:schemeClr val="tx1">
+                <a:lumMod val="75000"/>
+                <a:alpha val="80000"/>
+              </a:schemeClr>
+            </a:solidFill>
+          </a:ln>
+          <a:effectLst/>
+        </p:spPr>
+        <p:style>
+          <a:lnRef idx="2">
+            <a:schemeClr val="accent1">
+              <a:shade val="50000"/>
+            </a:schemeClr>
+          </a:lnRef>
+          <a:fillRef idx="1001">
+            <a:schemeClr val="dk2"/>
+          </a:fillRef>
+          <a:effectRef idx="0">
+            <a:schemeClr val="accent1"/>
+          </a:effectRef>
+          <a:fontRef idx="minor">
+            <a:schemeClr val="lt1"/>
+          </a:fontRef>
+        </p:style>
+        <p:txBody>
+          <a:bodyPr rot="0" spcFirstLastPara="0" vert="horz" wrap="square" lIns="91440" tIns="45720" rIns="91440" bIns="45720" numCol="1" spcCol="0" rtlCol="0" fromWordArt="0" anchor="ctr" anchorCtr="0" forceAA="0" compatLnSpc="1">
+            <a:prstTxWarp prst="textNoShape">
+              <a:avLst/>
+            </a:prstTxWarp>
+            <a:noAutofit/>
+          </a:bodyPr>
+          <a:lstStyle>
+            <a:defPPr>
+              <a:defRPr lang="en-US"/>
+            </a:defPPr>
+            <a:lvl1pPr marL="0" algn="l" defTabSz="914400" rtl="0" eaLnBrk="1" latinLnBrk="0" hangingPunct="1">
+              <a:defRPr sz="1800" kern="1200">
+                <a:solidFill>
+                  <a:schemeClr val="lt1"/>
+                </a:solidFill>
+                <a:latin typeface="+mn-lt"/>
+                <a:ea typeface="+mn-ea"/>
+                <a:cs typeface="+mn-cs"/>
+              </a:defRPr>
+            </a:lvl1pPr>
+            <a:lvl2pPr marL="457200" algn="l" defTabSz="914400" rtl="0" eaLnBrk="1" latinLnBrk="0" hangingPunct="1">
+              <a:defRPr sz="1800" kern="1200">
+                <a:solidFill>
+                  <a:schemeClr val="lt1"/>
+                </a:solidFill>
+                <a:latin typeface="+mn-lt"/>
+                <a:ea typeface="+mn-ea"/>
+                <a:cs typeface="+mn-cs"/>
+              </a:defRPr>
+            </a:lvl2pPr>
+            <a:lvl3pPr marL="914400" algn="l" defTabSz="914400" rtl="0" eaLnBrk="1" latinLnBrk="0" hangingPunct="1">
+              <a:defRPr sz="1800" kern="1200">
+                <a:solidFill>
+                  <a:schemeClr val="lt1"/>
+                </a:solidFill>
+                <a:latin typeface="+mn-lt"/>
+                <a:ea typeface="+mn-ea"/>
+                <a:cs typeface="+mn-cs"/>
+              </a:defRPr>
+            </a:lvl3pPr>
+            <a:lvl4pPr marL="1371600" algn="l" defTabSz="914400" rtl="0" eaLnBrk="1" latinLnBrk="0" hangingPunct="1">
+              <a:defRPr sz="1800" kern="1200">
+                <a:solidFill>
+                  <a:schemeClr val="lt1"/>
+                </a:solidFill>
+                <a:latin typeface="+mn-lt"/>
+                <a:ea typeface="+mn-ea"/>
+                <a:cs typeface="+mn-cs"/>
+              </a:defRPr>
+            </a:lvl4pPr>
+            <a:lvl5pPr marL="1828800" algn="l" defTabSz="914400" rtl="0" eaLnBrk="1" latinLnBrk="0" hangingPunct="1">
+              <a:defRPr sz="1800" kern="1200">
+                <a:solidFill>
+                  <a:schemeClr val="lt1"/>
+                </a:solidFill>
+                <a:latin typeface="+mn-lt"/>
+                <a:ea typeface="+mn-ea"/>
+                <a:cs typeface="+mn-cs"/>
+              </a:defRPr>
+            </a:lvl5pPr>
+            <a:lvl6pPr marL="2286000" algn="l" defTabSz="914400" rtl="0" eaLnBrk="1" latinLnBrk="0" hangingPunct="1">
+              <a:defRPr sz="1800" kern="1200">
+                <a:solidFill>
+                  <a:schemeClr val="lt1"/>
+                </a:solidFill>
+                <a:latin typeface="+mn-lt"/>
+                <a:ea typeface="+mn-ea"/>
+                <a:cs typeface="+mn-cs"/>
+              </a:defRPr>
+            </a:lvl6pPr>
+            <a:lvl7pPr marL="2743200" algn="l" defTabSz="914400" rtl="0" eaLnBrk="1" latinLnBrk="0" hangingPunct="1">
+              <a:defRPr sz="1800" kern="1200">
+                <a:solidFill>
+                  <a:schemeClr val="lt1"/>
+                </a:solidFill>
+                <a:latin typeface="+mn-lt"/>
+                <a:ea typeface="+mn-ea"/>
+                <a:cs typeface="+mn-cs"/>
+              </a:defRPr>
+            </a:lvl7pPr>
+            <a:lvl8pPr marL="3200400" algn="l" defTabSz="914400" rtl="0" eaLnBrk="1" latinLnBrk="0" hangingPunct="1">
+              <a:defRPr sz="1800" kern="1200">
+                <a:solidFill>
+                  <a:schemeClr val="lt1"/>
+                </a:solidFill>
+                <a:latin typeface="+mn-lt"/>
+                <a:ea typeface="+mn-ea"/>
+                <a:cs typeface="+mn-cs"/>
+              </a:defRPr>
+            </a:lvl8pPr>
+            <a:lvl9pPr marL="3657600" algn="l" defTabSz="914400" rtl="0" eaLnBrk="1" latinLnBrk="0" hangingPunct="1">
+              <a:defRPr sz="1800" kern="1200">
+                <a:solidFill>
+                  <a:schemeClr val="lt1"/>
+                </a:solidFill>
+                <a:latin typeface="+mn-lt"/>
+                <a:ea typeface="+mn-ea"/>
+                <a:cs typeface="+mn-cs"/>
+              </a:defRPr>
+            </a:lvl9pPr>
+          </a:lstStyle>
+          <a:p>
+            <a:pPr algn="ctr"/>
+            <a:r>
+              <a:rPr lang="en-US" sz="2800" b="1" dirty="0">
+                <a:solidFill>
+                  <a:srgbClr val="FFFFFF"/>
+                </a:solidFill>
+                <a:effectLst>
+                  <a:outerShdw blurRad="38100" dist="38100" dir="2700000" algn="tl">
+                    <a:srgbClr val="000000">
+                      <a:alpha val="43137"/>
+                    </a:srgbClr>
+                  </a:outerShdw>
+                </a:effectLst>
+              </a:rPr>
+              <a:t>TODO: </a:t>
+            </a:r>
+            <a:r>
+              <a:rPr lang="bg-BG" sz="2800" b="1" dirty="0">
+                <a:solidFill>
+                  <a:srgbClr val="FFFFFF"/>
+                </a:solidFill>
+                <a:effectLst>
+                  <a:outerShdw blurRad="38100" dist="38100" dir="2700000" algn="tl">
+                    <a:srgbClr val="000000">
+                      <a:alpha val="43137"/>
+                    </a:srgbClr>
+                  </a:outerShdw>
+                </a:effectLst>
+              </a:rPr>
+              <a:t>заглавие трябва да е "Регистрация на админ"</a:t>
+            </a:r>
+            <a:endParaRPr lang="en-US" sz="2800" b="1" dirty="0">
+              <a:solidFill>
+                <a:srgbClr val="FFFFFF"/>
+              </a:solidFill>
+              <a:effectLst>
+                <a:outerShdw blurRad="38100" dist="38100" dir="2700000" algn="tl">
+                  <a:srgbClr val="000000">
+                    <a:alpha val="43137"/>
+                  </a:srgbClr>
+                </a:outerShdw>
+              </a:effectLst>
+            </a:endParaRPr>
+          </a:p>
+        </p:txBody>
+      </p:sp>
     </p:spTree>
     <p:extLst>
       <p:ext uri="{BB962C8B-B14F-4D97-AF65-F5344CB8AC3E}">
-        <p14:creationId xmlns:p14="http://schemas.microsoft.com/office/powerpoint/2010/main" val="3425304198"/>
+        <p14:creationId xmlns:p14="http://schemas.microsoft.com/office/powerpoint/2010/main" val="3420462725"/>
       </p:ext>
     </p:extLst>
   </p:cSld>
@@ -15559,6 +15552,163 @@
   <p:cSld>
     <p:spTree>
       <p:nvGrpSpPr>
+        <p:cNvPr id="1" name="">
+          <a:extLst>
+            <a:ext uri="{FF2B5EF4-FFF2-40B4-BE49-F238E27FC236}">
+              <a16:creationId xmlns:a16="http://schemas.microsoft.com/office/drawing/2014/main" id="{E6201406-195B-25A8-135C-967C5D720FB4}"/>
+            </a:ext>
+          </a:extLst>
+        </p:cNvPr>
+        <p:cNvGrpSpPr/>
+        <p:nvPr/>
+      </p:nvGrpSpPr>
+      <p:grpSpPr>
+        <a:xfrm>
+          <a:off x="0" y="0"/>
+          <a:ext cx="0" cy="0"/>
+          <a:chOff x="0" y="0"/>
+          <a:chExt cx="0" cy="0"/>
+        </a:xfrm>
+      </p:grpSpPr>
+      <p:sp>
+        <p:nvSpPr>
+          <p:cNvPr id="2" name="Slide Number Placeholder 1">
+            <a:extLst>
+              <a:ext uri="{FF2B5EF4-FFF2-40B4-BE49-F238E27FC236}">
+                <a16:creationId xmlns:a16="http://schemas.microsoft.com/office/drawing/2014/main" id="{52D66D76-4F40-630D-85B7-E87434DD23B0}"/>
+              </a:ext>
+            </a:extLst>
+          </p:cNvPr>
+          <p:cNvSpPr>
+            <a:spLocks noGrp="1"/>
+          </p:cNvSpPr>
+          <p:nvPr>
+            <p:ph type="sldNum" sz="quarter" idx="5"/>
+          </p:nvPr>
+        </p:nvSpPr>
+        <p:spPr/>
+        <p:txBody>
+          <a:bodyPr/>
+          <a:lstStyle/>
+          <a:p>
+            <a:fld id="{2BF067CD-8E6B-4360-9AA8-C5DF2A48A6D1}" type="slidenum">
+              <a:rPr lang="en-US" noProof="0" smtClean="0"/>
+              <a:pPr/>
+              <a:t>21</a:t>
+            </a:fld>
+            <a:endParaRPr lang="en-US" noProof="0" dirty="0"/>
+          </a:p>
+        </p:txBody>
+      </p:sp>
+      <p:sp>
+        <p:nvSpPr>
+          <p:cNvPr id="3" name="Text Placeholder 2">
+            <a:extLst>
+              <a:ext uri="{FF2B5EF4-FFF2-40B4-BE49-F238E27FC236}">
+                <a16:creationId xmlns:a16="http://schemas.microsoft.com/office/drawing/2014/main" id="{2BBB0C49-70E8-38E7-0894-6675484619FF}"/>
+              </a:ext>
+            </a:extLst>
+          </p:cNvPr>
+          <p:cNvSpPr>
+            <a:spLocks noGrp="1"/>
+          </p:cNvSpPr>
+          <p:nvPr>
+            <p:ph type="body" sz="quarter" idx="10"/>
+          </p:nvPr>
+        </p:nvSpPr>
+        <p:spPr/>
+        <p:txBody>
+          <a:bodyPr/>
+          <a:lstStyle/>
+          <a:p>
+            <a:r>
+              <a:rPr lang="en-US" dirty="0">
+                <a:highlight>
+                  <a:srgbClr val="FFFF00"/>
+                </a:highlight>
+              </a:rPr>
+              <a:t>TODO: </a:t>
+            </a:r>
+            <a:r>
+              <a:rPr lang="bg-BG" dirty="0">
+                <a:highlight>
+                  <a:srgbClr val="FFFF00"/>
+                </a:highlight>
+              </a:rPr>
+              <a:t>тестваме с валидни данни </a:t>
+            </a:r>
+            <a:r>
+              <a:rPr lang="bg-BG" dirty="0">
+                <a:highlight>
+                  <a:srgbClr val="FFFF00"/>
+                </a:highlight>
+                <a:sym typeface="Wingdings" panose="05000000000000000000" pitchFamily="2" charset="2"/>
+              </a:rPr>
+              <a:t> всичко трябва да работи коректно</a:t>
+            </a:r>
+            <a:endParaRPr lang="en-US" dirty="0">
+              <a:highlight>
+                <a:srgbClr val="FFFF00"/>
+              </a:highlight>
+            </a:endParaRPr>
+          </a:p>
+        </p:txBody>
+      </p:sp>
+      <p:sp>
+        <p:nvSpPr>
+          <p:cNvPr id="4" name="Title 3">
+            <a:extLst>
+              <a:ext uri="{FF2B5EF4-FFF2-40B4-BE49-F238E27FC236}">
+                <a16:creationId xmlns:a16="http://schemas.microsoft.com/office/drawing/2014/main" id="{C0E11B39-1FDD-245E-BE82-9319CC558DF6}"/>
+              </a:ext>
+            </a:extLst>
+          </p:cNvPr>
+          <p:cNvSpPr>
+            <a:spLocks noGrp="1"/>
+          </p:cNvSpPr>
+          <p:nvPr>
+            <p:ph type="title"/>
+          </p:nvPr>
+        </p:nvSpPr>
+        <p:spPr/>
+        <p:txBody>
+          <a:bodyPr/>
+          <a:lstStyle/>
+          <a:p>
+            <a:r>
+              <a:rPr lang="bg-BG" dirty="0"/>
+              <a:t>Тестване на отделни функционалности</a:t>
+            </a:r>
+            <a:endParaRPr lang="en-US" dirty="0"/>
+          </a:p>
+        </p:txBody>
+      </p:sp>
+    </p:spTree>
+    <p:extLst>
+      <p:ext uri="{BB962C8B-B14F-4D97-AF65-F5344CB8AC3E}">
+        <p14:creationId xmlns:p14="http://schemas.microsoft.com/office/powerpoint/2010/main" val="1972956585"/>
+      </p:ext>
+    </p:extLst>
+  </p:cSld>
+  <p:clrMapOvr>
+    <a:masterClrMapping/>
+  </p:clrMapOvr>
+  <mc:AlternateContent xmlns:mc="http://schemas.openxmlformats.org/markup-compatibility/2006" xmlns:p14="http://schemas.microsoft.com/office/powerpoint/2010/main">
+    <mc:Choice Requires="p14">
+      <p:transition spd="slow" p14:dur="2000" advClick="0" advTm="5000"/>
+    </mc:Choice>
+    <mc:Fallback xmlns="">
+      <p:transition spd="slow" advClick="0" advTm="5000"/>
+    </mc:Fallback>
+  </mc:AlternateContent>
+</p:sld>
+</file>
+
+<file path=ppt/slides/slide22.xml><?xml version="1.0" encoding="utf-8"?>
+<p:sld xmlns:a="http://schemas.openxmlformats.org/drawingml/2006/main" xmlns:r="http://schemas.openxmlformats.org/officeDocument/2006/relationships" xmlns:p="http://schemas.openxmlformats.org/presentationml/2006/main">
+  <p:cSld>
+    <p:spTree>
+      <p:nvGrpSpPr>
         <p:cNvPr id="1" name=""/>
         <p:cNvGrpSpPr/>
         <p:nvPr/>
@@ -15576,7 +15726,7 @@
           <p:cNvPr id="2" name="Slide Number Placeholder 1">
             <a:extLst>
               <a:ext uri="{FF2B5EF4-FFF2-40B4-BE49-F238E27FC236}">
-                <a16:creationId xmlns:a16="http://schemas.microsoft.com/office/drawing/2014/main" id="{62F83F77-E350-4492-88E8-DC5C19F73853}"/>
+                <a16:creationId xmlns:a16="http://schemas.microsoft.com/office/drawing/2014/main" id="{D63F0418-3DFD-6248-BC26-8D7AD2A15AE4}"/>
               </a:ext>
             </a:extLst>
           </p:cNvPr>
@@ -15595,7 +15745,7 @@
             <a:fld id="{2BF067CD-8E6B-4360-9AA8-C5DF2A48A6D1}" type="slidenum">
               <a:rPr lang="en-US" noProof="0" smtClean="0"/>
               <a:pPr/>
-              <a:t>21</a:t>
+              <a:t>22</a:t>
             </a:fld>
             <a:endParaRPr lang="en-US" noProof="0" dirty="0"/>
           </a:p>
@@ -15606,7 +15756,7 @@
           <p:cNvPr id="3" name="Text Placeholder 2">
             <a:extLst>
               <a:ext uri="{FF2B5EF4-FFF2-40B4-BE49-F238E27FC236}">
-                <a16:creationId xmlns:a16="http://schemas.microsoft.com/office/drawing/2014/main" id="{40AFC265-C97E-E92D-FD07-906747ECD431}"/>
+                <a16:creationId xmlns:a16="http://schemas.microsoft.com/office/drawing/2014/main" id="{6191B10F-C327-5F1D-563F-ABB48325904B}"/>
               </a:ext>
             </a:extLst>
           </p:cNvPr>
@@ -15636,7 +15786,7 @@
             </a:r>
             <a:r>
               <a:rPr lang="bg-BG" dirty="0"/>
-              <a:t> с вече </a:t>
+              <a:t> с </a:t>
             </a:r>
             <a:r>
               <a:rPr lang="bg-BG" b="1" dirty="0">
@@ -15644,17 +15794,13 @@
                   <a:schemeClr val="bg1"/>
                 </a:solidFill>
               </a:rPr>
-              <a:t>съществуващо ЕГН </a:t>
-            </a:r>
-            <a:r>
-              <a:rPr lang="bg-BG" dirty="0"/>
-              <a:t>в </a:t>
-            </a:r>
-            <a:r>
-              <a:rPr lang="bg-BG" b="1" dirty="0"/>
-              <a:t>БД</a:t>
-            </a:r>
-            <a:endParaRPr lang="en-BG" b="1" dirty="0"/>
+              <a:t>празно име</a:t>
+            </a:r>
+            <a:endParaRPr lang="en-BG" b="1" dirty="0">
+              <a:solidFill>
+                <a:schemeClr val="bg1"/>
+              </a:solidFill>
+            </a:endParaRPr>
           </a:p>
         </p:txBody>
       </p:sp>
@@ -15663,7 +15809,7 @@
           <p:cNvPr id="4" name="Title 3">
             <a:extLst>
               <a:ext uri="{FF2B5EF4-FFF2-40B4-BE49-F238E27FC236}">
-                <a16:creationId xmlns:a16="http://schemas.microsoft.com/office/drawing/2014/main" id="{1A6F1E15-46A5-19C9-F531-15419CD96AAF}"/>
+                <a16:creationId xmlns:a16="http://schemas.microsoft.com/office/drawing/2014/main" id="{5F20275D-4A0B-ECA0-466F-96143327460E}"/>
               </a:ext>
             </a:extLst>
           </p:cNvPr>
@@ -15681,11 +15827,11 @@
           <a:p>
             <a:r>
               <a:rPr lang="bg-BG" dirty="0"/>
-              <a:t>Тестване на отделни функционалности</a:t>
+              <a:t>Тестване на отделни функционалности </a:t>
             </a:r>
             <a:r>
               <a:rPr lang="en-US" dirty="0"/>
-              <a:t> (2)</a:t>
+              <a:t>(1)</a:t>
             </a:r>
             <a:endParaRPr lang="en-BG" dirty="0"/>
           </a:p>
@@ -15696,7 +15842,7 @@
           <p:cNvPr id="6" name="Picture 5">
             <a:extLst>
               <a:ext uri="{FF2B5EF4-FFF2-40B4-BE49-F238E27FC236}">
-                <a16:creationId xmlns:a16="http://schemas.microsoft.com/office/drawing/2014/main" id="{198DC2D1-5B62-7106-AEBF-C5677B9741C9}"/>
+                <a16:creationId xmlns:a16="http://schemas.microsoft.com/office/drawing/2014/main" id="{19DF844A-2771-3425-B4BF-DC892FBED27D}"/>
               </a:ext>
             </a:extLst>
           </p:cNvPr>
@@ -15718,8 +15864,8 @@
         </p:blipFill>
         <p:spPr>
           <a:xfrm>
-            <a:off x="595403" y="2299987"/>
-            <a:ext cx="4590000" cy="3289013"/>
+            <a:off x="496858" y="2415440"/>
+            <a:ext cx="4326190" cy="3090136"/>
           </a:xfrm>
           <a:prstGeom prst="rect">
             <a:avLst/>
@@ -15738,7 +15884,7 @@
           <p:cNvPr id="8" name="Picture 7">
             <a:extLst>
               <a:ext uri="{FF2B5EF4-FFF2-40B4-BE49-F238E27FC236}">
-                <a16:creationId xmlns:a16="http://schemas.microsoft.com/office/drawing/2014/main" id="{1E88A7E8-64E8-43A3-DAA9-0AF584D0FA8E}"/>
+                <a16:creationId xmlns:a16="http://schemas.microsoft.com/office/drawing/2014/main" id="{E2F31CA5-B0C0-D6F6-68BD-4380686F0018}"/>
               </a:ext>
             </a:extLst>
           </p:cNvPr>
@@ -15747,7 +15893,7 @@
           </p:cNvPicPr>
           <p:nvPr/>
         </p:nvPicPr>
-        <p:blipFill>
+        <p:blipFill rotWithShape="1">
           <a:blip r:embed="rId3">
             <a:extLst>
               <a:ext uri="{28A0092B-C50C-407E-A947-70E740481C1C}">
@@ -15755,14 +15901,13 @@
               </a:ext>
             </a:extLst>
           </a:blip>
-          <a:stretch>
-            <a:fillRect/>
-          </a:stretch>
+          <a:srcRect l="1" r="824"/>
+          <a:stretch/>
         </p:blipFill>
         <p:spPr>
           <a:xfrm>
-            <a:off x="7301953" y="2568094"/>
-            <a:ext cx="4284047" cy="2752801"/>
+            <a:off x="6543448" y="2727255"/>
+            <a:ext cx="5132552" cy="2571725"/>
           </a:xfrm>
           <a:prstGeom prst="rect">
             <a:avLst/>
@@ -15781,7 +15926,7 @@
           <p:cNvPr id="9" name="Arrow: Right 10">
             <a:extLst>
               <a:ext uri="{FF2B5EF4-FFF2-40B4-BE49-F238E27FC236}">
-                <a16:creationId xmlns:a16="http://schemas.microsoft.com/office/drawing/2014/main" id="{7BA3790E-7311-7444-7138-CC2FBF68B838}"/>
+                <a16:creationId xmlns:a16="http://schemas.microsoft.com/office/drawing/2014/main" id="{164DD3B1-AB92-4356-90E9-550A6BBDE248}"/>
               </a:ext>
             </a:extLst>
           </p:cNvPr>
@@ -15790,7 +15935,7 @@
         </p:nvSpPr>
         <p:spPr>
           <a:xfrm>
-            <a:off x="5597478" y="3449495"/>
+            <a:off x="5053340" y="3518117"/>
             <a:ext cx="1292400" cy="990000"/>
           </a:xfrm>
           <a:prstGeom prst="rightArrow">
@@ -15833,422 +15978,7 @@
     </p:spTree>
     <p:extLst>
       <p:ext uri="{BB962C8B-B14F-4D97-AF65-F5344CB8AC3E}">
-        <p14:creationId xmlns:p14="http://schemas.microsoft.com/office/powerpoint/2010/main" val="172600969"/>
-      </p:ext>
-    </p:extLst>
-  </p:cSld>
-  <p:clrMapOvr>
-    <a:masterClrMapping/>
-  </p:clrMapOvr>
-  <mc:AlternateContent xmlns:mc="http://schemas.openxmlformats.org/markup-compatibility/2006" xmlns:p14="http://schemas.microsoft.com/office/powerpoint/2010/main">
-    <mc:Choice Requires="p14">
-      <p:transition spd="slow" p14:dur="2000" advClick="0" advTm="5000"/>
-    </mc:Choice>
-    <mc:Fallback xmlns="">
-      <p:transition spd="slow" advClick="0" advTm="5000"/>
-    </mc:Fallback>
-  </mc:AlternateContent>
-  <p:timing>
-    <p:tnLst>
-      <p:par>
-        <p:cTn id="1" dur="indefinite" restart="never" nodeType="tmRoot">
-          <p:childTnLst>
-            <p:seq concurrent="1" nextAc="seek">
-              <p:cTn id="2" dur="indefinite" nodeType="mainSeq">
-                <p:childTnLst>
-                  <p:par>
-                    <p:cTn id="3" fill="hold">
-                      <p:stCondLst>
-                        <p:cond delay="indefinite"/>
-                      </p:stCondLst>
-                      <p:childTnLst>
-                        <p:par>
-                          <p:cTn id="4" fill="hold">
-                            <p:stCondLst>
-                              <p:cond delay="0"/>
-                            </p:stCondLst>
-                            <p:childTnLst>
-                              <p:par>
-                                <p:cTn id="5" presetID="1" presetClass="entr" presetSubtype="0" fill="hold" grpId="0" nodeType="clickEffect">
-                                  <p:stCondLst>
-                                    <p:cond delay="0"/>
-                                  </p:stCondLst>
-                                  <p:childTnLst>
-                                    <p:set>
-                                      <p:cBhvr>
-                                        <p:cTn id="6" dur="1" fill="hold">
-                                          <p:stCondLst>
-                                            <p:cond delay="0"/>
-                                          </p:stCondLst>
-                                        </p:cTn>
-                                        <p:tgtEl>
-                                          <p:spTgt spid="9"/>
-                                        </p:tgtEl>
-                                        <p:attrNameLst>
-                                          <p:attrName>style.visibility</p:attrName>
-                                        </p:attrNameLst>
-                                      </p:cBhvr>
-                                      <p:to>
-                                        <p:strVal val="visible"/>
-                                      </p:to>
-                                    </p:set>
-                                  </p:childTnLst>
-                                </p:cTn>
-                              </p:par>
-                            </p:childTnLst>
-                          </p:cTn>
-                        </p:par>
-                      </p:childTnLst>
-                    </p:cTn>
-                  </p:par>
-                  <p:par>
-                    <p:cTn id="7" fill="hold">
-                      <p:stCondLst>
-                        <p:cond delay="indefinite"/>
-                      </p:stCondLst>
-                      <p:childTnLst>
-                        <p:par>
-                          <p:cTn id="8" fill="hold">
-                            <p:stCondLst>
-                              <p:cond delay="0"/>
-                            </p:stCondLst>
-                            <p:childTnLst>
-                              <p:par>
-                                <p:cTn id="9" presetID="1" presetClass="entr" presetSubtype="0" fill="hold" nodeType="clickEffect">
-                                  <p:stCondLst>
-                                    <p:cond delay="0"/>
-                                  </p:stCondLst>
-                                  <p:childTnLst>
-                                    <p:set>
-                                      <p:cBhvr>
-                                        <p:cTn id="10" dur="1" fill="hold">
-                                          <p:stCondLst>
-                                            <p:cond delay="0"/>
-                                          </p:stCondLst>
-                                        </p:cTn>
-                                        <p:tgtEl>
-                                          <p:spTgt spid="8"/>
-                                        </p:tgtEl>
-                                        <p:attrNameLst>
-                                          <p:attrName>style.visibility</p:attrName>
-                                        </p:attrNameLst>
-                                      </p:cBhvr>
-                                      <p:to>
-                                        <p:strVal val="visible"/>
-                                      </p:to>
-                                    </p:set>
-                                  </p:childTnLst>
-                                </p:cTn>
-                              </p:par>
-                            </p:childTnLst>
-                          </p:cTn>
-                        </p:par>
-                      </p:childTnLst>
-                    </p:cTn>
-                  </p:par>
-                </p:childTnLst>
-              </p:cTn>
-              <p:prevCondLst>
-                <p:cond evt="onPrev" delay="0">
-                  <p:tgtEl>
-                    <p:sldTgt/>
-                  </p:tgtEl>
-                </p:cond>
-              </p:prevCondLst>
-              <p:nextCondLst>
-                <p:cond evt="onNext" delay="0">
-                  <p:tgtEl>
-                    <p:sldTgt/>
-                  </p:tgtEl>
-                </p:cond>
-              </p:nextCondLst>
-            </p:seq>
-          </p:childTnLst>
-        </p:cTn>
-      </p:par>
-    </p:tnLst>
-    <p:bldLst>
-      <p:bldP spid="9" grpId="0" animBg="1"/>
-    </p:bldLst>
-  </p:timing>
-</p:sld>
-</file>
-
-<file path=ppt/slides/slide22.xml><?xml version="1.0" encoding="utf-8"?>
-<p:sld xmlns:a="http://schemas.openxmlformats.org/drawingml/2006/main" xmlns:r="http://schemas.openxmlformats.org/officeDocument/2006/relationships" xmlns:p="http://schemas.openxmlformats.org/presentationml/2006/main">
-  <p:cSld>
-    <p:spTree>
-      <p:nvGrpSpPr>
-        <p:cNvPr id="1" name=""/>
-        <p:cNvGrpSpPr/>
-        <p:nvPr/>
-      </p:nvGrpSpPr>
-      <p:grpSpPr>
-        <a:xfrm>
-          <a:off x="0" y="0"/>
-          <a:ext cx="0" cy="0"/>
-          <a:chOff x="0" y="0"/>
-          <a:chExt cx="0" cy="0"/>
-        </a:xfrm>
-      </p:grpSpPr>
-      <p:sp>
-        <p:nvSpPr>
-          <p:cNvPr id="2" name="Slide Number Placeholder 1">
-            <a:extLst>
-              <a:ext uri="{FF2B5EF4-FFF2-40B4-BE49-F238E27FC236}">
-                <a16:creationId xmlns:a16="http://schemas.microsoft.com/office/drawing/2014/main" id="{EB30DEDB-3B4E-8039-754D-7AF5F1D8B4B8}"/>
-              </a:ext>
-            </a:extLst>
-          </p:cNvPr>
-          <p:cNvSpPr>
-            <a:spLocks noGrp="1"/>
-          </p:cNvSpPr>
-          <p:nvPr>
-            <p:ph type="sldNum" sz="quarter" idx="5"/>
-          </p:nvPr>
-        </p:nvSpPr>
-        <p:spPr/>
-        <p:txBody>
-          <a:bodyPr/>
-          <a:lstStyle/>
-          <a:p>
-            <a:fld id="{2BF067CD-8E6B-4360-9AA8-C5DF2A48A6D1}" type="slidenum">
-              <a:rPr lang="en-US" noProof="0" smtClean="0"/>
-              <a:pPr/>
-              <a:t>22</a:t>
-            </a:fld>
-            <a:endParaRPr lang="en-US" noProof="0" dirty="0"/>
-          </a:p>
-        </p:txBody>
-      </p:sp>
-      <p:sp>
-        <p:nvSpPr>
-          <p:cNvPr id="3" name="Text Placeholder 2">
-            <a:extLst>
-              <a:ext uri="{FF2B5EF4-FFF2-40B4-BE49-F238E27FC236}">
-                <a16:creationId xmlns:a16="http://schemas.microsoft.com/office/drawing/2014/main" id="{E60B945D-7F6D-43FF-E1E7-485110562FC2}"/>
-              </a:ext>
-            </a:extLst>
-          </p:cNvPr>
-          <p:cNvSpPr>
-            <a:spLocks noGrp="1"/>
-          </p:cNvSpPr>
-          <p:nvPr>
-            <p:ph type="body" sz="quarter" idx="10"/>
-          </p:nvPr>
-        </p:nvSpPr>
-        <p:spPr/>
-        <p:txBody>
-          <a:bodyPr/>
-          <a:lstStyle/>
-          <a:p>
-            <a:r>
-              <a:rPr lang="bg-BG" b="1" dirty="0"/>
-              <a:t>Редактиране</a:t>
-            </a:r>
-            <a:r>
-              <a:rPr lang="bg-BG" dirty="0"/>
-              <a:t> на </a:t>
-            </a:r>
-            <a:r>
-              <a:rPr lang="bg-BG" b="1" dirty="0"/>
-              <a:t>пациент</a:t>
-            </a:r>
-            <a:r>
-              <a:rPr lang="bg-BG" dirty="0"/>
-              <a:t> с </a:t>
-            </a:r>
-            <a:r>
-              <a:rPr lang="bg-BG" b="1" dirty="0">
-                <a:solidFill>
-                  <a:schemeClr val="bg1"/>
-                </a:solidFill>
-              </a:rPr>
-              <a:t>невалиден телефон</a:t>
-            </a:r>
-            <a:endParaRPr lang="en-BG" b="1" dirty="0">
-              <a:solidFill>
-                <a:schemeClr val="bg1"/>
-              </a:solidFill>
-            </a:endParaRPr>
-          </a:p>
-        </p:txBody>
-      </p:sp>
-      <p:sp>
-        <p:nvSpPr>
-          <p:cNvPr id="4" name="Title 3">
-            <a:extLst>
-              <a:ext uri="{FF2B5EF4-FFF2-40B4-BE49-F238E27FC236}">
-                <a16:creationId xmlns:a16="http://schemas.microsoft.com/office/drawing/2014/main" id="{06EAC310-BC60-6507-3829-006185AE7FB0}"/>
-              </a:ext>
-            </a:extLst>
-          </p:cNvPr>
-          <p:cNvSpPr>
-            <a:spLocks noGrp="1"/>
-          </p:cNvSpPr>
-          <p:nvPr>
-            <p:ph type="title"/>
-          </p:nvPr>
-        </p:nvSpPr>
-        <p:spPr/>
-        <p:txBody>
-          <a:bodyPr/>
-          <a:lstStyle/>
-          <a:p>
-            <a:r>
-              <a:rPr lang="bg-BG" dirty="0"/>
-              <a:t>Тестване на отделни функционалности </a:t>
-            </a:r>
-            <a:r>
-              <a:rPr lang="en-BG" dirty="0"/>
-              <a:t>(3)</a:t>
-            </a:r>
-          </a:p>
-        </p:txBody>
-      </p:sp>
-      <p:pic>
-        <p:nvPicPr>
-          <p:cNvPr id="6" name="Picture 5">
-            <a:extLst>
-              <a:ext uri="{FF2B5EF4-FFF2-40B4-BE49-F238E27FC236}">
-                <a16:creationId xmlns:a16="http://schemas.microsoft.com/office/drawing/2014/main" id="{699349EC-003C-BD68-0FB2-4CCFD9DF1FF3}"/>
-              </a:ext>
-            </a:extLst>
-          </p:cNvPr>
-          <p:cNvPicPr>
-            <a:picLocks noChangeAspect="1"/>
-          </p:cNvPicPr>
-          <p:nvPr/>
-        </p:nvPicPr>
-        <p:blipFill>
-          <a:blip r:embed="rId2">
-            <a:extLst>
-              <a:ext uri="{28A0092B-C50C-407E-A947-70E740481C1C}">
-                <a14:useLocalDpi xmlns:a14="http://schemas.microsoft.com/office/drawing/2010/main" val="0"/>
-              </a:ext>
-            </a:extLst>
-          </a:blip>
-          <a:srcRect/>
-          <a:stretch/>
-        </p:blipFill>
-        <p:spPr>
-          <a:xfrm>
-            <a:off x="490902" y="2226220"/>
-            <a:ext cx="4995000" cy="3542780"/>
-          </a:xfrm>
-          <a:prstGeom prst="rect">
-            <a:avLst/>
-          </a:prstGeom>
-          <a:ln>
-            <a:solidFill>
-              <a:schemeClr val="bg2">
-                <a:lumMod val="75000"/>
-              </a:schemeClr>
-            </a:solidFill>
-          </a:ln>
-        </p:spPr>
-      </p:pic>
-      <p:pic>
-        <p:nvPicPr>
-          <p:cNvPr id="8" name="Picture 7">
-            <a:extLst>
-              <a:ext uri="{FF2B5EF4-FFF2-40B4-BE49-F238E27FC236}">
-                <a16:creationId xmlns:a16="http://schemas.microsoft.com/office/drawing/2014/main" id="{638F3CC2-341D-B95B-BC44-2EC7501B6260}"/>
-              </a:ext>
-            </a:extLst>
-          </p:cNvPr>
-          <p:cNvPicPr>
-            <a:picLocks noChangeAspect="1"/>
-          </p:cNvPicPr>
-          <p:nvPr/>
-        </p:nvPicPr>
-        <p:blipFill>
-          <a:blip r:embed="rId3">
-            <a:extLst>
-              <a:ext uri="{28A0092B-C50C-407E-A947-70E740481C1C}">
-                <a14:useLocalDpi xmlns:a14="http://schemas.microsoft.com/office/drawing/2010/main" val="0"/>
-              </a:ext>
-            </a:extLst>
-          </a:blip>
-          <a:stretch>
-            <a:fillRect/>
-          </a:stretch>
-        </p:blipFill>
-        <p:spPr>
-          <a:xfrm>
-            <a:off x="7566500" y="2571585"/>
-            <a:ext cx="4109500" cy="2815445"/>
-          </a:xfrm>
-          <a:prstGeom prst="rect">
-            <a:avLst/>
-          </a:prstGeom>
-          <a:ln>
-            <a:solidFill>
-              <a:schemeClr val="bg2">
-                <a:lumMod val="75000"/>
-              </a:schemeClr>
-            </a:solidFill>
-          </a:ln>
-        </p:spPr>
-      </p:pic>
-      <p:sp>
-        <p:nvSpPr>
-          <p:cNvPr id="9" name="Arrow: Right 10">
-            <a:extLst>
-              <a:ext uri="{FF2B5EF4-FFF2-40B4-BE49-F238E27FC236}">
-                <a16:creationId xmlns:a16="http://schemas.microsoft.com/office/drawing/2014/main" id="{E578535E-51EA-3A5C-A2B3-EDE35E205BE0}"/>
-              </a:ext>
-            </a:extLst>
-          </p:cNvPr>
-          <p:cNvSpPr/>
-          <p:nvPr/>
-        </p:nvSpPr>
-        <p:spPr>
-          <a:xfrm>
-            <a:off x="5880001" y="3484307"/>
-            <a:ext cx="1292400" cy="990000"/>
-          </a:xfrm>
-          <a:prstGeom prst="rightArrow">
-            <a:avLst/>
-          </a:prstGeom>
-          <a:solidFill>
-            <a:schemeClr val="tx1"/>
-          </a:solidFill>
-          <a:ln>
-            <a:solidFill>
-              <a:schemeClr val="tx1"/>
-            </a:solidFill>
-          </a:ln>
-        </p:spPr>
-        <p:style>
-          <a:lnRef idx="2">
-            <a:schemeClr val="accent1">
-              <a:shade val="50000"/>
-            </a:schemeClr>
-          </a:lnRef>
-          <a:fillRef idx="1">
-            <a:schemeClr val="accent1"/>
-          </a:fillRef>
-          <a:effectRef idx="0">
-            <a:schemeClr val="accent1"/>
-          </a:effectRef>
-          <a:fontRef idx="minor">
-            <a:schemeClr val="lt1"/>
-          </a:fontRef>
-        </p:style>
-        <p:txBody>
-          <a:bodyPr rtlCol="0" anchor="ctr"/>
-          <a:lstStyle/>
-          <a:p>
-            <a:pPr algn="ctr"/>
-            <a:endParaRPr lang="en-US" sz="2799"/>
-          </a:p>
-        </p:txBody>
-      </p:sp>
-    </p:spTree>
-    <p:extLst>
-      <p:ext uri="{BB962C8B-B14F-4D97-AF65-F5344CB8AC3E}">
-        <p14:creationId xmlns:p14="http://schemas.microsoft.com/office/powerpoint/2010/main" val="1627114980"/>
+        <p14:creationId xmlns:p14="http://schemas.microsoft.com/office/powerpoint/2010/main" val="3425304198"/>
       </p:ext>
     </p:extLst>
   </p:cSld>
@@ -16406,6 +16136,1561 @@
           <a:chExt cx="0" cy="0"/>
         </a:xfrm>
       </p:grpSpPr>
+      <p:sp>
+        <p:nvSpPr>
+          <p:cNvPr id="2" name="Slide Number Placeholder 1">
+            <a:extLst>
+              <a:ext uri="{FF2B5EF4-FFF2-40B4-BE49-F238E27FC236}">
+                <a16:creationId xmlns:a16="http://schemas.microsoft.com/office/drawing/2014/main" id="{62F83F77-E350-4492-88E8-DC5C19F73853}"/>
+              </a:ext>
+            </a:extLst>
+          </p:cNvPr>
+          <p:cNvSpPr>
+            <a:spLocks noGrp="1"/>
+          </p:cNvSpPr>
+          <p:nvPr>
+            <p:ph type="sldNum" sz="quarter" idx="5"/>
+          </p:nvPr>
+        </p:nvSpPr>
+        <p:spPr/>
+        <p:txBody>
+          <a:bodyPr/>
+          <a:lstStyle/>
+          <a:p>
+            <a:fld id="{2BF067CD-8E6B-4360-9AA8-C5DF2A48A6D1}" type="slidenum">
+              <a:rPr lang="en-US" noProof="0" smtClean="0"/>
+              <a:pPr/>
+              <a:t>23</a:t>
+            </a:fld>
+            <a:endParaRPr lang="en-US" noProof="0" dirty="0"/>
+          </a:p>
+        </p:txBody>
+      </p:sp>
+      <p:sp>
+        <p:nvSpPr>
+          <p:cNvPr id="3" name="Text Placeholder 2">
+            <a:extLst>
+              <a:ext uri="{FF2B5EF4-FFF2-40B4-BE49-F238E27FC236}">
+                <a16:creationId xmlns:a16="http://schemas.microsoft.com/office/drawing/2014/main" id="{40AFC265-C97E-E92D-FD07-906747ECD431}"/>
+              </a:ext>
+            </a:extLst>
+          </p:cNvPr>
+          <p:cNvSpPr>
+            <a:spLocks noGrp="1"/>
+          </p:cNvSpPr>
+          <p:nvPr>
+            <p:ph type="body" sz="quarter" idx="10"/>
+          </p:nvPr>
+        </p:nvSpPr>
+        <p:spPr/>
+        <p:txBody>
+          <a:bodyPr/>
+          <a:lstStyle/>
+          <a:p>
+            <a:r>
+              <a:rPr lang="bg-BG" b="1" dirty="0"/>
+              <a:t>Добавяне</a:t>
+            </a:r>
+            <a:r>
+              <a:rPr lang="bg-BG" dirty="0"/>
+              <a:t> на </a:t>
+            </a:r>
+            <a:r>
+              <a:rPr lang="bg-BG" b="1" dirty="0"/>
+              <a:t>пациент</a:t>
+            </a:r>
+            <a:r>
+              <a:rPr lang="bg-BG" dirty="0"/>
+              <a:t> с вече </a:t>
+            </a:r>
+            <a:r>
+              <a:rPr lang="bg-BG" b="1" dirty="0">
+                <a:solidFill>
+                  <a:schemeClr val="bg1"/>
+                </a:solidFill>
+              </a:rPr>
+              <a:t>съществуващо ЕГН </a:t>
+            </a:r>
+            <a:r>
+              <a:rPr lang="bg-BG" dirty="0"/>
+              <a:t>в </a:t>
+            </a:r>
+            <a:r>
+              <a:rPr lang="bg-BG" b="1" dirty="0"/>
+              <a:t>БД</a:t>
+            </a:r>
+            <a:endParaRPr lang="en-BG" b="1" dirty="0"/>
+          </a:p>
+        </p:txBody>
+      </p:sp>
+      <p:sp>
+        <p:nvSpPr>
+          <p:cNvPr id="4" name="Title 3">
+            <a:extLst>
+              <a:ext uri="{FF2B5EF4-FFF2-40B4-BE49-F238E27FC236}">
+                <a16:creationId xmlns:a16="http://schemas.microsoft.com/office/drawing/2014/main" id="{1A6F1E15-46A5-19C9-F531-15419CD96AAF}"/>
+              </a:ext>
+            </a:extLst>
+          </p:cNvPr>
+          <p:cNvSpPr>
+            <a:spLocks noGrp="1"/>
+          </p:cNvSpPr>
+          <p:nvPr>
+            <p:ph type="title"/>
+          </p:nvPr>
+        </p:nvSpPr>
+        <p:spPr/>
+        <p:txBody>
+          <a:bodyPr/>
+          <a:lstStyle/>
+          <a:p>
+            <a:r>
+              <a:rPr lang="bg-BG" dirty="0"/>
+              <a:t>Тестване на отделни функционалности</a:t>
+            </a:r>
+            <a:r>
+              <a:rPr lang="en-US" dirty="0"/>
+              <a:t> (2)</a:t>
+            </a:r>
+            <a:endParaRPr lang="en-BG" dirty="0"/>
+          </a:p>
+        </p:txBody>
+      </p:sp>
+      <p:pic>
+        <p:nvPicPr>
+          <p:cNvPr id="6" name="Picture 5">
+            <a:extLst>
+              <a:ext uri="{FF2B5EF4-FFF2-40B4-BE49-F238E27FC236}">
+                <a16:creationId xmlns:a16="http://schemas.microsoft.com/office/drawing/2014/main" id="{198DC2D1-5B62-7106-AEBF-C5677B9741C9}"/>
+              </a:ext>
+            </a:extLst>
+          </p:cNvPr>
+          <p:cNvPicPr>
+            <a:picLocks noChangeAspect="1"/>
+          </p:cNvPicPr>
+          <p:nvPr/>
+        </p:nvPicPr>
+        <p:blipFill>
+          <a:blip r:embed="rId2">
+            <a:extLst>
+              <a:ext uri="{28A0092B-C50C-407E-A947-70E740481C1C}">
+                <a14:useLocalDpi xmlns:a14="http://schemas.microsoft.com/office/drawing/2010/main" val="0"/>
+              </a:ext>
+            </a:extLst>
+          </a:blip>
+          <a:srcRect/>
+          <a:stretch/>
+        </p:blipFill>
+        <p:spPr>
+          <a:xfrm>
+            <a:off x="595403" y="2299987"/>
+            <a:ext cx="4590000" cy="3289013"/>
+          </a:xfrm>
+          <a:prstGeom prst="rect">
+            <a:avLst/>
+          </a:prstGeom>
+          <a:ln>
+            <a:solidFill>
+              <a:schemeClr val="bg2">
+                <a:lumMod val="75000"/>
+              </a:schemeClr>
+            </a:solidFill>
+          </a:ln>
+        </p:spPr>
+      </p:pic>
+      <p:pic>
+        <p:nvPicPr>
+          <p:cNvPr id="8" name="Picture 7">
+            <a:extLst>
+              <a:ext uri="{FF2B5EF4-FFF2-40B4-BE49-F238E27FC236}">
+                <a16:creationId xmlns:a16="http://schemas.microsoft.com/office/drawing/2014/main" id="{1E88A7E8-64E8-43A3-DAA9-0AF584D0FA8E}"/>
+              </a:ext>
+            </a:extLst>
+          </p:cNvPr>
+          <p:cNvPicPr>
+            <a:picLocks noChangeAspect="1"/>
+          </p:cNvPicPr>
+          <p:nvPr/>
+        </p:nvPicPr>
+        <p:blipFill>
+          <a:blip r:embed="rId3">
+            <a:extLst>
+              <a:ext uri="{28A0092B-C50C-407E-A947-70E740481C1C}">
+                <a14:useLocalDpi xmlns:a14="http://schemas.microsoft.com/office/drawing/2010/main" val="0"/>
+              </a:ext>
+            </a:extLst>
+          </a:blip>
+          <a:stretch>
+            <a:fillRect/>
+          </a:stretch>
+        </p:blipFill>
+        <p:spPr>
+          <a:xfrm>
+            <a:off x="7301953" y="2568094"/>
+            <a:ext cx="4284047" cy="2752801"/>
+          </a:xfrm>
+          <a:prstGeom prst="rect">
+            <a:avLst/>
+          </a:prstGeom>
+          <a:ln>
+            <a:solidFill>
+              <a:schemeClr val="bg2">
+                <a:lumMod val="75000"/>
+              </a:schemeClr>
+            </a:solidFill>
+          </a:ln>
+        </p:spPr>
+      </p:pic>
+      <p:sp>
+        <p:nvSpPr>
+          <p:cNvPr id="9" name="Arrow: Right 10">
+            <a:extLst>
+              <a:ext uri="{FF2B5EF4-FFF2-40B4-BE49-F238E27FC236}">
+                <a16:creationId xmlns:a16="http://schemas.microsoft.com/office/drawing/2014/main" id="{7BA3790E-7311-7444-7138-CC2FBF68B838}"/>
+              </a:ext>
+            </a:extLst>
+          </p:cNvPr>
+          <p:cNvSpPr/>
+          <p:nvPr/>
+        </p:nvSpPr>
+        <p:spPr>
+          <a:xfrm>
+            <a:off x="5597478" y="3449495"/>
+            <a:ext cx="1292400" cy="990000"/>
+          </a:xfrm>
+          <a:prstGeom prst="rightArrow">
+            <a:avLst/>
+          </a:prstGeom>
+          <a:solidFill>
+            <a:schemeClr val="tx1"/>
+          </a:solidFill>
+          <a:ln>
+            <a:solidFill>
+              <a:schemeClr val="tx1"/>
+            </a:solidFill>
+          </a:ln>
+        </p:spPr>
+        <p:style>
+          <a:lnRef idx="2">
+            <a:schemeClr val="accent1">
+              <a:shade val="50000"/>
+            </a:schemeClr>
+          </a:lnRef>
+          <a:fillRef idx="1">
+            <a:schemeClr val="accent1"/>
+          </a:fillRef>
+          <a:effectRef idx="0">
+            <a:schemeClr val="accent1"/>
+          </a:effectRef>
+          <a:fontRef idx="minor">
+            <a:schemeClr val="lt1"/>
+          </a:fontRef>
+        </p:style>
+        <p:txBody>
+          <a:bodyPr rtlCol="0" anchor="ctr"/>
+          <a:lstStyle/>
+          <a:p>
+            <a:pPr algn="ctr"/>
+            <a:endParaRPr lang="en-US" sz="2799"/>
+          </a:p>
+        </p:txBody>
+      </p:sp>
+    </p:spTree>
+    <p:extLst>
+      <p:ext uri="{BB962C8B-B14F-4D97-AF65-F5344CB8AC3E}">
+        <p14:creationId xmlns:p14="http://schemas.microsoft.com/office/powerpoint/2010/main" val="172600969"/>
+      </p:ext>
+    </p:extLst>
+  </p:cSld>
+  <p:clrMapOvr>
+    <a:masterClrMapping/>
+  </p:clrMapOvr>
+  <mc:AlternateContent xmlns:mc="http://schemas.openxmlformats.org/markup-compatibility/2006" xmlns:p14="http://schemas.microsoft.com/office/powerpoint/2010/main">
+    <mc:Choice Requires="p14">
+      <p:transition spd="slow" p14:dur="2000" advClick="0" advTm="5000"/>
+    </mc:Choice>
+    <mc:Fallback xmlns="">
+      <p:transition spd="slow" advClick="0" advTm="5000"/>
+    </mc:Fallback>
+  </mc:AlternateContent>
+  <p:timing>
+    <p:tnLst>
+      <p:par>
+        <p:cTn id="1" dur="indefinite" restart="never" nodeType="tmRoot">
+          <p:childTnLst>
+            <p:seq concurrent="1" nextAc="seek">
+              <p:cTn id="2" dur="indefinite" nodeType="mainSeq">
+                <p:childTnLst>
+                  <p:par>
+                    <p:cTn id="3" fill="hold">
+                      <p:stCondLst>
+                        <p:cond delay="indefinite"/>
+                      </p:stCondLst>
+                      <p:childTnLst>
+                        <p:par>
+                          <p:cTn id="4" fill="hold">
+                            <p:stCondLst>
+                              <p:cond delay="0"/>
+                            </p:stCondLst>
+                            <p:childTnLst>
+                              <p:par>
+                                <p:cTn id="5" presetID="1" presetClass="entr" presetSubtype="0" fill="hold" grpId="0" nodeType="clickEffect">
+                                  <p:stCondLst>
+                                    <p:cond delay="0"/>
+                                  </p:stCondLst>
+                                  <p:childTnLst>
+                                    <p:set>
+                                      <p:cBhvr>
+                                        <p:cTn id="6" dur="1" fill="hold">
+                                          <p:stCondLst>
+                                            <p:cond delay="0"/>
+                                          </p:stCondLst>
+                                        </p:cTn>
+                                        <p:tgtEl>
+                                          <p:spTgt spid="9"/>
+                                        </p:tgtEl>
+                                        <p:attrNameLst>
+                                          <p:attrName>style.visibility</p:attrName>
+                                        </p:attrNameLst>
+                                      </p:cBhvr>
+                                      <p:to>
+                                        <p:strVal val="visible"/>
+                                      </p:to>
+                                    </p:set>
+                                  </p:childTnLst>
+                                </p:cTn>
+                              </p:par>
+                            </p:childTnLst>
+                          </p:cTn>
+                        </p:par>
+                      </p:childTnLst>
+                    </p:cTn>
+                  </p:par>
+                  <p:par>
+                    <p:cTn id="7" fill="hold">
+                      <p:stCondLst>
+                        <p:cond delay="indefinite"/>
+                      </p:stCondLst>
+                      <p:childTnLst>
+                        <p:par>
+                          <p:cTn id="8" fill="hold">
+                            <p:stCondLst>
+                              <p:cond delay="0"/>
+                            </p:stCondLst>
+                            <p:childTnLst>
+                              <p:par>
+                                <p:cTn id="9" presetID="1" presetClass="entr" presetSubtype="0" fill="hold" nodeType="clickEffect">
+                                  <p:stCondLst>
+                                    <p:cond delay="0"/>
+                                  </p:stCondLst>
+                                  <p:childTnLst>
+                                    <p:set>
+                                      <p:cBhvr>
+                                        <p:cTn id="10" dur="1" fill="hold">
+                                          <p:stCondLst>
+                                            <p:cond delay="0"/>
+                                          </p:stCondLst>
+                                        </p:cTn>
+                                        <p:tgtEl>
+                                          <p:spTgt spid="8"/>
+                                        </p:tgtEl>
+                                        <p:attrNameLst>
+                                          <p:attrName>style.visibility</p:attrName>
+                                        </p:attrNameLst>
+                                      </p:cBhvr>
+                                      <p:to>
+                                        <p:strVal val="visible"/>
+                                      </p:to>
+                                    </p:set>
+                                  </p:childTnLst>
+                                </p:cTn>
+                              </p:par>
+                            </p:childTnLst>
+                          </p:cTn>
+                        </p:par>
+                      </p:childTnLst>
+                    </p:cTn>
+                  </p:par>
+                </p:childTnLst>
+              </p:cTn>
+              <p:prevCondLst>
+                <p:cond evt="onPrev" delay="0">
+                  <p:tgtEl>
+                    <p:sldTgt/>
+                  </p:tgtEl>
+                </p:cond>
+              </p:prevCondLst>
+              <p:nextCondLst>
+                <p:cond evt="onNext" delay="0">
+                  <p:tgtEl>
+                    <p:sldTgt/>
+                  </p:tgtEl>
+                </p:cond>
+              </p:nextCondLst>
+            </p:seq>
+          </p:childTnLst>
+        </p:cTn>
+      </p:par>
+    </p:tnLst>
+    <p:bldLst>
+      <p:bldP spid="9" grpId="0" animBg="1"/>
+    </p:bldLst>
+  </p:timing>
+</p:sld>
+</file>
+
+<file path=ppt/slides/slide24.xml><?xml version="1.0" encoding="utf-8"?>
+<p:sld xmlns:a="http://schemas.openxmlformats.org/drawingml/2006/main" xmlns:r="http://schemas.openxmlformats.org/officeDocument/2006/relationships" xmlns:p="http://schemas.openxmlformats.org/presentationml/2006/main">
+  <p:cSld>
+    <p:spTree>
+      <p:nvGrpSpPr>
+        <p:cNvPr id="1" name=""/>
+        <p:cNvGrpSpPr/>
+        <p:nvPr/>
+      </p:nvGrpSpPr>
+      <p:grpSpPr>
+        <a:xfrm>
+          <a:off x="0" y="0"/>
+          <a:ext cx="0" cy="0"/>
+          <a:chOff x="0" y="0"/>
+          <a:chExt cx="0" cy="0"/>
+        </a:xfrm>
+      </p:grpSpPr>
+      <p:sp>
+        <p:nvSpPr>
+          <p:cNvPr id="2" name="Slide Number Placeholder 1">
+            <a:extLst>
+              <a:ext uri="{FF2B5EF4-FFF2-40B4-BE49-F238E27FC236}">
+                <a16:creationId xmlns:a16="http://schemas.microsoft.com/office/drawing/2014/main" id="{EB30DEDB-3B4E-8039-754D-7AF5F1D8B4B8}"/>
+              </a:ext>
+            </a:extLst>
+          </p:cNvPr>
+          <p:cNvSpPr>
+            <a:spLocks noGrp="1"/>
+          </p:cNvSpPr>
+          <p:nvPr>
+            <p:ph type="sldNum" sz="quarter" idx="5"/>
+          </p:nvPr>
+        </p:nvSpPr>
+        <p:spPr/>
+        <p:txBody>
+          <a:bodyPr/>
+          <a:lstStyle/>
+          <a:p>
+            <a:fld id="{2BF067CD-8E6B-4360-9AA8-C5DF2A48A6D1}" type="slidenum">
+              <a:rPr lang="en-US" noProof="0" smtClean="0"/>
+              <a:pPr/>
+              <a:t>24</a:t>
+            </a:fld>
+            <a:endParaRPr lang="en-US" noProof="0" dirty="0"/>
+          </a:p>
+        </p:txBody>
+      </p:sp>
+      <p:sp>
+        <p:nvSpPr>
+          <p:cNvPr id="3" name="Text Placeholder 2">
+            <a:extLst>
+              <a:ext uri="{FF2B5EF4-FFF2-40B4-BE49-F238E27FC236}">
+                <a16:creationId xmlns:a16="http://schemas.microsoft.com/office/drawing/2014/main" id="{E60B945D-7F6D-43FF-E1E7-485110562FC2}"/>
+              </a:ext>
+            </a:extLst>
+          </p:cNvPr>
+          <p:cNvSpPr>
+            <a:spLocks noGrp="1"/>
+          </p:cNvSpPr>
+          <p:nvPr>
+            <p:ph type="body" sz="quarter" idx="10"/>
+          </p:nvPr>
+        </p:nvSpPr>
+        <p:spPr/>
+        <p:txBody>
+          <a:bodyPr/>
+          <a:lstStyle/>
+          <a:p>
+            <a:r>
+              <a:rPr lang="bg-BG" b="1" dirty="0"/>
+              <a:t>Редактиране</a:t>
+            </a:r>
+            <a:r>
+              <a:rPr lang="bg-BG" dirty="0"/>
+              <a:t> на </a:t>
+            </a:r>
+            <a:r>
+              <a:rPr lang="bg-BG" b="1" dirty="0"/>
+              <a:t>пациент</a:t>
+            </a:r>
+            <a:r>
+              <a:rPr lang="bg-BG" dirty="0"/>
+              <a:t> с </a:t>
+            </a:r>
+            <a:r>
+              <a:rPr lang="bg-BG" b="1" dirty="0">
+                <a:solidFill>
+                  <a:schemeClr val="bg1"/>
+                </a:solidFill>
+              </a:rPr>
+              <a:t>невалиден телефон</a:t>
+            </a:r>
+            <a:endParaRPr lang="en-BG" b="1" dirty="0">
+              <a:solidFill>
+                <a:schemeClr val="bg1"/>
+              </a:solidFill>
+            </a:endParaRPr>
+          </a:p>
+        </p:txBody>
+      </p:sp>
+      <p:sp>
+        <p:nvSpPr>
+          <p:cNvPr id="4" name="Title 3">
+            <a:extLst>
+              <a:ext uri="{FF2B5EF4-FFF2-40B4-BE49-F238E27FC236}">
+                <a16:creationId xmlns:a16="http://schemas.microsoft.com/office/drawing/2014/main" id="{06EAC310-BC60-6507-3829-006185AE7FB0}"/>
+              </a:ext>
+            </a:extLst>
+          </p:cNvPr>
+          <p:cNvSpPr>
+            <a:spLocks noGrp="1"/>
+          </p:cNvSpPr>
+          <p:nvPr>
+            <p:ph type="title"/>
+          </p:nvPr>
+        </p:nvSpPr>
+        <p:spPr/>
+        <p:txBody>
+          <a:bodyPr/>
+          <a:lstStyle/>
+          <a:p>
+            <a:r>
+              <a:rPr lang="bg-BG" dirty="0"/>
+              <a:t>Тестване на отделни функционалности </a:t>
+            </a:r>
+            <a:r>
+              <a:rPr lang="en-BG" dirty="0"/>
+              <a:t>(3)</a:t>
+            </a:r>
+          </a:p>
+        </p:txBody>
+      </p:sp>
+      <p:pic>
+        <p:nvPicPr>
+          <p:cNvPr id="6" name="Picture 5">
+            <a:extLst>
+              <a:ext uri="{FF2B5EF4-FFF2-40B4-BE49-F238E27FC236}">
+                <a16:creationId xmlns:a16="http://schemas.microsoft.com/office/drawing/2014/main" id="{699349EC-003C-BD68-0FB2-4CCFD9DF1FF3}"/>
+              </a:ext>
+            </a:extLst>
+          </p:cNvPr>
+          <p:cNvPicPr>
+            <a:picLocks noChangeAspect="1"/>
+          </p:cNvPicPr>
+          <p:nvPr/>
+        </p:nvPicPr>
+        <p:blipFill>
+          <a:blip r:embed="rId2">
+            <a:extLst>
+              <a:ext uri="{28A0092B-C50C-407E-A947-70E740481C1C}">
+                <a14:useLocalDpi xmlns:a14="http://schemas.microsoft.com/office/drawing/2010/main" val="0"/>
+              </a:ext>
+            </a:extLst>
+          </a:blip>
+          <a:srcRect/>
+          <a:stretch/>
+        </p:blipFill>
+        <p:spPr>
+          <a:xfrm>
+            <a:off x="490902" y="2226220"/>
+            <a:ext cx="4995000" cy="3542780"/>
+          </a:xfrm>
+          <a:prstGeom prst="rect">
+            <a:avLst/>
+          </a:prstGeom>
+          <a:ln>
+            <a:solidFill>
+              <a:schemeClr val="bg2">
+                <a:lumMod val="75000"/>
+              </a:schemeClr>
+            </a:solidFill>
+          </a:ln>
+        </p:spPr>
+      </p:pic>
+      <p:pic>
+        <p:nvPicPr>
+          <p:cNvPr id="8" name="Picture 7">
+            <a:extLst>
+              <a:ext uri="{FF2B5EF4-FFF2-40B4-BE49-F238E27FC236}">
+                <a16:creationId xmlns:a16="http://schemas.microsoft.com/office/drawing/2014/main" id="{638F3CC2-341D-B95B-BC44-2EC7501B6260}"/>
+              </a:ext>
+            </a:extLst>
+          </p:cNvPr>
+          <p:cNvPicPr>
+            <a:picLocks noChangeAspect="1"/>
+          </p:cNvPicPr>
+          <p:nvPr/>
+        </p:nvPicPr>
+        <p:blipFill>
+          <a:blip r:embed="rId3">
+            <a:extLst>
+              <a:ext uri="{28A0092B-C50C-407E-A947-70E740481C1C}">
+                <a14:useLocalDpi xmlns:a14="http://schemas.microsoft.com/office/drawing/2010/main" val="0"/>
+              </a:ext>
+            </a:extLst>
+          </a:blip>
+          <a:stretch>
+            <a:fillRect/>
+          </a:stretch>
+        </p:blipFill>
+        <p:spPr>
+          <a:xfrm>
+            <a:off x="7566500" y="2571585"/>
+            <a:ext cx="4109500" cy="2815445"/>
+          </a:xfrm>
+          <a:prstGeom prst="rect">
+            <a:avLst/>
+          </a:prstGeom>
+          <a:ln>
+            <a:solidFill>
+              <a:schemeClr val="bg2">
+                <a:lumMod val="75000"/>
+              </a:schemeClr>
+            </a:solidFill>
+          </a:ln>
+        </p:spPr>
+      </p:pic>
+      <p:sp>
+        <p:nvSpPr>
+          <p:cNvPr id="9" name="Arrow: Right 10">
+            <a:extLst>
+              <a:ext uri="{FF2B5EF4-FFF2-40B4-BE49-F238E27FC236}">
+                <a16:creationId xmlns:a16="http://schemas.microsoft.com/office/drawing/2014/main" id="{E578535E-51EA-3A5C-A2B3-EDE35E205BE0}"/>
+              </a:ext>
+            </a:extLst>
+          </p:cNvPr>
+          <p:cNvSpPr/>
+          <p:nvPr/>
+        </p:nvSpPr>
+        <p:spPr>
+          <a:xfrm>
+            <a:off x="5880001" y="3484307"/>
+            <a:ext cx="1292400" cy="990000"/>
+          </a:xfrm>
+          <a:prstGeom prst="rightArrow">
+            <a:avLst/>
+          </a:prstGeom>
+          <a:solidFill>
+            <a:schemeClr val="tx1"/>
+          </a:solidFill>
+          <a:ln>
+            <a:solidFill>
+              <a:schemeClr val="tx1"/>
+            </a:solidFill>
+          </a:ln>
+        </p:spPr>
+        <p:style>
+          <a:lnRef idx="2">
+            <a:schemeClr val="accent1">
+              <a:shade val="50000"/>
+            </a:schemeClr>
+          </a:lnRef>
+          <a:fillRef idx="1">
+            <a:schemeClr val="accent1"/>
+          </a:fillRef>
+          <a:effectRef idx="0">
+            <a:schemeClr val="accent1"/>
+          </a:effectRef>
+          <a:fontRef idx="minor">
+            <a:schemeClr val="lt1"/>
+          </a:fontRef>
+        </p:style>
+        <p:txBody>
+          <a:bodyPr rtlCol="0" anchor="ctr"/>
+          <a:lstStyle/>
+          <a:p>
+            <a:pPr algn="ctr"/>
+            <a:endParaRPr lang="en-US" sz="2799"/>
+          </a:p>
+        </p:txBody>
+      </p:sp>
+    </p:spTree>
+    <p:extLst>
+      <p:ext uri="{BB962C8B-B14F-4D97-AF65-F5344CB8AC3E}">
+        <p14:creationId xmlns:p14="http://schemas.microsoft.com/office/powerpoint/2010/main" val="1627114980"/>
+      </p:ext>
+    </p:extLst>
+  </p:cSld>
+  <p:clrMapOvr>
+    <a:masterClrMapping/>
+  </p:clrMapOvr>
+  <mc:AlternateContent xmlns:mc="http://schemas.openxmlformats.org/markup-compatibility/2006" xmlns:p14="http://schemas.microsoft.com/office/powerpoint/2010/main">
+    <mc:Choice Requires="p14">
+      <p:transition spd="slow" p14:dur="2000" advClick="0" advTm="5000"/>
+    </mc:Choice>
+    <mc:Fallback xmlns="">
+      <p:transition spd="slow" advClick="0" advTm="5000"/>
+    </mc:Fallback>
+  </mc:AlternateContent>
+  <p:timing>
+    <p:tnLst>
+      <p:par>
+        <p:cTn id="1" dur="indefinite" restart="never" nodeType="tmRoot">
+          <p:childTnLst>
+            <p:seq concurrent="1" nextAc="seek">
+              <p:cTn id="2" dur="indefinite" nodeType="mainSeq">
+                <p:childTnLst>
+                  <p:par>
+                    <p:cTn id="3" fill="hold">
+                      <p:stCondLst>
+                        <p:cond delay="indefinite"/>
+                      </p:stCondLst>
+                      <p:childTnLst>
+                        <p:par>
+                          <p:cTn id="4" fill="hold">
+                            <p:stCondLst>
+                              <p:cond delay="0"/>
+                            </p:stCondLst>
+                            <p:childTnLst>
+                              <p:par>
+                                <p:cTn id="5" presetID="1" presetClass="entr" presetSubtype="0" fill="hold" grpId="0" nodeType="clickEffect">
+                                  <p:stCondLst>
+                                    <p:cond delay="0"/>
+                                  </p:stCondLst>
+                                  <p:childTnLst>
+                                    <p:set>
+                                      <p:cBhvr>
+                                        <p:cTn id="6" dur="1" fill="hold">
+                                          <p:stCondLst>
+                                            <p:cond delay="0"/>
+                                          </p:stCondLst>
+                                        </p:cTn>
+                                        <p:tgtEl>
+                                          <p:spTgt spid="9"/>
+                                        </p:tgtEl>
+                                        <p:attrNameLst>
+                                          <p:attrName>style.visibility</p:attrName>
+                                        </p:attrNameLst>
+                                      </p:cBhvr>
+                                      <p:to>
+                                        <p:strVal val="visible"/>
+                                      </p:to>
+                                    </p:set>
+                                  </p:childTnLst>
+                                </p:cTn>
+                              </p:par>
+                            </p:childTnLst>
+                          </p:cTn>
+                        </p:par>
+                      </p:childTnLst>
+                    </p:cTn>
+                  </p:par>
+                  <p:par>
+                    <p:cTn id="7" fill="hold">
+                      <p:stCondLst>
+                        <p:cond delay="indefinite"/>
+                      </p:stCondLst>
+                      <p:childTnLst>
+                        <p:par>
+                          <p:cTn id="8" fill="hold">
+                            <p:stCondLst>
+                              <p:cond delay="0"/>
+                            </p:stCondLst>
+                            <p:childTnLst>
+                              <p:par>
+                                <p:cTn id="9" presetID="1" presetClass="entr" presetSubtype="0" fill="hold" nodeType="clickEffect">
+                                  <p:stCondLst>
+                                    <p:cond delay="0"/>
+                                  </p:stCondLst>
+                                  <p:childTnLst>
+                                    <p:set>
+                                      <p:cBhvr>
+                                        <p:cTn id="10" dur="1" fill="hold">
+                                          <p:stCondLst>
+                                            <p:cond delay="0"/>
+                                          </p:stCondLst>
+                                        </p:cTn>
+                                        <p:tgtEl>
+                                          <p:spTgt spid="8"/>
+                                        </p:tgtEl>
+                                        <p:attrNameLst>
+                                          <p:attrName>style.visibility</p:attrName>
+                                        </p:attrNameLst>
+                                      </p:cBhvr>
+                                      <p:to>
+                                        <p:strVal val="visible"/>
+                                      </p:to>
+                                    </p:set>
+                                  </p:childTnLst>
+                                </p:cTn>
+                              </p:par>
+                            </p:childTnLst>
+                          </p:cTn>
+                        </p:par>
+                      </p:childTnLst>
+                    </p:cTn>
+                  </p:par>
+                </p:childTnLst>
+              </p:cTn>
+              <p:prevCondLst>
+                <p:cond evt="onPrev" delay="0">
+                  <p:tgtEl>
+                    <p:sldTgt/>
+                  </p:tgtEl>
+                </p:cond>
+              </p:prevCondLst>
+              <p:nextCondLst>
+                <p:cond evt="onNext" delay="0">
+                  <p:tgtEl>
+                    <p:sldTgt/>
+                  </p:tgtEl>
+                </p:cond>
+              </p:nextCondLst>
+            </p:seq>
+          </p:childTnLst>
+        </p:cTn>
+      </p:par>
+    </p:tnLst>
+    <p:bldLst>
+      <p:bldP spid="9" grpId="0" animBg="1"/>
+    </p:bldLst>
+  </p:timing>
+</p:sld>
+</file>
+
+<file path=ppt/slides/slide25.xml><?xml version="1.0" encoding="utf-8"?>
+<p:sld xmlns:a="http://schemas.openxmlformats.org/drawingml/2006/main" xmlns:r="http://schemas.openxmlformats.org/officeDocument/2006/relationships" xmlns:p="http://schemas.openxmlformats.org/presentationml/2006/main">
+  <p:cSld>
+    <p:spTree>
+      <p:nvGrpSpPr>
+        <p:cNvPr id="1" name="">
+          <a:extLst>
+            <a:ext uri="{FF2B5EF4-FFF2-40B4-BE49-F238E27FC236}">
+              <a16:creationId xmlns:a16="http://schemas.microsoft.com/office/drawing/2014/main" id="{2891013C-DB49-5724-16C7-6DA8DB98ECBC}"/>
+            </a:ext>
+          </a:extLst>
+        </p:cNvPr>
+        <p:cNvGrpSpPr/>
+        <p:nvPr/>
+      </p:nvGrpSpPr>
+      <p:grpSpPr>
+        <a:xfrm>
+          <a:off x="0" y="0"/>
+          <a:ext cx="0" cy="0"/>
+          <a:chOff x="0" y="0"/>
+          <a:chExt cx="0" cy="0"/>
+        </a:xfrm>
+      </p:grpSpPr>
+      <p:sp>
+        <p:nvSpPr>
+          <p:cNvPr id="2" name="Slide Number Placeholder 1">
+            <a:extLst>
+              <a:ext uri="{FF2B5EF4-FFF2-40B4-BE49-F238E27FC236}">
+                <a16:creationId xmlns:a16="http://schemas.microsoft.com/office/drawing/2014/main" id="{5253A7A1-3087-933E-5365-28D10B6DD6C4}"/>
+              </a:ext>
+            </a:extLst>
+          </p:cNvPr>
+          <p:cNvSpPr>
+            <a:spLocks noGrp="1"/>
+          </p:cNvSpPr>
+          <p:nvPr>
+            <p:ph type="sldNum" sz="quarter" idx="5"/>
+          </p:nvPr>
+        </p:nvSpPr>
+        <p:spPr/>
+        <p:txBody>
+          <a:bodyPr/>
+          <a:lstStyle/>
+          <a:p>
+            <a:fld id="{2BF067CD-8E6B-4360-9AA8-C5DF2A48A6D1}" type="slidenum">
+              <a:rPr lang="en-US" noProof="0" smtClean="0"/>
+              <a:pPr/>
+              <a:t>25</a:t>
+            </a:fld>
+            <a:endParaRPr lang="en-US" noProof="0" dirty="0"/>
+          </a:p>
+        </p:txBody>
+      </p:sp>
+      <p:sp>
+        <p:nvSpPr>
+          <p:cNvPr id="3" name="Text Placeholder 2">
+            <a:extLst>
+              <a:ext uri="{FF2B5EF4-FFF2-40B4-BE49-F238E27FC236}">
+                <a16:creationId xmlns:a16="http://schemas.microsoft.com/office/drawing/2014/main" id="{8B40874E-4629-00E2-4C81-C83E974BD512}"/>
+              </a:ext>
+            </a:extLst>
+          </p:cNvPr>
+          <p:cNvSpPr>
+            <a:spLocks noGrp="1"/>
+          </p:cNvSpPr>
+          <p:nvPr>
+            <p:ph type="body" sz="quarter" idx="10"/>
+          </p:nvPr>
+        </p:nvSpPr>
+        <p:spPr/>
+        <p:txBody>
+          <a:bodyPr/>
+          <a:lstStyle/>
+          <a:p>
+            <a:r>
+              <a:rPr lang="bg-BG" b="1" dirty="0"/>
+              <a:t>Добавяне</a:t>
+            </a:r>
+            <a:r>
+              <a:rPr lang="bg-BG" dirty="0"/>
+              <a:t> на </a:t>
+            </a:r>
+            <a:r>
+              <a:rPr lang="bg-BG" b="1" dirty="0"/>
+              <a:t>пациент</a:t>
+            </a:r>
+            <a:r>
+              <a:rPr lang="bg-BG" dirty="0"/>
+              <a:t> с </a:t>
+            </a:r>
+            <a:r>
+              <a:rPr lang="bg-BG" b="1" dirty="0">
+                <a:solidFill>
+                  <a:schemeClr val="bg1"/>
+                </a:solidFill>
+              </a:rPr>
+              <a:t>твърде дълго име</a:t>
+            </a:r>
+            <a:endParaRPr lang="en-BG" b="1" dirty="0">
+              <a:solidFill>
+                <a:schemeClr val="bg1"/>
+              </a:solidFill>
+            </a:endParaRPr>
+          </a:p>
+        </p:txBody>
+      </p:sp>
+      <p:sp>
+        <p:nvSpPr>
+          <p:cNvPr id="4" name="Title 3">
+            <a:extLst>
+              <a:ext uri="{FF2B5EF4-FFF2-40B4-BE49-F238E27FC236}">
+                <a16:creationId xmlns:a16="http://schemas.microsoft.com/office/drawing/2014/main" id="{FFDFB31A-8235-83B5-7AED-9BB79E7E5DCB}"/>
+              </a:ext>
+            </a:extLst>
+          </p:cNvPr>
+          <p:cNvSpPr>
+            <a:spLocks noGrp="1"/>
+          </p:cNvSpPr>
+          <p:nvPr>
+            <p:ph type="title"/>
+          </p:nvPr>
+        </p:nvSpPr>
+        <p:spPr/>
+        <p:txBody>
+          <a:bodyPr/>
+          <a:lstStyle/>
+          <a:p>
+            <a:r>
+              <a:rPr lang="bg-BG" dirty="0"/>
+              <a:t>Тестване на отделни функционалности </a:t>
+            </a:r>
+            <a:r>
+              <a:rPr lang="en-US" dirty="0"/>
+              <a:t>(1)</a:t>
+            </a:r>
+            <a:endParaRPr lang="en-BG" dirty="0"/>
+          </a:p>
+        </p:txBody>
+      </p:sp>
+      <p:pic>
+        <p:nvPicPr>
+          <p:cNvPr id="6" name="Picture 5">
+            <a:extLst>
+              <a:ext uri="{FF2B5EF4-FFF2-40B4-BE49-F238E27FC236}">
+                <a16:creationId xmlns:a16="http://schemas.microsoft.com/office/drawing/2014/main" id="{B2DEF7B2-FC8F-CD95-900F-21EDEAE476C0}"/>
+              </a:ext>
+            </a:extLst>
+          </p:cNvPr>
+          <p:cNvPicPr>
+            <a:picLocks noChangeAspect="1"/>
+          </p:cNvPicPr>
+          <p:nvPr/>
+        </p:nvPicPr>
+        <p:blipFill>
+          <a:blip r:embed="rId2">
+            <a:extLst>
+              <a:ext uri="{28A0092B-C50C-407E-A947-70E740481C1C}">
+                <a14:useLocalDpi xmlns:a14="http://schemas.microsoft.com/office/drawing/2010/main" val="0"/>
+              </a:ext>
+            </a:extLst>
+          </a:blip>
+          <a:srcRect/>
+          <a:stretch/>
+        </p:blipFill>
+        <p:spPr>
+          <a:xfrm>
+            <a:off x="496858" y="2415440"/>
+            <a:ext cx="4326190" cy="3090136"/>
+          </a:xfrm>
+          <a:prstGeom prst="rect">
+            <a:avLst/>
+          </a:prstGeom>
+          <a:ln>
+            <a:solidFill>
+              <a:schemeClr val="bg2">
+                <a:lumMod val="75000"/>
+              </a:schemeClr>
+            </a:solidFill>
+          </a:ln>
+        </p:spPr>
+      </p:pic>
+      <p:pic>
+        <p:nvPicPr>
+          <p:cNvPr id="8" name="Picture 7">
+            <a:extLst>
+              <a:ext uri="{FF2B5EF4-FFF2-40B4-BE49-F238E27FC236}">
+                <a16:creationId xmlns:a16="http://schemas.microsoft.com/office/drawing/2014/main" id="{0C4019A4-5829-1FEA-B24A-8EFBC6955183}"/>
+              </a:ext>
+            </a:extLst>
+          </p:cNvPr>
+          <p:cNvPicPr>
+            <a:picLocks noChangeAspect="1"/>
+          </p:cNvPicPr>
+          <p:nvPr/>
+        </p:nvPicPr>
+        <p:blipFill rotWithShape="1">
+          <a:blip r:embed="rId3">
+            <a:extLst>
+              <a:ext uri="{28A0092B-C50C-407E-A947-70E740481C1C}">
+                <a14:useLocalDpi xmlns:a14="http://schemas.microsoft.com/office/drawing/2010/main" val="0"/>
+              </a:ext>
+            </a:extLst>
+          </a:blip>
+          <a:srcRect l="1" r="824"/>
+          <a:stretch/>
+        </p:blipFill>
+        <p:spPr>
+          <a:xfrm>
+            <a:off x="6543448" y="2727255"/>
+            <a:ext cx="5132552" cy="2571725"/>
+          </a:xfrm>
+          <a:prstGeom prst="rect">
+            <a:avLst/>
+          </a:prstGeom>
+          <a:ln>
+            <a:solidFill>
+              <a:schemeClr val="bg2">
+                <a:lumMod val="75000"/>
+              </a:schemeClr>
+            </a:solidFill>
+          </a:ln>
+        </p:spPr>
+      </p:pic>
+      <p:sp>
+        <p:nvSpPr>
+          <p:cNvPr id="9" name="Arrow: Right 10">
+            <a:extLst>
+              <a:ext uri="{FF2B5EF4-FFF2-40B4-BE49-F238E27FC236}">
+                <a16:creationId xmlns:a16="http://schemas.microsoft.com/office/drawing/2014/main" id="{053A6B91-D5A5-DE7C-A75F-BC7EECE396F4}"/>
+              </a:ext>
+            </a:extLst>
+          </p:cNvPr>
+          <p:cNvSpPr/>
+          <p:nvPr/>
+        </p:nvSpPr>
+        <p:spPr>
+          <a:xfrm>
+            <a:off x="5053340" y="3518117"/>
+            <a:ext cx="1292400" cy="990000"/>
+          </a:xfrm>
+          <a:prstGeom prst="rightArrow">
+            <a:avLst/>
+          </a:prstGeom>
+          <a:solidFill>
+            <a:schemeClr val="tx1"/>
+          </a:solidFill>
+          <a:ln>
+            <a:solidFill>
+              <a:schemeClr val="tx1"/>
+            </a:solidFill>
+          </a:ln>
+        </p:spPr>
+        <p:style>
+          <a:lnRef idx="2">
+            <a:schemeClr val="accent1">
+              <a:shade val="50000"/>
+            </a:schemeClr>
+          </a:lnRef>
+          <a:fillRef idx="1">
+            <a:schemeClr val="accent1"/>
+          </a:fillRef>
+          <a:effectRef idx="0">
+            <a:schemeClr val="accent1"/>
+          </a:effectRef>
+          <a:fontRef idx="minor">
+            <a:schemeClr val="lt1"/>
+          </a:fontRef>
+        </p:style>
+        <p:txBody>
+          <a:bodyPr rtlCol="0" anchor="ctr"/>
+          <a:lstStyle/>
+          <a:p>
+            <a:pPr algn="ctr"/>
+            <a:endParaRPr lang="en-US" sz="2799"/>
+          </a:p>
+        </p:txBody>
+      </p:sp>
+      <p:sp>
+        <p:nvSpPr>
+          <p:cNvPr id="5" name="TextBox 4">
+            <a:extLst>
+              <a:ext uri="{FF2B5EF4-FFF2-40B4-BE49-F238E27FC236}">
+                <a16:creationId xmlns:a16="http://schemas.microsoft.com/office/drawing/2014/main" id="{6EEEA0BE-0724-BA45-1C85-3DA64CBC31CA}"/>
+              </a:ext>
+            </a:extLst>
+          </p:cNvPr>
+          <p:cNvSpPr txBox="1"/>
+          <p:nvPr/>
+        </p:nvSpPr>
+        <p:spPr>
+          <a:xfrm>
+            <a:off x="555200" y="3007729"/>
+            <a:ext cx="2429218" cy="411111"/>
+          </a:xfrm>
+          <a:prstGeom prst="rect">
+            <a:avLst/>
+          </a:prstGeom>
+          <a:noFill/>
+          <a:ln w="12700">
+            <a:noFill/>
+          </a:ln>
+        </p:spPr>
+        <p:txBody>
+          <a:bodyPr vert="horz" wrap="none" lIns="144000" tIns="108000" rIns="144000" bIns="108000" rtlCol="0">
+            <a:spAutoFit/>
+          </a:bodyPr>
+          <a:lstStyle/>
+          <a:p>
+            <a:pPr algn="l" eaLnBrk="0" hangingPunct="0">
+              <a:lnSpc>
+                <a:spcPct val="110000"/>
+              </a:lnSpc>
+              <a:buClr>
+                <a:schemeClr val="accent5">
+                  <a:lumMod val="40000"/>
+                  <a:lumOff val="60000"/>
+                </a:schemeClr>
+              </a:buClr>
+              <a:buSzPct val="70000"/>
+            </a:pPr>
+            <a:r>
+              <a:rPr lang="en-US" sz="1200" noProof="1"/>
+              <a:t>ааааааааааааааааааааааааааааа</a:t>
+            </a:r>
+          </a:p>
+        </p:txBody>
+      </p:sp>
+      <p:sp>
+        <p:nvSpPr>
+          <p:cNvPr id="7" name="Rectangle 6">
+            <a:extLst>
+              <a:ext uri="{FF2B5EF4-FFF2-40B4-BE49-F238E27FC236}">
+                <a16:creationId xmlns:a16="http://schemas.microsoft.com/office/drawing/2014/main" id="{BBF1C672-0778-F826-7DD3-0E47556A07BB}"/>
+              </a:ext>
+            </a:extLst>
+          </p:cNvPr>
+          <p:cNvSpPr/>
+          <p:nvPr/>
+        </p:nvSpPr>
+        <p:spPr bwMode="auto">
+          <a:xfrm>
+            <a:off x="2966818" y="4649375"/>
+            <a:ext cx="6070244" cy="2025000"/>
+          </a:xfrm>
+          <a:prstGeom prst="rect">
+            <a:avLst/>
+          </a:prstGeom>
+          <a:solidFill>
+            <a:schemeClr val="dk2">
+              <a:alpha val="80000"/>
+            </a:schemeClr>
+          </a:solidFill>
+          <a:ln w="19050">
+            <a:solidFill>
+              <a:schemeClr val="tx1">
+                <a:lumMod val="75000"/>
+                <a:alpha val="80000"/>
+              </a:schemeClr>
+            </a:solidFill>
+          </a:ln>
+          <a:effectLst/>
+        </p:spPr>
+        <p:style>
+          <a:lnRef idx="2">
+            <a:schemeClr val="accent1">
+              <a:shade val="50000"/>
+            </a:schemeClr>
+          </a:lnRef>
+          <a:fillRef idx="1001">
+            <a:schemeClr val="dk2"/>
+          </a:fillRef>
+          <a:effectRef idx="0">
+            <a:schemeClr val="accent1"/>
+          </a:effectRef>
+          <a:fontRef idx="minor">
+            <a:schemeClr val="lt1"/>
+          </a:fontRef>
+        </p:style>
+        <p:txBody>
+          <a:bodyPr rot="0" spcFirstLastPara="0" vert="horz" wrap="square" lIns="91440" tIns="45720" rIns="91440" bIns="45720" numCol="1" spcCol="0" rtlCol="0" fromWordArt="0" anchor="ctr" anchorCtr="0" forceAA="0" compatLnSpc="1">
+            <a:prstTxWarp prst="textNoShape">
+              <a:avLst/>
+            </a:prstTxWarp>
+            <a:noAutofit/>
+          </a:bodyPr>
+          <a:lstStyle>
+            <a:defPPr>
+              <a:defRPr lang="en-US"/>
+            </a:defPPr>
+            <a:lvl1pPr marL="0" algn="l" defTabSz="914400" rtl="0" eaLnBrk="1" latinLnBrk="0" hangingPunct="1">
+              <a:defRPr sz="1800" kern="1200">
+                <a:solidFill>
+                  <a:schemeClr val="lt1"/>
+                </a:solidFill>
+                <a:latin typeface="+mn-lt"/>
+                <a:ea typeface="+mn-ea"/>
+                <a:cs typeface="+mn-cs"/>
+              </a:defRPr>
+            </a:lvl1pPr>
+            <a:lvl2pPr marL="457200" algn="l" defTabSz="914400" rtl="0" eaLnBrk="1" latinLnBrk="0" hangingPunct="1">
+              <a:defRPr sz="1800" kern="1200">
+                <a:solidFill>
+                  <a:schemeClr val="lt1"/>
+                </a:solidFill>
+                <a:latin typeface="+mn-lt"/>
+                <a:ea typeface="+mn-ea"/>
+                <a:cs typeface="+mn-cs"/>
+              </a:defRPr>
+            </a:lvl2pPr>
+            <a:lvl3pPr marL="914400" algn="l" defTabSz="914400" rtl="0" eaLnBrk="1" latinLnBrk="0" hangingPunct="1">
+              <a:defRPr sz="1800" kern="1200">
+                <a:solidFill>
+                  <a:schemeClr val="lt1"/>
+                </a:solidFill>
+                <a:latin typeface="+mn-lt"/>
+                <a:ea typeface="+mn-ea"/>
+                <a:cs typeface="+mn-cs"/>
+              </a:defRPr>
+            </a:lvl3pPr>
+            <a:lvl4pPr marL="1371600" algn="l" defTabSz="914400" rtl="0" eaLnBrk="1" latinLnBrk="0" hangingPunct="1">
+              <a:defRPr sz="1800" kern="1200">
+                <a:solidFill>
+                  <a:schemeClr val="lt1"/>
+                </a:solidFill>
+                <a:latin typeface="+mn-lt"/>
+                <a:ea typeface="+mn-ea"/>
+                <a:cs typeface="+mn-cs"/>
+              </a:defRPr>
+            </a:lvl4pPr>
+            <a:lvl5pPr marL="1828800" algn="l" defTabSz="914400" rtl="0" eaLnBrk="1" latinLnBrk="0" hangingPunct="1">
+              <a:defRPr sz="1800" kern="1200">
+                <a:solidFill>
+                  <a:schemeClr val="lt1"/>
+                </a:solidFill>
+                <a:latin typeface="+mn-lt"/>
+                <a:ea typeface="+mn-ea"/>
+                <a:cs typeface="+mn-cs"/>
+              </a:defRPr>
+            </a:lvl5pPr>
+            <a:lvl6pPr marL="2286000" algn="l" defTabSz="914400" rtl="0" eaLnBrk="1" latinLnBrk="0" hangingPunct="1">
+              <a:defRPr sz="1800" kern="1200">
+                <a:solidFill>
+                  <a:schemeClr val="lt1"/>
+                </a:solidFill>
+                <a:latin typeface="+mn-lt"/>
+                <a:ea typeface="+mn-ea"/>
+                <a:cs typeface="+mn-cs"/>
+              </a:defRPr>
+            </a:lvl6pPr>
+            <a:lvl7pPr marL="2743200" algn="l" defTabSz="914400" rtl="0" eaLnBrk="1" latinLnBrk="0" hangingPunct="1">
+              <a:defRPr sz="1800" kern="1200">
+                <a:solidFill>
+                  <a:schemeClr val="lt1"/>
+                </a:solidFill>
+                <a:latin typeface="+mn-lt"/>
+                <a:ea typeface="+mn-ea"/>
+                <a:cs typeface="+mn-cs"/>
+              </a:defRPr>
+            </a:lvl7pPr>
+            <a:lvl8pPr marL="3200400" algn="l" defTabSz="914400" rtl="0" eaLnBrk="1" latinLnBrk="0" hangingPunct="1">
+              <a:defRPr sz="1800" kern="1200">
+                <a:solidFill>
+                  <a:schemeClr val="lt1"/>
+                </a:solidFill>
+                <a:latin typeface="+mn-lt"/>
+                <a:ea typeface="+mn-ea"/>
+                <a:cs typeface="+mn-cs"/>
+              </a:defRPr>
+            </a:lvl8pPr>
+            <a:lvl9pPr marL="3657600" algn="l" defTabSz="914400" rtl="0" eaLnBrk="1" latinLnBrk="0" hangingPunct="1">
+              <a:defRPr sz="1800" kern="1200">
+                <a:solidFill>
+                  <a:schemeClr val="lt1"/>
+                </a:solidFill>
+                <a:latin typeface="+mn-lt"/>
+                <a:ea typeface="+mn-ea"/>
+                <a:cs typeface="+mn-cs"/>
+              </a:defRPr>
+            </a:lvl9pPr>
+          </a:lstStyle>
+          <a:p>
+            <a:pPr algn="ctr"/>
+            <a:r>
+              <a:rPr lang="en-US" sz="2800" b="1" dirty="0">
+                <a:solidFill>
+                  <a:srgbClr val="FFFFFF"/>
+                </a:solidFill>
+                <a:effectLst>
+                  <a:outerShdw blurRad="38100" dist="38100" dir="2700000" algn="tl">
+                    <a:srgbClr val="000000">
+                      <a:alpha val="43137"/>
+                    </a:srgbClr>
+                  </a:outerShdw>
+                </a:effectLst>
+                <a:highlight>
+                  <a:srgbClr val="FFFF00"/>
+                </a:highlight>
+              </a:rPr>
+              <a:t>TODO: </a:t>
+            </a:r>
+            <a:r>
+              <a:rPr lang="bg-BG" sz="2800" b="1" dirty="0">
+                <a:solidFill>
+                  <a:srgbClr val="FFFFFF"/>
+                </a:solidFill>
+                <a:effectLst>
+                  <a:outerShdw blurRad="38100" dist="38100" dir="2700000" algn="tl">
+                    <a:srgbClr val="000000">
+                      <a:alpha val="43137"/>
+                    </a:srgbClr>
+                  </a:outerShdw>
+                </a:effectLst>
+                <a:highlight>
+                  <a:srgbClr val="FFFF00"/>
+                </a:highlight>
+              </a:rPr>
+              <a:t>да се тества какво се случва!!!</a:t>
+            </a:r>
+          </a:p>
+          <a:p>
+            <a:pPr algn="ctr"/>
+            <a:r>
+              <a:rPr lang="bg-BG" sz="2800" b="1" dirty="0">
+                <a:solidFill>
+                  <a:srgbClr val="FFFFFF"/>
+                </a:solidFill>
+                <a:effectLst>
+                  <a:outerShdw blurRad="38100" dist="38100" dir="2700000" algn="tl">
+                    <a:srgbClr val="000000">
+                      <a:alpha val="43137"/>
+                    </a:srgbClr>
+                  </a:outerShdw>
+                </a:effectLst>
+                <a:highlight>
+                  <a:srgbClr val="FFFF00"/>
+                </a:highlight>
+              </a:rPr>
+              <a:t>Ако намерим грешка </a:t>
+            </a:r>
+            <a:r>
+              <a:rPr lang="bg-BG" sz="2800" b="1" dirty="0">
+                <a:solidFill>
+                  <a:srgbClr val="FFFFFF"/>
+                </a:solidFill>
+                <a:effectLst>
+                  <a:outerShdw blurRad="38100" dist="38100" dir="2700000" algn="tl">
+                    <a:srgbClr val="000000">
+                      <a:alpha val="43137"/>
+                    </a:srgbClr>
+                  </a:outerShdw>
+                </a:effectLst>
+                <a:highlight>
+                  <a:srgbClr val="FFFF00"/>
+                </a:highlight>
+                <a:sym typeface="Wingdings" panose="05000000000000000000" pitchFamily="2" charset="2"/>
+              </a:rPr>
+              <a:t> супер  докладваме я. Да се провери дали съобщението за грешка е адекватно.</a:t>
+            </a:r>
+            <a:endParaRPr lang="en-US" sz="2800" b="1" dirty="0">
+              <a:solidFill>
+                <a:srgbClr val="FFFFFF"/>
+              </a:solidFill>
+              <a:effectLst>
+                <a:outerShdw blurRad="38100" dist="38100" dir="2700000" algn="tl">
+                  <a:srgbClr val="000000">
+                    <a:alpha val="43137"/>
+                  </a:srgbClr>
+                </a:outerShdw>
+              </a:effectLst>
+              <a:highlight>
+                <a:srgbClr val="FFFF00"/>
+              </a:highlight>
+            </a:endParaRPr>
+          </a:p>
+        </p:txBody>
+      </p:sp>
+    </p:spTree>
+    <p:extLst>
+      <p:ext uri="{BB962C8B-B14F-4D97-AF65-F5344CB8AC3E}">
+        <p14:creationId xmlns:p14="http://schemas.microsoft.com/office/powerpoint/2010/main" val="4176773203"/>
+      </p:ext>
+    </p:extLst>
+  </p:cSld>
+  <p:clrMapOvr>
+    <a:masterClrMapping/>
+  </p:clrMapOvr>
+  <mc:AlternateContent xmlns:mc="http://schemas.openxmlformats.org/markup-compatibility/2006" xmlns:p14="http://schemas.microsoft.com/office/powerpoint/2010/main">
+    <mc:Choice Requires="p14">
+      <p:transition spd="slow" p14:dur="2000" advClick="0" advTm="5000"/>
+    </mc:Choice>
+    <mc:Fallback xmlns="">
+      <p:transition spd="slow" advClick="0" advTm="5000"/>
+    </mc:Fallback>
+  </mc:AlternateContent>
+  <p:timing>
+    <p:tnLst>
+      <p:par>
+        <p:cTn id="1" dur="indefinite" restart="never" nodeType="tmRoot">
+          <p:childTnLst>
+            <p:seq concurrent="1" nextAc="seek">
+              <p:cTn id="2" dur="indefinite" nodeType="mainSeq">
+                <p:childTnLst>
+                  <p:par>
+                    <p:cTn id="3" fill="hold">
+                      <p:stCondLst>
+                        <p:cond delay="indefinite"/>
+                      </p:stCondLst>
+                      <p:childTnLst>
+                        <p:par>
+                          <p:cTn id="4" fill="hold">
+                            <p:stCondLst>
+                              <p:cond delay="0"/>
+                            </p:stCondLst>
+                            <p:childTnLst>
+                              <p:par>
+                                <p:cTn id="5" presetID="1" presetClass="entr" presetSubtype="0" fill="hold" grpId="0" nodeType="clickEffect">
+                                  <p:stCondLst>
+                                    <p:cond delay="0"/>
+                                  </p:stCondLst>
+                                  <p:childTnLst>
+                                    <p:set>
+                                      <p:cBhvr>
+                                        <p:cTn id="6" dur="1" fill="hold">
+                                          <p:stCondLst>
+                                            <p:cond delay="0"/>
+                                          </p:stCondLst>
+                                        </p:cTn>
+                                        <p:tgtEl>
+                                          <p:spTgt spid="9"/>
+                                        </p:tgtEl>
+                                        <p:attrNameLst>
+                                          <p:attrName>style.visibility</p:attrName>
+                                        </p:attrNameLst>
+                                      </p:cBhvr>
+                                      <p:to>
+                                        <p:strVal val="visible"/>
+                                      </p:to>
+                                    </p:set>
+                                  </p:childTnLst>
+                                </p:cTn>
+                              </p:par>
+                            </p:childTnLst>
+                          </p:cTn>
+                        </p:par>
+                      </p:childTnLst>
+                    </p:cTn>
+                  </p:par>
+                  <p:par>
+                    <p:cTn id="7" fill="hold">
+                      <p:stCondLst>
+                        <p:cond delay="indefinite"/>
+                      </p:stCondLst>
+                      <p:childTnLst>
+                        <p:par>
+                          <p:cTn id="8" fill="hold">
+                            <p:stCondLst>
+                              <p:cond delay="0"/>
+                            </p:stCondLst>
+                            <p:childTnLst>
+                              <p:par>
+                                <p:cTn id="9" presetID="1" presetClass="entr" presetSubtype="0" fill="hold" nodeType="clickEffect">
+                                  <p:stCondLst>
+                                    <p:cond delay="0"/>
+                                  </p:stCondLst>
+                                  <p:childTnLst>
+                                    <p:set>
+                                      <p:cBhvr>
+                                        <p:cTn id="10" dur="1" fill="hold">
+                                          <p:stCondLst>
+                                            <p:cond delay="0"/>
+                                          </p:stCondLst>
+                                        </p:cTn>
+                                        <p:tgtEl>
+                                          <p:spTgt spid="8"/>
+                                        </p:tgtEl>
+                                        <p:attrNameLst>
+                                          <p:attrName>style.visibility</p:attrName>
+                                        </p:attrNameLst>
+                                      </p:cBhvr>
+                                      <p:to>
+                                        <p:strVal val="visible"/>
+                                      </p:to>
+                                    </p:set>
+                                  </p:childTnLst>
+                                </p:cTn>
+                              </p:par>
+                            </p:childTnLst>
+                          </p:cTn>
+                        </p:par>
+                      </p:childTnLst>
+                    </p:cTn>
+                  </p:par>
+                </p:childTnLst>
+              </p:cTn>
+              <p:prevCondLst>
+                <p:cond evt="onPrev" delay="0">
+                  <p:tgtEl>
+                    <p:sldTgt/>
+                  </p:tgtEl>
+                </p:cond>
+              </p:prevCondLst>
+              <p:nextCondLst>
+                <p:cond evt="onNext" delay="0">
+                  <p:tgtEl>
+                    <p:sldTgt/>
+                  </p:tgtEl>
+                </p:cond>
+              </p:nextCondLst>
+            </p:seq>
+          </p:childTnLst>
+        </p:cTn>
+      </p:par>
+    </p:tnLst>
+    <p:bldLst>
+      <p:bldP spid="9" grpId="0" animBg="1"/>
+    </p:bldLst>
+  </p:timing>
+</p:sld>
+</file>
+
+<file path=ppt/slides/slide26.xml><?xml version="1.0" encoding="utf-8"?>
+<p:sld xmlns:a="http://schemas.openxmlformats.org/drawingml/2006/main" xmlns:r="http://schemas.openxmlformats.org/officeDocument/2006/relationships" xmlns:p="http://schemas.openxmlformats.org/presentationml/2006/main">
+  <p:cSld>
+    <p:spTree>
+      <p:nvGrpSpPr>
+        <p:cNvPr id="1" name=""/>
+        <p:cNvGrpSpPr/>
+        <p:nvPr/>
+      </p:nvGrpSpPr>
+      <p:grpSpPr>
+        <a:xfrm>
+          <a:off x="0" y="0"/>
+          <a:ext cx="0" cy="0"/>
+          <a:chOff x="0" y="0"/>
+          <a:chExt cx="0" cy="0"/>
+        </a:xfrm>
+      </p:grpSpPr>
       <p:grpSp>
         <p:nvGrpSpPr>
           <p:cNvPr id="3" name="Summary Box Group">
@@ -17047,7 +18332,7 @@
             <a:fld id="{2BF067CD-8E6B-4360-9AA8-C5DF2A48A6D1}" type="slidenum">
               <a:rPr lang="en-US" noProof="0" smtClean="0"/>
               <a:pPr/>
-              <a:t>23</a:t>
+              <a:t>26</a:t>
             </a:fld>
             <a:endParaRPr lang="en-US" noProof="0" dirty="0"/>
           </a:p>
@@ -17398,7 +18683,7 @@
 </p:sld>
 </file>
 
-<file path=ppt/slides/slide24.xml><?xml version="1.0" encoding="utf-8"?>
+<file path=ppt/slides/slide27.xml><?xml version="1.0" encoding="utf-8"?>
 <p:sld xmlns:a="http://schemas.openxmlformats.org/drawingml/2006/main" xmlns:r="http://schemas.openxmlformats.org/officeDocument/2006/relationships" xmlns:p="http://schemas.openxmlformats.org/presentationml/2006/main">
   <p:cSld>
     <p:spTree>
@@ -17588,7 +18873,7 @@
 </p:sld>
 </file>
 
-<file path=ppt/slides/slide25.xml><?xml version="1.0" encoding="utf-8"?>
+<file path=ppt/slides/slide28.xml><?xml version="1.0" encoding="utf-8"?>
 <p:sld xmlns:a="http://schemas.openxmlformats.org/drawingml/2006/main" xmlns:r="http://schemas.openxmlformats.org/officeDocument/2006/relationships" xmlns:p="http://schemas.openxmlformats.org/presentationml/2006/main" show="0">
   <p:cSld>
     <p:spTree>
@@ -17641,7 +18926,7 @@
             <a:fld id="{2BF067CD-8E6B-4360-9AA8-C5DF2A48A6D1}" type="slidenum">
               <a:rPr lang="en-US" smtClean="0"/>
               <a:pPr/>
-              <a:t>25</a:t>
+              <a:t>28</a:t>
             </a:fld>
             <a:endParaRPr lang="en-US" dirty="0"/>
           </a:p>
@@ -18004,7 +19289,12 @@
             <p:ph type="subTitle" sz="quarter" idx="11"/>
           </p:nvPr>
         </p:nvSpPr>
-        <p:spPr/>
+        <p:spPr>
+          <a:xfrm>
+            <a:off x="1566338" y="5454449"/>
+            <a:ext cx="9059325" cy="1124551"/>
+          </a:xfrm>
+        </p:spPr>
         <p:txBody>
           <a:bodyPr/>
           <a:lstStyle/>
@@ -18032,7 +19322,12 @@
             <p:ph type="title" sz="quarter" idx="10"/>
           </p:nvPr>
         </p:nvSpPr>
-        <p:spPr/>
+        <p:spPr>
+          <a:xfrm>
+            <a:off x="615109" y="4554000"/>
+            <a:ext cx="10961783" cy="768084"/>
+          </a:xfrm>
+        </p:spPr>
         <p:txBody>
           <a:bodyPr/>
           <a:lstStyle/>
@@ -20108,7 +21403,7 @@
         <p:spPr>
           <a:xfrm>
             <a:off x="190402" y="1196125"/>
-            <a:ext cx="7795598" cy="5528766"/>
+            <a:ext cx="7435598" cy="5528766"/>
           </a:xfrm>
         </p:spPr>
         <p:txBody>
@@ -20630,7 +21925,12 @@
             <p:ph type="subTitle" sz="quarter" idx="11"/>
           </p:nvPr>
         </p:nvSpPr>
-        <p:spPr/>
+        <p:spPr>
+          <a:xfrm>
+            <a:off x="1978125" y="5351455"/>
+            <a:ext cx="8235750" cy="1237006"/>
+          </a:xfrm>
+        </p:spPr>
         <p:txBody>
           <a:bodyPr/>
           <a:lstStyle/>
@@ -20658,7 +21958,12 @@
             <p:ph type="title" sz="quarter" idx="10"/>
           </p:nvPr>
         </p:nvSpPr>
-        <p:spPr/>
+        <p:spPr>
+          <a:xfrm>
+            <a:off x="615109" y="4554000"/>
+            <a:ext cx="10961783" cy="768084"/>
+          </a:xfrm>
+        </p:spPr>
         <p:txBody>
           <a:bodyPr/>
           <a:lstStyle/>

--- a/Courses/Software-Sciences/Module-4-Information-Systems-New/13-Information-System-Testing/13-Information-System-Testing.pptx
+++ b/Courses/Software-Sciences/Module-4-Information-Systems-New/13-Information-System-Testing/13-Information-System-Testing.pptx
@@ -309,7 +309,7 @@
           <a:p>
             <a:fld id="{4E087215-0C8F-4762-A664-737A353EC9A4}" type="datetimeFigureOut">
               <a:rPr lang="bg-BG" smtClean="0"/>
-              <a:t>10.1.2025 г.</a:t>
+              <a:t>12.01.25 г.</a:t>
             </a:fld>
             <a:endParaRPr lang="bg-BG"/>
           </a:p>
@@ -505,7 +505,7 @@
           <a:p>
             <a:fld id="{72D84649-876A-46C9-8472-14CB09C070D8}" type="datetimeFigureOut">
               <a:rPr lang="en-US" smtClean="0"/>
-              <a:t>10-Jan-25</a:t>
+              <a:t>1/12/25</a:t>
             </a:fld>
             <a:endParaRPr lang="en-US"/>
           </a:p>
@@ -13459,35 +13459,82 @@
           <a:lstStyle/>
           <a:p>
             <a:r>
-              <a:rPr lang="en-US" dirty="0">
-                <a:highlight>
-                  <a:srgbClr val="FFFF00"/>
-                </a:highlight>
+              <a:rPr lang="bg-BG" sz="3600" dirty="0"/>
+              <a:t>Въвеждане на</a:t>
+            </a:r>
+            <a:r>
+              <a:rPr lang="en-US" sz="3600" dirty="0"/>
+              <a:t> </a:t>
+            </a:r>
+            <a:r>
+              <a:rPr lang="bg-BG" sz="3600" b="1" dirty="0">
+                <a:solidFill>
+                  <a:schemeClr val="bg1"/>
+                </a:solidFill>
               </a:rPr>
-              <a:t>TODO: </a:t>
+              <a:t>валидно потребителско име</a:t>
+            </a:r>
+            <a:r>
+              <a:rPr lang="en-US" sz="3600" b="1" dirty="0">
+                <a:solidFill>
+                  <a:schemeClr val="bg1"/>
+                </a:solidFill>
+              </a:rPr>
+              <a:t> </a:t>
+            </a:r>
+            <a:r>
+              <a:rPr lang="bg-BG" sz="3600" dirty="0"/>
+              <a:t>и</a:t>
+            </a:r>
+            <a:r>
+              <a:rPr lang="en-US" sz="3600" dirty="0"/>
+              <a:t> </a:t>
+            </a:r>
+            <a:r>
+              <a:rPr lang="bg-BG" sz="3600" b="1" dirty="0">
+                <a:solidFill>
+                  <a:schemeClr val="bg1"/>
+                </a:solidFill>
+              </a:rPr>
+              <a:t>валидна</a:t>
+            </a:r>
+            <a:r>
+              <a:rPr lang="bg-BG" sz="3600" dirty="0">
+                <a:solidFill>
+                  <a:schemeClr val="bg1"/>
+                </a:solidFill>
+              </a:rPr>
+              <a:t> </a:t>
+            </a:r>
+            <a:r>
+              <a:rPr lang="bg-BG" sz="3600" b="1" dirty="0">
+                <a:solidFill>
+                  <a:schemeClr val="bg1"/>
+                </a:solidFill>
+              </a:rPr>
+              <a:t>парола</a:t>
+            </a:r>
+            <a:r>
+              <a:rPr lang="en-BG" sz="3600" b="1" dirty="0">
+                <a:solidFill>
+                  <a:schemeClr val="bg1"/>
+                </a:solidFill>
+              </a:rPr>
+              <a:t> </a:t>
             </a:r>
             <a:r>
               <a:rPr lang="bg-BG" dirty="0">
-                <a:highlight>
-                  <a:srgbClr val="FFFF00"/>
-                </a:highlight>
-              </a:rPr>
-              <a:t>тестваме с валидни данни </a:t>
-            </a:r>
-            <a:r>
-              <a:rPr lang="bg-BG" dirty="0">
-                <a:highlight>
-                  <a:srgbClr val="FFFF00"/>
-                </a:highlight>
                 <a:sym typeface="Wingdings" panose="05000000000000000000" pitchFamily="2" charset="2"/>
               </a:rPr>
-              <a:t> всичко трябва да работи коректно</a:t>
-            </a:r>
-            <a:endParaRPr lang="en-US" dirty="0">
-              <a:highlight>
-                <a:srgbClr val="FFFF00"/>
-              </a:highlight>
-            </a:endParaRPr>
+              <a:t> всичко трябва да работи </a:t>
+            </a:r>
+            <a:r>
+              <a:rPr lang="bg-BG" b="1" dirty="0">
+                <a:sym typeface="Wingdings" panose="05000000000000000000" pitchFamily="2" charset="2"/>
+              </a:rPr>
+              <a:t>коректно</a:t>
+            </a:r>
+            <a:endParaRPr lang="en-US" b="1" dirty="0"/>
           </a:p>
         </p:txBody>
       </p:sp>
@@ -13525,6 +13572,145 @@
               <a:t>– валидни данни</a:t>
             </a:r>
             <a:endParaRPr lang="en-US" dirty="0"/>
+          </a:p>
+        </p:txBody>
+      </p:sp>
+      <p:pic>
+        <p:nvPicPr>
+          <p:cNvPr id="6" name="Picture 5">
+            <a:extLst>
+              <a:ext uri="{FF2B5EF4-FFF2-40B4-BE49-F238E27FC236}">
+                <a16:creationId xmlns:a16="http://schemas.microsoft.com/office/drawing/2014/main" id="{024DBF13-7EA1-F3D2-910D-3C04EF921DAB}"/>
+              </a:ext>
+            </a:extLst>
+          </p:cNvPr>
+          <p:cNvPicPr>
+            <a:picLocks noChangeAspect="1"/>
+          </p:cNvPicPr>
+          <p:nvPr/>
+        </p:nvPicPr>
+        <p:blipFill rotWithShape="1">
+          <a:blip r:embed="rId2">
+            <a:extLst>
+              <a:ext uri="{28A0092B-C50C-407E-A947-70E740481C1C}">
+                <a14:useLocalDpi xmlns:a14="http://schemas.microsoft.com/office/drawing/2010/main" val="0"/>
+              </a:ext>
+            </a:extLst>
+          </a:blip>
+          <a:srcRect l="1256"/>
+          <a:stretch/>
+        </p:blipFill>
+        <p:spPr>
+          <a:xfrm>
+            <a:off x="590232" y="2574000"/>
+            <a:ext cx="3537000" cy="3420000"/>
+          </a:xfrm>
+          <a:prstGeom prst="rect">
+            <a:avLst/>
+          </a:prstGeom>
+          <a:ln>
+            <a:solidFill>
+              <a:schemeClr val="bg2">
+                <a:lumMod val="75000"/>
+              </a:schemeClr>
+            </a:solidFill>
+          </a:ln>
+        </p:spPr>
+      </p:pic>
+      <p:pic>
+        <p:nvPicPr>
+          <p:cNvPr id="8" name="Picture 7">
+            <a:extLst>
+              <a:ext uri="{FF2B5EF4-FFF2-40B4-BE49-F238E27FC236}">
+                <a16:creationId xmlns:a16="http://schemas.microsoft.com/office/drawing/2014/main" id="{DE75D473-DC22-D234-C459-C35602EE23AB}"/>
+              </a:ext>
+            </a:extLst>
+          </p:cNvPr>
+          <p:cNvPicPr>
+            <a:picLocks noChangeAspect="1"/>
+          </p:cNvPicPr>
+          <p:nvPr/>
+        </p:nvPicPr>
+        <p:blipFill>
+          <a:blip r:embed="rId3">
+            <a:extLst>
+              <a:ext uri="{28A0092B-C50C-407E-A947-70E740481C1C}">
+                <a14:useLocalDpi xmlns:a14="http://schemas.microsoft.com/office/drawing/2010/main" val="0"/>
+              </a:ext>
+            </a:extLst>
+          </a:blip>
+          <a:stretch>
+            <a:fillRect/>
+          </a:stretch>
+        </p:blipFill>
+        <p:spPr>
+          <a:xfrm>
+            <a:off x="5758233" y="3059307"/>
+            <a:ext cx="6178504" cy="2449385"/>
+          </a:xfrm>
+          <a:prstGeom prst="rect">
+            <a:avLst/>
+          </a:prstGeom>
+          <a:ln>
+            <a:solidFill>
+              <a:schemeClr val="bg2">
+                <a:lumMod val="75000"/>
+              </a:schemeClr>
+            </a:solidFill>
+          </a:ln>
+        </p:spPr>
+      </p:pic>
+      <p:sp>
+        <p:nvSpPr>
+          <p:cNvPr id="9" name="Arrow: Right 10">
+            <a:extLst>
+              <a:ext uri="{FF2B5EF4-FFF2-40B4-BE49-F238E27FC236}">
+                <a16:creationId xmlns:a16="http://schemas.microsoft.com/office/drawing/2014/main" id="{7D6CED50-CE79-7A55-8675-2C020DC96D28}"/>
+              </a:ext>
+            </a:extLst>
+          </p:cNvPr>
+          <p:cNvSpPr/>
+          <p:nvPr/>
+        </p:nvSpPr>
+        <p:spPr>
+          <a:xfrm>
+            <a:off x="4296532" y="3699000"/>
+            <a:ext cx="1292400" cy="990000"/>
+          </a:xfrm>
+          <a:prstGeom prst="rightArrow">
+            <a:avLst/>
+          </a:prstGeom>
+          <a:solidFill>
+            <a:schemeClr val="tx1"/>
+          </a:solidFill>
+          <a:ln>
+            <a:solidFill>
+              <a:schemeClr val="tx1"/>
+            </a:solidFill>
+          </a:ln>
+        </p:spPr>
+        <p:style>
+          <a:lnRef idx="2">
+            <a:schemeClr val="accent1">
+              <a:shade val="50000"/>
+            </a:schemeClr>
+          </a:lnRef>
+          <a:fillRef idx="1">
+            <a:schemeClr val="accent1"/>
+          </a:fillRef>
+          <a:effectRef idx="0">
+            <a:schemeClr val="accent1"/>
+          </a:effectRef>
+          <a:fontRef idx="minor">
+            <a:schemeClr val="lt1"/>
+          </a:fontRef>
+        </p:style>
+        <p:txBody>
+          <a:bodyPr rtlCol="0" anchor="ctr"/>
+          <a:lstStyle/>
+          <a:p>
+            <a:pPr algn="ctr"/>
+            <a:endParaRPr lang="en-US" sz="2799"/>
           </a:p>
         </p:txBody>
       </p:sp>
@@ -13546,6 +13732,129 @@
       <p:transition spd="slow" advClick="0" advTm="5000"/>
     </mc:Fallback>
   </mc:AlternateContent>
+  <p:timing>
+    <p:tnLst>
+      <p:par>
+        <p:cTn id="1" dur="indefinite" restart="never" nodeType="tmRoot">
+          <p:childTnLst>
+            <p:seq concurrent="1" nextAc="seek">
+              <p:cTn id="2" dur="indefinite" nodeType="mainSeq">
+                <p:childTnLst>
+                  <p:par>
+                    <p:cTn id="3" fill="hold">
+                      <p:stCondLst>
+                        <p:cond delay="indefinite"/>
+                      </p:stCondLst>
+                      <p:childTnLst>
+                        <p:par>
+                          <p:cTn id="4" fill="hold">
+                            <p:stCondLst>
+                              <p:cond delay="0"/>
+                            </p:stCondLst>
+                            <p:childTnLst>
+                              <p:par>
+                                <p:cTn id="5" presetID="1" presetClass="entr" presetSubtype="0" fill="hold" grpId="0" nodeType="clickEffect">
+                                  <p:stCondLst>
+                                    <p:cond delay="0"/>
+                                  </p:stCondLst>
+                                  <p:childTnLst>
+                                    <p:set>
+                                      <p:cBhvr>
+                                        <p:cTn id="6" dur="1" fill="hold">
+                                          <p:stCondLst>
+                                            <p:cond delay="0"/>
+                                          </p:stCondLst>
+                                        </p:cTn>
+                                        <p:tgtEl>
+                                          <p:spTgt spid="9"/>
+                                        </p:tgtEl>
+                                        <p:attrNameLst>
+                                          <p:attrName>style.visibility</p:attrName>
+                                        </p:attrNameLst>
+                                      </p:cBhvr>
+                                      <p:to>
+                                        <p:strVal val="visible"/>
+                                      </p:to>
+                                    </p:set>
+                                  </p:childTnLst>
+                                </p:cTn>
+                              </p:par>
+                            </p:childTnLst>
+                          </p:cTn>
+                        </p:par>
+                      </p:childTnLst>
+                    </p:cTn>
+                  </p:par>
+                  <p:par>
+                    <p:cTn id="7" fill="hold">
+                      <p:stCondLst>
+                        <p:cond delay="indefinite"/>
+                      </p:stCondLst>
+                      <p:childTnLst>
+                        <p:par>
+                          <p:cTn id="8" fill="hold">
+                            <p:stCondLst>
+                              <p:cond delay="0"/>
+                            </p:stCondLst>
+                            <p:childTnLst>
+                              <p:par>
+                                <p:cTn id="9" presetID="1" presetClass="entr" presetSubtype="0" fill="hold" nodeType="clickEffect">
+                                  <p:stCondLst>
+                                    <p:cond delay="0"/>
+                                  </p:stCondLst>
+                                  <p:childTnLst>
+                                    <p:set>
+                                      <p:cBhvr>
+                                        <p:cTn id="10" dur="1" fill="hold">
+                                          <p:stCondLst>
+                                            <p:cond delay="0"/>
+                                          </p:stCondLst>
+                                        </p:cTn>
+                                        <p:tgtEl>
+                                          <p:spTgt spid="8"/>
+                                        </p:tgtEl>
+                                        <p:attrNameLst>
+                                          <p:attrName>style.visibility</p:attrName>
+                                        </p:attrNameLst>
+                                      </p:cBhvr>
+                                      <p:to>
+                                        <p:strVal val="visible"/>
+                                      </p:to>
+                                    </p:set>
+                                  </p:childTnLst>
+                                </p:cTn>
+                              </p:par>
+                            </p:childTnLst>
+                          </p:cTn>
+                        </p:par>
+                      </p:childTnLst>
+                    </p:cTn>
+                  </p:par>
+                </p:childTnLst>
+              </p:cTn>
+              <p:prevCondLst>
+                <p:cond evt="onPrev" delay="0">
+                  <p:tgtEl>
+                    <p:sldTgt/>
+                  </p:tgtEl>
+                </p:cond>
+              </p:prevCondLst>
+              <p:nextCondLst>
+                <p:cond evt="onNext" delay="0">
+                  <p:tgtEl>
+                    <p:sldTgt/>
+                  </p:tgtEl>
+                </p:cond>
+              </p:nextCondLst>
+            </p:seq>
+          </p:childTnLst>
+        </p:cTn>
+      </p:par>
+    </p:tnLst>
+    <p:bldLst>
+      <p:bldP spid="9" grpId="0" animBg="1"/>
+    </p:bldLst>
+  </p:timing>
 </p:sld>
 </file>
 

--- a/Courses/Software-Sciences/Module-4-Information-Systems-New/13-Information-System-Testing/13-Information-System-Testing.pptx
+++ b/Courses/Software-Sciences/Module-4-Information-Systems-New/13-Information-System-Testing/13-Information-System-Testing.pptx
@@ -14002,7 +14002,9 @@
         </p:nvSpPr>
         <p:spPr/>
         <p:txBody>
-          <a:bodyPr/>
+          <a:bodyPr>
+            <a:normAutofit fontScale="90000"/>
+          </a:bodyPr>
           <a:lstStyle/>
           <a:p>
             <a:r>
@@ -14011,7 +14013,11 @@
             </a:r>
             <a:r>
               <a:rPr lang="en-US" dirty="0"/>
-              <a:t> (1)</a:t>
+              <a:t> </a:t>
+            </a:r>
+            <a:r>
+              <a:rPr lang="bg-BG" dirty="0"/>
+              <a:t>– невалидни данни</a:t>
             </a:r>
             <a:endParaRPr lang="en-BG" dirty="0"/>
           </a:p>
@@ -14081,14 +14087,13 @@
               </a:ext>
             </a:extLst>
           </a:blip>
-          <a:stretch>
-            <a:fillRect/>
-          </a:stretch>
+          <a:srcRect/>
+          <a:stretch/>
         </p:blipFill>
         <p:spPr>
           <a:xfrm>
-            <a:off x="6226724" y="2910036"/>
-            <a:ext cx="4765829" cy="2491937"/>
+            <a:off x="6235246" y="2910036"/>
+            <a:ext cx="4748785" cy="2491937"/>
           </a:xfrm>
           <a:prstGeom prst="rect">
             <a:avLst/>
@@ -15363,11 +15368,7 @@
           <a:p>
             <a:r>
               <a:rPr lang="bg-BG" dirty="0"/>
-              <a:t>Тестване на входна форма </a:t>
-            </a:r>
-            <a:r>
-              <a:rPr lang="en-US" dirty="0"/>
-              <a:t>(2)</a:t>
+              <a:t>Тестване на регистрация на админ</a:t>
             </a:r>
             <a:endParaRPr lang="en-BG" dirty="0"/>
           </a:p>
@@ -15437,14 +15438,13 @@
               </a:ext>
             </a:extLst>
           </a:blip>
-          <a:stretch>
-            <a:fillRect/>
-          </a:stretch>
+          <a:srcRect/>
+          <a:stretch/>
         </p:blipFill>
         <p:spPr>
           <a:xfrm>
-            <a:off x="6295749" y="2789412"/>
-            <a:ext cx="5132581" cy="2342192"/>
+            <a:off x="6295749" y="2804587"/>
+            <a:ext cx="5132581" cy="2311842"/>
           </a:xfrm>
           <a:prstGeom prst="rect">
             <a:avLst/>
@@ -15931,30 +15931,44 @@
           <a:lstStyle/>
           <a:p>
             <a:r>
-              <a:rPr lang="en-US" dirty="0">
-                <a:highlight>
-                  <a:srgbClr val="FFFF00"/>
-                </a:highlight>
+              <a:rPr lang="bg-BG" sz="3200" dirty="0"/>
+              <a:t>Въвеждане на</a:t>
+            </a:r>
+            <a:r>
+              <a:rPr lang="en-US" sz="3200" dirty="0"/>
+              <a:t> </a:t>
+            </a:r>
+            <a:r>
+              <a:rPr lang="bg-BG" sz="3200" b="1" dirty="0">
+                <a:solidFill>
+                  <a:schemeClr val="bg1"/>
+                </a:solidFill>
               </a:rPr>
-              <a:t>TODO: </a:t>
+              <a:t>валидни данни</a:t>
+            </a:r>
+            <a:r>
+              <a:rPr lang="en-BG" sz="3200" b="1" dirty="0">
+                <a:solidFill>
+                  <a:schemeClr val="bg1"/>
+                </a:solidFill>
+              </a:rPr>
+              <a:t> </a:t>
             </a:r>
             <a:r>
               <a:rPr lang="bg-BG" dirty="0">
-                <a:highlight>
-                  <a:srgbClr val="FFFF00"/>
-                </a:highlight>
-              </a:rPr>
-              <a:t>тестваме с валидни данни </a:t>
-            </a:r>
-            <a:r>
-              <a:rPr lang="bg-BG" dirty="0">
-                <a:highlight>
-                  <a:srgbClr val="FFFF00"/>
-                </a:highlight>
                 <a:sym typeface="Wingdings" panose="05000000000000000000" pitchFamily="2" charset="2"/>
               </a:rPr>
-              <a:t> всичко трябва да работи коректно</a:t>
-            </a:r>
+              <a:t> всичко трябва да работи </a:t>
+            </a:r>
+            <a:r>
+              <a:rPr lang="bg-BG" b="1" dirty="0">
+                <a:sym typeface="Wingdings" panose="05000000000000000000" pitchFamily="2" charset="2"/>
+              </a:rPr>
+              <a:t>коректно</a:t>
+            </a:r>
+            <a:endParaRPr lang="en-US" b="1" dirty="0"/>
+          </a:p>
+          <a:p>
             <a:endParaRPr lang="en-US" dirty="0">
               <a:highlight>
                 <a:srgbClr val="FFFF00"/>
@@ -15981,14 +15995,156 @@
         </p:nvSpPr>
         <p:spPr/>
         <p:txBody>
-          <a:bodyPr/>
+          <a:bodyPr>
+            <a:noAutofit/>
+          </a:bodyPr>
           <a:lstStyle/>
           <a:p>
             <a:r>
-              <a:rPr lang="bg-BG" dirty="0"/>
-              <a:t>Тестване на отделни функционалности</a:t>
-            </a:r>
-            <a:endParaRPr lang="en-US" dirty="0"/>
+              <a:rPr lang="bg-BG" sz="3200" dirty="0"/>
+              <a:t>Тестване на отделни функционалности - валидни данни</a:t>
+            </a:r>
+            <a:endParaRPr lang="en-US" sz="3200" dirty="0"/>
+          </a:p>
+        </p:txBody>
+      </p:sp>
+      <p:pic>
+        <p:nvPicPr>
+          <p:cNvPr id="6" name="Picture 5">
+            <a:extLst>
+              <a:ext uri="{FF2B5EF4-FFF2-40B4-BE49-F238E27FC236}">
+                <a16:creationId xmlns:a16="http://schemas.microsoft.com/office/drawing/2014/main" id="{6837CF41-6FE5-52BD-1A9C-DCD750E7D993}"/>
+              </a:ext>
+            </a:extLst>
+          </p:cNvPr>
+          <p:cNvPicPr>
+            <a:picLocks noChangeAspect="1"/>
+          </p:cNvPicPr>
+          <p:nvPr/>
+        </p:nvPicPr>
+        <p:blipFill>
+          <a:blip r:embed="rId2">
+            <a:extLst>
+              <a:ext uri="{28A0092B-C50C-407E-A947-70E740481C1C}">
+                <a14:useLocalDpi xmlns:a14="http://schemas.microsoft.com/office/drawing/2010/main" val="0"/>
+              </a:ext>
+            </a:extLst>
+          </a:blip>
+          <a:stretch>
+            <a:fillRect/>
+          </a:stretch>
+        </p:blipFill>
+        <p:spPr>
+          <a:xfrm>
+            <a:off x="253140" y="2790052"/>
+            <a:ext cx="4169137" cy="3023623"/>
+          </a:xfrm>
+          <a:prstGeom prst="rect">
+            <a:avLst/>
+          </a:prstGeom>
+          <a:ln>
+            <a:solidFill>
+              <a:schemeClr val="bg2">
+                <a:lumMod val="75000"/>
+              </a:schemeClr>
+            </a:solidFill>
+          </a:ln>
+        </p:spPr>
+      </p:pic>
+      <p:pic>
+        <p:nvPicPr>
+          <p:cNvPr id="8" name="Picture 7">
+            <a:extLst>
+              <a:ext uri="{FF2B5EF4-FFF2-40B4-BE49-F238E27FC236}">
+                <a16:creationId xmlns:a16="http://schemas.microsoft.com/office/drawing/2014/main" id="{D046122A-33C2-D5E6-276B-F6E2E6241EA7}"/>
+              </a:ext>
+            </a:extLst>
+          </p:cNvPr>
+          <p:cNvPicPr>
+            <a:picLocks noChangeAspect="1"/>
+          </p:cNvPicPr>
+          <p:nvPr/>
+        </p:nvPicPr>
+        <p:blipFill>
+          <a:blip r:embed="rId3">
+            <a:extLst>
+              <a:ext uri="{28A0092B-C50C-407E-A947-70E740481C1C}">
+                <a14:useLocalDpi xmlns:a14="http://schemas.microsoft.com/office/drawing/2010/main" val="0"/>
+              </a:ext>
+            </a:extLst>
+          </a:blip>
+          <a:stretch>
+            <a:fillRect/>
+          </a:stretch>
+        </p:blipFill>
+        <p:spPr>
+          <a:xfrm>
+            <a:off x="5740916" y="2619000"/>
+            <a:ext cx="6198775" cy="3208521"/>
+          </a:xfrm>
+          <a:prstGeom prst="rect">
+            <a:avLst/>
+          </a:prstGeom>
+          <a:ln>
+            <a:solidFill>
+              <a:schemeClr val="bg2">
+                <a:lumMod val="75000"/>
+              </a:schemeClr>
+            </a:solidFill>
+          </a:ln>
+        </p:spPr>
+      </p:pic>
+      <p:sp>
+        <p:nvSpPr>
+          <p:cNvPr id="9" name="Arrow: Right 10">
+            <a:extLst>
+              <a:ext uri="{FF2B5EF4-FFF2-40B4-BE49-F238E27FC236}">
+                <a16:creationId xmlns:a16="http://schemas.microsoft.com/office/drawing/2014/main" id="{2182078A-3EE2-A36E-7F37-6BE9A9251E0F}"/>
+              </a:ext>
+            </a:extLst>
+          </p:cNvPr>
+          <p:cNvSpPr/>
+          <p:nvPr/>
+        </p:nvSpPr>
+        <p:spPr>
+          <a:xfrm>
+            <a:off x="4480492" y="3728260"/>
+            <a:ext cx="1292400" cy="990000"/>
+          </a:xfrm>
+          <a:prstGeom prst="rightArrow">
+            <a:avLst/>
+          </a:prstGeom>
+          <a:solidFill>
+            <a:schemeClr val="tx1"/>
+          </a:solidFill>
+          <a:ln>
+            <a:solidFill>
+              <a:schemeClr val="tx1"/>
+            </a:solidFill>
+          </a:ln>
+        </p:spPr>
+        <p:style>
+          <a:lnRef idx="2">
+            <a:schemeClr val="accent1">
+              <a:shade val="50000"/>
+            </a:schemeClr>
+          </a:lnRef>
+          <a:fillRef idx="1">
+            <a:schemeClr val="accent1"/>
+          </a:fillRef>
+          <a:effectRef idx="0">
+            <a:schemeClr val="accent1"/>
+          </a:effectRef>
+          <a:fontRef idx="minor">
+            <a:schemeClr val="lt1"/>
+          </a:fontRef>
+        </p:style>
+        <p:txBody>
+          <a:bodyPr rtlCol="0" anchor="ctr"/>
+          <a:lstStyle/>
+          <a:p>
+            <a:pPr algn="ctr"/>
+            <a:endParaRPr lang="en-US" sz="2799"/>
           </a:p>
         </p:txBody>
       </p:sp>
@@ -16010,6 +16166,129 @@
       <p:transition spd="slow" advClick="0" advTm="5000"/>
     </mc:Fallback>
   </mc:AlternateContent>
+  <p:timing>
+    <p:tnLst>
+      <p:par>
+        <p:cTn id="1" dur="indefinite" restart="never" nodeType="tmRoot">
+          <p:childTnLst>
+            <p:seq concurrent="1" nextAc="seek">
+              <p:cTn id="2" dur="indefinite" nodeType="mainSeq">
+                <p:childTnLst>
+                  <p:par>
+                    <p:cTn id="3" fill="hold">
+                      <p:stCondLst>
+                        <p:cond delay="indefinite"/>
+                      </p:stCondLst>
+                      <p:childTnLst>
+                        <p:par>
+                          <p:cTn id="4" fill="hold">
+                            <p:stCondLst>
+                              <p:cond delay="0"/>
+                            </p:stCondLst>
+                            <p:childTnLst>
+                              <p:par>
+                                <p:cTn id="5" presetID="1" presetClass="entr" presetSubtype="0" fill="hold" grpId="0" nodeType="clickEffect">
+                                  <p:stCondLst>
+                                    <p:cond delay="0"/>
+                                  </p:stCondLst>
+                                  <p:childTnLst>
+                                    <p:set>
+                                      <p:cBhvr>
+                                        <p:cTn id="6" dur="1" fill="hold">
+                                          <p:stCondLst>
+                                            <p:cond delay="0"/>
+                                          </p:stCondLst>
+                                        </p:cTn>
+                                        <p:tgtEl>
+                                          <p:spTgt spid="9"/>
+                                        </p:tgtEl>
+                                        <p:attrNameLst>
+                                          <p:attrName>style.visibility</p:attrName>
+                                        </p:attrNameLst>
+                                      </p:cBhvr>
+                                      <p:to>
+                                        <p:strVal val="visible"/>
+                                      </p:to>
+                                    </p:set>
+                                  </p:childTnLst>
+                                </p:cTn>
+                              </p:par>
+                            </p:childTnLst>
+                          </p:cTn>
+                        </p:par>
+                      </p:childTnLst>
+                    </p:cTn>
+                  </p:par>
+                  <p:par>
+                    <p:cTn id="7" fill="hold">
+                      <p:stCondLst>
+                        <p:cond delay="indefinite"/>
+                      </p:stCondLst>
+                      <p:childTnLst>
+                        <p:par>
+                          <p:cTn id="8" fill="hold">
+                            <p:stCondLst>
+                              <p:cond delay="0"/>
+                            </p:stCondLst>
+                            <p:childTnLst>
+                              <p:par>
+                                <p:cTn id="9" presetID="1" presetClass="entr" presetSubtype="0" fill="hold" nodeType="clickEffect">
+                                  <p:stCondLst>
+                                    <p:cond delay="0"/>
+                                  </p:stCondLst>
+                                  <p:childTnLst>
+                                    <p:set>
+                                      <p:cBhvr>
+                                        <p:cTn id="10" dur="1" fill="hold">
+                                          <p:stCondLst>
+                                            <p:cond delay="0"/>
+                                          </p:stCondLst>
+                                        </p:cTn>
+                                        <p:tgtEl>
+                                          <p:spTgt spid="8"/>
+                                        </p:tgtEl>
+                                        <p:attrNameLst>
+                                          <p:attrName>style.visibility</p:attrName>
+                                        </p:attrNameLst>
+                                      </p:cBhvr>
+                                      <p:to>
+                                        <p:strVal val="visible"/>
+                                      </p:to>
+                                    </p:set>
+                                  </p:childTnLst>
+                                </p:cTn>
+                              </p:par>
+                            </p:childTnLst>
+                          </p:cTn>
+                        </p:par>
+                      </p:childTnLst>
+                    </p:cTn>
+                  </p:par>
+                </p:childTnLst>
+              </p:cTn>
+              <p:prevCondLst>
+                <p:cond evt="onPrev" delay="0">
+                  <p:tgtEl>
+                    <p:sldTgt/>
+                  </p:tgtEl>
+                </p:cond>
+              </p:prevCondLst>
+              <p:nextCondLst>
+                <p:cond evt="onNext" delay="0">
+                  <p:tgtEl>
+                    <p:sldTgt/>
+                  </p:tgtEl>
+                </p:cond>
+              </p:nextCondLst>
+            </p:seq>
+          </p:childTnLst>
+        </p:cTn>
+      </p:par>
+    </p:tnLst>
+    <p:bldLst>
+      <p:bldP spid="9" grpId="0" animBg="1"/>
+    </p:bldLst>
+  </p:timing>
 </p:sld>
 </file>
 
@@ -16202,7 +16481,7 @@
           </p:cNvPicPr>
           <p:nvPr/>
         </p:nvPicPr>
-        <p:blipFill rotWithShape="1">
+        <p:blipFill>
           <a:blip r:embed="rId3">
             <a:extLst>
               <a:ext uri="{28A0092B-C50C-407E-A947-70E740481C1C}">
@@ -16210,7 +16489,7 @@
               </a:ext>
             </a:extLst>
           </a:blip>
-          <a:srcRect l="1" r="824"/>
+          <a:srcRect l="726" r="726"/>
           <a:stretch/>
         </p:blipFill>
         <p:spPr>
@@ -16629,14 +16908,13 @@
               </a:ext>
             </a:extLst>
           </a:blip>
-          <a:stretch>
-            <a:fillRect/>
-          </a:stretch>
+          <a:srcRect/>
+          <a:stretch/>
         </p:blipFill>
         <p:spPr>
           <a:xfrm>
-            <a:off x="7301953" y="2568094"/>
-            <a:ext cx="4284047" cy="2752801"/>
+            <a:off x="7301953" y="2571181"/>
+            <a:ext cx="4284047" cy="2746626"/>
           </a:xfrm>
           <a:prstGeom prst="rect">
             <a:avLst/>
@@ -17044,14 +17322,13 @@
               </a:ext>
             </a:extLst>
           </a:blip>
-          <a:stretch>
-            <a:fillRect/>
-          </a:stretch>
+          <a:srcRect/>
+          <a:stretch/>
         </p:blipFill>
         <p:spPr>
           <a:xfrm>
-            <a:off x="7566500" y="2571585"/>
-            <a:ext cx="4109500" cy="2815445"/>
+            <a:off x="7576068" y="2571585"/>
+            <a:ext cx="4090363" cy="2815445"/>
           </a:xfrm>
           <a:prstGeom prst="rect">
             <a:avLst/>
@@ -17396,7 +17673,15 @@
             </a:r>
             <a:r>
               <a:rPr lang="en-US" dirty="0"/>
-              <a:t>(1)</a:t>
+              <a:t>(</a:t>
+            </a:r>
+            <a:r>
+              <a:rPr lang="bg-BG" dirty="0"/>
+              <a:t>4</a:t>
+            </a:r>
+            <a:r>
+              <a:rPr lang="en-US" dirty="0"/>
+              <a:t>)</a:t>
             </a:r>
             <a:endParaRPr lang="en-BG" dirty="0"/>
           </a:p>
@@ -17429,50 +17714,8 @@
         </p:blipFill>
         <p:spPr>
           <a:xfrm>
-            <a:off x="496858" y="2415440"/>
-            <a:ext cx="4326190" cy="3090136"/>
-          </a:xfrm>
-          <a:prstGeom prst="rect">
-            <a:avLst/>
-          </a:prstGeom>
-          <a:ln>
-            <a:solidFill>
-              <a:schemeClr val="bg2">
-                <a:lumMod val="75000"/>
-              </a:schemeClr>
-            </a:solidFill>
-          </a:ln>
-        </p:spPr>
-      </p:pic>
-      <p:pic>
-        <p:nvPicPr>
-          <p:cNvPr id="8" name="Picture 7">
-            <a:extLst>
-              <a:ext uri="{FF2B5EF4-FFF2-40B4-BE49-F238E27FC236}">
-                <a16:creationId xmlns:a16="http://schemas.microsoft.com/office/drawing/2014/main" id="{0C4019A4-5829-1FEA-B24A-8EFBC6955183}"/>
-              </a:ext>
-            </a:extLst>
-          </p:cNvPr>
-          <p:cNvPicPr>
-            <a:picLocks noChangeAspect="1"/>
-          </p:cNvPicPr>
-          <p:nvPr/>
-        </p:nvPicPr>
-        <p:blipFill rotWithShape="1">
-          <a:blip r:embed="rId3">
-            <a:extLst>
-              <a:ext uri="{28A0092B-C50C-407E-A947-70E740481C1C}">
-                <a14:useLocalDpi xmlns:a14="http://schemas.microsoft.com/office/drawing/2010/main" val="0"/>
-              </a:ext>
-            </a:extLst>
-          </a:blip>
-          <a:srcRect l="1" r="824"/>
-          <a:stretch/>
-        </p:blipFill>
-        <p:spPr>
-          <a:xfrm>
-            <a:off x="6543448" y="2727255"/>
-            <a:ext cx="5132552" cy="2571725"/>
+            <a:off x="336014" y="2124107"/>
+            <a:ext cx="4823106" cy="3462743"/>
           </a:xfrm>
           <a:prstGeom prst="rect">
             <a:avLst/>
@@ -17500,7 +17743,7 @@
         </p:nvSpPr>
         <p:spPr>
           <a:xfrm>
-            <a:off x="5053340" y="3518117"/>
+            <a:off x="5636900" y="3360478"/>
             <a:ext cx="1292400" cy="990000"/>
           </a:xfrm>
           <a:prstGeom prst="rightArrow">
@@ -17540,305 +17783,48 @@
           </a:p>
         </p:txBody>
       </p:sp>
-      <p:sp>
-        <p:nvSpPr>
-          <p:cNvPr id="5" name="TextBox 4">
+      <p:pic>
+        <p:nvPicPr>
+          <p:cNvPr id="11" name="Picture 10">
             <a:extLst>
               <a:ext uri="{FF2B5EF4-FFF2-40B4-BE49-F238E27FC236}">
-                <a16:creationId xmlns:a16="http://schemas.microsoft.com/office/drawing/2014/main" id="{6EEEA0BE-0724-BA45-1C85-3DA64CBC31CA}"/>
+                <a16:creationId xmlns:a16="http://schemas.microsoft.com/office/drawing/2014/main" id="{C496A022-5155-265C-4CEE-CB4BBC9FFD04}"/>
               </a:ext>
             </a:extLst>
           </p:cNvPr>
-          <p:cNvSpPr txBox="1"/>
+          <p:cNvPicPr>
+            <a:picLocks noChangeAspect="1"/>
+          </p:cNvPicPr>
           <p:nvPr/>
-        </p:nvSpPr>
+        </p:nvPicPr>
+        <p:blipFill rotWithShape="1">
+          <a:blip r:embed="rId3">
+            <a:extLst>
+              <a:ext uri="{28A0092B-C50C-407E-A947-70E740481C1C}">
+                <a14:useLocalDpi xmlns:a14="http://schemas.microsoft.com/office/drawing/2010/main" val="0"/>
+              </a:ext>
+            </a:extLst>
+          </a:blip>
+          <a:srcRect b="1482"/>
+          <a:stretch/>
+        </p:blipFill>
         <p:spPr>
           <a:xfrm>
-            <a:off x="555200" y="3007729"/>
-            <a:ext cx="2429218" cy="411111"/>
+            <a:off x="7487174" y="2435814"/>
+            <a:ext cx="3963450" cy="3049388"/>
           </a:xfrm>
           <a:prstGeom prst="rect">
             <a:avLst/>
           </a:prstGeom>
-          <a:noFill/>
-          <a:ln w="12700">
-            <a:noFill/>
-          </a:ln>
-        </p:spPr>
-        <p:txBody>
-          <a:bodyPr vert="horz" wrap="none" lIns="144000" tIns="108000" rIns="144000" bIns="108000" rtlCol="0">
-            <a:spAutoFit/>
-          </a:bodyPr>
-          <a:lstStyle/>
-          <a:p>
-            <a:pPr algn="l" eaLnBrk="0" hangingPunct="0">
-              <a:lnSpc>
-                <a:spcPct val="110000"/>
-              </a:lnSpc>
-              <a:buClr>
-                <a:schemeClr val="accent5">
-                  <a:lumMod val="40000"/>
-                  <a:lumOff val="60000"/>
-                </a:schemeClr>
-              </a:buClr>
-              <a:buSzPct val="70000"/>
-            </a:pPr>
-            <a:r>
-              <a:rPr lang="en-US" sz="1200" noProof="1"/>
-              <a:t>ааааааааааааааааааааааааааааа</a:t>
-            </a:r>
-          </a:p>
-        </p:txBody>
-      </p:sp>
-      <p:sp>
-        <p:nvSpPr>
-          <p:cNvPr id="7" name="Rectangle 6">
-            <a:extLst>
-              <a:ext uri="{FF2B5EF4-FFF2-40B4-BE49-F238E27FC236}">
-                <a16:creationId xmlns:a16="http://schemas.microsoft.com/office/drawing/2014/main" id="{BBF1C672-0778-F826-7DD3-0E47556A07BB}"/>
-              </a:ext>
-            </a:extLst>
-          </p:cNvPr>
-          <p:cNvSpPr/>
-          <p:nvPr/>
-        </p:nvSpPr>
-        <p:spPr bwMode="auto">
-          <a:xfrm>
-            <a:off x="2966818" y="4649375"/>
-            <a:ext cx="6070244" cy="2025000"/>
-          </a:xfrm>
-          <a:prstGeom prst="rect">
-            <a:avLst/>
-          </a:prstGeom>
-          <a:solidFill>
-            <a:schemeClr val="dk2">
-              <a:alpha val="80000"/>
-            </a:schemeClr>
-          </a:solidFill>
-          <a:ln w="19050">
+          <a:ln>
             <a:solidFill>
-              <a:schemeClr val="tx1">
+              <a:schemeClr val="bg2">
                 <a:lumMod val="75000"/>
-                <a:alpha val="80000"/>
               </a:schemeClr>
             </a:solidFill>
           </a:ln>
-          <a:effectLst/>
         </p:spPr>
-        <p:style>
-          <a:lnRef idx="2">
-            <a:schemeClr val="accent1">
-              <a:shade val="50000"/>
-            </a:schemeClr>
-          </a:lnRef>
-          <a:fillRef idx="1001">
-            <a:schemeClr val="dk2"/>
-          </a:fillRef>
-          <a:effectRef idx="0">
-            <a:schemeClr val="accent1"/>
-          </a:effectRef>
-          <a:fontRef idx="minor">
-            <a:schemeClr val="lt1"/>
-          </a:fontRef>
-        </p:style>
-        <p:txBody>
-          <a:bodyPr rot="0" spcFirstLastPara="0" vert="horz" wrap="square" lIns="91440" tIns="45720" rIns="91440" bIns="45720" numCol="1" spcCol="0" rtlCol="0" fromWordArt="0" anchor="ctr" anchorCtr="0" forceAA="0" compatLnSpc="1">
-            <a:prstTxWarp prst="textNoShape">
-              <a:avLst/>
-            </a:prstTxWarp>
-            <a:noAutofit/>
-          </a:bodyPr>
-          <a:lstStyle>
-            <a:defPPr>
-              <a:defRPr lang="en-US"/>
-            </a:defPPr>
-            <a:lvl1pPr marL="0" algn="l" defTabSz="914400" rtl="0" eaLnBrk="1" latinLnBrk="0" hangingPunct="1">
-              <a:defRPr sz="1800" kern="1200">
-                <a:solidFill>
-                  <a:schemeClr val="lt1"/>
-                </a:solidFill>
-                <a:latin typeface="+mn-lt"/>
-                <a:ea typeface="+mn-ea"/>
-                <a:cs typeface="+mn-cs"/>
-              </a:defRPr>
-            </a:lvl1pPr>
-            <a:lvl2pPr marL="457200" algn="l" defTabSz="914400" rtl="0" eaLnBrk="1" latinLnBrk="0" hangingPunct="1">
-              <a:defRPr sz="1800" kern="1200">
-                <a:solidFill>
-                  <a:schemeClr val="lt1"/>
-                </a:solidFill>
-                <a:latin typeface="+mn-lt"/>
-                <a:ea typeface="+mn-ea"/>
-                <a:cs typeface="+mn-cs"/>
-              </a:defRPr>
-            </a:lvl2pPr>
-            <a:lvl3pPr marL="914400" algn="l" defTabSz="914400" rtl="0" eaLnBrk="1" latinLnBrk="0" hangingPunct="1">
-              <a:defRPr sz="1800" kern="1200">
-                <a:solidFill>
-                  <a:schemeClr val="lt1"/>
-                </a:solidFill>
-                <a:latin typeface="+mn-lt"/>
-                <a:ea typeface="+mn-ea"/>
-                <a:cs typeface="+mn-cs"/>
-              </a:defRPr>
-            </a:lvl3pPr>
-            <a:lvl4pPr marL="1371600" algn="l" defTabSz="914400" rtl="0" eaLnBrk="1" latinLnBrk="0" hangingPunct="1">
-              <a:defRPr sz="1800" kern="1200">
-                <a:solidFill>
-                  <a:schemeClr val="lt1"/>
-                </a:solidFill>
-                <a:latin typeface="+mn-lt"/>
-                <a:ea typeface="+mn-ea"/>
-                <a:cs typeface="+mn-cs"/>
-              </a:defRPr>
-            </a:lvl4pPr>
-            <a:lvl5pPr marL="1828800" algn="l" defTabSz="914400" rtl="0" eaLnBrk="1" latinLnBrk="0" hangingPunct="1">
-              <a:defRPr sz="1800" kern="1200">
-                <a:solidFill>
-                  <a:schemeClr val="lt1"/>
-                </a:solidFill>
-                <a:latin typeface="+mn-lt"/>
-                <a:ea typeface="+mn-ea"/>
-                <a:cs typeface="+mn-cs"/>
-              </a:defRPr>
-            </a:lvl5pPr>
-            <a:lvl6pPr marL="2286000" algn="l" defTabSz="914400" rtl="0" eaLnBrk="1" latinLnBrk="0" hangingPunct="1">
-              <a:defRPr sz="1800" kern="1200">
-                <a:solidFill>
-                  <a:schemeClr val="lt1"/>
-                </a:solidFill>
-                <a:latin typeface="+mn-lt"/>
-                <a:ea typeface="+mn-ea"/>
-                <a:cs typeface="+mn-cs"/>
-              </a:defRPr>
-            </a:lvl6pPr>
-            <a:lvl7pPr marL="2743200" algn="l" defTabSz="914400" rtl="0" eaLnBrk="1" latinLnBrk="0" hangingPunct="1">
-              <a:defRPr sz="1800" kern="1200">
-                <a:solidFill>
-                  <a:schemeClr val="lt1"/>
-                </a:solidFill>
-                <a:latin typeface="+mn-lt"/>
-                <a:ea typeface="+mn-ea"/>
-                <a:cs typeface="+mn-cs"/>
-              </a:defRPr>
-            </a:lvl7pPr>
-            <a:lvl8pPr marL="3200400" algn="l" defTabSz="914400" rtl="0" eaLnBrk="1" latinLnBrk="0" hangingPunct="1">
-              <a:defRPr sz="1800" kern="1200">
-                <a:solidFill>
-                  <a:schemeClr val="lt1"/>
-                </a:solidFill>
-                <a:latin typeface="+mn-lt"/>
-                <a:ea typeface="+mn-ea"/>
-                <a:cs typeface="+mn-cs"/>
-              </a:defRPr>
-            </a:lvl8pPr>
-            <a:lvl9pPr marL="3657600" algn="l" defTabSz="914400" rtl="0" eaLnBrk="1" latinLnBrk="0" hangingPunct="1">
-              <a:defRPr sz="1800" kern="1200">
-                <a:solidFill>
-                  <a:schemeClr val="lt1"/>
-                </a:solidFill>
-                <a:latin typeface="+mn-lt"/>
-                <a:ea typeface="+mn-ea"/>
-                <a:cs typeface="+mn-cs"/>
-              </a:defRPr>
-            </a:lvl9pPr>
-          </a:lstStyle>
-          <a:p>
-            <a:pPr algn="ctr"/>
-            <a:r>
-              <a:rPr lang="en-US" sz="2800" b="1" dirty="0">
-                <a:solidFill>
-                  <a:srgbClr val="FFFFFF"/>
-                </a:solidFill>
-                <a:effectLst>
-                  <a:outerShdw blurRad="38100" dist="38100" dir="2700000" algn="tl">
-                    <a:srgbClr val="000000">
-                      <a:alpha val="43137"/>
-                    </a:srgbClr>
-                  </a:outerShdw>
-                </a:effectLst>
-                <a:highlight>
-                  <a:srgbClr val="FFFF00"/>
-                </a:highlight>
-              </a:rPr>
-              <a:t>TODO: </a:t>
-            </a:r>
-            <a:r>
-              <a:rPr lang="bg-BG" sz="2800" b="1" dirty="0">
-                <a:solidFill>
-                  <a:srgbClr val="FFFFFF"/>
-                </a:solidFill>
-                <a:effectLst>
-                  <a:outerShdw blurRad="38100" dist="38100" dir="2700000" algn="tl">
-                    <a:srgbClr val="000000">
-                      <a:alpha val="43137"/>
-                    </a:srgbClr>
-                  </a:outerShdw>
-                </a:effectLst>
-                <a:highlight>
-                  <a:srgbClr val="FFFF00"/>
-                </a:highlight>
-              </a:rPr>
-              <a:t>да се тества какво се случва!!!</a:t>
-            </a:r>
-          </a:p>
-          <a:p>
-            <a:pPr algn="ctr"/>
-            <a:r>
-              <a:rPr lang="bg-BG" sz="2800" b="1" dirty="0">
-                <a:solidFill>
-                  <a:srgbClr val="FFFFFF"/>
-                </a:solidFill>
-                <a:effectLst>
-                  <a:outerShdw blurRad="38100" dist="38100" dir="2700000" algn="tl">
-                    <a:srgbClr val="000000">
-                      <a:alpha val="43137"/>
-                    </a:srgbClr>
-                  </a:outerShdw>
-                </a:effectLst>
-                <a:highlight>
-                  <a:srgbClr val="FFFF00"/>
-                </a:highlight>
-              </a:rPr>
-              <a:t>Ако намерим грешка </a:t>
-            </a:r>
-            <a:r>
-              <a:rPr lang="bg-BG" sz="2800" b="1" dirty="0">
-                <a:solidFill>
-                  <a:srgbClr val="FFFFFF"/>
-                </a:solidFill>
-                <a:effectLst>
-                  <a:outerShdw blurRad="38100" dist="38100" dir="2700000" algn="tl">
-                    <a:srgbClr val="000000">
-                      <a:alpha val="43137"/>
-                    </a:srgbClr>
-                  </a:outerShdw>
-                </a:effectLst>
-                <a:highlight>
-                  <a:srgbClr val="FFFF00"/>
-                </a:highlight>
-                <a:sym typeface="Wingdings" panose="05000000000000000000" pitchFamily="2" charset="2"/>
-              </a:rPr>
-              <a:t> супер  докладваме я. Да се провери дали съобщението за грешка е адекватно.</a:t>
-            </a:r>
-            <a:endParaRPr lang="en-US" sz="2800" b="1" dirty="0">
-              <a:solidFill>
-                <a:srgbClr val="FFFFFF"/>
-              </a:solidFill>
-              <a:effectLst>
-                <a:outerShdw blurRad="38100" dist="38100" dir="2700000" algn="tl">
-                  <a:srgbClr val="000000">
-                    <a:alpha val="43137"/>
-                  </a:srgbClr>
-                </a:outerShdw>
-              </a:effectLst>
-              <a:highlight>
-                <a:srgbClr val="FFFF00"/>
-              </a:highlight>
-            </a:endParaRPr>
-          </a:p>
-        </p:txBody>
-      </p:sp>
+      </p:pic>
     </p:spTree>
     <p:extLst>
       <p:ext uri="{BB962C8B-B14F-4D97-AF65-F5344CB8AC3E}">
@@ -17892,51 +17878,6 @@
                                         </p:cTn>
                                         <p:tgtEl>
                                           <p:spTgt spid="9"/>
-                                        </p:tgtEl>
-                                        <p:attrNameLst>
-                                          <p:attrName>style.visibility</p:attrName>
-                                        </p:attrNameLst>
-                                      </p:cBhvr>
-                                      <p:to>
-                                        <p:strVal val="visible"/>
-                                      </p:to>
-                                    </p:set>
-                                  </p:childTnLst>
-                                </p:cTn>
-                              </p:par>
-                            </p:childTnLst>
-                          </p:cTn>
-                        </p:par>
-                      </p:childTnLst>
-                    </p:cTn>
-                  </p:par>
-                  <p:par>
-                    <p:cTn id="7" fill="hold">
-                      <p:stCondLst>
-                        <p:cond delay="indefinite"/>
-                      </p:stCondLst>
-                      <p:childTnLst>
-                        <p:par>
-                          <p:cTn id="8" fill="hold">
-                            <p:stCondLst>
-                              <p:cond delay="0"/>
-                            </p:stCondLst>
-                            <p:childTnLst>
-                              <p:par>
-                                <p:cTn id="9" presetID="1" presetClass="entr" presetSubtype="0" fill="hold" nodeType="clickEffect">
-                                  <p:stCondLst>
-                                    <p:cond delay="0"/>
-                                  </p:stCondLst>
-                                  <p:childTnLst>
-                                    <p:set>
-                                      <p:cBhvr>
-                                        <p:cTn id="10" dur="1" fill="hold">
-                                          <p:stCondLst>
-                                            <p:cond delay="0"/>
-                                          </p:stCondLst>
-                                        </p:cTn>
-                                        <p:tgtEl>
-                                          <p:spTgt spid="8"/>
                                         </p:tgtEl>
                                         <p:attrNameLst>
                                           <p:attrName>style.visibility</p:attrName>

--- a/Courses/Software-Sciences/Module-4-Information-Systems-New/13-Information-System-Testing/13-Information-System-Testing.pptx
+++ b/Courses/Software-Sciences/Module-4-Information-Systems-New/13-Information-System-Testing/13-Information-System-Testing.pptx
@@ -309,7 +309,7 @@
           <a:p>
             <a:fld id="{4E087215-0C8F-4762-A664-737A353EC9A4}" type="datetimeFigureOut">
               <a:rPr lang="bg-BG" smtClean="0"/>
-              <a:t>12.01.25 г.</a:t>
+              <a:t>13.01.25 г.</a:t>
             </a:fld>
             <a:endParaRPr lang="bg-BG"/>
           </a:p>
@@ -505,7 +505,7 @@
           <a:p>
             <a:fld id="{72D84649-876A-46C9-8472-14CB09C070D8}" type="datetimeFigureOut">
               <a:rPr lang="en-US" smtClean="0"/>
-              <a:t>1/12/25</a:t>
+              <a:t>1/13/25</a:t>
             </a:fld>
             <a:endParaRPr lang="en-US"/>
           </a:p>
@@ -15509,206 +15509,6 @@
           <a:p>
             <a:pPr algn="ctr"/>
             <a:endParaRPr lang="en-US" sz="2799"/>
-          </a:p>
-        </p:txBody>
-      </p:sp>
-      <p:sp>
-        <p:nvSpPr>
-          <p:cNvPr id="5" name="Rectangle 4">
-            <a:extLst>
-              <a:ext uri="{FF2B5EF4-FFF2-40B4-BE49-F238E27FC236}">
-                <a16:creationId xmlns:a16="http://schemas.microsoft.com/office/drawing/2014/main" id="{1E266AC6-9B8D-224D-D0DC-7ED3ACD1EF74}"/>
-              </a:ext>
-            </a:extLst>
-          </p:cNvPr>
-          <p:cNvSpPr/>
-          <p:nvPr/>
-        </p:nvSpPr>
-        <p:spPr bwMode="auto">
-          <a:xfrm>
-            <a:off x="4341000" y="5344325"/>
-            <a:ext cx="4663149" cy="1213965"/>
-          </a:xfrm>
-          <a:prstGeom prst="rect">
-            <a:avLst/>
-          </a:prstGeom>
-          <a:solidFill>
-            <a:schemeClr val="dk2">
-              <a:alpha val="80000"/>
-            </a:schemeClr>
-          </a:solidFill>
-          <a:ln w="19050">
-            <a:solidFill>
-              <a:schemeClr val="tx1">
-                <a:lumMod val="75000"/>
-                <a:alpha val="80000"/>
-              </a:schemeClr>
-            </a:solidFill>
-          </a:ln>
-          <a:effectLst/>
-        </p:spPr>
-        <p:style>
-          <a:lnRef idx="2">
-            <a:schemeClr val="accent1">
-              <a:shade val="50000"/>
-            </a:schemeClr>
-          </a:lnRef>
-          <a:fillRef idx="1001">
-            <a:schemeClr val="dk2"/>
-          </a:fillRef>
-          <a:effectRef idx="0">
-            <a:schemeClr val="accent1"/>
-          </a:effectRef>
-          <a:fontRef idx="minor">
-            <a:schemeClr val="lt1"/>
-          </a:fontRef>
-        </p:style>
-        <p:txBody>
-          <a:bodyPr rot="0" spcFirstLastPara="0" vert="horz" wrap="square" lIns="91440" tIns="45720" rIns="91440" bIns="45720" numCol="1" spcCol="0" rtlCol="0" fromWordArt="0" anchor="ctr" anchorCtr="0" forceAA="0" compatLnSpc="1">
-            <a:prstTxWarp prst="textNoShape">
-              <a:avLst/>
-            </a:prstTxWarp>
-            <a:noAutofit/>
-          </a:bodyPr>
-          <a:lstStyle>
-            <a:defPPr>
-              <a:defRPr lang="en-US"/>
-            </a:defPPr>
-            <a:lvl1pPr marL="0" algn="l" defTabSz="914400" rtl="0" eaLnBrk="1" latinLnBrk="0" hangingPunct="1">
-              <a:defRPr sz="1800" kern="1200">
-                <a:solidFill>
-                  <a:schemeClr val="lt1"/>
-                </a:solidFill>
-                <a:latin typeface="+mn-lt"/>
-                <a:ea typeface="+mn-ea"/>
-                <a:cs typeface="+mn-cs"/>
-              </a:defRPr>
-            </a:lvl1pPr>
-            <a:lvl2pPr marL="457200" algn="l" defTabSz="914400" rtl="0" eaLnBrk="1" latinLnBrk="0" hangingPunct="1">
-              <a:defRPr sz="1800" kern="1200">
-                <a:solidFill>
-                  <a:schemeClr val="lt1"/>
-                </a:solidFill>
-                <a:latin typeface="+mn-lt"/>
-                <a:ea typeface="+mn-ea"/>
-                <a:cs typeface="+mn-cs"/>
-              </a:defRPr>
-            </a:lvl2pPr>
-            <a:lvl3pPr marL="914400" algn="l" defTabSz="914400" rtl="0" eaLnBrk="1" latinLnBrk="0" hangingPunct="1">
-              <a:defRPr sz="1800" kern="1200">
-                <a:solidFill>
-                  <a:schemeClr val="lt1"/>
-                </a:solidFill>
-                <a:latin typeface="+mn-lt"/>
-                <a:ea typeface="+mn-ea"/>
-                <a:cs typeface="+mn-cs"/>
-              </a:defRPr>
-            </a:lvl3pPr>
-            <a:lvl4pPr marL="1371600" algn="l" defTabSz="914400" rtl="0" eaLnBrk="1" latinLnBrk="0" hangingPunct="1">
-              <a:defRPr sz="1800" kern="1200">
-                <a:solidFill>
-                  <a:schemeClr val="lt1"/>
-                </a:solidFill>
-                <a:latin typeface="+mn-lt"/>
-                <a:ea typeface="+mn-ea"/>
-                <a:cs typeface="+mn-cs"/>
-              </a:defRPr>
-            </a:lvl4pPr>
-            <a:lvl5pPr marL="1828800" algn="l" defTabSz="914400" rtl="0" eaLnBrk="1" latinLnBrk="0" hangingPunct="1">
-              <a:defRPr sz="1800" kern="1200">
-                <a:solidFill>
-                  <a:schemeClr val="lt1"/>
-                </a:solidFill>
-                <a:latin typeface="+mn-lt"/>
-                <a:ea typeface="+mn-ea"/>
-                <a:cs typeface="+mn-cs"/>
-              </a:defRPr>
-            </a:lvl5pPr>
-            <a:lvl6pPr marL="2286000" algn="l" defTabSz="914400" rtl="0" eaLnBrk="1" latinLnBrk="0" hangingPunct="1">
-              <a:defRPr sz="1800" kern="1200">
-                <a:solidFill>
-                  <a:schemeClr val="lt1"/>
-                </a:solidFill>
-                <a:latin typeface="+mn-lt"/>
-                <a:ea typeface="+mn-ea"/>
-                <a:cs typeface="+mn-cs"/>
-              </a:defRPr>
-            </a:lvl6pPr>
-            <a:lvl7pPr marL="2743200" algn="l" defTabSz="914400" rtl="0" eaLnBrk="1" latinLnBrk="0" hangingPunct="1">
-              <a:defRPr sz="1800" kern="1200">
-                <a:solidFill>
-                  <a:schemeClr val="lt1"/>
-                </a:solidFill>
-                <a:latin typeface="+mn-lt"/>
-                <a:ea typeface="+mn-ea"/>
-                <a:cs typeface="+mn-cs"/>
-              </a:defRPr>
-            </a:lvl7pPr>
-            <a:lvl8pPr marL="3200400" algn="l" defTabSz="914400" rtl="0" eaLnBrk="1" latinLnBrk="0" hangingPunct="1">
-              <a:defRPr sz="1800" kern="1200">
-                <a:solidFill>
-                  <a:schemeClr val="lt1"/>
-                </a:solidFill>
-                <a:latin typeface="+mn-lt"/>
-                <a:ea typeface="+mn-ea"/>
-                <a:cs typeface="+mn-cs"/>
-              </a:defRPr>
-            </a:lvl8pPr>
-            <a:lvl9pPr marL="3657600" algn="l" defTabSz="914400" rtl="0" eaLnBrk="1" latinLnBrk="0" hangingPunct="1">
-              <a:defRPr sz="1800" kern="1200">
-                <a:solidFill>
-                  <a:schemeClr val="lt1"/>
-                </a:solidFill>
-                <a:latin typeface="+mn-lt"/>
-                <a:ea typeface="+mn-ea"/>
-                <a:cs typeface="+mn-cs"/>
-              </a:defRPr>
-            </a:lvl9pPr>
-          </a:lstStyle>
-          <a:p>
-            <a:pPr algn="ctr"/>
-            <a:r>
-              <a:rPr lang="en-US" sz="2800" b="1" dirty="0">
-                <a:solidFill>
-                  <a:srgbClr val="FFFFFF"/>
-                </a:solidFill>
-                <a:effectLst>
-                  <a:outerShdw blurRad="38100" dist="38100" dir="2700000" algn="tl">
-                    <a:srgbClr val="000000">
-                      <a:alpha val="43137"/>
-                    </a:srgbClr>
-                  </a:outerShdw>
-                </a:effectLst>
-              </a:rPr>
-              <a:t>TODO: </a:t>
-            </a:r>
-            <a:r>
-              <a:rPr lang="bg-BG" sz="2800" b="1" dirty="0">
-                <a:solidFill>
-                  <a:srgbClr val="FFFFFF"/>
-                </a:solidFill>
-                <a:effectLst>
-                  <a:outerShdw blurRad="38100" dist="38100" dir="2700000" algn="tl">
-                    <a:srgbClr val="000000">
-                      <a:alpha val="43137"/>
-                    </a:srgbClr>
-                  </a:outerShdw>
-                </a:effectLst>
-              </a:rPr>
-              <a:t>заглавие трябва да е "Регистрация на админ"</a:t>
-            </a:r>
-            <a:endParaRPr lang="en-US" sz="2800" b="1" dirty="0">
-              <a:solidFill>
-                <a:srgbClr val="FFFFFF"/>
-              </a:solidFill>
-              <a:effectLst>
-                <a:outerShdw blurRad="38100" dist="38100" dir="2700000" algn="tl">
-                  <a:srgbClr val="000000">
-                    <a:alpha val="43137"/>
-                  </a:srgbClr>
-                </a:outerShdw>
-              </a:effectLst>
-            </a:endParaRPr>
           </a:p>
         </p:txBody>
       </p:sp>

--- a/Courses/Software-Sciences/Module-4-Information-Systems-New/13-Information-System-Testing/13-Information-System-Testing.pptx
+++ b/Courses/Software-Sciences/Module-4-Information-Systems-New/13-Information-System-Testing/13-Information-System-Testing.pptx
@@ -13589,7 +13589,7 @@
           </p:cNvPicPr>
           <p:nvPr/>
         </p:nvPicPr>
-        <p:blipFill rotWithShape="1">
+        <p:blipFill>
           <a:blip r:embed="rId2">
             <a:extLst>
               <a:ext uri="{28A0092B-C50C-407E-A947-70E740481C1C}">
@@ -13597,7 +13597,7 @@
               </a:ext>
             </a:extLst>
           </a:blip>
-          <a:srcRect l="1256"/>
+          <a:srcRect t="361" b="361"/>
           <a:stretch/>
         </p:blipFill>
         <p:spPr>
@@ -14050,8 +14050,8 @@
         </p:blipFill>
         <p:spPr>
           <a:xfrm>
-            <a:off x="1584054" y="1743005"/>
-            <a:ext cx="2514600" cy="2413000"/>
+            <a:off x="1602595" y="1743005"/>
+            <a:ext cx="2477518" cy="2413000"/>
           </a:xfrm>
           <a:prstGeom prst="rect">
             <a:avLst/>
@@ -14134,8 +14134,8 @@
         </p:blipFill>
         <p:spPr>
           <a:xfrm>
-            <a:off x="1596754" y="4202392"/>
-            <a:ext cx="2514600" cy="2476111"/>
+            <a:off x="1596754" y="4215890"/>
+            <a:ext cx="2514600" cy="2449115"/>
           </a:xfrm>
           <a:prstGeom prst="rect">
             <a:avLst/>
@@ -15401,8 +15401,8 @@
         </p:blipFill>
         <p:spPr>
           <a:xfrm>
-            <a:off x="676251" y="2496979"/>
-            <a:ext cx="3355400" cy="3304041"/>
+            <a:off x="676251" y="2514990"/>
+            <a:ext cx="3355400" cy="3268019"/>
           </a:xfrm>
           <a:prstGeom prst="rect">
             <a:avLst/>
